--- a/JCC24_slide_Rhys.pptx
+++ b/JCC24_slide_Rhys.pptx
@@ -12006,6 +12006,36 @@
           </a:p>
         </p:txBody>
       </p:sp>
+      <p:pic>
+        <p:nvPicPr>
+          <p:cNvPr id="3" name="圖片 2">
+            <a:extLst>
+              <a:ext uri="{FF2B5EF4-FFF2-40B4-BE49-F238E27FC236}">
+                <a16:creationId xmlns:a16="http://schemas.microsoft.com/office/drawing/2014/main" id="{C56E380E-1BBF-64F6-6702-8D3E485B61D5}"/>
+              </a:ext>
+            </a:extLst>
+          </p:cNvPr>
+          <p:cNvPicPr>
+            <a:picLocks noChangeAspect="1"/>
+          </p:cNvPicPr>
+          <p:nvPr/>
+        </p:nvPicPr>
+        <p:blipFill>
+          <a:blip r:embed="rId3"/>
+          <a:stretch>
+            <a:fillRect/>
+          </a:stretch>
+        </p:blipFill>
+        <p:spPr>
+          <a:xfrm>
+            <a:off x="3759611" y="0"/>
+            <a:ext cx="5384389" cy="6335630"/>
+          </a:xfrm>
+          <a:prstGeom prst="rect">
+            <a:avLst/>
+          </a:prstGeom>
+        </p:spPr>
+      </p:pic>
     </p:spTree>
     <p:extLst>
       <p:ext uri="{BB962C8B-B14F-4D97-AF65-F5344CB8AC3E}">

--- a/JCC24_slide_Rhys.pptx
+++ b/JCC24_slide_Rhys.pptx
@@ -5,37 +5,38 @@
     <p:sldMasterId id="2147483652" r:id="rId1"/>
   </p:sldMasterIdLst>
   <p:notesMasterIdLst>
-    <p:notesMasterId r:id="rId30"/>
+    <p:notesMasterId r:id="rId31"/>
   </p:notesMasterIdLst>
   <p:sldIdLst>
     <p:sldId id="256" r:id="rId2"/>
     <p:sldId id="263" r:id="rId3"/>
-    <p:sldId id="261" r:id="rId4"/>
-    <p:sldId id="262" r:id="rId5"/>
-    <p:sldId id="260" r:id="rId6"/>
-    <p:sldId id="264" r:id="rId7"/>
-    <p:sldId id="265" r:id="rId8"/>
-    <p:sldId id="266" r:id="rId9"/>
-    <p:sldId id="285" r:id="rId10"/>
-    <p:sldId id="273" r:id="rId11"/>
-    <p:sldId id="269" r:id="rId12"/>
-    <p:sldId id="271" r:id="rId13"/>
-    <p:sldId id="272" r:id="rId14"/>
-    <p:sldId id="274" r:id="rId15"/>
-    <p:sldId id="277" r:id="rId16"/>
-    <p:sldId id="275" r:id="rId17"/>
-    <p:sldId id="278" r:id="rId18"/>
-    <p:sldId id="279" r:id="rId19"/>
-    <p:sldId id="281" r:id="rId20"/>
-    <p:sldId id="276" r:id="rId21"/>
-    <p:sldId id="280" r:id="rId22"/>
-    <p:sldId id="282" r:id="rId23"/>
-    <p:sldId id="283" r:id="rId24"/>
-    <p:sldId id="284" r:id="rId25"/>
-    <p:sldId id="286" r:id="rId26"/>
-    <p:sldId id="287" r:id="rId27"/>
-    <p:sldId id="288" r:id="rId28"/>
-    <p:sldId id="259" r:id="rId29"/>
+    <p:sldId id="289" r:id="rId4"/>
+    <p:sldId id="261" r:id="rId5"/>
+    <p:sldId id="262" r:id="rId6"/>
+    <p:sldId id="260" r:id="rId7"/>
+    <p:sldId id="264" r:id="rId8"/>
+    <p:sldId id="265" r:id="rId9"/>
+    <p:sldId id="266" r:id="rId10"/>
+    <p:sldId id="285" r:id="rId11"/>
+    <p:sldId id="273" r:id="rId12"/>
+    <p:sldId id="269" r:id="rId13"/>
+    <p:sldId id="271" r:id="rId14"/>
+    <p:sldId id="272" r:id="rId15"/>
+    <p:sldId id="274" r:id="rId16"/>
+    <p:sldId id="277" r:id="rId17"/>
+    <p:sldId id="275" r:id="rId18"/>
+    <p:sldId id="278" r:id="rId19"/>
+    <p:sldId id="279" r:id="rId20"/>
+    <p:sldId id="281" r:id="rId21"/>
+    <p:sldId id="276" r:id="rId22"/>
+    <p:sldId id="280" r:id="rId23"/>
+    <p:sldId id="282" r:id="rId24"/>
+    <p:sldId id="283" r:id="rId25"/>
+    <p:sldId id="284" r:id="rId26"/>
+    <p:sldId id="286" r:id="rId27"/>
+    <p:sldId id="287" r:id="rId28"/>
+    <p:sldId id="288" r:id="rId29"/>
+    <p:sldId id="259" r:id="rId30"/>
   </p:sldIdLst>
   <p:sldSz cx="9144000" cy="6858000" type="screen4x3"/>
   <p:notesSz cx="6858000" cy="9144000"/>
@@ -931,7 +932,7 @@
     </p:spTree>
     <p:extLst>
       <p:ext uri="{BB962C8B-B14F-4D97-AF65-F5344CB8AC3E}">
-        <p14:creationId xmlns:p14="http://schemas.microsoft.com/office/powerpoint/2010/main" val="2214167107"/>
+        <p14:creationId xmlns:p14="http://schemas.microsoft.com/office/powerpoint/2010/main" val="2031117896"/>
       </p:ext>
     </p:extLst>
   </p:cSld>
@@ -1040,7 +1041,7 @@
     </p:spTree>
     <p:extLst>
       <p:ext uri="{BB962C8B-B14F-4D97-AF65-F5344CB8AC3E}">
-        <p14:creationId xmlns:p14="http://schemas.microsoft.com/office/powerpoint/2010/main" val="1256529499"/>
+        <p14:creationId xmlns:p14="http://schemas.microsoft.com/office/powerpoint/2010/main" val="2214167107"/>
       </p:ext>
     </p:extLst>
   </p:cSld>
@@ -1149,7 +1150,7 @@
     </p:spTree>
     <p:extLst>
       <p:ext uri="{BB962C8B-B14F-4D97-AF65-F5344CB8AC3E}">
-        <p14:creationId xmlns:p14="http://schemas.microsoft.com/office/powerpoint/2010/main" val="1976720528"/>
+        <p14:creationId xmlns:p14="http://schemas.microsoft.com/office/powerpoint/2010/main" val="1256529499"/>
       </p:ext>
     </p:extLst>
   </p:cSld>
@@ -1258,7 +1259,7 @@
     </p:spTree>
     <p:extLst>
       <p:ext uri="{BB962C8B-B14F-4D97-AF65-F5344CB8AC3E}">
-        <p14:creationId xmlns:p14="http://schemas.microsoft.com/office/powerpoint/2010/main" val="185745546"/>
+        <p14:creationId xmlns:p14="http://schemas.microsoft.com/office/powerpoint/2010/main" val="1976720528"/>
       </p:ext>
     </p:extLst>
   </p:cSld>
@@ -1367,7 +1368,7 @@
     </p:spTree>
     <p:extLst>
       <p:ext uri="{BB962C8B-B14F-4D97-AF65-F5344CB8AC3E}">
-        <p14:creationId xmlns:p14="http://schemas.microsoft.com/office/powerpoint/2010/main" val="2187181677"/>
+        <p14:creationId xmlns:p14="http://schemas.microsoft.com/office/powerpoint/2010/main" val="185745546"/>
       </p:ext>
     </p:extLst>
   </p:cSld>
@@ -1382,7 +1383,7 @@
   <p:cSld>
     <p:spTree>
       <p:nvGrpSpPr>
-        <p:cNvPr id="1" name="Shape 36"/>
+        <p:cNvPr id="1" name="Shape 42"/>
         <p:cNvGrpSpPr/>
         <p:nvPr/>
       </p:nvGrpSpPr>
@@ -1396,7 +1397,7 @@
       </p:grpSpPr>
       <p:sp>
         <p:nvSpPr>
-          <p:cNvPr id="37" name="Google Shape;37;g2823f06c856_0_158:notes"/>
+          <p:cNvPr id="43" name="Google Shape;43;g2823f06c856_0_162:notes"/>
           <p:cNvSpPr>
             <a:spLocks noGrp="1" noRot="1" noChangeAspect="1"/>
           </p:cNvSpPr>
@@ -1437,7 +1438,7 @@
       </p:sp>
       <p:sp>
         <p:nvSpPr>
-          <p:cNvPr id="38" name="Google Shape;38;g2823f06c856_0_158:notes"/>
+          <p:cNvPr id="44" name="Google Shape;44;g2823f06c856_0_162:notes"/>
           <p:cNvSpPr txBox="1">
             <a:spLocks noGrp="1"/>
           </p:cNvSpPr>
@@ -1476,7 +1477,7 @@
     </p:spTree>
     <p:extLst>
       <p:ext uri="{BB962C8B-B14F-4D97-AF65-F5344CB8AC3E}">
-        <p14:creationId xmlns:p14="http://schemas.microsoft.com/office/powerpoint/2010/main" val="3370970957"/>
+        <p14:creationId xmlns:p14="http://schemas.microsoft.com/office/powerpoint/2010/main" val="2187181677"/>
       </p:ext>
     </p:extLst>
   </p:cSld>
@@ -1491,7 +1492,7 @@
   <p:cSld>
     <p:spTree>
       <p:nvGrpSpPr>
-        <p:cNvPr id="1" name="Shape 42"/>
+        <p:cNvPr id="1" name="Shape 36"/>
         <p:cNvGrpSpPr/>
         <p:nvPr/>
       </p:nvGrpSpPr>
@@ -1505,7 +1506,7 @@
       </p:grpSpPr>
       <p:sp>
         <p:nvSpPr>
-          <p:cNvPr id="43" name="Google Shape;43;g2823f06c856_0_162:notes"/>
+          <p:cNvPr id="37" name="Google Shape;37;g2823f06c856_0_158:notes"/>
           <p:cNvSpPr>
             <a:spLocks noGrp="1" noRot="1" noChangeAspect="1"/>
           </p:cNvSpPr>
@@ -1546,7 +1547,7 @@
       </p:sp>
       <p:sp>
         <p:nvSpPr>
-          <p:cNvPr id="44" name="Google Shape;44;g2823f06c856_0_162:notes"/>
+          <p:cNvPr id="38" name="Google Shape;38;g2823f06c856_0_158:notes"/>
           <p:cNvSpPr txBox="1">
             <a:spLocks noGrp="1"/>
           </p:cNvSpPr>
@@ -1585,7 +1586,7 @@
     </p:spTree>
     <p:extLst>
       <p:ext uri="{BB962C8B-B14F-4D97-AF65-F5344CB8AC3E}">
-        <p14:creationId xmlns:p14="http://schemas.microsoft.com/office/powerpoint/2010/main" val="2298715112"/>
+        <p14:creationId xmlns:p14="http://schemas.microsoft.com/office/powerpoint/2010/main" val="3370970957"/>
       </p:ext>
     </p:extLst>
   </p:cSld>
@@ -1694,7 +1695,7 @@
     </p:spTree>
     <p:extLst>
       <p:ext uri="{BB962C8B-B14F-4D97-AF65-F5344CB8AC3E}">
-        <p14:creationId xmlns:p14="http://schemas.microsoft.com/office/powerpoint/2010/main" val="666678272"/>
+        <p14:creationId xmlns:p14="http://schemas.microsoft.com/office/powerpoint/2010/main" val="2298715112"/>
       </p:ext>
     </p:extLst>
   </p:cSld>
@@ -1803,7 +1804,7 @@
     </p:spTree>
     <p:extLst>
       <p:ext uri="{BB962C8B-B14F-4D97-AF65-F5344CB8AC3E}">
-        <p14:creationId xmlns:p14="http://schemas.microsoft.com/office/powerpoint/2010/main" val="1443988620"/>
+        <p14:creationId xmlns:p14="http://schemas.microsoft.com/office/powerpoint/2010/main" val="666678272"/>
       </p:ext>
     </p:extLst>
   </p:cSld>
@@ -1912,7 +1913,7 @@
     </p:spTree>
     <p:extLst>
       <p:ext uri="{BB962C8B-B14F-4D97-AF65-F5344CB8AC3E}">
-        <p14:creationId xmlns:p14="http://schemas.microsoft.com/office/powerpoint/2010/main" val="3314357540"/>
+        <p14:creationId xmlns:p14="http://schemas.microsoft.com/office/powerpoint/2010/main" val="1443988620"/>
       </p:ext>
     </p:extLst>
   </p:cSld>
@@ -2130,7 +2131,7 @@
     </p:spTree>
     <p:extLst>
       <p:ext uri="{BB962C8B-B14F-4D97-AF65-F5344CB8AC3E}">
-        <p14:creationId xmlns:p14="http://schemas.microsoft.com/office/powerpoint/2010/main" val="334785043"/>
+        <p14:creationId xmlns:p14="http://schemas.microsoft.com/office/powerpoint/2010/main" val="3314357540"/>
       </p:ext>
     </p:extLst>
   </p:cSld>
@@ -2239,7 +2240,7 @@
     </p:spTree>
     <p:extLst>
       <p:ext uri="{BB962C8B-B14F-4D97-AF65-F5344CB8AC3E}">
-        <p14:creationId xmlns:p14="http://schemas.microsoft.com/office/powerpoint/2010/main" val="2841755399"/>
+        <p14:creationId xmlns:p14="http://schemas.microsoft.com/office/powerpoint/2010/main" val="334785043"/>
       </p:ext>
     </p:extLst>
   </p:cSld>
@@ -2348,7 +2349,7 @@
     </p:spTree>
     <p:extLst>
       <p:ext uri="{BB962C8B-B14F-4D97-AF65-F5344CB8AC3E}">
-        <p14:creationId xmlns:p14="http://schemas.microsoft.com/office/powerpoint/2010/main" val="3145916208"/>
+        <p14:creationId xmlns:p14="http://schemas.microsoft.com/office/powerpoint/2010/main" val="2841755399"/>
       </p:ext>
     </p:extLst>
   </p:cSld>
@@ -2363,7 +2364,7 @@
   <p:cSld>
     <p:spTree>
       <p:nvGrpSpPr>
-        <p:cNvPr id="1" name="Shape 36"/>
+        <p:cNvPr id="1" name="Shape 42"/>
         <p:cNvGrpSpPr/>
         <p:nvPr/>
       </p:nvGrpSpPr>
@@ -2377,7 +2378,7 @@
       </p:grpSpPr>
       <p:sp>
         <p:nvSpPr>
-          <p:cNvPr id="37" name="Google Shape;37;g2823f06c856_0_158:notes"/>
+          <p:cNvPr id="43" name="Google Shape;43;g2823f06c856_0_162:notes"/>
           <p:cNvSpPr>
             <a:spLocks noGrp="1" noRot="1" noChangeAspect="1"/>
           </p:cNvSpPr>
@@ -2418,7 +2419,7 @@
       </p:sp>
       <p:sp>
         <p:nvSpPr>
-          <p:cNvPr id="38" name="Google Shape;38;g2823f06c856_0_158:notes"/>
+          <p:cNvPr id="44" name="Google Shape;44;g2823f06c856_0_162:notes"/>
           <p:cNvSpPr txBox="1">
             <a:spLocks noGrp="1"/>
           </p:cNvSpPr>
@@ -2457,7 +2458,7 @@
     </p:spTree>
     <p:extLst>
       <p:ext uri="{BB962C8B-B14F-4D97-AF65-F5344CB8AC3E}">
-        <p14:creationId xmlns:p14="http://schemas.microsoft.com/office/powerpoint/2010/main" val="66674917"/>
+        <p14:creationId xmlns:p14="http://schemas.microsoft.com/office/powerpoint/2010/main" val="3145916208"/>
       </p:ext>
     </p:extLst>
   </p:cSld>
@@ -2472,7 +2473,7 @@
   <p:cSld>
     <p:spTree>
       <p:nvGrpSpPr>
-        <p:cNvPr id="1" name="Shape 42"/>
+        <p:cNvPr id="1" name="Shape 36"/>
         <p:cNvGrpSpPr/>
         <p:nvPr/>
       </p:nvGrpSpPr>
@@ -2486,7 +2487,7 @@
       </p:grpSpPr>
       <p:sp>
         <p:nvSpPr>
-          <p:cNvPr id="43" name="Google Shape;43;g2823f06c856_0_162:notes"/>
+          <p:cNvPr id="37" name="Google Shape;37;g2823f06c856_0_158:notes"/>
           <p:cNvSpPr>
             <a:spLocks noGrp="1" noRot="1" noChangeAspect="1"/>
           </p:cNvSpPr>
@@ -2527,7 +2528,7 @@
       </p:sp>
       <p:sp>
         <p:nvSpPr>
-          <p:cNvPr id="44" name="Google Shape;44;g2823f06c856_0_162:notes"/>
+          <p:cNvPr id="38" name="Google Shape;38;g2823f06c856_0_158:notes"/>
           <p:cNvSpPr txBox="1">
             <a:spLocks noGrp="1"/>
           </p:cNvSpPr>
@@ -2566,7 +2567,7 @@
     </p:spTree>
     <p:extLst>
       <p:ext uri="{BB962C8B-B14F-4D97-AF65-F5344CB8AC3E}">
-        <p14:creationId xmlns:p14="http://schemas.microsoft.com/office/powerpoint/2010/main" val="3952761457"/>
+        <p14:creationId xmlns:p14="http://schemas.microsoft.com/office/powerpoint/2010/main" val="66674917"/>
       </p:ext>
     </p:extLst>
   </p:cSld>
@@ -2675,7 +2676,7 @@
     </p:spTree>
     <p:extLst>
       <p:ext uri="{BB962C8B-B14F-4D97-AF65-F5344CB8AC3E}">
-        <p14:creationId xmlns:p14="http://schemas.microsoft.com/office/powerpoint/2010/main" val="3444688444"/>
+        <p14:creationId xmlns:p14="http://schemas.microsoft.com/office/powerpoint/2010/main" val="3952761457"/>
       </p:ext>
     </p:extLst>
   </p:cSld>
@@ -2784,7 +2785,7 @@
     </p:spTree>
     <p:extLst>
       <p:ext uri="{BB962C8B-B14F-4D97-AF65-F5344CB8AC3E}">
-        <p14:creationId xmlns:p14="http://schemas.microsoft.com/office/powerpoint/2010/main" val="1399465085"/>
+        <p14:creationId xmlns:p14="http://schemas.microsoft.com/office/powerpoint/2010/main" val="3444688444"/>
       </p:ext>
     </p:extLst>
   </p:cSld>
@@ -2893,6 +2894,115 @@
     </p:spTree>
     <p:extLst>
       <p:ext uri="{BB962C8B-B14F-4D97-AF65-F5344CB8AC3E}">
+        <p14:creationId xmlns:p14="http://schemas.microsoft.com/office/powerpoint/2010/main" val="1399465085"/>
+      </p:ext>
+    </p:extLst>
+  </p:cSld>
+  <p:clrMapOvr>
+    <a:masterClrMapping/>
+  </p:clrMapOvr>
+</p:notes>
+</file>
+
+<file path=ppt/notesSlides/notesSlide28.xml><?xml version="1.0" encoding="utf-8"?>
+<p:notes xmlns:a="http://schemas.openxmlformats.org/drawingml/2006/main" xmlns:r="http://schemas.openxmlformats.org/officeDocument/2006/relationships" xmlns:p="http://schemas.openxmlformats.org/presentationml/2006/main" showMasterSp="0" showMasterPhAnim="0">
+  <p:cSld>
+    <p:spTree>
+      <p:nvGrpSpPr>
+        <p:cNvPr id="1" name="Shape 42"/>
+        <p:cNvGrpSpPr/>
+        <p:nvPr/>
+      </p:nvGrpSpPr>
+      <p:grpSpPr>
+        <a:xfrm>
+          <a:off x="0" y="0"/>
+          <a:ext cx="0" cy="0"/>
+          <a:chOff x="0" y="0"/>
+          <a:chExt cx="0" cy="0"/>
+        </a:xfrm>
+      </p:grpSpPr>
+      <p:sp>
+        <p:nvSpPr>
+          <p:cNvPr id="43" name="Google Shape;43;g2823f06c856_0_162:notes"/>
+          <p:cNvSpPr>
+            <a:spLocks noGrp="1" noRot="1" noChangeAspect="1"/>
+          </p:cNvSpPr>
+          <p:nvPr>
+            <p:ph type="sldImg" idx="2"/>
+          </p:nvPr>
+        </p:nvSpPr>
+        <p:spPr>
+          <a:xfrm>
+            <a:off x="1143000" y="685800"/>
+            <a:ext cx="4572000" cy="3429000"/>
+          </a:xfrm>
+          <a:custGeom>
+            <a:avLst/>
+            <a:gdLst/>
+            <a:ahLst/>
+            <a:cxnLst/>
+            <a:rect l="l" t="t" r="r" b="b"/>
+            <a:pathLst>
+              <a:path w="120000" h="120000" extrusionOk="0">
+                <a:moveTo>
+                  <a:pt x="0" y="0"/>
+                </a:moveTo>
+                <a:lnTo>
+                  <a:pt x="120000" y="0"/>
+                </a:lnTo>
+                <a:lnTo>
+                  <a:pt x="120000" y="120000"/>
+                </a:lnTo>
+                <a:lnTo>
+                  <a:pt x="0" y="120000"/>
+                </a:lnTo>
+                <a:close/>
+              </a:path>
+            </a:pathLst>
+          </a:custGeom>
+        </p:spPr>
+      </p:sp>
+      <p:sp>
+        <p:nvSpPr>
+          <p:cNvPr id="44" name="Google Shape;44;g2823f06c856_0_162:notes"/>
+          <p:cNvSpPr txBox="1">
+            <a:spLocks noGrp="1"/>
+          </p:cNvSpPr>
+          <p:nvPr>
+            <p:ph type="body" idx="1"/>
+          </p:nvPr>
+        </p:nvSpPr>
+        <p:spPr>
+          <a:xfrm>
+            <a:off x="685800" y="4343400"/>
+            <a:ext cx="5486400" cy="4114800"/>
+          </a:xfrm>
+          <a:prstGeom prst="rect">
+            <a:avLst/>
+          </a:prstGeom>
+        </p:spPr>
+        <p:txBody>
+          <a:bodyPr spcFirstLastPara="1" wrap="square" lIns="91425" tIns="91425" rIns="91425" bIns="91425" anchor="t" anchorCtr="0">
+            <a:noAutofit/>
+          </a:bodyPr>
+          <a:lstStyle/>
+          <a:p>
+            <a:pPr marL="0" lvl="0" indent="0" algn="l" rtl="0">
+              <a:spcBef>
+                <a:spcPts val="0"/>
+              </a:spcBef>
+              <a:spcAft>
+                <a:spcPts val="0"/>
+              </a:spcAft>
+              <a:buNone/>
+            </a:pPr>
+            <a:endParaRPr/>
+          </a:p>
+        </p:txBody>
+      </p:sp>
+    </p:spTree>
+    <p:extLst>
+      <p:ext uri="{BB962C8B-B14F-4D97-AF65-F5344CB8AC3E}">
         <p14:creationId xmlns:p14="http://schemas.microsoft.com/office/powerpoint/2010/main" val="991758408"/>
       </p:ext>
     </p:extLst>
@@ -2903,7 +3013,7 @@
 </p:notes>
 </file>
 
-<file path=ppt/notesSlides/notesSlide28.xml><?xml version="1.0" encoding="utf-8"?>
+<file path=ppt/notesSlides/notesSlide29.xml><?xml version="1.0" encoding="utf-8"?>
 <p:notes xmlns:a="http://schemas.openxmlformats.org/drawingml/2006/main" xmlns:r="http://schemas.openxmlformats.org/officeDocument/2006/relationships" xmlns:p="http://schemas.openxmlformats.org/presentationml/2006/main" showMasterSp="0" showMasterPhAnim="0">
   <p:cSld>
     <p:spTree>
@@ -3106,7 +3216,7 @@
     </p:spTree>
     <p:extLst>
       <p:ext uri="{BB962C8B-B14F-4D97-AF65-F5344CB8AC3E}">
-        <p14:creationId xmlns:p14="http://schemas.microsoft.com/office/powerpoint/2010/main" val="212940868"/>
+        <p14:creationId xmlns:p14="http://schemas.microsoft.com/office/powerpoint/2010/main" val="2111305354"/>
       </p:ext>
     </p:extLst>
   </p:cSld>
@@ -3121,7 +3231,7 @@
   <p:cSld>
     <p:spTree>
       <p:nvGrpSpPr>
-        <p:cNvPr id="1" name="Shape 36"/>
+        <p:cNvPr id="1" name="Shape 42"/>
         <p:cNvGrpSpPr/>
         <p:nvPr/>
       </p:nvGrpSpPr>
@@ -3135,7 +3245,7 @@
       </p:grpSpPr>
       <p:sp>
         <p:nvSpPr>
-          <p:cNvPr id="37" name="Google Shape;37;g2823f06c856_0_158:notes"/>
+          <p:cNvPr id="43" name="Google Shape;43;g2823f06c856_0_162:notes"/>
           <p:cNvSpPr>
             <a:spLocks noGrp="1" noRot="1" noChangeAspect="1"/>
           </p:cNvSpPr>
@@ -3176,7 +3286,7 @@
       </p:sp>
       <p:sp>
         <p:nvSpPr>
-          <p:cNvPr id="38" name="Google Shape;38;g2823f06c856_0_158:notes"/>
+          <p:cNvPr id="44" name="Google Shape;44;g2823f06c856_0_162:notes"/>
           <p:cNvSpPr txBox="1">
             <a:spLocks noGrp="1"/>
           </p:cNvSpPr>
@@ -3215,7 +3325,7 @@
     </p:spTree>
     <p:extLst>
       <p:ext uri="{BB962C8B-B14F-4D97-AF65-F5344CB8AC3E}">
-        <p14:creationId xmlns:p14="http://schemas.microsoft.com/office/powerpoint/2010/main" val="3031128588"/>
+        <p14:creationId xmlns:p14="http://schemas.microsoft.com/office/powerpoint/2010/main" val="212940868"/>
       </p:ext>
     </p:extLst>
   </p:cSld>
@@ -3230,7 +3340,7 @@
   <p:cSld>
     <p:spTree>
       <p:nvGrpSpPr>
-        <p:cNvPr id="1" name="Shape 42"/>
+        <p:cNvPr id="1" name="Shape 36"/>
         <p:cNvGrpSpPr/>
         <p:nvPr/>
       </p:nvGrpSpPr>
@@ -3244,7 +3354,7 @@
       </p:grpSpPr>
       <p:sp>
         <p:nvSpPr>
-          <p:cNvPr id="43" name="Google Shape;43;g2823f06c856_0_162:notes"/>
+          <p:cNvPr id="37" name="Google Shape;37;g2823f06c856_0_158:notes"/>
           <p:cNvSpPr>
             <a:spLocks noGrp="1" noRot="1" noChangeAspect="1"/>
           </p:cNvSpPr>
@@ -3285,7 +3395,7 @@
       </p:sp>
       <p:sp>
         <p:nvSpPr>
-          <p:cNvPr id="44" name="Google Shape;44;g2823f06c856_0_162:notes"/>
+          <p:cNvPr id="38" name="Google Shape;38;g2823f06c856_0_158:notes"/>
           <p:cNvSpPr txBox="1">
             <a:spLocks noGrp="1"/>
           </p:cNvSpPr>
@@ -3324,7 +3434,7 @@
     </p:spTree>
     <p:extLst>
       <p:ext uri="{BB962C8B-B14F-4D97-AF65-F5344CB8AC3E}">
-        <p14:creationId xmlns:p14="http://schemas.microsoft.com/office/powerpoint/2010/main" val="139663628"/>
+        <p14:creationId xmlns:p14="http://schemas.microsoft.com/office/powerpoint/2010/main" val="3031128588"/>
       </p:ext>
     </p:extLst>
   </p:cSld>
@@ -3433,7 +3543,7 @@
     </p:spTree>
     <p:extLst>
       <p:ext uri="{BB962C8B-B14F-4D97-AF65-F5344CB8AC3E}">
-        <p14:creationId xmlns:p14="http://schemas.microsoft.com/office/powerpoint/2010/main" val="1910523540"/>
+        <p14:creationId xmlns:p14="http://schemas.microsoft.com/office/powerpoint/2010/main" val="139663628"/>
       </p:ext>
     </p:extLst>
   </p:cSld>
@@ -3448,7 +3558,7 @@
   <p:cSld>
     <p:spTree>
       <p:nvGrpSpPr>
-        <p:cNvPr id="1" name="Shape 36"/>
+        <p:cNvPr id="1" name="Shape 42"/>
         <p:cNvGrpSpPr/>
         <p:nvPr/>
       </p:nvGrpSpPr>
@@ -3462,7 +3572,7 @@
       </p:grpSpPr>
       <p:sp>
         <p:nvSpPr>
-          <p:cNvPr id="37" name="Google Shape;37;g2823f06c856_0_158:notes"/>
+          <p:cNvPr id="43" name="Google Shape;43;g2823f06c856_0_162:notes"/>
           <p:cNvSpPr>
             <a:spLocks noGrp="1" noRot="1" noChangeAspect="1"/>
           </p:cNvSpPr>
@@ -3503,7 +3613,7 @@
       </p:sp>
       <p:sp>
         <p:nvSpPr>
-          <p:cNvPr id="38" name="Google Shape;38;g2823f06c856_0_158:notes"/>
+          <p:cNvPr id="44" name="Google Shape;44;g2823f06c856_0_162:notes"/>
           <p:cNvSpPr txBox="1">
             <a:spLocks noGrp="1"/>
           </p:cNvSpPr>
@@ -3542,7 +3652,7 @@
     </p:spTree>
     <p:extLst>
       <p:ext uri="{BB962C8B-B14F-4D97-AF65-F5344CB8AC3E}">
-        <p14:creationId xmlns:p14="http://schemas.microsoft.com/office/powerpoint/2010/main" val="2155389243"/>
+        <p14:creationId xmlns:p14="http://schemas.microsoft.com/office/powerpoint/2010/main" val="1910523540"/>
       </p:ext>
     </p:extLst>
   </p:cSld>
@@ -3557,7 +3667,7 @@
   <p:cSld>
     <p:spTree>
       <p:nvGrpSpPr>
-        <p:cNvPr id="1" name="Shape 42"/>
+        <p:cNvPr id="1" name="Shape 36"/>
         <p:cNvGrpSpPr/>
         <p:nvPr/>
       </p:nvGrpSpPr>
@@ -3571,7 +3681,7 @@
       </p:grpSpPr>
       <p:sp>
         <p:nvSpPr>
-          <p:cNvPr id="43" name="Google Shape;43;g2823f06c856_0_162:notes"/>
+          <p:cNvPr id="37" name="Google Shape;37;g2823f06c856_0_158:notes"/>
           <p:cNvSpPr>
             <a:spLocks noGrp="1" noRot="1" noChangeAspect="1"/>
           </p:cNvSpPr>
@@ -3612,7 +3722,7 @@
       </p:sp>
       <p:sp>
         <p:nvSpPr>
-          <p:cNvPr id="44" name="Google Shape;44;g2823f06c856_0_162:notes"/>
+          <p:cNvPr id="38" name="Google Shape;38;g2823f06c856_0_158:notes"/>
           <p:cNvSpPr txBox="1">
             <a:spLocks noGrp="1"/>
           </p:cNvSpPr>
@@ -3651,7 +3761,7 @@
     </p:spTree>
     <p:extLst>
       <p:ext uri="{BB962C8B-B14F-4D97-AF65-F5344CB8AC3E}">
-        <p14:creationId xmlns:p14="http://schemas.microsoft.com/office/powerpoint/2010/main" val="2653586814"/>
+        <p14:creationId xmlns:p14="http://schemas.microsoft.com/office/powerpoint/2010/main" val="2155389243"/>
       </p:ext>
     </p:extLst>
   </p:cSld>
@@ -3760,7 +3870,7 @@
     </p:spTree>
     <p:extLst>
       <p:ext uri="{BB962C8B-B14F-4D97-AF65-F5344CB8AC3E}">
-        <p14:creationId xmlns:p14="http://schemas.microsoft.com/office/powerpoint/2010/main" val="2031117896"/>
+        <p14:creationId xmlns:p14="http://schemas.microsoft.com/office/powerpoint/2010/main" val="2653586814"/>
       </p:ext>
     </p:extLst>
   </p:cSld>
@@ -7229,12 +7339,8 @@
               <a:buNone/>
             </a:pPr>
             <a:r>
-              <a:rPr lang="en-US" altLang="zh-TW" sz="3600" dirty="0" err="1"/>
-              <a:t>KeyCloak</a:t>
-            </a:r>
-            <a:r>
-              <a:rPr lang="en-US" altLang="zh-TW" sz="3600" dirty="0"/>
-              <a:t>?</a:t>
+              <a:rPr lang="zh-TW" altLang="en-US" sz="3600" dirty="0"/>
+              <a:t>標準太多，就找個東西來整合</a:t>
             </a:r>
             <a:endParaRPr sz="3600" dirty="0"/>
           </a:p>
@@ -7252,112 +7358,472 @@
         </p:nvSpPr>
         <p:spPr>
           <a:xfrm>
-            <a:off x="311700" y="1536633"/>
-            <a:ext cx="8520600" cy="4555200"/>
+            <a:off x="5053780" y="1536633"/>
+            <a:ext cx="3778519" cy="4555200"/>
           </a:xfrm>
           <a:prstGeom prst="rect">
             <a:avLst/>
           </a:prstGeom>
         </p:spPr>
         <p:txBody>
-          <a:bodyPr spcFirstLastPara="1" wrap="square" lIns="91425" tIns="91425" rIns="91425" bIns="91425" anchor="t" anchorCtr="0">
+          <a:bodyPr spcFirstLastPara="1" wrap="square" lIns="91425" tIns="91425" rIns="91425" bIns="91425" anchor="ctr" anchorCtr="0">
             <a:normAutofit/>
           </a:bodyPr>
           <a:lstStyle/>
           <a:p>
-            <a:pPr marL="0" indent="0">
+            <a:pPr indent="-457200">
               <a:spcAft>
                 <a:spcPts val="1200"/>
               </a:spcAft>
-              <a:buNone/>
             </a:pPr>
             <a:r>
-              <a:rPr lang="zh-TW" altLang="en-US" sz="3200" dirty="0"/>
-              <a:t>提供</a:t>
-            </a:r>
-            <a:r>
-              <a:rPr lang="en-US" altLang="zh-TW" sz="3200" dirty="0"/>
+              <a:rPr lang="en-US" altLang="zh-TW" sz="3200" dirty="0">
+                <a:solidFill>
+                  <a:schemeClr val="bg2"/>
+                </a:solidFill>
+              </a:rPr>
               <a:t>OIDC</a:t>
             </a:r>
-            <a:r>
-              <a:rPr lang="zh-TW" altLang="en-US" sz="3200" dirty="0"/>
-              <a:t>或</a:t>
-            </a:r>
-            <a:r>
-              <a:rPr lang="en-US" altLang="zh-TW" sz="3200" dirty="0"/>
-              <a:t>SAML2</a:t>
-            </a:r>
-            <a:r>
-              <a:rPr lang="zh-TW" altLang="en-US" sz="3200" dirty="0"/>
-              <a:t>標準的流程</a:t>
-            </a:r>
-            <a:endParaRPr lang="en-US" altLang="zh-TW" sz="3200" dirty="0"/>
+          </a:p>
+          <a:p>
+            <a:pPr indent="-457200">
+              <a:spcAft>
+                <a:spcPts val="1200"/>
+              </a:spcAft>
+            </a:pPr>
+            <a:r>
+              <a:rPr lang="en-US" altLang="zh-TW" sz="3200" dirty="0">
+                <a:solidFill>
+                  <a:schemeClr val="bg2"/>
+                </a:solidFill>
+              </a:rPr>
+              <a:t>OAuth2</a:t>
+            </a:r>
+          </a:p>
+          <a:p>
+            <a:pPr indent="-457200">
+              <a:spcAft>
+                <a:spcPts val="1200"/>
+              </a:spcAft>
+            </a:pPr>
+            <a:r>
+              <a:rPr lang="en-US" altLang="zh-TW" sz="3200" dirty="0">
+                <a:solidFill>
+                  <a:schemeClr val="bg2"/>
+                </a:solidFill>
+              </a:rPr>
+              <a:t>SAML</a:t>
+            </a:r>
+          </a:p>
+          <a:p>
+            <a:pPr indent="-457200">
+              <a:spcAft>
+                <a:spcPts val="1200"/>
+              </a:spcAft>
+            </a:pPr>
+            <a:r>
+              <a:rPr lang="en-US" altLang="zh-TW" sz="3200" dirty="0">
+                <a:solidFill>
+                  <a:schemeClr val="bg2"/>
+                </a:solidFill>
+              </a:rPr>
+              <a:t>LDAP</a:t>
+            </a:r>
+          </a:p>
+          <a:p>
+            <a:pPr indent="-457200">
+              <a:spcAft>
+                <a:spcPts val="1200"/>
+              </a:spcAft>
+            </a:pPr>
+            <a:r>
+              <a:rPr lang="en-US" altLang="zh-TW" sz="3200" dirty="0" err="1">
+                <a:solidFill>
+                  <a:schemeClr val="bg2"/>
+                </a:solidFill>
+              </a:rPr>
+              <a:t>WindowsAD</a:t>
+            </a:r>
+            <a:endParaRPr lang="en-US" altLang="zh-TW" sz="3200" dirty="0">
+              <a:solidFill>
+                <a:schemeClr val="bg2"/>
+              </a:solidFill>
+            </a:endParaRPr>
           </a:p>
         </p:txBody>
       </p:sp>
-      <p:pic>
-        <p:nvPicPr>
-          <p:cNvPr id="3" name="圖片 2">
+      <p:sp>
+        <p:nvSpPr>
+          <p:cNvPr id="2" name="Google Shape;47;p8">
             <a:extLst>
               <a:ext uri="{FF2B5EF4-FFF2-40B4-BE49-F238E27FC236}">
-                <a16:creationId xmlns:a16="http://schemas.microsoft.com/office/drawing/2014/main" id="{6AC19620-08CB-F126-CD28-9BA691777BF1}"/>
+                <a16:creationId xmlns:a16="http://schemas.microsoft.com/office/drawing/2014/main" id="{B1F38519-77DD-A6DA-C3F0-BCE2CE52DF13}"/>
               </a:ext>
             </a:extLst>
           </p:cNvPr>
-          <p:cNvPicPr>
-            <a:picLocks noChangeAspect="1"/>
-          </p:cNvPicPr>
+          <p:cNvSpPr txBox="1">
+            <a:spLocks/>
+          </p:cNvSpPr>
           <p:nvPr/>
-        </p:nvPicPr>
-        <p:blipFill>
-          <a:blip r:embed="rId3"/>
-          <a:stretch>
-            <a:fillRect/>
-          </a:stretch>
-        </p:blipFill>
+        </p:nvSpPr>
         <p:spPr>
           <a:xfrm>
-            <a:off x="311699" y="2342412"/>
-            <a:ext cx="6600655" cy="3222646"/>
+            <a:off x="703006" y="1536633"/>
+            <a:ext cx="3387215" cy="4555200"/>
           </a:xfrm>
           <a:prstGeom prst="rect">
             <a:avLst/>
           </a:prstGeom>
-        </p:spPr>
-      </p:pic>
-      <p:pic>
-        <p:nvPicPr>
-          <p:cNvPr id="5" name="圖片 4">
+          <a:noFill/>
+          <a:ln>
+            <a:noFill/>
+          </a:ln>
+        </p:spPr>
+        <p:txBody>
+          <a:bodyPr spcFirstLastPara="1" wrap="square" lIns="91425" tIns="91425" rIns="91425" bIns="91425" anchor="ctr" anchorCtr="0">
+            <a:normAutofit/>
+          </a:bodyPr>
+          <a:lstStyle>
+            <a:defPPr marR="0" lvl="0" algn="l" rtl="0">
+              <a:lnSpc>
+                <a:spcPct val="100000"/>
+              </a:lnSpc>
+              <a:spcBef>
+                <a:spcPts val="0"/>
+              </a:spcBef>
+              <a:spcAft>
+                <a:spcPts val="0"/>
+              </a:spcAft>
+            </a:defPPr>
+            <a:lvl1pPr marL="457200" marR="0" lvl="0" indent="-342900" algn="l" rtl="0">
+              <a:lnSpc>
+                <a:spcPct val="115000"/>
+              </a:lnSpc>
+              <a:spcBef>
+                <a:spcPts val="0"/>
+              </a:spcBef>
+              <a:spcAft>
+                <a:spcPts val="0"/>
+              </a:spcAft>
+              <a:buClr>
+                <a:schemeClr val="dk2"/>
+              </a:buClr>
+              <a:buSzPts val="1800"/>
+              <a:buFont typeface="Arial"/>
+              <a:buChar char="●"/>
+              <a:defRPr sz="1800" b="0" i="0" u="none" strike="noStrike" cap="none">
+                <a:solidFill>
+                  <a:schemeClr val="dk2"/>
+                </a:solidFill>
+                <a:latin typeface="Arial"/>
+                <a:ea typeface="Arial"/>
+                <a:cs typeface="Arial"/>
+                <a:sym typeface="Arial"/>
+              </a:defRPr>
+            </a:lvl1pPr>
+            <a:lvl2pPr marL="914400" marR="0" lvl="1" indent="-317500" algn="l" rtl="0">
+              <a:lnSpc>
+                <a:spcPct val="115000"/>
+              </a:lnSpc>
+              <a:spcBef>
+                <a:spcPts val="0"/>
+              </a:spcBef>
+              <a:spcAft>
+                <a:spcPts val="0"/>
+              </a:spcAft>
+              <a:buClr>
+                <a:schemeClr val="dk2"/>
+              </a:buClr>
+              <a:buSzPts val="1400"/>
+              <a:buFont typeface="Arial"/>
+              <a:buChar char="○"/>
+              <a:defRPr sz="1400" b="0" i="0" u="none" strike="noStrike" cap="none">
+                <a:solidFill>
+                  <a:schemeClr val="dk2"/>
+                </a:solidFill>
+                <a:latin typeface="Arial"/>
+                <a:ea typeface="Arial"/>
+                <a:cs typeface="Arial"/>
+                <a:sym typeface="Arial"/>
+              </a:defRPr>
+            </a:lvl2pPr>
+            <a:lvl3pPr marL="1371600" marR="0" lvl="2" indent="-317500" algn="l" rtl="0">
+              <a:lnSpc>
+                <a:spcPct val="115000"/>
+              </a:lnSpc>
+              <a:spcBef>
+                <a:spcPts val="0"/>
+              </a:spcBef>
+              <a:spcAft>
+                <a:spcPts val="0"/>
+              </a:spcAft>
+              <a:buClr>
+                <a:schemeClr val="dk2"/>
+              </a:buClr>
+              <a:buSzPts val="1400"/>
+              <a:buFont typeface="Arial"/>
+              <a:buChar char="■"/>
+              <a:defRPr sz="1400" b="0" i="0" u="none" strike="noStrike" cap="none">
+                <a:solidFill>
+                  <a:schemeClr val="dk2"/>
+                </a:solidFill>
+                <a:latin typeface="Arial"/>
+                <a:ea typeface="Arial"/>
+                <a:cs typeface="Arial"/>
+                <a:sym typeface="Arial"/>
+              </a:defRPr>
+            </a:lvl3pPr>
+            <a:lvl4pPr marL="1828800" marR="0" lvl="3" indent="-317500" algn="l" rtl="0">
+              <a:lnSpc>
+                <a:spcPct val="115000"/>
+              </a:lnSpc>
+              <a:spcBef>
+                <a:spcPts val="0"/>
+              </a:spcBef>
+              <a:spcAft>
+                <a:spcPts val="0"/>
+              </a:spcAft>
+              <a:buClr>
+                <a:schemeClr val="dk2"/>
+              </a:buClr>
+              <a:buSzPts val="1400"/>
+              <a:buFont typeface="Arial"/>
+              <a:buChar char="●"/>
+              <a:defRPr sz="1400" b="0" i="0" u="none" strike="noStrike" cap="none">
+                <a:solidFill>
+                  <a:schemeClr val="dk2"/>
+                </a:solidFill>
+                <a:latin typeface="Arial"/>
+                <a:ea typeface="Arial"/>
+                <a:cs typeface="Arial"/>
+                <a:sym typeface="Arial"/>
+              </a:defRPr>
+            </a:lvl4pPr>
+            <a:lvl5pPr marL="2286000" marR="0" lvl="4" indent="-317500" algn="l" rtl="0">
+              <a:lnSpc>
+                <a:spcPct val="115000"/>
+              </a:lnSpc>
+              <a:spcBef>
+                <a:spcPts val="0"/>
+              </a:spcBef>
+              <a:spcAft>
+                <a:spcPts val="0"/>
+              </a:spcAft>
+              <a:buClr>
+                <a:schemeClr val="dk2"/>
+              </a:buClr>
+              <a:buSzPts val="1400"/>
+              <a:buFont typeface="Arial"/>
+              <a:buChar char="○"/>
+              <a:defRPr sz="1400" b="0" i="0" u="none" strike="noStrike" cap="none">
+                <a:solidFill>
+                  <a:schemeClr val="dk2"/>
+                </a:solidFill>
+                <a:latin typeface="Arial"/>
+                <a:ea typeface="Arial"/>
+                <a:cs typeface="Arial"/>
+                <a:sym typeface="Arial"/>
+              </a:defRPr>
+            </a:lvl5pPr>
+            <a:lvl6pPr marL="2743200" marR="0" lvl="5" indent="-317500" algn="l" rtl="0">
+              <a:lnSpc>
+                <a:spcPct val="115000"/>
+              </a:lnSpc>
+              <a:spcBef>
+                <a:spcPts val="0"/>
+              </a:spcBef>
+              <a:spcAft>
+                <a:spcPts val="0"/>
+              </a:spcAft>
+              <a:buClr>
+                <a:schemeClr val="dk2"/>
+              </a:buClr>
+              <a:buSzPts val="1400"/>
+              <a:buFont typeface="Arial"/>
+              <a:buChar char="■"/>
+              <a:defRPr sz="1400" b="0" i="0" u="none" strike="noStrike" cap="none">
+                <a:solidFill>
+                  <a:schemeClr val="dk2"/>
+                </a:solidFill>
+                <a:latin typeface="Arial"/>
+                <a:ea typeface="Arial"/>
+                <a:cs typeface="Arial"/>
+                <a:sym typeface="Arial"/>
+              </a:defRPr>
+            </a:lvl6pPr>
+            <a:lvl7pPr marL="3200400" marR="0" lvl="6" indent="-317500" algn="l" rtl="0">
+              <a:lnSpc>
+                <a:spcPct val="115000"/>
+              </a:lnSpc>
+              <a:spcBef>
+                <a:spcPts val="0"/>
+              </a:spcBef>
+              <a:spcAft>
+                <a:spcPts val="0"/>
+              </a:spcAft>
+              <a:buClr>
+                <a:schemeClr val="dk2"/>
+              </a:buClr>
+              <a:buSzPts val="1400"/>
+              <a:buFont typeface="Arial"/>
+              <a:buChar char="●"/>
+              <a:defRPr sz="1400" b="0" i="0" u="none" strike="noStrike" cap="none">
+                <a:solidFill>
+                  <a:schemeClr val="dk2"/>
+                </a:solidFill>
+                <a:latin typeface="Arial"/>
+                <a:ea typeface="Arial"/>
+                <a:cs typeface="Arial"/>
+                <a:sym typeface="Arial"/>
+              </a:defRPr>
+            </a:lvl7pPr>
+            <a:lvl8pPr marL="3657600" marR="0" lvl="7" indent="-317500" algn="l" rtl="0">
+              <a:lnSpc>
+                <a:spcPct val="115000"/>
+              </a:lnSpc>
+              <a:spcBef>
+                <a:spcPts val="0"/>
+              </a:spcBef>
+              <a:spcAft>
+                <a:spcPts val="0"/>
+              </a:spcAft>
+              <a:buClr>
+                <a:schemeClr val="dk2"/>
+              </a:buClr>
+              <a:buSzPts val="1400"/>
+              <a:buFont typeface="Arial"/>
+              <a:buChar char="○"/>
+              <a:defRPr sz="1400" b="0" i="0" u="none" strike="noStrike" cap="none">
+                <a:solidFill>
+                  <a:schemeClr val="dk2"/>
+                </a:solidFill>
+                <a:latin typeface="Arial"/>
+                <a:ea typeface="Arial"/>
+                <a:cs typeface="Arial"/>
+                <a:sym typeface="Arial"/>
+              </a:defRPr>
+            </a:lvl8pPr>
+            <a:lvl9pPr marL="4114800" marR="0" lvl="8" indent="-317500" algn="l" rtl="0">
+              <a:lnSpc>
+                <a:spcPct val="115000"/>
+              </a:lnSpc>
+              <a:spcBef>
+                <a:spcPts val="0"/>
+              </a:spcBef>
+              <a:spcAft>
+                <a:spcPts val="0"/>
+              </a:spcAft>
+              <a:buClr>
+                <a:schemeClr val="dk2"/>
+              </a:buClr>
+              <a:buSzPts val="1400"/>
+              <a:buFont typeface="Arial"/>
+              <a:buChar char="■"/>
+              <a:defRPr sz="1400" b="0" i="0" u="none" strike="noStrike" cap="none">
+                <a:solidFill>
+                  <a:schemeClr val="dk2"/>
+                </a:solidFill>
+                <a:latin typeface="Arial"/>
+                <a:ea typeface="Arial"/>
+                <a:cs typeface="Arial"/>
+                <a:sym typeface="Arial"/>
+              </a:defRPr>
+            </a:lvl9pPr>
+          </a:lstStyle>
+          <a:p>
+            <a:pPr indent="-457200">
+              <a:spcAft>
+                <a:spcPts val="1200"/>
+              </a:spcAft>
+            </a:pPr>
+            <a:r>
+              <a:rPr lang="en-US" altLang="zh-TW" sz="3200" dirty="0">
+                <a:solidFill>
+                  <a:srgbClr val="FF0000"/>
+                </a:solidFill>
+              </a:rPr>
+              <a:t>SSO Server</a:t>
+            </a:r>
+            <a:br>
+              <a:rPr lang="en-US" altLang="zh-TW" sz="3200" dirty="0">
+                <a:solidFill>
+                  <a:schemeClr val="bg2"/>
+                </a:solidFill>
+              </a:rPr>
+            </a:br>
+            <a:r>
+              <a:rPr lang="en-US" altLang="zh-TW" sz="3200" dirty="0">
+                <a:solidFill>
+                  <a:schemeClr val="bg2"/>
+                </a:solidFill>
+              </a:rPr>
+              <a:t>(</a:t>
+            </a:r>
+            <a:r>
+              <a:rPr lang="en-US" altLang="zh-TW" sz="3200" dirty="0" err="1">
+                <a:solidFill>
+                  <a:schemeClr val="bg2"/>
+                </a:solidFill>
+              </a:rPr>
+              <a:t>Keycloak</a:t>
+            </a:r>
+            <a:r>
+              <a:rPr lang="en-US" altLang="zh-TW" sz="3200" dirty="0">
+                <a:solidFill>
+                  <a:schemeClr val="bg2"/>
+                </a:solidFill>
+              </a:rPr>
+              <a:t>)</a:t>
+            </a:r>
+          </a:p>
+        </p:txBody>
+      </p:sp>
+      <p:cxnSp>
+        <p:nvCxnSpPr>
+          <p:cNvPr id="4" name="直線單箭頭接點 3">
             <a:extLst>
               <a:ext uri="{FF2B5EF4-FFF2-40B4-BE49-F238E27FC236}">
-                <a16:creationId xmlns:a16="http://schemas.microsoft.com/office/drawing/2014/main" id="{AC7643F3-4376-AD80-236D-C732C40845EB}"/>
+                <a16:creationId xmlns:a16="http://schemas.microsoft.com/office/drawing/2014/main" id="{4F3A5509-198D-066E-444B-75CDF7C700DB}"/>
               </a:ext>
             </a:extLst>
           </p:cNvPr>
-          <p:cNvPicPr>
-            <a:picLocks noChangeAspect="1"/>
-          </p:cNvPicPr>
+          <p:cNvCxnSpPr/>
           <p:nvPr/>
-        </p:nvPicPr>
-        <p:blipFill>
-          <a:blip r:embed="rId4"/>
-          <a:srcRect r="45699"/>
-          <a:stretch/>
-        </p:blipFill>
+        </p:nvCxnSpPr>
         <p:spPr>
           <a:xfrm>
-            <a:off x="4572000" y="3201905"/>
-            <a:ext cx="4431416" cy="3062728"/>
+            <a:off x="3578942" y="3716594"/>
+            <a:ext cx="1258529" cy="0"/>
           </a:xfrm>
-          <a:prstGeom prst="rect">
+          <a:prstGeom prst="straightConnector1">
             <a:avLst/>
           </a:prstGeom>
-        </p:spPr>
-      </p:pic>
+          <a:ln w="76200">
+            <a:solidFill>
+              <a:schemeClr val="tx1"/>
+            </a:solidFill>
+            <a:tailEnd type="triangle"/>
+          </a:ln>
+        </p:spPr>
+        <p:style>
+          <a:lnRef idx="1">
+            <a:schemeClr val="accent1"/>
+          </a:lnRef>
+          <a:fillRef idx="0">
+            <a:schemeClr val="accent1"/>
+          </a:fillRef>
+          <a:effectRef idx="0">
+            <a:schemeClr val="accent1"/>
+          </a:effectRef>
+          <a:fontRef idx="minor">
+            <a:schemeClr val="tx1"/>
+          </a:fontRef>
+        </p:style>
+      </p:cxnSp>
     </p:spTree>
     <p:extLst>
       <p:ext uri="{BB962C8B-B14F-4D97-AF65-F5344CB8AC3E}">
-        <p14:creationId xmlns:p14="http://schemas.microsoft.com/office/powerpoint/2010/main" val="74239598"/>
+        <p14:creationId xmlns:p14="http://schemas.microsoft.com/office/powerpoint/2010/main" val="6472584"/>
       </p:ext>
     </p:extLst>
   </p:cSld>
@@ -7419,8 +7885,8 @@
               <a:buNone/>
             </a:pPr>
             <a:r>
-              <a:rPr lang="zh-TW" altLang="en-US" sz="3600" dirty="0"/>
-              <a:t>資料是否需要存放於系統</a:t>
+              <a:rPr lang="en-US" altLang="zh-TW" sz="3600" dirty="0" err="1"/>
+              <a:t>Keycloak</a:t>
             </a:r>
             <a:r>
               <a:rPr lang="en-US" altLang="zh-TW" sz="3600" dirty="0"/>
@@ -7461,104 +7927,93 @@
               </a:spcAft>
               <a:buNone/>
             </a:pPr>
-            <a:endParaRPr lang="en-US" altLang="zh-TW" sz="3200" dirty="0"/>
-          </a:p>
-          <a:p>
-            <a:pPr indent="-457200">
-              <a:spcAft>
-                <a:spcPts val="1200"/>
-              </a:spcAft>
-            </a:pPr>
             <a:r>
               <a:rPr lang="zh-TW" altLang="en-US" sz="3200" dirty="0"/>
-              <a:t>帳號資料、權限資料、身分相關訊息</a:t>
-            </a:r>
-            <a:endParaRPr lang="en-US" altLang="zh-TW" sz="3200" dirty="0"/>
-          </a:p>
-          <a:p>
-            <a:pPr indent="-457200">
-              <a:spcAft>
-                <a:spcPts val="1200"/>
-              </a:spcAft>
-            </a:pPr>
+              <a:t>提供</a:t>
+            </a:r>
+            <a:r>
+              <a:rPr lang="en-US" altLang="zh-TW" sz="3200" dirty="0"/>
+              <a:t>OIDC</a:t>
+            </a:r>
             <a:r>
               <a:rPr lang="zh-TW" altLang="en-US" sz="3200" dirty="0"/>
-              <a:t>有存放，就有</a:t>
-            </a:r>
-            <a:r>
-              <a:rPr lang="zh-TW" altLang="en-US" sz="3200" dirty="0">
-                <a:solidFill>
-                  <a:srgbClr val="FF0000"/>
-                </a:solidFill>
-              </a:rPr>
-              <a:t>同步</a:t>
+              <a:t>或</a:t>
+            </a:r>
+            <a:r>
+              <a:rPr lang="en-US" altLang="zh-TW" sz="3200" dirty="0"/>
+              <a:t>SAML2</a:t>
             </a:r>
             <a:r>
               <a:rPr lang="zh-TW" altLang="en-US" sz="3200" dirty="0"/>
-              <a:t>需求</a:t>
-            </a:r>
-            <a:r>
-              <a:rPr lang="en-US" altLang="zh-TW" sz="3200" dirty="0"/>
-              <a:t>(</a:t>
-            </a:r>
-            <a:r>
-              <a:rPr lang="zh-TW" altLang="en-US" sz="3200" dirty="0"/>
-              <a:t>離、到職、資料變更</a:t>
-            </a:r>
-            <a:r>
-              <a:rPr lang="en-US" altLang="zh-TW" sz="3200" dirty="0"/>
-              <a:t>)</a:t>
-            </a:r>
-          </a:p>
-          <a:p>
-            <a:pPr indent="-457200">
-              <a:spcAft>
-                <a:spcPts val="1200"/>
-              </a:spcAft>
-            </a:pPr>
-            <a:r>
-              <a:rPr lang="zh-TW" altLang="en-US" sz="3200" dirty="0"/>
-              <a:t>有存放，就有</a:t>
-            </a:r>
-            <a:r>
-              <a:rPr lang="zh-TW" altLang="en-US" sz="3200" dirty="0">
-                <a:solidFill>
-                  <a:srgbClr val="FF0000"/>
-                </a:solidFill>
-              </a:rPr>
-              <a:t>安控</a:t>
-            </a:r>
-            <a:r>
-              <a:rPr lang="zh-TW" altLang="en-US" sz="3200" dirty="0"/>
-              <a:t>需求</a:t>
-            </a:r>
-            <a:r>
-              <a:rPr lang="en-US" altLang="zh-TW" sz="3200" dirty="0"/>
-              <a:t>(</a:t>
-            </a:r>
-            <a:r>
-              <a:rPr lang="zh-TW" altLang="en-US" sz="3200" dirty="0"/>
-              <a:t>防止資料外洩</a:t>
-            </a:r>
-            <a:r>
-              <a:rPr lang="en-US" altLang="zh-TW" sz="3200" dirty="0"/>
-              <a:t>)</a:t>
-            </a:r>
-          </a:p>
-          <a:p>
-            <a:pPr indent="-457200">
-              <a:spcAft>
-                <a:spcPts val="1200"/>
-              </a:spcAft>
-            </a:pPr>
+              <a:t>標準的流程</a:t>
+            </a:r>
             <a:endParaRPr lang="en-US" altLang="zh-TW" sz="3200" dirty="0"/>
           </a:p>
         </p:txBody>
       </p:sp>
+      <p:pic>
+        <p:nvPicPr>
+          <p:cNvPr id="3" name="圖片 2">
+            <a:extLst>
+              <a:ext uri="{FF2B5EF4-FFF2-40B4-BE49-F238E27FC236}">
+                <a16:creationId xmlns:a16="http://schemas.microsoft.com/office/drawing/2014/main" id="{6AC19620-08CB-F126-CD28-9BA691777BF1}"/>
+              </a:ext>
+            </a:extLst>
+          </p:cNvPr>
+          <p:cNvPicPr>
+            <a:picLocks noChangeAspect="1"/>
+          </p:cNvPicPr>
+          <p:nvPr/>
+        </p:nvPicPr>
+        <p:blipFill>
+          <a:blip r:embed="rId3"/>
+          <a:stretch>
+            <a:fillRect/>
+          </a:stretch>
+        </p:blipFill>
+        <p:spPr>
+          <a:xfrm>
+            <a:off x="311699" y="2342412"/>
+            <a:ext cx="6600655" cy="3222646"/>
+          </a:xfrm>
+          <a:prstGeom prst="rect">
+            <a:avLst/>
+          </a:prstGeom>
+        </p:spPr>
+      </p:pic>
+      <p:pic>
+        <p:nvPicPr>
+          <p:cNvPr id="5" name="圖片 4">
+            <a:extLst>
+              <a:ext uri="{FF2B5EF4-FFF2-40B4-BE49-F238E27FC236}">
+                <a16:creationId xmlns:a16="http://schemas.microsoft.com/office/drawing/2014/main" id="{AC7643F3-4376-AD80-236D-C732C40845EB}"/>
+              </a:ext>
+            </a:extLst>
+          </p:cNvPr>
+          <p:cNvPicPr>
+            <a:picLocks noChangeAspect="1"/>
+          </p:cNvPicPr>
+          <p:nvPr/>
+        </p:nvPicPr>
+        <p:blipFill>
+          <a:blip r:embed="rId4"/>
+          <a:srcRect r="45699"/>
+          <a:stretch/>
+        </p:blipFill>
+        <p:spPr>
+          <a:xfrm>
+            <a:off x="4572000" y="3201905"/>
+            <a:ext cx="4431416" cy="3062728"/>
+          </a:xfrm>
+          <a:prstGeom prst="rect">
+            <a:avLst/>
+          </a:prstGeom>
+        </p:spPr>
+      </p:pic>
     </p:spTree>
     <p:extLst>
       <p:ext uri="{BB962C8B-B14F-4D97-AF65-F5344CB8AC3E}">
-        <p14:creationId xmlns:p14="http://schemas.microsoft.com/office/powerpoint/2010/main" val="1743540316"/>
+        <p14:creationId xmlns:p14="http://schemas.microsoft.com/office/powerpoint/2010/main" val="74239598"/>
       </p:ext>
     </p:extLst>
   </p:cSld>
@@ -7621,7 +8076,7 @@
             </a:pPr>
             <a:r>
               <a:rPr lang="zh-TW" altLang="en-US" sz="3600" dirty="0"/>
-              <a:t>存放資料與否</a:t>
+              <a:t>資料是否需要存放於系統</a:t>
             </a:r>
             <a:r>
               <a:rPr lang="en-US" altLang="zh-TW" sz="3600" dirty="0"/>
@@ -7652,10 +8107,19 @@
         </p:spPr>
         <p:txBody>
           <a:bodyPr spcFirstLastPara="1" wrap="square" lIns="91425" tIns="91425" rIns="91425" bIns="91425" anchor="t" anchorCtr="0">
-            <a:normAutofit fontScale="85000" lnSpcReduction="20000"/>
+            <a:normAutofit/>
           </a:bodyPr>
           <a:lstStyle/>
           <a:p>
+            <a:pPr marL="0" indent="0">
+              <a:spcAft>
+                <a:spcPts val="1200"/>
+              </a:spcAft>
+              <a:buNone/>
+            </a:pPr>
+            <a:endParaRPr lang="en-US" altLang="zh-TW" sz="3200" dirty="0"/>
+          </a:p>
+          <a:p>
             <a:pPr indent="-457200">
               <a:spcAft>
                 <a:spcPts val="1200"/>
@@ -7663,86 +8127,77 @@
             </a:pPr>
             <a:r>
               <a:rPr lang="zh-TW" altLang="en-US" sz="3200" dirty="0"/>
-              <a:t>帳號資料</a:t>
+              <a:t>帳號資料、權限資料、身分相關訊息</a:t>
             </a:r>
             <a:endParaRPr lang="en-US" altLang="zh-TW" sz="3200" dirty="0"/>
           </a:p>
           <a:p>
-            <a:pPr lvl="1" indent="-457200">
+            <a:pPr indent="-457200">
               <a:spcAft>
                 <a:spcPts val="1200"/>
               </a:spcAft>
             </a:pPr>
             <a:r>
-              <a:rPr lang="zh-TW" altLang="en-US" sz="2800" dirty="0"/>
-              <a:t>原則上不存放，除非架構或需求要求</a:t>
-            </a:r>
-            <a:endParaRPr lang="en-US" altLang="zh-TW" sz="2800" dirty="0"/>
-          </a:p>
-          <a:p>
-            <a:pPr indent="-457200">
-              <a:spcAft>
-                <a:spcPts val="1200"/>
-              </a:spcAft>
-            </a:pPr>
-            <a:r>
               <a:rPr lang="zh-TW" altLang="en-US" sz="3200" dirty="0"/>
-              <a:t>權限資料</a:t>
-            </a:r>
-            <a:endParaRPr lang="en-US" altLang="zh-TW" sz="3200" dirty="0"/>
-          </a:p>
-          <a:p>
-            <a:pPr lvl="1" indent="-457200">
-              <a:spcAft>
-                <a:spcPts val="1200"/>
-              </a:spcAft>
-            </a:pPr>
-            <a:r>
-              <a:rPr lang="zh-TW" altLang="en-US" sz="2800" dirty="0"/>
-              <a:t>根據系統</a:t>
-            </a:r>
-            <a:r>
-              <a:rPr lang="zh-TW" altLang="en-US" sz="2800" dirty="0">
+              <a:t>有存放，就有</a:t>
+            </a:r>
+            <a:r>
+              <a:rPr lang="zh-TW" altLang="en-US" sz="3200" dirty="0">
                 <a:solidFill>
                   <a:srgbClr val="FF0000"/>
                 </a:solidFill>
               </a:rPr>
-              <a:t>是否有的專屬的權限需要控管</a:t>
-            </a:r>
-            <a:r>
-              <a:rPr lang="zh-TW" altLang="en-US" sz="2800" dirty="0"/>
-              <a:t>就需要存放</a:t>
-            </a:r>
-            <a:endParaRPr lang="en-US" altLang="zh-TW" sz="2800" dirty="0"/>
-          </a:p>
-          <a:p>
-            <a:pPr lvl="1" indent="-457200">
+              <a:t>同步</a:t>
+            </a:r>
+            <a:r>
+              <a:rPr lang="zh-TW" altLang="en-US" sz="3200" dirty="0"/>
+              <a:t>需求</a:t>
+            </a:r>
+            <a:r>
+              <a:rPr lang="en-US" altLang="zh-TW" sz="3200" dirty="0"/>
+              <a:t>(</a:t>
+            </a:r>
+            <a:r>
+              <a:rPr lang="zh-TW" altLang="en-US" sz="3200" dirty="0"/>
+              <a:t>離、到職、資料變更</a:t>
+            </a:r>
+            <a:r>
+              <a:rPr lang="en-US" altLang="zh-TW" sz="3200" dirty="0"/>
+              <a:t>)</a:t>
+            </a:r>
+          </a:p>
+          <a:p>
+            <a:pPr indent="-457200">
               <a:spcAft>
                 <a:spcPts val="1200"/>
               </a:spcAft>
             </a:pPr>
             <a:r>
-              <a:rPr lang="zh-TW" altLang="en-US" sz="2800" dirty="0"/>
-              <a:t>通常需要混和</a:t>
-            </a:r>
-            <a:r>
-              <a:rPr lang="en-US" altLang="zh-TW" sz="2800" dirty="0"/>
-              <a:t>IDP</a:t>
-            </a:r>
-            <a:r>
-              <a:rPr lang="zh-TW" altLang="en-US" sz="2800" dirty="0"/>
-              <a:t>提供的群組來判定</a:t>
-            </a:r>
-            <a:r>
-              <a:rPr lang="en-US" altLang="zh-TW" sz="2800" dirty="0"/>
+              <a:rPr lang="zh-TW" altLang="en-US" sz="3200" dirty="0"/>
+              <a:t>有存放，就有</a:t>
+            </a:r>
+            <a:r>
+              <a:rPr lang="zh-TW" altLang="en-US" sz="3200" dirty="0">
+                <a:solidFill>
+                  <a:srgbClr val="FF0000"/>
+                </a:solidFill>
+              </a:rPr>
+              <a:t>安控</a:t>
+            </a:r>
+            <a:r>
+              <a:rPr lang="zh-TW" altLang="en-US" sz="3200" dirty="0"/>
+              <a:t>需求</a:t>
+            </a:r>
+            <a:r>
+              <a:rPr lang="en-US" altLang="zh-TW" sz="3200" dirty="0"/>
               <a:t>(</a:t>
             </a:r>
             <a:r>
-              <a:rPr lang="zh-TW" altLang="en-US" sz="2800" dirty="0"/>
-              <a:t>此部分不存放</a:t>
-            </a:r>
-            <a:r>
-              <a:rPr lang="en-US" altLang="zh-TW" sz="2800" dirty="0"/>
+              <a:rPr lang="zh-TW" altLang="en-US" sz="3200" dirty="0"/>
+              <a:t>防止資料外洩</a:t>
+            </a:r>
+            <a:r>
+              <a:rPr lang="en-US" altLang="zh-TW" sz="3200" dirty="0"/>
               <a:t>)</a:t>
             </a:r>
           </a:p>
@@ -7752,42 +8207,14 @@
                 <a:spcPts val="1200"/>
               </a:spcAft>
             </a:pPr>
-            <a:r>
-              <a:rPr lang="zh-TW" altLang="en-US" sz="3200" dirty="0"/>
-              <a:t>身分資料</a:t>
-            </a:r>
             <a:endParaRPr lang="en-US" altLang="zh-TW" sz="3200" dirty="0"/>
-          </a:p>
-          <a:p>
-            <a:pPr lvl="1" indent="-457200">
-              <a:spcAft>
-                <a:spcPts val="1200"/>
-              </a:spcAft>
-            </a:pPr>
-            <a:r>
-              <a:rPr lang="zh-TW" altLang="en-US" sz="2800" dirty="0"/>
-              <a:t>原則上不存放，除非架構或需求要求</a:t>
-            </a:r>
-            <a:endParaRPr lang="en-US" altLang="zh-TW" sz="2800" dirty="0"/>
-          </a:p>
-          <a:p>
-            <a:pPr lvl="1" indent="-457200">
-              <a:spcAft>
-                <a:spcPts val="1200"/>
-              </a:spcAft>
-            </a:pPr>
-            <a:r>
-              <a:rPr lang="zh-TW" altLang="en-US" sz="2800" dirty="0"/>
-              <a:t>多數情況需要存放用來取用組織、職級與人員姓名</a:t>
-            </a:r>
-            <a:endParaRPr lang="en-US" altLang="zh-TW" sz="2800" dirty="0"/>
           </a:p>
         </p:txBody>
       </p:sp>
     </p:spTree>
     <p:extLst>
       <p:ext uri="{BB962C8B-B14F-4D97-AF65-F5344CB8AC3E}">
-        <p14:creationId xmlns:p14="http://schemas.microsoft.com/office/powerpoint/2010/main" val="3571422273"/>
+        <p14:creationId xmlns:p14="http://schemas.microsoft.com/office/powerpoint/2010/main" val="1743540316"/>
       </p:ext>
     </p:extLst>
   </p:cSld>
@@ -7850,7 +8277,7 @@
             </a:pPr>
             <a:r>
               <a:rPr lang="zh-TW" altLang="en-US" sz="3600" dirty="0"/>
-              <a:t>若真的需要存放</a:t>
+              <a:t>存放資料與否</a:t>
             </a:r>
             <a:r>
               <a:rPr lang="en-US" altLang="zh-TW" sz="3600" dirty="0"/>
@@ -7881,7 +8308,7 @@
         </p:spPr>
         <p:txBody>
           <a:bodyPr spcFirstLastPara="1" wrap="square" lIns="91425" tIns="91425" rIns="91425" bIns="91425" anchor="t" anchorCtr="0">
-            <a:normAutofit/>
+            <a:normAutofit fontScale="85000" lnSpcReduction="20000"/>
           </a:bodyPr>
           <a:lstStyle/>
           <a:p>
@@ -7891,65 +8318,89 @@
               </a:spcAft>
             </a:pPr>
             <a:r>
+              <a:rPr lang="zh-TW" altLang="en-US" sz="3200" dirty="0"/>
+              <a:t>帳號資料</a:t>
+            </a:r>
+            <a:endParaRPr lang="en-US" altLang="zh-TW" sz="3200" dirty="0"/>
+          </a:p>
+          <a:p>
+            <a:pPr lvl="1" indent="-457200">
+              <a:spcAft>
+                <a:spcPts val="1200"/>
+              </a:spcAft>
+            </a:pPr>
+            <a:r>
               <a:rPr lang="zh-TW" altLang="en-US" sz="2800" dirty="0"/>
-              <a:t>確認同步方向</a:t>
+              <a:t>原則上不存放，除非架構或需求要求</a:t>
             </a:r>
             <a:endParaRPr lang="en-US" altLang="zh-TW" sz="2800" dirty="0"/>
           </a:p>
           <a:p>
+            <a:pPr indent="-457200">
+              <a:spcAft>
+                <a:spcPts val="1200"/>
+              </a:spcAft>
+            </a:pPr>
+            <a:r>
+              <a:rPr lang="zh-TW" altLang="en-US" sz="3200" dirty="0"/>
+              <a:t>權限資料</a:t>
+            </a:r>
+            <a:endParaRPr lang="en-US" altLang="zh-TW" sz="3200" dirty="0"/>
+          </a:p>
+          <a:p>
             <a:pPr lvl="1" indent="-457200">
               <a:spcAft>
                 <a:spcPts val="1200"/>
               </a:spcAft>
             </a:pPr>
             <a:r>
-              <a:rPr lang="zh-TW" altLang="en-US" sz="2400" dirty="0"/>
-              <a:t>除非開發系統是用來維護使用者資料的</a:t>
-            </a:r>
-            <a:br>
-              <a:rPr lang="en-US" altLang="zh-TW" sz="2400" dirty="0"/>
-            </a:br>
-            <a:r>
-              <a:rPr lang="zh-TW" altLang="en-US" sz="2400" dirty="0"/>
-              <a:t>否則同步方向應只有 </a:t>
-            </a:r>
-            <a:r>
-              <a:rPr lang="en-US" altLang="zh-TW" sz="2400" dirty="0">
+              <a:rPr lang="zh-TW" altLang="en-US" sz="2800" dirty="0"/>
+              <a:t>根據系統</a:t>
+            </a:r>
+            <a:r>
+              <a:rPr lang="zh-TW" altLang="en-US" sz="2800" dirty="0">
                 <a:solidFill>
                   <a:srgbClr val="FF0000"/>
                 </a:solidFill>
               </a:rPr>
-              <a:t>IDP/SSO </a:t>
-            </a:r>
-            <a:r>
-              <a:rPr lang="zh-TW" altLang="en-US" sz="2400" dirty="0">
-                <a:solidFill>
-                  <a:srgbClr val="FF0000"/>
-                </a:solidFill>
-              </a:rPr>
-              <a:t>→</a:t>
-            </a:r>
-            <a:r>
-              <a:rPr lang="en-US" altLang="zh-TW" sz="2400" dirty="0">
-                <a:solidFill>
-                  <a:srgbClr val="FF0000"/>
-                </a:solidFill>
-              </a:rPr>
-              <a:t> </a:t>
-            </a:r>
-            <a:r>
-              <a:rPr lang="zh-TW" altLang="en-US" sz="2400" dirty="0">
-                <a:solidFill>
-                  <a:srgbClr val="FF0000"/>
-                </a:solidFill>
-              </a:rPr>
-              <a:t>開發系統</a:t>
-            </a:r>
-            <a:endParaRPr lang="en-US" altLang="zh-TW" sz="2400" dirty="0">
-              <a:solidFill>
-                <a:srgbClr val="FF0000"/>
-              </a:solidFill>
-            </a:endParaRPr>
+              <a:t>是否有的專屬的權限需要控管</a:t>
+            </a:r>
+            <a:r>
+              <a:rPr lang="zh-TW" altLang="en-US" sz="2800" dirty="0"/>
+              <a:t>就需要存放</a:t>
+            </a:r>
+            <a:endParaRPr lang="en-US" altLang="zh-TW" sz="2800" dirty="0"/>
+          </a:p>
+          <a:p>
+            <a:pPr lvl="1" indent="-457200">
+              <a:spcAft>
+                <a:spcPts val="1200"/>
+              </a:spcAft>
+            </a:pPr>
+            <a:r>
+              <a:rPr lang="zh-TW" altLang="en-US" sz="2800" dirty="0"/>
+              <a:t>通常需要混和</a:t>
+            </a:r>
+            <a:r>
+              <a:rPr lang="en-US" altLang="zh-TW" sz="2800" dirty="0"/>
+              <a:t>IDP</a:t>
+            </a:r>
+            <a:r>
+              <a:rPr lang="zh-TW" altLang="en-US" sz="2800" dirty="0"/>
+              <a:t>提供的群組來判定</a:t>
+            </a:r>
+            <a:r>
+              <a:rPr lang="en-US" altLang="zh-TW" sz="2800" dirty="0"/>
+              <a:t>(</a:t>
+            </a:r>
+            <a:r>
+              <a:rPr lang="zh-TW" altLang="en-US" sz="2800" dirty="0"/>
+              <a:t>此部分不存放</a:t>
+            </a:r>
+            <a:r>
+              <a:rPr lang="en-US" altLang="zh-TW" sz="2800" dirty="0"/>
+              <a:t>)</a:t>
+            </a:r>
           </a:p>
           <a:p>
             <a:pPr indent="-457200">
@@ -7958,8 +8409,20 @@
               </a:spcAft>
             </a:pPr>
             <a:r>
+              <a:rPr lang="zh-TW" altLang="en-US" sz="3200" dirty="0"/>
+              <a:t>身分資料</a:t>
+            </a:r>
+            <a:endParaRPr lang="en-US" altLang="zh-TW" sz="3200" dirty="0"/>
+          </a:p>
+          <a:p>
+            <a:pPr lvl="1" indent="-457200">
+              <a:spcAft>
+                <a:spcPts val="1200"/>
+              </a:spcAft>
+            </a:pPr>
+            <a:r>
               <a:rPr lang="zh-TW" altLang="en-US" sz="2800" dirty="0"/>
-              <a:t>確認同步機制</a:t>
+              <a:t>原則上不存放，除非架構或需求要求</a:t>
             </a:r>
             <a:endParaRPr lang="en-US" altLang="zh-TW" sz="2800" dirty="0"/>
           </a:p>
@@ -7970,77 +8433,17 @@
               </a:spcAft>
             </a:pPr>
             <a:r>
-              <a:rPr lang="zh-TW" altLang="en-US" sz="2400" dirty="0"/>
-              <a:t>即時同步：差，需有</a:t>
-            </a:r>
-            <a:r>
-              <a:rPr lang="en-US" altLang="zh-TW" sz="2400" dirty="0"/>
-              <a:t>Cache</a:t>
-            </a:r>
-            <a:r>
-              <a:rPr lang="zh-TW" altLang="en-US" sz="2400" dirty="0"/>
-              <a:t>緩衝</a:t>
-            </a:r>
-            <a:r>
-              <a:rPr lang="en-US" altLang="zh-TW" sz="2400" dirty="0"/>
-              <a:t>IDP</a:t>
-            </a:r>
-            <a:r>
-              <a:rPr lang="zh-TW" altLang="en-US" sz="2400" dirty="0"/>
-              <a:t>負載</a:t>
-            </a:r>
-            <a:endParaRPr lang="en-US" altLang="zh-TW" sz="2400" dirty="0"/>
-          </a:p>
-          <a:p>
-            <a:pPr lvl="1" indent="-457200">
-              <a:spcAft>
-                <a:spcPts val="1200"/>
-              </a:spcAft>
-            </a:pPr>
-            <a:r>
-              <a:rPr lang="zh-TW" altLang="en-US" sz="2400" dirty="0">
-                <a:solidFill>
-                  <a:srgbClr val="FF0000"/>
-                </a:solidFill>
-              </a:rPr>
-              <a:t>每日同步</a:t>
-            </a:r>
-            <a:r>
-              <a:rPr lang="zh-TW" altLang="en-US" sz="2400" dirty="0"/>
-              <a:t>：佳，但仍需設計人為觸發</a:t>
-            </a:r>
-            <a:r>
-              <a:rPr lang="zh-TW" altLang="en-US" sz="2400" dirty="0">
-                <a:solidFill>
-                  <a:srgbClr val="FF0000"/>
-                </a:solidFill>
-              </a:rPr>
-              <a:t>即時同步</a:t>
-            </a:r>
-            <a:r>
-              <a:rPr lang="zh-TW" altLang="en-US" sz="2400" dirty="0"/>
-              <a:t>的功能</a:t>
-            </a:r>
-            <a:endParaRPr lang="en-US" altLang="zh-TW" sz="2400" dirty="0"/>
-          </a:p>
-          <a:p>
-            <a:pPr lvl="1" indent="-457200">
-              <a:spcAft>
-                <a:spcPts val="1200"/>
-              </a:spcAft>
-            </a:pPr>
-            <a:r>
-              <a:rPr lang="zh-TW" altLang="en-US" sz="2400" dirty="0"/>
-              <a:t>僅初始同步</a:t>
-            </a:r>
-            <a:endParaRPr lang="en-US" altLang="zh-TW" sz="2400" dirty="0"/>
+              <a:rPr lang="zh-TW" altLang="en-US" sz="2800" dirty="0"/>
+              <a:t>多數情況需要存放用來取用組織、職級與人員姓名</a:t>
+            </a:r>
+            <a:endParaRPr lang="en-US" altLang="zh-TW" sz="2800" dirty="0"/>
           </a:p>
         </p:txBody>
       </p:sp>
     </p:spTree>
     <p:extLst>
       <p:ext uri="{BB962C8B-B14F-4D97-AF65-F5344CB8AC3E}">
-        <p14:creationId xmlns:p14="http://schemas.microsoft.com/office/powerpoint/2010/main" val="268285160"/>
+        <p14:creationId xmlns:p14="http://schemas.microsoft.com/office/powerpoint/2010/main" val="3571422273"/>
       </p:ext>
     </p:extLst>
   </p:cSld>
@@ -8103,7 +8506,11 @@
             </a:pPr>
             <a:r>
               <a:rPr lang="zh-TW" altLang="en-US" sz="3600" dirty="0"/>
-              <a:t>小結</a:t>
+              <a:t>若真的需要存放</a:t>
+            </a:r>
+            <a:r>
+              <a:rPr lang="en-US" altLang="zh-TW" sz="3600" dirty="0"/>
+              <a:t>?</a:t>
             </a:r>
             <a:endParaRPr sz="3600" dirty="0"/>
           </a:p>
@@ -8141,7 +8548,7 @@
             </a:pPr>
             <a:r>
               <a:rPr lang="zh-TW" altLang="en-US" sz="2800" dirty="0"/>
-              <a:t>要存放的情況</a:t>
+              <a:t>確認同步方向</a:t>
             </a:r>
             <a:endParaRPr lang="en-US" altLang="zh-TW" sz="2800" dirty="0"/>
           </a:p>
@@ -8153,7 +8560,22 @@
             </a:pPr>
             <a:r>
               <a:rPr lang="zh-TW" altLang="en-US" sz="2400" dirty="0"/>
-              <a:t>系統與帳號資料重度相關，有</a:t>
+              <a:t>除非開發系統是用來維護使用者資料的</a:t>
+            </a:r>
+            <a:br>
+              <a:rPr lang="en-US" altLang="zh-TW" sz="2400" dirty="0"/>
+            </a:br>
+            <a:r>
+              <a:rPr lang="zh-TW" altLang="en-US" sz="2400" dirty="0"/>
+              <a:t>否則同步方向應只有 </a:t>
+            </a:r>
+            <a:r>
+              <a:rPr lang="en-US" altLang="zh-TW" sz="2400" dirty="0">
+                <a:solidFill>
+                  <a:srgbClr val="FF0000"/>
+                </a:solidFill>
+              </a:rPr>
+              <a:t>IDP/SSO </a:t>
             </a:r>
             <a:r>
               <a:rPr lang="zh-TW" altLang="en-US" sz="2400" dirty="0">
@@ -8161,7 +8583,23 @@
                   <a:srgbClr val="FF0000"/>
                 </a:solidFill>
               </a:rPr>
-              <a:t>頻繁的資料使用需求</a:t>
+              <a:t>→</a:t>
+            </a:r>
+            <a:r>
+              <a:rPr lang="en-US" altLang="zh-TW" sz="2400" dirty="0">
+                <a:solidFill>
+                  <a:srgbClr val="FF0000"/>
+                </a:solidFill>
+              </a:rPr>
+              <a:t> </a:t>
+            </a:r>
+            <a:r>
+              <a:rPr lang="zh-TW" altLang="en-US" sz="2400" dirty="0">
+                <a:solidFill>
+                  <a:srgbClr val="FF0000"/>
+                </a:solidFill>
+              </a:rPr>
+              <a:t>開發系統</a:t>
             </a:r>
             <a:endParaRPr lang="en-US" altLang="zh-TW" sz="2400" dirty="0">
               <a:solidFill>
@@ -8170,6 +8608,18 @@
             </a:endParaRPr>
           </a:p>
           <a:p>
+            <a:pPr indent="-457200">
+              <a:spcAft>
+                <a:spcPts val="1200"/>
+              </a:spcAft>
+            </a:pPr>
+            <a:r>
+              <a:rPr lang="zh-TW" altLang="en-US" sz="2800" dirty="0"/>
+              <a:t>確認同步機制</a:t>
+            </a:r>
+            <a:endParaRPr lang="en-US" altLang="zh-TW" sz="2800" dirty="0"/>
+          </a:p>
+          <a:p>
             <a:pPr lvl="1" indent="-457200">
               <a:spcAft>
                 <a:spcPts val="1200"/>
@@ -8177,93 +8627,55 @@
             </a:pPr>
             <a:r>
               <a:rPr lang="zh-TW" altLang="en-US" sz="2400" dirty="0"/>
-              <a:t>有</a:t>
-            </a:r>
+              <a:t>即時同步：差，需有</a:t>
+            </a:r>
+            <a:r>
+              <a:rPr lang="en-US" altLang="zh-TW" sz="2400" dirty="0"/>
+              <a:t>Cache</a:t>
+            </a:r>
+            <a:r>
+              <a:rPr lang="zh-TW" altLang="en-US" sz="2400" dirty="0"/>
+              <a:t>緩衝</a:t>
+            </a:r>
+            <a:r>
+              <a:rPr lang="en-US" altLang="zh-TW" sz="2400" dirty="0"/>
+              <a:t>IDP</a:t>
+            </a:r>
+            <a:r>
+              <a:rPr lang="zh-TW" altLang="en-US" sz="2400" dirty="0"/>
+              <a:t>負載</a:t>
+            </a:r>
+            <a:endParaRPr lang="en-US" altLang="zh-TW" sz="2400" dirty="0"/>
+          </a:p>
+          <a:p>
+            <a:pPr lvl="1" indent="-457200">
+              <a:spcAft>
+                <a:spcPts val="1200"/>
+              </a:spcAft>
+            </a:pPr>
             <a:r>
               <a:rPr lang="zh-TW" altLang="en-US" sz="2400" dirty="0">
                 <a:solidFill>
                   <a:srgbClr val="FF0000"/>
                 </a:solidFill>
               </a:rPr>
-              <a:t>相關的設定關聯檔</a:t>
+              <a:t>每日同步</a:t>
             </a:r>
             <a:r>
               <a:rPr lang="zh-TW" altLang="en-US" sz="2400" dirty="0"/>
-              <a:t>需要維護</a:t>
-            </a:r>
-            <a:r>
-              <a:rPr lang="en-US" altLang="zh-TW" sz="2400" dirty="0"/>
-              <a:t>(</a:t>
-            </a:r>
-            <a:r>
-              <a:rPr lang="zh-TW" altLang="en-US" sz="2400" dirty="0"/>
-              <a:t>例</a:t>
-            </a:r>
-            <a:r>
-              <a:rPr lang="en-US" altLang="zh-TW" sz="2400" dirty="0"/>
-              <a:t>: </a:t>
-            </a:r>
-            <a:r>
-              <a:rPr lang="zh-TW" altLang="en-US" sz="2400" dirty="0"/>
-              <a:t>分層授權</a:t>
-            </a:r>
-            <a:r>
-              <a:rPr lang="en-US" altLang="zh-TW" sz="2400" dirty="0"/>
-              <a:t>)</a:t>
-            </a:r>
-          </a:p>
-          <a:p>
-            <a:pPr lvl="1" indent="-457200">
-              <a:spcAft>
-                <a:spcPts val="1200"/>
-              </a:spcAft>
-            </a:pPr>
-            <a:r>
-              <a:rPr lang="en-US" altLang="zh-TW" sz="2400" dirty="0"/>
-              <a:t>SSO Server</a:t>
-            </a:r>
-            <a:r>
-              <a:rPr lang="zh-TW" altLang="en-US" sz="2400" dirty="0"/>
-              <a:t>體質貧弱，只接受低頻率的</a:t>
-            </a:r>
-            <a:r>
-              <a:rPr lang="en-US" altLang="zh-TW" sz="2400" dirty="0"/>
-              <a:t>Request</a:t>
-            </a:r>
-          </a:p>
-          <a:p>
-            <a:pPr lvl="1" indent="-457200">
-              <a:spcAft>
-                <a:spcPts val="1200"/>
-              </a:spcAft>
-            </a:pPr>
+              <a:t>：佳，但仍需設計人為觸發</a:t>
+            </a:r>
             <a:r>
               <a:rPr lang="zh-TW" altLang="en-US" sz="2400" dirty="0">
                 <a:solidFill>
                   <a:srgbClr val="FF0000"/>
                 </a:solidFill>
               </a:rPr>
-              <a:t>長官</a:t>
-            </a:r>
-            <a:r>
-              <a:rPr lang="en-US" altLang="zh-TW" sz="2400" dirty="0">
-                <a:solidFill>
-                  <a:srgbClr val="FF0000"/>
-                </a:solidFill>
-              </a:rPr>
-              <a:t>/</a:t>
-            </a:r>
-            <a:r>
-              <a:rPr lang="zh-TW" altLang="en-US" sz="2400" dirty="0">
-                <a:solidFill>
-                  <a:srgbClr val="FF0000"/>
-                </a:solidFill>
-              </a:rPr>
-              <a:t>上級部門</a:t>
+              <a:t>即時同步</a:t>
             </a:r>
             <a:r>
               <a:rPr lang="zh-TW" altLang="en-US" sz="2400" dirty="0"/>
-              <a:t>指導</a:t>
+              <a:t>的功能</a:t>
             </a:r>
             <a:endParaRPr lang="en-US" altLang="zh-TW" sz="2400" dirty="0"/>
           </a:p>
@@ -8273,26 +8685,10 @@
                 <a:spcPts val="1200"/>
               </a:spcAft>
             </a:pPr>
-            <a:endParaRPr lang="en-US" altLang="zh-TW" sz="2400" dirty="0"/>
-          </a:p>
-          <a:p>
-            <a:pPr indent="-457200">
-              <a:spcAft>
-                <a:spcPts val="1200"/>
-              </a:spcAft>
-            </a:pPr>
-            <a:r>
-              <a:rPr lang="zh-TW" altLang="en-US" sz="2800" dirty="0"/>
-              <a:t>除此之外一律建議不存放</a:t>
-            </a:r>
-            <a:endParaRPr lang="en-US" altLang="zh-TW" sz="2800" dirty="0"/>
-          </a:p>
-          <a:p>
-            <a:pPr lvl="1" indent="-457200">
-              <a:spcAft>
-                <a:spcPts val="1200"/>
-              </a:spcAft>
-            </a:pPr>
+            <a:r>
+              <a:rPr lang="zh-TW" altLang="en-US" sz="2400" dirty="0"/>
+              <a:t>僅初始同步</a:t>
+            </a:r>
             <a:endParaRPr lang="en-US" altLang="zh-TW" sz="2400" dirty="0"/>
           </a:p>
         </p:txBody>
@@ -8300,7 +8696,7 @@
     </p:spTree>
     <p:extLst>
       <p:ext uri="{BB962C8B-B14F-4D97-AF65-F5344CB8AC3E}">
-        <p14:creationId xmlns:p14="http://schemas.microsoft.com/office/powerpoint/2010/main" val="616427694"/>
+        <p14:creationId xmlns:p14="http://schemas.microsoft.com/office/powerpoint/2010/main" val="268285160"/>
       </p:ext>
     </p:extLst>
   </p:cSld>
@@ -8311,127 +8707,6 @@
 </file>
 
 <file path=ppt/slides/slide15.xml><?xml version="1.0" encoding="utf-8"?>
-<p:sld xmlns:a="http://schemas.openxmlformats.org/drawingml/2006/main" xmlns:r="http://schemas.openxmlformats.org/officeDocument/2006/relationships" xmlns:p="http://schemas.openxmlformats.org/presentationml/2006/main">
-  <p:cSld>
-    <p:spTree>
-      <p:nvGrpSpPr>
-        <p:cNvPr id="1" name="Shape 39"/>
-        <p:cNvGrpSpPr/>
-        <p:nvPr/>
-      </p:nvGrpSpPr>
-      <p:grpSpPr>
-        <a:xfrm>
-          <a:off x="0" y="0"/>
-          <a:ext cx="0" cy="0"/>
-          <a:chOff x="0" y="0"/>
-          <a:chExt cx="0" cy="0"/>
-        </a:xfrm>
-      </p:grpSpPr>
-      <p:sp>
-        <p:nvSpPr>
-          <p:cNvPr id="40" name="Google Shape;40;p7"/>
-          <p:cNvSpPr txBox="1">
-            <a:spLocks noGrp="1"/>
-          </p:cNvSpPr>
-          <p:nvPr>
-            <p:ph type="title"/>
-          </p:nvPr>
-        </p:nvSpPr>
-        <p:spPr>
-          <a:xfrm>
-            <a:off x="311700" y="2132075"/>
-            <a:ext cx="8520600" cy="1122300"/>
-          </a:xfrm>
-          <a:prstGeom prst="rect">
-            <a:avLst/>
-          </a:prstGeom>
-        </p:spPr>
-        <p:txBody>
-          <a:bodyPr spcFirstLastPara="1" wrap="square" lIns="91425" tIns="91425" rIns="91425" bIns="91425" anchor="ctr" anchorCtr="0">
-            <a:normAutofit/>
-          </a:bodyPr>
-          <a:lstStyle/>
-          <a:p>
-            <a:pPr marL="0" lvl="0" indent="0" algn="ctr" rtl="0">
-              <a:spcBef>
-                <a:spcPts val="0"/>
-              </a:spcBef>
-              <a:spcAft>
-                <a:spcPts val="0"/>
-              </a:spcAft>
-              <a:buNone/>
-            </a:pPr>
-            <a:r>
-              <a:rPr lang="zh-TW" altLang="en-US" sz="4000" dirty="0"/>
-              <a:t>實作建議</a:t>
-            </a:r>
-          </a:p>
-        </p:txBody>
-      </p:sp>
-      <p:sp>
-        <p:nvSpPr>
-          <p:cNvPr id="41" name="Google Shape;41;p7"/>
-          <p:cNvSpPr txBox="1">
-            <a:spLocks noGrp="1"/>
-          </p:cNvSpPr>
-          <p:nvPr>
-            <p:ph type="subTitle" idx="1"/>
-          </p:nvPr>
-        </p:nvSpPr>
-        <p:spPr>
-          <a:xfrm>
-            <a:off x="311700" y="3254375"/>
-            <a:ext cx="8520600" cy="1056900"/>
-          </a:xfrm>
-          <a:prstGeom prst="rect">
-            <a:avLst/>
-          </a:prstGeom>
-        </p:spPr>
-        <p:txBody>
-          <a:bodyPr spcFirstLastPara="1" wrap="square" lIns="91425" tIns="91425" rIns="91425" bIns="91425" anchor="t" anchorCtr="0">
-            <a:normAutofit/>
-          </a:bodyPr>
-          <a:lstStyle/>
-          <a:p>
-            <a:pPr marL="0" lvl="0" indent="0" algn="ctr" rtl="0">
-              <a:spcBef>
-                <a:spcPts val="0"/>
-              </a:spcBef>
-              <a:spcAft>
-                <a:spcPts val="0"/>
-              </a:spcAft>
-              <a:buNone/>
-            </a:pPr>
-            <a:r>
-              <a:rPr lang="zh-TW" altLang="en-US" sz="2800" dirty="0"/>
-              <a:t>其實串</a:t>
-            </a:r>
-            <a:r>
-              <a:rPr lang="en-US" altLang="zh-TW" sz="2800" dirty="0"/>
-              <a:t>SSO</a:t>
-            </a:r>
-            <a:r>
-              <a:rPr lang="zh-TW" altLang="en-US" sz="2800" dirty="0"/>
-              <a:t>的架構比想像中的還多</a:t>
-            </a:r>
-            <a:endParaRPr sz="2800" dirty="0"/>
-          </a:p>
-        </p:txBody>
-      </p:sp>
-    </p:spTree>
-    <p:extLst>
-      <p:ext uri="{BB962C8B-B14F-4D97-AF65-F5344CB8AC3E}">
-        <p14:creationId xmlns:p14="http://schemas.microsoft.com/office/powerpoint/2010/main" val="1153018451"/>
-      </p:ext>
-    </p:extLst>
-  </p:cSld>
-  <p:clrMapOvr>
-    <a:masterClrMapping/>
-  </p:clrMapOvr>
-</p:sld>
-</file>
-
-<file path=ppt/slides/slide16.xml><?xml version="1.0" encoding="utf-8"?>
 <p:sld xmlns:a="http://schemas.openxmlformats.org/drawingml/2006/main" xmlns:r="http://schemas.openxmlformats.org/officeDocument/2006/relationships" xmlns:p="http://schemas.openxmlformats.org/presentationml/2006/main">
   <p:cSld>
     <p:spTree>
@@ -8484,7 +8759,7 @@
             </a:pPr>
             <a:r>
               <a:rPr lang="zh-TW" altLang="en-US" sz="3600" dirty="0"/>
-              <a:t>普遍狀況</a:t>
+              <a:t>小結</a:t>
             </a:r>
             <a:endParaRPr sz="3600" dirty="0"/>
           </a:p>
@@ -8492,720 +8767,263 @@
       </p:sp>
       <p:sp>
         <p:nvSpPr>
-          <p:cNvPr id="4" name="矩形: 圓角 3">
-            <a:extLst>
-              <a:ext uri="{FF2B5EF4-FFF2-40B4-BE49-F238E27FC236}">
-                <a16:creationId xmlns:a16="http://schemas.microsoft.com/office/drawing/2014/main" id="{E965DD2C-8FF7-9E9D-8B36-C1D22F6EC872}"/>
-              </a:ext>
-            </a:extLst>
-          </p:cNvPr>
-          <p:cNvSpPr/>
-          <p:nvPr/>
+          <p:cNvPr id="47" name="Google Shape;47;p8"/>
+          <p:cNvSpPr txBox="1">
+            <a:spLocks noGrp="1"/>
+          </p:cNvSpPr>
+          <p:nvPr>
+            <p:ph type="body" idx="1"/>
+          </p:nvPr>
         </p:nvSpPr>
         <p:spPr>
           <a:xfrm>
-            <a:off x="994450" y="3460552"/>
-            <a:ext cx="1498027" cy="865240"/>
-          </a:xfrm>
-          <a:prstGeom prst="roundRect">
-            <a:avLst/>
-          </a:prstGeom>
-        </p:spPr>
-        <p:style>
-          <a:lnRef idx="2">
-            <a:schemeClr val="accent1">
-              <a:shade val="15000"/>
-            </a:schemeClr>
-          </a:lnRef>
-          <a:fillRef idx="1">
-            <a:schemeClr val="accent1"/>
-          </a:fillRef>
-          <a:effectRef idx="0">
-            <a:schemeClr val="accent1"/>
-          </a:effectRef>
-          <a:fontRef idx="minor">
-            <a:schemeClr val="lt1"/>
-          </a:fontRef>
-        </p:style>
-        <p:txBody>
-          <a:bodyPr rtlCol="0" anchor="ctr"/>
-          <a:lstStyle/>
-          <a:p>
-            <a:pPr algn="ctr"/>
-            <a:r>
-              <a:rPr lang="zh-TW" altLang="en-US" sz="1800" b="1" dirty="0">
-                <a:latin typeface="Microsoft JhengHei Light" panose="020B0304030504040204" pitchFamily="34" charset="-120"/>
-                <a:ea typeface="Microsoft JhengHei Light" panose="020B0304030504040204" pitchFamily="34" charset="-120"/>
-              </a:rPr>
-              <a:t>瀏覽器</a:t>
-            </a:r>
-            <a:endParaRPr lang="en-US" altLang="zh-TW" sz="1800" b="1" dirty="0">
-              <a:latin typeface="Microsoft JhengHei Light" panose="020B0304030504040204" pitchFamily="34" charset="-120"/>
-              <a:ea typeface="Microsoft JhengHei Light" panose="020B0304030504040204" pitchFamily="34" charset="-120"/>
-            </a:endParaRPr>
-          </a:p>
-        </p:txBody>
-      </p:sp>
-      <p:sp>
-        <p:nvSpPr>
-          <p:cNvPr id="5" name="矩形: 圓角 4">
-            <a:extLst>
-              <a:ext uri="{FF2B5EF4-FFF2-40B4-BE49-F238E27FC236}">
-                <a16:creationId xmlns:a16="http://schemas.microsoft.com/office/drawing/2014/main" id="{D1F9721E-A1C9-3192-F07C-8CB44242E145}"/>
-              </a:ext>
-            </a:extLst>
-          </p:cNvPr>
-          <p:cNvSpPr/>
-          <p:nvPr/>
-        </p:nvSpPr>
-        <p:spPr>
-          <a:xfrm>
-            <a:off x="6164821" y="5039281"/>
-            <a:ext cx="1498027" cy="865240"/>
-          </a:xfrm>
-          <a:prstGeom prst="roundRect">
-            <a:avLst/>
-          </a:prstGeom>
-        </p:spPr>
-        <p:style>
-          <a:lnRef idx="2">
-            <a:schemeClr val="accent1">
-              <a:shade val="15000"/>
-            </a:schemeClr>
-          </a:lnRef>
-          <a:fillRef idx="1">
-            <a:schemeClr val="accent1"/>
-          </a:fillRef>
-          <a:effectRef idx="0">
-            <a:schemeClr val="accent1"/>
-          </a:effectRef>
-          <a:fontRef idx="minor">
-            <a:schemeClr val="lt1"/>
-          </a:fontRef>
-        </p:style>
-        <p:txBody>
-          <a:bodyPr rtlCol="0" anchor="ctr"/>
-          <a:lstStyle/>
-          <a:p>
-            <a:pPr algn="ctr"/>
-            <a:r>
-              <a:rPr lang="en-US" altLang="zh-TW" sz="1800" dirty="0"/>
-              <a:t>IDP</a:t>
-            </a:r>
-          </a:p>
-          <a:p>
-            <a:pPr algn="ctr"/>
-            <a:r>
-              <a:rPr lang="en-US" altLang="zh-TW" sz="1800" dirty="0"/>
-              <a:t>(LDAP)</a:t>
-            </a:r>
-          </a:p>
-        </p:txBody>
-      </p:sp>
-      <p:sp>
-        <p:nvSpPr>
-          <p:cNvPr id="6" name="矩形: 圓角 5">
-            <a:extLst>
-              <a:ext uri="{FF2B5EF4-FFF2-40B4-BE49-F238E27FC236}">
-                <a16:creationId xmlns:a16="http://schemas.microsoft.com/office/drawing/2014/main" id="{6DE0CA9B-8435-BC6C-AC0B-E42CEE577E15}"/>
-              </a:ext>
-            </a:extLst>
-          </p:cNvPr>
-          <p:cNvSpPr/>
-          <p:nvPr/>
-        </p:nvSpPr>
-        <p:spPr>
-          <a:xfrm>
-            <a:off x="6164822" y="1592455"/>
-            <a:ext cx="1498027" cy="865240"/>
-          </a:xfrm>
-          <a:prstGeom prst="roundRect">
-            <a:avLst/>
-          </a:prstGeom>
-        </p:spPr>
-        <p:style>
-          <a:lnRef idx="2">
-            <a:schemeClr val="accent1">
-              <a:shade val="15000"/>
-            </a:schemeClr>
-          </a:lnRef>
-          <a:fillRef idx="1">
-            <a:schemeClr val="accent1"/>
-          </a:fillRef>
-          <a:effectRef idx="0">
-            <a:schemeClr val="accent1"/>
-          </a:effectRef>
-          <a:fontRef idx="minor">
-            <a:schemeClr val="lt1"/>
-          </a:fontRef>
-        </p:style>
-        <p:txBody>
-          <a:bodyPr rtlCol="0" anchor="ctr"/>
-          <a:lstStyle/>
-          <a:p>
-            <a:pPr algn="ctr"/>
-            <a:r>
-              <a:rPr lang="en-US" altLang="zh-TW" sz="1800" dirty="0"/>
-              <a:t>SP</a:t>
-            </a:r>
-          </a:p>
-          <a:p>
-            <a:pPr algn="ctr"/>
-            <a:r>
-              <a:rPr lang="en-US" altLang="zh-TW" sz="1800" dirty="0"/>
-              <a:t>(AP Server)</a:t>
-            </a:r>
-          </a:p>
-        </p:txBody>
-      </p:sp>
-      <p:sp>
-        <p:nvSpPr>
-          <p:cNvPr id="7" name="矩形: 圓角 6">
-            <a:extLst>
-              <a:ext uri="{FF2B5EF4-FFF2-40B4-BE49-F238E27FC236}">
-                <a16:creationId xmlns:a16="http://schemas.microsoft.com/office/drawing/2014/main" id="{9C08CC98-B106-EE17-0CD5-13711BB8E0F9}"/>
-              </a:ext>
-            </a:extLst>
-          </p:cNvPr>
-          <p:cNvSpPr/>
-          <p:nvPr/>
-        </p:nvSpPr>
-        <p:spPr>
-          <a:xfrm>
-            <a:off x="6164822" y="3460552"/>
-            <a:ext cx="1498027" cy="865240"/>
-          </a:xfrm>
-          <a:prstGeom prst="roundRect">
-            <a:avLst/>
-          </a:prstGeom>
-        </p:spPr>
-        <p:style>
-          <a:lnRef idx="2">
-            <a:schemeClr val="accent1">
-              <a:shade val="15000"/>
-            </a:schemeClr>
-          </a:lnRef>
-          <a:fillRef idx="1">
-            <a:schemeClr val="accent1"/>
-          </a:fillRef>
-          <a:effectRef idx="0">
-            <a:schemeClr val="accent1"/>
-          </a:effectRef>
-          <a:fontRef idx="minor">
-            <a:schemeClr val="lt1"/>
-          </a:fontRef>
-        </p:style>
-        <p:txBody>
-          <a:bodyPr rtlCol="0" anchor="ctr"/>
-          <a:lstStyle/>
-          <a:p>
-            <a:pPr algn="ctr"/>
-            <a:r>
-              <a:rPr lang="en-US" altLang="zh-TW" sz="1800" dirty="0"/>
-              <a:t>SSO</a:t>
-            </a:r>
-          </a:p>
-          <a:p>
-            <a:pPr algn="ctr"/>
-            <a:r>
-              <a:rPr lang="en-US" altLang="zh-TW" sz="1800" dirty="0"/>
-              <a:t>(</a:t>
-            </a:r>
-            <a:r>
-              <a:rPr lang="en-US" altLang="zh-TW" sz="1800" dirty="0" err="1"/>
-              <a:t>Keycloak</a:t>
-            </a:r>
-            <a:r>
-              <a:rPr lang="en-US" altLang="zh-TW" sz="1800" dirty="0"/>
-              <a:t>)</a:t>
-            </a:r>
-          </a:p>
-        </p:txBody>
-      </p:sp>
-      <p:cxnSp>
-        <p:nvCxnSpPr>
-          <p:cNvPr id="24" name="直線單箭頭接點 23">
-            <a:extLst>
-              <a:ext uri="{FF2B5EF4-FFF2-40B4-BE49-F238E27FC236}">
-                <a16:creationId xmlns:a16="http://schemas.microsoft.com/office/drawing/2014/main" id="{7C7095ED-1B39-A1BB-14B6-7FCDB49559FB}"/>
-              </a:ext>
-            </a:extLst>
-          </p:cNvPr>
-          <p:cNvCxnSpPr>
-            <a:cxnSpLocks/>
-            <a:endCxn id="6" idx="1"/>
-          </p:cNvCxnSpPr>
-          <p:nvPr/>
-        </p:nvCxnSpPr>
-        <p:spPr>
-          <a:xfrm flipV="1">
-            <a:off x="2492477" y="2025075"/>
-            <a:ext cx="3672345" cy="1612860"/>
-          </a:xfrm>
-          <a:prstGeom prst="straightConnector1">
-            <a:avLst/>
-          </a:prstGeom>
-          <a:ln>
-            <a:headEnd type="arrow" w="med" len="med"/>
-            <a:tailEnd type="arrow" w="med" len="med"/>
-          </a:ln>
-        </p:spPr>
-        <p:style>
-          <a:lnRef idx="2">
-            <a:schemeClr val="dk1"/>
-          </a:lnRef>
-          <a:fillRef idx="0">
-            <a:schemeClr val="dk1"/>
-          </a:fillRef>
-          <a:effectRef idx="1">
-            <a:schemeClr val="dk1"/>
-          </a:effectRef>
-          <a:fontRef idx="minor">
-            <a:schemeClr val="tx1"/>
-          </a:fontRef>
-        </p:style>
-      </p:cxnSp>
-      <p:cxnSp>
-        <p:nvCxnSpPr>
-          <p:cNvPr id="50" name="直線單箭頭接點 49">
-            <a:extLst>
-              <a:ext uri="{FF2B5EF4-FFF2-40B4-BE49-F238E27FC236}">
-                <a16:creationId xmlns:a16="http://schemas.microsoft.com/office/drawing/2014/main" id="{C48F6EB3-2D9D-2BEF-A11B-B3A45F84F2F0}"/>
-              </a:ext>
-            </a:extLst>
-          </p:cNvPr>
-          <p:cNvCxnSpPr>
-            <a:cxnSpLocks/>
-            <a:stCxn id="4" idx="3"/>
-            <a:endCxn id="7" idx="1"/>
-          </p:cNvCxnSpPr>
-          <p:nvPr/>
-        </p:nvCxnSpPr>
-        <p:spPr>
-          <a:xfrm>
-            <a:off x="2492477" y="3893172"/>
-            <a:ext cx="3672345" cy="0"/>
-          </a:xfrm>
-          <a:prstGeom prst="straightConnector1">
-            <a:avLst/>
-          </a:prstGeom>
-          <a:ln>
-            <a:headEnd type="arrow" w="med" len="med"/>
-            <a:tailEnd type="arrow" w="med" len="med"/>
-          </a:ln>
-        </p:spPr>
-        <p:style>
-          <a:lnRef idx="2">
-            <a:schemeClr val="dk1"/>
-          </a:lnRef>
-          <a:fillRef idx="0">
-            <a:schemeClr val="dk1"/>
-          </a:fillRef>
-          <a:effectRef idx="1">
-            <a:schemeClr val="dk1"/>
-          </a:effectRef>
-          <a:fontRef idx="minor">
-            <a:schemeClr val="tx1"/>
-          </a:fontRef>
-        </p:style>
-      </p:cxnSp>
-      <p:cxnSp>
-        <p:nvCxnSpPr>
-          <p:cNvPr id="53" name="直線單箭頭接點 52">
-            <a:extLst>
-              <a:ext uri="{FF2B5EF4-FFF2-40B4-BE49-F238E27FC236}">
-                <a16:creationId xmlns:a16="http://schemas.microsoft.com/office/drawing/2014/main" id="{AC7B924B-FE9D-F408-8CE9-3FA6C3404990}"/>
-              </a:ext>
-            </a:extLst>
-          </p:cNvPr>
-          <p:cNvCxnSpPr>
-            <a:cxnSpLocks/>
-            <a:endCxn id="5" idx="1"/>
-          </p:cNvCxnSpPr>
-          <p:nvPr/>
-        </p:nvCxnSpPr>
-        <p:spPr>
-          <a:xfrm>
-            <a:off x="2492477" y="4109884"/>
-            <a:ext cx="3672344" cy="1362017"/>
-          </a:xfrm>
-          <a:prstGeom prst="straightConnector1">
-            <a:avLst/>
-          </a:prstGeom>
-          <a:ln>
-            <a:headEnd type="arrow" w="med" len="med"/>
-            <a:tailEnd type="arrow" w="med" len="med"/>
-          </a:ln>
-        </p:spPr>
-        <p:style>
-          <a:lnRef idx="2">
-            <a:schemeClr val="dk1"/>
-          </a:lnRef>
-          <a:fillRef idx="0">
-            <a:schemeClr val="dk1"/>
-          </a:fillRef>
-          <a:effectRef idx="1">
-            <a:schemeClr val="dk1"/>
-          </a:effectRef>
-          <a:fontRef idx="minor">
-            <a:schemeClr val="tx1"/>
-          </a:fontRef>
-        </p:style>
-      </p:cxnSp>
-      <p:sp>
-        <p:nvSpPr>
-          <p:cNvPr id="57" name="文字方塊 56">
-            <a:extLst>
-              <a:ext uri="{FF2B5EF4-FFF2-40B4-BE49-F238E27FC236}">
-                <a16:creationId xmlns:a16="http://schemas.microsoft.com/office/drawing/2014/main" id="{E245F5D6-B16B-8276-D2F2-892CADA306A1}"/>
-              </a:ext>
-            </a:extLst>
-          </p:cNvPr>
-          <p:cNvSpPr txBox="1"/>
-          <p:nvPr/>
-        </p:nvSpPr>
-        <p:spPr>
-          <a:xfrm rot="20242079">
-            <a:off x="3429929" y="1898752"/>
-            <a:ext cx="1210588" cy="369332"/>
+            <a:off x="311700" y="1536633"/>
+            <a:ext cx="8520600" cy="4555200"/>
           </a:xfrm>
           <a:prstGeom prst="rect">
             <a:avLst/>
           </a:prstGeom>
-          <a:noFill/>
         </p:spPr>
         <p:txBody>
-          <a:bodyPr wrap="none" rtlCol="0">
-            <a:spAutoFit/>
+          <a:bodyPr spcFirstLastPara="1" wrap="square" lIns="91425" tIns="91425" rIns="91425" bIns="91425" anchor="t" anchorCtr="0">
+            <a:normAutofit/>
           </a:bodyPr>
           <a:lstStyle/>
           <a:p>
-            <a:r>
-              <a:rPr lang="en-US" altLang="zh-TW" sz="1800" dirty="0"/>
-              <a:t>0. </a:t>
-            </a:r>
-            <a:r>
-              <a:rPr lang="zh-TW" altLang="en-US" sz="1800" dirty="0"/>
-              <a:t>訪問</a:t>
-            </a:r>
-            <a:r>
-              <a:rPr lang="en-US" altLang="zh-TW" sz="1800" dirty="0"/>
-              <a:t>SP</a:t>
-            </a:r>
-            <a:endParaRPr lang="zh-TW" altLang="en-US" sz="1800" dirty="0"/>
-          </a:p>
-        </p:txBody>
-      </p:sp>
-      <p:sp>
-        <p:nvSpPr>
-          <p:cNvPr id="63" name="文字方塊 62">
-            <a:extLst>
-              <a:ext uri="{FF2B5EF4-FFF2-40B4-BE49-F238E27FC236}">
-                <a16:creationId xmlns:a16="http://schemas.microsoft.com/office/drawing/2014/main" id="{59DD60D6-F144-E644-F1CB-AD84DCB3AD6F}"/>
-              </a:ext>
-            </a:extLst>
-          </p:cNvPr>
-          <p:cNvSpPr txBox="1"/>
-          <p:nvPr/>
-        </p:nvSpPr>
-        <p:spPr>
-          <a:xfrm rot="20877796">
-            <a:off x="3520214" y="3141402"/>
-            <a:ext cx="2454518" cy="369332"/>
-          </a:xfrm>
-          <a:prstGeom prst="rect">
-            <a:avLst/>
-          </a:prstGeom>
-          <a:noFill/>
-        </p:spPr>
-        <p:txBody>
-          <a:bodyPr wrap="none" rtlCol="0">
-            <a:spAutoFit/>
-          </a:bodyPr>
-          <a:lstStyle/>
-          <a:p>
-            <a:r>
-              <a:rPr lang="en-US" altLang="zh-TW" sz="1800" dirty="0"/>
-              <a:t>2a. </a:t>
-            </a:r>
-            <a:r>
-              <a:rPr lang="zh-TW" altLang="en-US" sz="1800" dirty="0"/>
-              <a:t>轉導</a:t>
-            </a:r>
-            <a:r>
-              <a:rPr lang="en-US" altLang="zh-TW" sz="1800" dirty="0"/>
-              <a:t>SSO</a:t>
-            </a:r>
-            <a:r>
-              <a:rPr lang="zh-TW" altLang="en-US" sz="1800" dirty="0"/>
-              <a:t>認證</a:t>
-            </a:r>
-            <a:r>
-              <a:rPr lang="en-US" altLang="zh-TW" sz="1800" dirty="0"/>
-              <a:t>URI</a:t>
-            </a:r>
-            <a:endParaRPr lang="zh-TW" altLang="en-US" sz="1800" dirty="0"/>
-          </a:p>
-        </p:txBody>
-      </p:sp>
-      <p:sp>
-        <p:nvSpPr>
-          <p:cNvPr id="64" name="文字方塊 63">
-            <a:extLst>
-              <a:ext uri="{FF2B5EF4-FFF2-40B4-BE49-F238E27FC236}">
-                <a16:creationId xmlns:a16="http://schemas.microsoft.com/office/drawing/2014/main" id="{3AC47226-78E0-B452-0D29-B12974A146BF}"/>
-              </a:ext>
-            </a:extLst>
-          </p:cNvPr>
-          <p:cNvSpPr txBox="1"/>
-          <p:nvPr/>
-        </p:nvSpPr>
-        <p:spPr>
-          <a:xfrm rot="503505">
-            <a:off x="3552274" y="4202025"/>
-            <a:ext cx="2390398" cy="369332"/>
-          </a:xfrm>
-          <a:prstGeom prst="rect">
-            <a:avLst/>
-          </a:prstGeom>
-          <a:noFill/>
-        </p:spPr>
-        <p:txBody>
-          <a:bodyPr wrap="none" rtlCol="0">
-            <a:spAutoFit/>
-          </a:bodyPr>
-          <a:lstStyle/>
-          <a:p>
-            <a:r>
-              <a:rPr lang="en-US" altLang="zh-TW" sz="1800" dirty="0"/>
-              <a:t>2b. </a:t>
-            </a:r>
-            <a:r>
-              <a:rPr lang="zh-TW" altLang="en-US" sz="1800" dirty="0"/>
-              <a:t>轉導身分認證</a:t>
-            </a:r>
-            <a:r>
-              <a:rPr lang="en-US" altLang="zh-TW" sz="1800" dirty="0"/>
-              <a:t>URI</a:t>
-            </a:r>
-            <a:endParaRPr lang="zh-TW" altLang="en-US" sz="1800" dirty="0"/>
-          </a:p>
-        </p:txBody>
-      </p:sp>
-      <p:sp>
-        <p:nvSpPr>
-          <p:cNvPr id="66" name="文字方塊 65">
-            <a:extLst>
-              <a:ext uri="{FF2B5EF4-FFF2-40B4-BE49-F238E27FC236}">
-                <a16:creationId xmlns:a16="http://schemas.microsoft.com/office/drawing/2014/main" id="{54E7BCFD-8CD6-B289-E69E-0226153ED546}"/>
-              </a:ext>
-            </a:extLst>
-          </p:cNvPr>
-          <p:cNvSpPr txBox="1"/>
-          <p:nvPr/>
-        </p:nvSpPr>
-        <p:spPr>
-          <a:xfrm rot="1400504">
-            <a:off x="2787202" y="5045211"/>
-            <a:ext cx="3082895" cy="369332"/>
-          </a:xfrm>
-          <a:prstGeom prst="rect">
-            <a:avLst/>
-          </a:prstGeom>
-          <a:noFill/>
-        </p:spPr>
-        <p:txBody>
-          <a:bodyPr wrap="none" rtlCol="0">
-            <a:spAutoFit/>
-          </a:bodyPr>
-          <a:lstStyle/>
-          <a:p>
-            <a:r>
-              <a:rPr lang="en-US" altLang="zh-TW" sz="1800" dirty="0"/>
-              <a:t>3. </a:t>
-            </a:r>
-            <a:r>
-              <a:rPr lang="zh-TW" altLang="en-US" sz="1800" dirty="0"/>
-              <a:t>登入成功取得授權</a:t>
-            </a:r>
-            <a:r>
-              <a:rPr lang="en-US" altLang="zh-TW" sz="1800" dirty="0"/>
-              <a:t>(Token)</a:t>
-            </a:r>
-            <a:endParaRPr lang="zh-TW" altLang="en-US" sz="1800" dirty="0"/>
-          </a:p>
-        </p:txBody>
-      </p:sp>
-      <p:sp>
-        <p:nvSpPr>
-          <p:cNvPr id="67" name="文字方塊 66">
-            <a:extLst>
-              <a:ext uri="{FF2B5EF4-FFF2-40B4-BE49-F238E27FC236}">
-                <a16:creationId xmlns:a16="http://schemas.microsoft.com/office/drawing/2014/main" id="{F98E5A2D-FA06-A7B0-76D3-588B2CE57130}"/>
-              </a:ext>
-            </a:extLst>
-          </p:cNvPr>
-          <p:cNvSpPr txBox="1"/>
-          <p:nvPr/>
-        </p:nvSpPr>
-        <p:spPr>
-          <a:xfrm rot="20160545">
-            <a:off x="3359399" y="2290177"/>
-            <a:ext cx="1903085" cy="369332"/>
-          </a:xfrm>
-          <a:prstGeom prst="rect">
-            <a:avLst/>
-          </a:prstGeom>
-          <a:noFill/>
-        </p:spPr>
-        <p:txBody>
-          <a:bodyPr wrap="none" rtlCol="0">
-            <a:spAutoFit/>
-          </a:bodyPr>
-          <a:lstStyle/>
-          <a:p>
-            <a:r>
-              <a:rPr lang="en-US" altLang="zh-TW" sz="1800" dirty="0"/>
-              <a:t>4.</a:t>
-            </a:r>
-            <a:r>
-              <a:rPr lang="zh-TW" altLang="en-US" sz="1800" dirty="0"/>
-              <a:t> 有授權訪問</a:t>
-            </a:r>
-            <a:r>
-              <a:rPr lang="en-US" altLang="zh-TW" sz="1800" dirty="0"/>
-              <a:t>SP</a:t>
-            </a:r>
-            <a:endParaRPr lang="zh-TW" altLang="en-US" sz="1800" dirty="0"/>
-          </a:p>
-        </p:txBody>
-      </p:sp>
-      <p:cxnSp>
-        <p:nvCxnSpPr>
-          <p:cNvPr id="78" name="直線單箭頭接點 77">
-            <a:extLst>
-              <a:ext uri="{FF2B5EF4-FFF2-40B4-BE49-F238E27FC236}">
-                <a16:creationId xmlns:a16="http://schemas.microsoft.com/office/drawing/2014/main" id="{EBB0F2D1-F5BA-54D6-348C-52333E70579A}"/>
-              </a:ext>
-            </a:extLst>
-          </p:cNvPr>
-          <p:cNvCxnSpPr>
-            <a:cxnSpLocks/>
-            <a:stCxn id="7" idx="0"/>
-            <a:endCxn id="6" idx="2"/>
-          </p:cNvCxnSpPr>
-          <p:nvPr/>
-        </p:nvCxnSpPr>
-        <p:spPr>
-          <a:xfrm flipV="1">
-            <a:off x="6913836" y="2457695"/>
-            <a:ext cx="0" cy="1002857"/>
-          </a:xfrm>
-          <a:prstGeom prst="straightConnector1">
-            <a:avLst/>
-          </a:prstGeom>
-          <a:ln>
-            <a:headEnd type="arrow" w="med" len="med"/>
-            <a:tailEnd type="arrow" w="med" len="med"/>
-          </a:ln>
-        </p:spPr>
-        <p:style>
-          <a:lnRef idx="2">
-            <a:schemeClr val="dk1"/>
-          </a:lnRef>
-          <a:fillRef idx="0">
-            <a:schemeClr val="dk1"/>
-          </a:fillRef>
-          <a:effectRef idx="1">
-            <a:schemeClr val="dk1"/>
-          </a:effectRef>
-          <a:fontRef idx="minor">
-            <a:schemeClr val="tx1"/>
-          </a:fontRef>
-        </p:style>
-      </p:cxnSp>
-      <p:sp>
-        <p:nvSpPr>
-          <p:cNvPr id="81" name="文字方塊 80">
-            <a:extLst>
-              <a:ext uri="{FF2B5EF4-FFF2-40B4-BE49-F238E27FC236}">
-                <a16:creationId xmlns:a16="http://schemas.microsoft.com/office/drawing/2014/main" id="{8A064E52-D2B6-1A4E-41D5-B937DD254704}"/>
-              </a:ext>
-            </a:extLst>
-          </p:cNvPr>
-          <p:cNvSpPr txBox="1"/>
-          <p:nvPr/>
-        </p:nvSpPr>
-        <p:spPr>
-          <a:xfrm>
-            <a:off x="6913834" y="2595312"/>
-            <a:ext cx="1826141" cy="369332"/>
-          </a:xfrm>
-          <a:prstGeom prst="rect">
-            <a:avLst/>
-          </a:prstGeom>
-          <a:noFill/>
-        </p:spPr>
-        <p:txBody>
-          <a:bodyPr wrap="none" rtlCol="0">
-            <a:spAutoFit/>
-          </a:bodyPr>
-          <a:lstStyle/>
-          <a:p>
-            <a:r>
-              <a:rPr lang="en-US" altLang="zh-TW" sz="1800" dirty="0"/>
-              <a:t>1. </a:t>
-            </a:r>
-            <a:r>
-              <a:rPr lang="zh-TW" altLang="en-US" sz="1800" dirty="0"/>
-              <a:t>判斷有無授權</a:t>
-            </a:r>
-          </a:p>
-        </p:txBody>
-      </p:sp>
-      <p:sp>
-        <p:nvSpPr>
-          <p:cNvPr id="2" name="文字方塊 1">
-            <a:extLst>
-              <a:ext uri="{FF2B5EF4-FFF2-40B4-BE49-F238E27FC236}">
-                <a16:creationId xmlns:a16="http://schemas.microsoft.com/office/drawing/2014/main" id="{34C8BE03-5D90-E699-E27B-A2EA5048FC2C}"/>
-              </a:ext>
-            </a:extLst>
-          </p:cNvPr>
-          <p:cNvSpPr txBox="1"/>
-          <p:nvPr/>
-        </p:nvSpPr>
-        <p:spPr>
-          <a:xfrm>
-            <a:off x="6913834" y="2969744"/>
-            <a:ext cx="2056973" cy="369332"/>
-          </a:xfrm>
-          <a:prstGeom prst="rect">
-            <a:avLst/>
-          </a:prstGeom>
-          <a:noFill/>
-        </p:spPr>
-        <p:txBody>
-          <a:bodyPr wrap="none" rtlCol="0">
-            <a:spAutoFit/>
-          </a:bodyPr>
-          <a:lstStyle/>
-          <a:p>
-            <a:r>
-              <a:rPr lang="en-US" altLang="zh-TW" sz="1800" dirty="0"/>
-              <a:t>5. </a:t>
-            </a:r>
-            <a:r>
-              <a:rPr lang="zh-TW" altLang="en-US" sz="1800" dirty="0"/>
-              <a:t>取得使用者資訊</a:t>
-            </a:r>
+            <a:pPr indent="-457200">
+              <a:spcAft>
+                <a:spcPts val="1200"/>
+              </a:spcAft>
+            </a:pPr>
+            <a:r>
+              <a:rPr lang="zh-TW" altLang="en-US" sz="2800" dirty="0"/>
+              <a:t>要存放的情況</a:t>
+            </a:r>
+            <a:endParaRPr lang="en-US" altLang="zh-TW" sz="2800" dirty="0"/>
+          </a:p>
+          <a:p>
+            <a:pPr lvl="1" indent="-457200">
+              <a:spcAft>
+                <a:spcPts val="1200"/>
+              </a:spcAft>
+            </a:pPr>
+            <a:r>
+              <a:rPr lang="zh-TW" altLang="en-US" sz="2400" dirty="0"/>
+              <a:t>系統與帳號資料重度相關，有</a:t>
+            </a:r>
+            <a:r>
+              <a:rPr lang="zh-TW" altLang="en-US" sz="2400" dirty="0">
+                <a:solidFill>
+                  <a:srgbClr val="FF0000"/>
+                </a:solidFill>
+              </a:rPr>
+              <a:t>頻繁的資料使用需求</a:t>
+            </a:r>
+            <a:endParaRPr lang="en-US" altLang="zh-TW" sz="2400" dirty="0">
+              <a:solidFill>
+                <a:srgbClr val="FF0000"/>
+              </a:solidFill>
+            </a:endParaRPr>
+          </a:p>
+          <a:p>
+            <a:pPr lvl="1" indent="-457200">
+              <a:spcAft>
+                <a:spcPts val="1200"/>
+              </a:spcAft>
+            </a:pPr>
+            <a:r>
+              <a:rPr lang="zh-TW" altLang="en-US" sz="2400" dirty="0"/>
+              <a:t>有</a:t>
+            </a:r>
+            <a:r>
+              <a:rPr lang="zh-TW" altLang="en-US" sz="2400" dirty="0">
+                <a:solidFill>
+                  <a:srgbClr val="FF0000"/>
+                </a:solidFill>
+              </a:rPr>
+              <a:t>相關的設定關聯檔</a:t>
+            </a:r>
+            <a:r>
+              <a:rPr lang="zh-TW" altLang="en-US" sz="2400" dirty="0"/>
+              <a:t>需要維護</a:t>
+            </a:r>
+            <a:r>
+              <a:rPr lang="en-US" altLang="zh-TW" sz="2400" dirty="0"/>
+              <a:t>(</a:t>
+            </a:r>
+            <a:r>
+              <a:rPr lang="zh-TW" altLang="en-US" sz="2400" dirty="0"/>
+              <a:t>例</a:t>
+            </a:r>
+            <a:r>
+              <a:rPr lang="en-US" altLang="zh-TW" sz="2400" dirty="0"/>
+              <a:t>: </a:t>
+            </a:r>
+            <a:r>
+              <a:rPr lang="zh-TW" altLang="en-US" sz="2400" dirty="0"/>
+              <a:t>分層授權</a:t>
+            </a:r>
+            <a:r>
+              <a:rPr lang="en-US" altLang="zh-TW" sz="2400" dirty="0"/>
+              <a:t>)</a:t>
+            </a:r>
+          </a:p>
+          <a:p>
+            <a:pPr lvl="1" indent="-457200">
+              <a:spcAft>
+                <a:spcPts val="1200"/>
+              </a:spcAft>
+            </a:pPr>
+            <a:r>
+              <a:rPr lang="en-US" altLang="zh-TW" sz="2400" dirty="0"/>
+              <a:t>SSO Server</a:t>
+            </a:r>
+            <a:r>
+              <a:rPr lang="zh-TW" altLang="en-US" sz="2400" dirty="0"/>
+              <a:t>體質貧弱，只接受低頻率的</a:t>
+            </a:r>
+            <a:r>
+              <a:rPr lang="en-US" altLang="zh-TW" sz="2400" dirty="0"/>
+              <a:t>Request</a:t>
+            </a:r>
+          </a:p>
+          <a:p>
+            <a:pPr lvl="1" indent="-457200">
+              <a:spcAft>
+                <a:spcPts val="1200"/>
+              </a:spcAft>
+            </a:pPr>
+            <a:r>
+              <a:rPr lang="zh-TW" altLang="en-US" sz="2400" dirty="0">
+                <a:solidFill>
+                  <a:srgbClr val="FF0000"/>
+                </a:solidFill>
+              </a:rPr>
+              <a:t>長官</a:t>
+            </a:r>
+            <a:r>
+              <a:rPr lang="en-US" altLang="zh-TW" sz="2400" dirty="0">
+                <a:solidFill>
+                  <a:srgbClr val="FF0000"/>
+                </a:solidFill>
+              </a:rPr>
+              <a:t>/</a:t>
+            </a:r>
+            <a:r>
+              <a:rPr lang="zh-TW" altLang="en-US" sz="2400" dirty="0">
+                <a:solidFill>
+                  <a:srgbClr val="FF0000"/>
+                </a:solidFill>
+              </a:rPr>
+              <a:t>上級部門</a:t>
+            </a:r>
+            <a:r>
+              <a:rPr lang="zh-TW" altLang="en-US" sz="2400" dirty="0"/>
+              <a:t>指導</a:t>
+            </a:r>
+            <a:endParaRPr lang="en-US" altLang="zh-TW" sz="2400" dirty="0"/>
+          </a:p>
+          <a:p>
+            <a:pPr lvl="1" indent="-457200">
+              <a:spcAft>
+                <a:spcPts val="1200"/>
+              </a:spcAft>
+            </a:pPr>
+            <a:endParaRPr lang="en-US" altLang="zh-TW" sz="2400" dirty="0"/>
+          </a:p>
+          <a:p>
+            <a:pPr indent="-457200">
+              <a:spcAft>
+                <a:spcPts val="1200"/>
+              </a:spcAft>
+            </a:pPr>
+            <a:r>
+              <a:rPr lang="zh-TW" altLang="en-US" sz="2800" dirty="0"/>
+              <a:t>除此之外一律建議不存放</a:t>
+            </a:r>
+            <a:endParaRPr lang="en-US" altLang="zh-TW" sz="2800" dirty="0"/>
+          </a:p>
+          <a:p>
+            <a:pPr lvl="1" indent="-457200">
+              <a:spcAft>
+                <a:spcPts val="1200"/>
+              </a:spcAft>
+            </a:pPr>
+            <a:endParaRPr lang="en-US" altLang="zh-TW" sz="2400" dirty="0"/>
           </a:p>
         </p:txBody>
       </p:sp>
     </p:spTree>
     <p:extLst>
       <p:ext uri="{BB962C8B-B14F-4D97-AF65-F5344CB8AC3E}">
-        <p14:creationId xmlns:p14="http://schemas.microsoft.com/office/powerpoint/2010/main" val="2935958756"/>
+        <p14:creationId xmlns:p14="http://schemas.microsoft.com/office/powerpoint/2010/main" val="616427694"/>
+      </p:ext>
+    </p:extLst>
+  </p:cSld>
+  <p:clrMapOvr>
+    <a:masterClrMapping/>
+  </p:clrMapOvr>
+</p:sld>
+</file>
+
+<file path=ppt/slides/slide16.xml><?xml version="1.0" encoding="utf-8"?>
+<p:sld xmlns:a="http://schemas.openxmlformats.org/drawingml/2006/main" xmlns:r="http://schemas.openxmlformats.org/officeDocument/2006/relationships" xmlns:p="http://schemas.openxmlformats.org/presentationml/2006/main">
+  <p:cSld>
+    <p:spTree>
+      <p:nvGrpSpPr>
+        <p:cNvPr id="1" name="Shape 39"/>
+        <p:cNvGrpSpPr/>
+        <p:nvPr/>
+      </p:nvGrpSpPr>
+      <p:grpSpPr>
+        <a:xfrm>
+          <a:off x="0" y="0"/>
+          <a:ext cx="0" cy="0"/>
+          <a:chOff x="0" y="0"/>
+          <a:chExt cx="0" cy="0"/>
+        </a:xfrm>
+      </p:grpSpPr>
+      <p:sp>
+        <p:nvSpPr>
+          <p:cNvPr id="40" name="Google Shape;40;p7"/>
+          <p:cNvSpPr txBox="1">
+            <a:spLocks noGrp="1"/>
+          </p:cNvSpPr>
+          <p:nvPr>
+            <p:ph type="ctrTitle"/>
+          </p:nvPr>
+        </p:nvSpPr>
+        <p:spPr>
+          <a:prstGeom prst="rect">
+            <a:avLst/>
+          </a:prstGeom>
+        </p:spPr>
+        <p:txBody>
+          <a:bodyPr spcFirstLastPara="1" wrap="square" lIns="91425" tIns="91425" rIns="91425" bIns="91425" anchor="ctr" anchorCtr="0">
+            <a:normAutofit/>
+          </a:bodyPr>
+          <a:lstStyle/>
+          <a:p>
+            <a:pPr marL="0" lvl="0" indent="0" algn="ctr" rtl="0">
+              <a:spcBef>
+                <a:spcPts val="0"/>
+              </a:spcBef>
+              <a:spcAft>
+                <a:spcPts val="0"/>
+              </a:spcAft>
+              <a:buNone/>
+            </a:pPr>
+            <a:r>
+              <a:rPr lang="zh-TW" altLang="en-US" sz="4000" dirty="0"/>
+              <a:t>實作建議</a:t>
+            </a:r>
+          </a:p>
+        </p:txBody>
+      </p:sp>
+    </p:spTree>
+    <p:extLst>
+      <p:ext uri="{BB962C8B-B14F-4D97-AF65-F5344CB8AC3E}">
+        <p14:creationId xmlns:p14="http://schemas.microsoft.com/office/powerpoint/2010/main" val="1153018451"/>
       </p:ext>
     </p:extLst>
   </p:cSld>
@@ -9267,6 +9085,790 @@
               <a:buNone/>
             </a:pPr>
             <a:r>
+              <a:rPr lang="zh-TW" altLang="en-US" sz="3600" dirty="0"/>
+              <a:t>普遍狀況</a:t>
+            </a:r>
+            <a:endParaRPr sz="3600" dirty="0"/>
+          </a:p>
+        </p:txBody>
+      </p:sp>
+      <p:sp>
+        <p:nvSpPr>
+          <p:cNvPr id="4" name="矩形: 圓角 3">
+            <a:extLst>
+              <a:ext uri="{FF2B5EF4-FFF2-40B4-BE49-F238E27FC236}">
+                <a16:creationId xmlns:a16="http://schemas.microsoft.com/office/drawing/2014/main" id="{E965DD2C-8FF7-9E9D-8B36-C1D22F6EC872}"/>
+              </a:ext>
+            </a:extLst>
+          </p:cNvPr>
+          <p:cNvSpPr/>
+          <p:nvPr/>
+        </p:nvSpPr>
+        <p:spPr>
+          <a:xfrm>
+            <a:off x="994450" y="3460552"/>
+            <a:ext cx="1498027" cy="865240"/>
+          </a:xfrm>
+          <a:prstGeom prst="roundRect">
+            <a:avLst/>
+          </a:prstGeom>
+        </p:spPr>
+        <p:style>
+          <a:lnRef idx="2">
+            <a:schemeClr val="accent1">
+              <a:shade val="15000"/>
+            </a:schemeClr>
+          </a:lnRef>
+          <a:fillRef idx="1">
+            <a:schemeClr val="accent1"/>
+          </a:fillRef>
+          <a:effectRef idx="0">
+            <a:schemeClr val="accent1"/>
+          </a:effectRef>
+          <a:fontRef idx="minor">
+            <a:schemeClr val="lt1"/>
+          </a:fontRef>
+        </p:style>
+        <p:txBody>
+          <a:bodyPr rtlCol="0" anchor="ctr"/>
+          <a:lstStyle/>
+          <a:p>
+            <a:pPr algn="ctr"/>
+            <a:r>
+              <a:rPr lang="zh-TW" altLang="en-US" sz="1800" b="1" dirty="0">
+                <a:latin typeface="Microsoft JhengHei Light" panose="020B0304030504040204" pitchFamily="34" charset="-120"/>
+                <a:ea typeface="Microsoft JhengHei Light" panose="020B0304030504040204" pitchFamily="34" charset="-120"/>
+              </a:rPr>
+              <a:t>瀏覽器</a:t>
+            </a:r>
+            <a:endParaRPr lang="en-US" altLang="zh-TW" sz="1800" b="1" dirty="0">
+              <a:latin typeface="Microsoft JhengHei Light" panose="020B0304030504040204" pitchFamily="34" charset="-120"/>
+              <a:ea typeface="Microsoft JhengHei Light" panose="020B0304030504040204" pitchFamily="34" charset="-120"/>
+            </a:endParaRPr>
+          </a:p>
+        </p:txBody>
+      </p:sp>
+      <p:sp>
+        <p:nvSpPr>
+          <p:cNvPr id="5" name="矩形: 圓角 4">
+            <a:extLst>
+              <a:ext uri="{FF2B5EF4-FFF2-40B4-BE49-F238E27FC236}">
+                <a16:creationId xmlns:a16="http://schemas.microsoft.com/office/drawing/2014/main" id="{D1F9721E-A1C9-3192-F07C-8CB44242E145}"/>
+              </a:ext>
+            </a:extLst>
+          </p:cNvPr>
+          <p:cNvSpPr/>
+          <p:nvPr/>
+        </p:nvSpPr>
+        <p:spPr>
+          <a:xfrm>
+            <a:off x="6164821" y="5039281"/>
+            <a:ext cx="1498027" cy="865240"/>
+          </a:xfrm>
+          <a:prstGeom prst="roundRect">
+            <a:avLst/>
+          </a:prstGeom>
+        </p:spPr>
+        <p:style>
+          <a:lnRef idx="2">
+            <a:schemeClr val="accent1">
+              <a:shade val="15000"/>
+            </a:schemeClr>
+          </a:lnRef>
+          <a:fillRef idx="1">
+            <a:schemeClr val="accent1"/>
+          </a:fillRef>
+          <a:effectRef idx="0">
+            <a:schemeClr val="accent1"/>
+          </a:effectRef>
+          <a:fontRef idx="minor">
+            <a:schemeClr val="lt1"/>
+          </a:fontRef>
+        </p:style>
+        <p:txBody>
+          <a:bodyPr rtlCol="0" anchor="ctr"/>
+          <a:lstStyle/>
+          <a:p>
+            <a:pPr algn="ctr"/>
+            <a:r>
+              <a:rPr lang="en-US" altLang="zh-TW" sz="1800" dirty="0"/>
+              <a:t>IDP</a:t>
+            </a:r>
+          </a:p>
+          <a:p>
+            <a:pPr algn="ctr"/>
+            <a:r>
+              <a:rPr lang="en-US" altLang="zh-TW" sz="1800" dirty="0"/>
+              <a:t>(LDAP)</a:t>
+            </a:r>
+          </a:p>
+        </p:txBody>
+      </p:sp>
+      <p:sp>
+        <p:nvSpPr>
+          <p:cNvPr id="6" name="矩形: 圓角 5">
+            <a:extLst>
+              <a:ext uri="{FF2B5EF4-FFF2-40B4-BE49-F238E27FC236}">
+                <a16:creationId xmlns:a16="http://schemas.microsoft.com/office/drawing/2014/main" id="{6DE0CA9B-8435-BC6C-AC0B-E42CEE577E15}"/>
+              </a:ext>
+            </a:extLst>
+          </p:cNvPr>
+          <p:cNvSpPr/>
+          <p:nvPr/>
+        </p:nvSpPr>
+        <p:spPr>
+          <a:xfrm>
+            <a:off x="6164822" y="1592455"/>
+            <a:ext cx="1498027" cy="865240"/>
+          </a:xfrm>
+          <a:prstGeom prst="roundRect">
+            <a:avLst/>
+          </a:prstGeom>
+        </p:spPr>
+        <p:style>
+          <a:lnRef idx="2">
+            <a:schemeClr val="accent1">
+              <a:shade val="15000"/>
+            </a:schemeClr>
+          </a:lnRef>
+          <a:fillRef idx="1">
+            <a:schemeClr val="accent1"/>
+          </a:fillRef>
+          <a:effectRef idx="0">
+            <a:schemeClr val="accent1"/>
+          </a:effectRef>
+          <a:fontRef idx="minor">
+            <a:schemeClr val="lt1"/>
+          </a:fontRef>
+        </p:style>
+        <p:txBody>
+          <a:bodyPr rtlCol="0" anchor="ctr"/>
+          <a:lstStyle/>
+          <a:p>
+            <a:pPr algn="ctr"/>
+            <a:r>
+              <a:rPr lang="en-US" altLang="zh-TW" sz="1800" dirty="0"/>
+              <a:t>SP</a:t>
+            </a:r>
+          </a:p>
+          <a:p>
+            <a:pPr algn="ctr"/>
+            <a:r>
+              <a:rPr lang="en-US" altLang="zh-TW" sz="1800" dirty="0"/>
+              <a:t>(AP Server)</a:t>
+            </a:r>
+          </a:p>
+        </p:txBody>
+      </p:sp>
+      <p:sp>
+        <p:nvSpPr>
+          <p:cNvPr id="7" name="矩形: 圓角 6">
+            <a:extLst>
+              <a:ext uri="{FF2B5EF4-FFF2-40B4-BE49-F238E27FC236}">
+                <a16:creationId xmlns:a16="http://schemas.microsoft.com/office/drawing/2014/main" id="{9C08CC98-B106-EE17-0CD5-13711BB8E0F9}"/>
+              </a:ext>
+            </a:extLst>
+          </p:cNvPr>
+          <p:cNvSpPr/>
+          <p:nvPr/>
+        </p:nvSpPr>
+        <p:spPr>
+          <a:xfrm>
+            <a:off x="6164822" y="3460552"/>
+            <a:ext cx="1498027" cy="865240"/>
+          </a:xfrm>
+          <a:prstGeom prst="roundRect">
+            <a:avLst/>
+          </a:prstGeom>
+        </p:spPr>
+        <p:style>
+          <a:lnRef idx="2">
+            <a:schemeClr val="accent1">
+              <a:shade val="15000"/>
+            </a:schemeClr>
+          </a:lnRef>
+          <a:fillRef idx="1">
+            <a:schemeClr val="accent1"/>
+          </a:fillRef>
+          <a:effectRef idx="0">
+            <a:schemeClr val="accent1"/>
+          </a:effectRef>
+          <a:fontRef idx="minor">
+            <a:schemeClr val="lt1"/>
+          </a:fontRef>
+        </p:style>
+        <p:txBody>
+          <a:bodyPr rtlCol="0" anchor="ctr"/>
+          <a:lstStyle/>
+          <a:p>
+            <a:pPr algn="ctr"/>
+            <a:r>
+              <a:rPr lang="en-US" altLang="zh-TW" sz="1800" dirty="0"/>
+              <a:t>SSO</a:t>
+            </a:r>
+          </a:p>
+          <a:p>
+            <a:pPr algn="ctr"/>
+            <a:r>
+              <a:rPr lang="en-US" altLang="zh-TW" sz="1800" dirty="0"/>
+              <a:t>(</a:t>
+            </a:r>
+            <a:r>
+              <a:rPr lang="en-US" altLang="zh-TW" sz="1800" dirty="0" err="1"/>
+              <a:t>Keycloak</a:t>
+            </a:r>
+            <a:r>
+              <a:rPr lang="en-US" altLang="zh-TW" sz="1800" dirty="0"/>
+              <a:t>)</a:t>
+            </a:r>
+          </a:p>
+        </p:txBody>
+      </p:sp>
+      <p:cxnSp>
+        <p:nvCxnSpPr>
+          <p:cNvPr id="24" name="直線單箭頭接點 23">
+            <a:extLst>
+              <a:ext uri="{FF2B5EF4-FFF2-40B4-BE49-F238E27FC236}">
+                <a16:creationId xmlns:a16="http://schemas.microsoft.com/office/drawing/2014/main" id="{7C7095ED-1B39-A1BB-14B6-7FCDB49559FB}"/>
+              </a:ext>
+            </a:extLst>
+          </p:cNvPr>
+          <p:cNvCxnSpPr>
+            <a:cxnSpLocks/>
+            <a:endCxn id="6" idx="1"/>
+          </p:cNvCxnSpPr>
+          <p:nvPr/>
+        </p:nvCxnSpPr>
+        <p:spPr>
+          <a:xfrm flipV="1">
+            <a:off x="2492477" y="2025075"/>
+            <a:ext cx="3672345" cy="1612860"/>
+          </a:xfrm>
+          <a:prstGeom prst="straightConnector1">
+            <a:avLst/>
+          </a:prstGeom>
+          <a:ln>
+            <a:headEnd type="arrow" w="med" len="med"/>
+            <a:tailEnd type="arrow" w="med" len="med"/>
+          </a:ln>
+        </p:spPr>
+        <p:style>
+          <a:lnRef idx="2">
+            <a:schemeClr val="dk1"/>
+          </a:lnRef>
+          <a:fillRef idx="0">
+            <a:schemeClr val="dk1"/>
+          </a:fillRef>
+          <a:effectRef idx="1">
+            <a:schemeClr val="dk1"/>
+          </a:effectRef>
+          <a:fontRef idx="minor">
+            <a:schemeClr val="tx1"/>
+          </a:fontRef>
+        </p:style>
+      </p:cxnSp>
+      <p:cxnSp>
+        <p:nvCxnSpPr>
+          <p:cNvPr id="50" name="直線單箭頭接點 49">
+            <a:extLst>
+              <a:ext uri="{FF2B5EF4-FFF2-40B4-BE49-F238E27FC236}">
+                <a16:creationId xmlns:a16="http://schemas.microsoft.com/office/drawing/2014/main" id="{C48F6EB3-2D9D-2BEF-A11B-B3A45F84F2F0}"/>
+              </a:ext>
+            </a:extLst>
+          </p:cNvPr>
+          <p:cNvCxnSpPr>
+            <a:cxnSpLocks/>
+            <a:stCxn id="4" idx="3"/>
+            <a:endCxn id="7" idx="1"/>
+          </p:cNvCxnSpPr>
+          <p:nvPr/>
+        </p:nvCxnSpPr>
+        <p:spPr>
+          <a:xfrm>
+            <a:off x="2492477" y="3893172"/>
+            <a:ext cx="3672345" cy="0"/>
+          </a:xfrm>
+          <a:prstGeom prst="straightConnector1">
+            <a:avLst/>
+          </a:prstGeom>
+          <a:ln>
+            <a:headEnd type="arrow" w="med" len="med"/>
+            <a:tailEnd type="arrow" w="med" len="med"/>
+          </a:ln>
+        </p:spPr>
+        <p:style>
+          <a:lnRef idx="2">
+            <a:schemeClr val="dk1"/>
+          </a:lnRef>
+          <a:fillRef idx="0">
+            <a:schemeClr val="dk1"/>
+          </a:fillRef>
+          <a:effectRef idx="1">
+            <a:schemeClr val="dk1"/>
+          </a:effectRef>
+          <a:fontRef idx="minor">
+            <a:schemeClr val="tx1"/>
+          </a:fontRef>
+        </p:style>
+      </p:cxnSp>
+      <p:cxnSp>
+        <p:nvCxnSpPr>
+          <p:cNvPr id="53" name="直線單箭頭接點 52">
+            <a:extLst>
+              <a:ext uri="{FF2B5EF4-FFF2-40B4-BE49-F238E27FC236}">
+                <a16:creationId xmlns:a16="http://schemas.microsoft.com/office/drawing/2014/main" id="{AC7B924B-FE9D-F408-8CE9-3FA6C3404990}"/>
+              </a:ext>
+            </a:extLst>
+          </p:cNvPr>
+          <p:cNvCxnSpPr>
+            <a:cxnSpLocks/>
+            <a:endCxn id="5" idx="1"/>
+          </p:cNvCxnSpPr>
+          <p:nvPr/>
+        </p:nvCxnSpPr>
+        <p:spPr>
+          <a:xfrm>
+            <a:off x="2492477" y="4109884"/>
+            <a:ext cx="3672344" cy="1362017"/>
+          </a:xfrm>
+          <a:prstGeom prst="straightConnector1">
+            <a:avLst/>
+          </a:prstGeom>
+          <a:ln>
+            <a:headEnd type="arrow" w="med" len="med"/>
+            <a:tailEnd type="arrow" w="med" len="med"/>
+          </a:ln>
+        </p:spPr>
+        <p:style>
+          <a:lnRef idx="2">
+            <a:schemeClr val="dk1"/>
+          </a:lnRef>
+          <a:fillRef idx="0">
+            <a:schemeClr val="dk1"/>
+          </a:fillRef>
+          <a:effectRef idx="1">
+            <a:schemeClr val="dk1"/>
+          </a:effectRef>
+          <a:fontRef idx="minor">
+            <a:schemeClr val="tx1"/>
+          </a:fontRef>
+        </p:style>
+      </p:cxnSp>
+      <p:sp>
+        <p:nvSpPr>
+          <p:cNvPr id="57" name="文字方塊 56">
+            <a:extLst>
+              <a:ext uri="{FF2B5EF4-FFF2-40B4-BE49-F238E27FC236}">
+                <a16:creationId xmlns:a16="http://schemas.microsoft.com/office/drawing/2014/main" id="{E245F5D6-B16B-8276-D2F2-892CADA306A1}"/>
+              </a:ext>
+            </a:extLst>
+          </p:cNvPr>
+          <p:cNvSpPr txBox="1"/>
+          <p:nvPr/>
+        </p:nvSpPr>
+        <p:spPr>
+          <a:xfrm rot="20242079">
+            <a:off x="3429929" y="1898752"/>
+            <a:ext cx="1210588" cy="369332"/>
+          </a:xfrm>
+          <a:prstGeom prst="rect">
+            <a:avLst/>
+          </a:prstGeom>
+          <a:noFill/>
+        </p:spPr>
+        <p:txBody>
+          <a:bodyPr wrap="none" rtlCol="0">
+            <a:spAutoFit/>
+          </a:bodyPr>
+          <a:lstStyle/>
+          <a:p>
+            <a:r>
+              <a:rPr lang="en-US" altLang="zh-TW" sz="1800" dirty="0"/>
+              <a:t>0. </a:t>
+            </a:r>
+            <a:r>
+              <a:rPr lang="zh-TW" altLang="en-US" sz="1800" dirty="0"/>
+              <a:t>訪問</a:t>
+            </a:r>
+            <a:r>
+              <a:rPr lang="en-US" altLang="zh-TW" sz="1800" dirty="0"/>
+              <a:t>SP</a:t>
+            </a:r>
+            <a:endParaRPr lang="zh-TW" altLang="en-US" sz="1800" dirty="0"/>
+          </a:p>
+        </p:txBody>
+      </p:sp>
+      <p:sp>
+        <p:nvSpPr>
+          <p:cNvPr id="63" name="文字方塊 62">
+            <a:extLst>
+              <a:ext uri="{FF2B5EF4-FFF2-40B4-BE49-F238E27FC236}">
+                <a16:creationId xmlns:a16="http://schemas.microsoft.com/office/drawing/2014/main" id="{59DD60D6-F144-E644-F1CB-AD84DCB3AD6F}"/>
+              </a:ext>
+            </a:extLst>
+          </p:cNvPr>
+          <p:cNvSpPr txBox="1"/>
+          <p:nvPr/>
+        </p:nvSpPr>
+        <p:spPr>
+          <a:xfrm rot="20877796">
+            <a:off x="3520214" y="3141402"/>
+            <a:ext cx="2454518" cy="369332"/>
+          </a:xfrm>
+          <a:prstGeom prst="rect">
+            <a:avLst/>
+          </a:prstGeom>
+          <a:noFill/>
+        </p:spPr>
+        <p:txBody>
+          <a:bodyPr wrap="none" rtlCol="0">
+            <a:spAutoFit/>
+          </a:bodyPr>
+          <a:lstStyle/>
+          <a:p>
+            <a:r>
+              <a:rPr lang="en-US" altLang="zh-TW" sz="1800" dirty="0"/>
+              <a:t>2a. </a:t>
+            </a:r>
+            <a:r>
+              <a:rPr lang="zh-TW" altLang="en-US" sz="1800" dirty="0"/>
+              <a:t>轉導</a:t>
+            </a:r>
+            <a:r>
+              <a:rPr lang="en-US" altLang="zh-TW" sz="1800" dirty="0"/>
+              <a:t>SSO</a:t>
+            </a:r>
+            <a:r>
+              <a:rPr lang="zh-TW" altLang="en-US" sz="1800" dirty="0"/>
+              <a:t>認證</a:t>
+            </a:r>
+            <a:r>
+              <a:rPr lang="en-US" altLang="zh-TW" sz="1800" dirty="0"/>
+              <a:t>URI</a:t>
+            </a:r>
+            <a:endParaRPr lang="zh-TW" altLang="en-US" sz="1800" dirty="0"/>
+          </a:p>
+        </p:txBody>
+      </p:sp>
+      <p:sp>
+        <p:nvSpPr>
+          <p:cNvPr id="64" name="文字方塊 63">
+            <a:extLst>
+              <a:ext uri="{FF2B5EF4-FFF2-40B4-BE49-F238E27FC236}">
+                <a16:creationId xmlns:a16="http://schemas.microsoft.com/office/drawing/2014/main" id="{3AC47226-78E0-B452-0D29-B12974A146BF}"/>
+              </a:ext>
+            </a:extLst>
+          </p:cNvPr>
+          <p:cNvSpPr txBox="1"/>
+          <p:nvPr/>
+        </p:nvSpPr>
+        <p:spPr>
+          <a:xfrm rot="503505">
+            <a:off x="3552274" y="4202025"/>
+            <a:ext cx="2390398" cy="369332"/>
+          </a:xfrm>
+          <a:prstGeom prst="rect">
+            <a:avLst/>
+          </a:prstGeom>
+          <a:noFill/>
+        </p:spPr>
+        <p:txBody>
+          <a:bodyPr wrap="none" rtlCol="0">
+            <a:spAutoFit/>
+          </a:bodyPr>
+          <a:lstStyle/>
+          <a:p>
+            <a:r>
+              <a:rPr lang="en-US" altLang="zh-TW" sz="1800" dirty="0"/>
+              <a:t>2b. </a:t>
+            </a:r>
+            <a:r>
+              <a:rPr lang="zh-TW" altLang="en-US" sz="1800" dirty="0"/>
+              <a:t>轉導身分認證</a:t>
+            </a:r>
+            <a:r>
+              <a:rPr lang="en-US" altLang="zh-TW" sz="1800" dirty="0"/>
+              <a:t>URI</a:t>
+            </a:r>
+            <a:endParaRPr lang="zh-TW" altLang="en-US" sz="1800" dirty="0"/>
+          </a:p>
+        </p:txBody>
+      </p:sp>
+      <p:sp>
+        <p:nvSpPr>
+          <p:cNvPr id="66" name="文字方塊 65">
+            <a:extLst>
+              <a:ext uri="{FF2B5EF4-FFF2-40B4-BE49-F238E27FC236}">
+                <a16:creationId xmlns:a16="http://schemas.microsoft.com/office/drawing/2014/main" id="{54E7BCFD-8CD6-B289-E69E-0226153ED546}"/>
+              </a:ext>
+            </a:extLst>
+          </p:cNvPr>
+          <p:cNvSpPr txBox="1"/>
+          <p:nvPr/>
+        </p:nvSpPr>
+        <p:spPr>
+          <a:xfrm rot="1400504">
+            <a:off x="2787202" y="5045211"/>
+            <a:ext cx="3082895" cy="369332"/>
+          </a:xfrm>
+          <a:prstGeom prst="rect">
+            <a:avLst/>
+          </a:prstGeom>
+          <a:noFill/>
+        </p:spPr>
+        <p:txBody>
+          <a:bodyPr wrap="none" rtlCol="0">
+            <a:spAutoFit/>
+          </a:bodyPr>
+          <a:lstStyle/>
+          <a:p>
+            <a:r>
+              <a:rPr lang="en-US" altLang="zh-TW" sz="1800" dirty="0"/>
+              <a:t>3. </a:t>
+            </a:r>
+            <a:r>
+              <a:rPr lang="zh-TW" altLang="en-US" sz="1800" dirty="0"/>
+              <a:t>登入成功取得授權</a:t>
+            </a:r>
+            <a:r>
+              <a:rPr lang="en-US" altLang="zh-TW" sz="1800" dirty="0"/>
+              <a:t>(Token)</a:t>
+            </a:r>
+            <a:endParaRPr lang="zh-TW" altLang="en-US" sz="1800" dirty="0"/>
+          </a:p>
+        </p:txBody>
+      </p:sp>
+      <p:sp>
+        <p:nvSpPr>
+          <p:cNvPr id="67" name="文字方塊 66">
+            <a:extLst>
+              <a:ext uri="{FF2B5EF4-FFF2-40B4-BE49-F238E27FC236}">
+                <a16:creationId xmlns:a16="http://schemas.microsoft.com/office/drawing/2014/main" id="{F98E5A2D-FA06-A7B0-76D3-588B2CE57130}"/>
+              </a:ext>
+            </a:extLst>
+          </p:cNvPr>
+          <p:cNvSpPr txBox="1"/>
+          <p:nvPr/>
+        </p:nvSpPr>
+        <p:spPr>
+          <a:xfrm rot="20160545">
+            <a:off x="3359399" y="2290177"/>
+            <a:ext cx="1903085" cy="369332"/>
+          </a:xfrm>
+          <a:prstGeom prst="rect">
+            <a:avLst/>
+          </a:prstGeom>
+          <a:noFill/>
+        </p:spPr>
+        <p:txBody>
+          <a:bodyPr wrap="none" rtlCol="0">
+            <a:spAutoFit/>
+          </a:bodyPr>
+          <a:lstStyle/>
+          <a:p>
+            <a:r>
+              <a:rPr lang="en-US" altLang="zh-TW" sz="1800" dirty="0"/>
+              <a:t>4.</a:t>
+            </a:r>
+            <a:r>
+              <a:rPr lang="zh-TW" altLang="en-US" sz="1800" dirty="0"/>
+              <a:t> 有授權訪問</a:t>
+            </a:r>
+            <a:r>
+              <a:rPr lang="en-US" altLang="zh-TW" sz="1800" dirty="0"/>
+              <a:t>SP</a:t>
+            </a:r>
+            <a:endParaRPr lang="zh-TW" altLang="en-US" sz="1800" dirty="0"/>
+          </a:p>
+        </p:txBody>
+      </p:sp>
+      <p:cxnSp>
+        <p:nvCxnSpPr>
+          <p:cNvPr id="78" name="直線單箭頭接點 77">
+            <a:extLst>
+              <a:ext uri="{FF2B5EF4-FFF2-40B4-BE49-F238E27FC236}">
+                <a16:creationId xmlns:a16="http://schemas.microsoft.com/office/drawing/2014/main" id="{EBB0F2D1-F5BA-54D6-348C-52333E70579A}"/>
+              </a:ext>
+            </a:extLst>
+          </p:cNvPr>
+          <p:cNvCxnSpPr>
+            <a:cxnSpLocks/>
+            <a:stCxn id="7" idx="0"/>
+            <a:endCxn id="6" idx="2"/>
+          </p:cNvCxnSpPr>
+          <p:nvPr/>
+        </p:nvCxnSpPr>
+        <p:spPr>
+          <a:xfrm flipV="1">
+            <a:off x="6913836" y="2457695"/>
+            <a:ext cx="0" cy="1002857"/>
+          </a:xfrm>
+          <a:prstGeom prst="straightConnector1">
+            <a:avLst/>
+          </a:prstGeom>
+          <a:ln>
+            <a:headEnd type="arrow" w="med" len="med"/>
+            <a:tailEnd type="arrow" w="med" len="med"/>
+          </a:ln>
+        </p:spPr>
+        <p:style>
+          <a:lnRef idx="2">
+            <a:schemeClr val="dk1"/>
+          </a:lnRef>
+          <a:fillRef idx="0">
+            <a:schemeClr val="dk1"/>
+          </a:fillRef>
+          <a:effectRef idx="1">
+            <a:schemeClr val="dk1"/>
+          </a:effectRef>
+          <a:fontRef idx="minor">
+            <a:schemeClr val="tx1"/>
+          </a:fontRef>
+        </p:style>
+      </p:cxnSp>
+      <p:sp>
+        <p:nvSpPr>
+          <p:cNvPr id="81" name="文字方塊 80">
+            <a:extLst>
+              <a:ext uri="{FF2B5EF4-FFF2-40B4-BE49-F238E27FC236}">
+                <a16:creationId xmlns:a16="http://schemas.microsoft.com/office/drawing/2014/main" id="{8A064E52-D2B6-1A4E-41D5-B937DD254704}"/>
+              </a:ext>
+            </a:extLst>
+          </p:cNvPr>
+          <p:cNvSpPr txBox="1"/>
+          <p:nvPr/>
+        </p:nvSpPr>
+        <p:spPr>
+          <a:xfrm>
+            <a:off x="6913834" y="2595312"/>
+            <a:ext cx="1826141" cy="369332"/>
+          </a:xfrm>
+          <a:prstGeom prst="rect">
+            <a:avLst/>
+          </a:prstGeom>
+          <a:noFill/>
+        </p:spPr>
+        <p:txBody>
+          <a:bodyPr wrap="none" rtlCol="0">
+            <a:spAutoFit/>
+          </a:bodyPr>
+          <a:lstStyle/>
+          <a:p>
+            <a:r>
+              <a:rPr lang="en-US" altLang="zh-TW" sz="1800" dirty="0"/>
+              <a:t>1. </a:t>
+            </a:r>
+            <a:r>
+              <a:rPr lang="zh-TW" altLang="en-US" sz="1800" dirty="0"/>
+              <a:t>判斷有無授權</a:t>
+            </a:r>
+          </a:p>
+        </p:txBody>
+      </p:sp>
+      <p:sp>
+        <p:nvSpPr>
+          <p:cNvPr id="2" name="文字方塊 1">
+            <a:extLst>
+              <a:ext uri="{FF2B5EF4-FFF2-40B4-BE49-F238E27FC236}">
+                <a16:creationId xmlns:a16="http://schemas.microsoft.com/office/drawing/2014/main" id="{34C8BE03-5D90-E699-E27B-A2EA5048FC2C}"/>
+              </a:ext>
+            </a:extLst>
+          </p:cNvPr>
+          <p:cNvSpPr txBox="1"/>
+          <p:nvPr/>
+        </p:nvSpPr>
+        <p:spPr>
+          <a:xfrm>
+            <a:off x="6913834" y="2969744"/>
+            <a:ext cx="2056973" cy="369332"/>
+          </a:xfrm>
+          <a:prstGeom prst="rect">
+            <a:avLst/>
+          </a:prstGeom>
+          <a:noFill/>
+        </p:spPr>
+        <p:txBody>
+          <a:bodyPr wrap="none" rtlCol="0">
+            <a:spAutoFit/>
+          </a:bodyPr>
+          <a:lstStyle/>
+          <a:p>
+            <a:r>
+              <a:rPr lang="en-US" altLang="zh-TW" sz="1800" dirty="0"/>
+              <a:t>5. </a:t>
+            </a:r>
+            <a:r>
+              <a:rPr lang="zh-TW" altLang="en-US" sz="1800" dirty="0"/>
+              <a:t>取得使用者資訊</a:t>
+            </a:r>
+          </a:p>
+        </p:txBody>
+      </p:sp>
+    </p:spTree>
+    <p:extLst>
+      <p:ext uri="{BB962C8B-B14F-4D97-AF65-F5344CB8AC3E}">
+        <p14:creationId xmlns:p14="http://schemas.microsoft.com/office/powerpoint/2010/main" val="2935958756"/>
+      </p:ext>
+    </p:extLst>
+  </p:cSld>
+  <p:clrMapOvr>
+    <a:masterClrMapping/>
+  </p:clrMapOvr>
+</p:sld>
+</file>
+
+<file path=ppt/slides/slide18.xml><?xml version="1.0" encoding="utf-8"?>
+<p:sld xmlns:a="http://schemas.openxmlformats.org/drawingml/2006/main" xmlns:r="http://schemas.openxmlformats.org/officeDocument/2006/relationships" xmlns:p="http://schemas.openxmlformats.org/presentationml/2006/main">
+  <p:cSld>
+    <p:spTree>
+      <p:nvGrpSpPr>
+        <p:cNvPr id="1" name="Shape 45"/>
+        <p:cNvGrpSpPr/>
+        <p:nvPr/>
+      </p:nvGrpSpPr>
+      <p:grpSpPr>
+        <a:xfrm>
+          <a:off x="0" y="0"/>
+          <a:ext cx="0" cy="0"/>
+          <a:chOff x="0" y="0"/>
+          <a:chExt cx="0" cy="0"/>
+        </a:xfrm>
+      </p:grpSpPr>
+      <p:sp>
+        <p:nvSpPr>
+          <p:cNvPr id="46" name="Google Shape;46;p8"/>
+          <p:cNvSpPr txBox="1">
+            <a:spLocks noGrp="1"/>
+          </p:cNvSpPr>
+          <p:nvPr>
+            <p:ph type="title"/>
+          </p:nvPr>
+        </p:nvSpPr>
+        <p:spPr>
+          <a:xfrm>
+            <a:off x="311700" y="593367"/>
+            <a:ext cx="8520600" cy="763500"/>
+          </a:xfrm>
+          <a:prstGeom prst="rect">
+            <a:avLst/>
+          </a:prstGeom>
+        </p:spPr>
+        <p:txBody>
+          <a:bodyPr spcFirstLastPara="1" wrap="square" lIns="91425" tIns="91425" rIns="91425" bIns="91425" anchor="t" anchorCtr="0">
+            <a:normAutofit/>
+          </a:bodyPr>
+          <a:lstStyle/>
+          <a:p>
+            <a:pPr marL="0" lvl="0" indent="0" algn="l" rtl="0">
+              <a:spcBef>
+                <a:spcPts val="0"/>
+              </a:spcBef>
+              <a:spcAft>
+                <a:spcPts val="0"/>
+              </a:spcAft>
+              <a:buNone/>
+            </a:pPr>
+            <a:r>
               <a:rPr lang="en-US" altLang="zh-TW" sz="3600" dirty="0"/>
               <a:t>AP Server</a:t>
             </a:r>
@@ -10245,7 +10847,7 @@
 </p:sld>
 </file>
 
-<file path=ppt/slides/slide18.xml><?xml version="1.0" encoding="utf-8"?>
+<file path=ppt/slides/slide19.xml><?xml version="1.0" encoding="utf-8"?>
 <p:sld xmlns:a="http://schemas.openxmlformats.org/drawingml/2006/main" xmlns:r="http://schemas.openxmlformats.org/officeDocument/2006/relationships" xmlns:p="http://schemas.openxmlformats.org/presentationml/2006/main">
   <p:cSld>
     <p:spTree>
@@ -11602,282 +12204,6 @@
 </p:sld>
 </file>
 
-<file path=ppt/slides/slide19.xml><?xml version="1.0" encoding="utf-8"?>
-<p:sld xmlns:a="http://schemas.openxmlformats.org/drawingml/2006/main" xmlns:r="http://schemas.openxmlformats.org/officeDocument/2006/relationships" xmlns:p="http://schemas.openxmlformats.org/presentationml/2006/main">
-  <p:cSld>
-    <p:spTree>
-      <p:nvGrpSpPr>
-        <p:cNvPr id="1" name="Shape 45"/>
-        <p:cNvGrpSpPr/>
-        <p:nvPr/>
-      </p:nvGrpSpPr>
-      <p:grpSpPr>
-        <a:xfrm>
-          <a:off x="0" y="0"/>
-          <a:ext cx="0" cy="0"/>
-          <a:chOff x="0" y="0"/>
-          <a:chExt cx="0" cy="0"/>
-        </a:xfrm>
-      </p:grpSpPr>
-      <p:sp>
-        <p:nvSpPr>
-          <p:cNvPr id="46" name="Google Shape;46;p8"/>
-          <p:cNvSpPr txBox="1">
-            <a:spLocks noGrp="1"/>
-          </p:cNvSpPr>
-          <p:nvPr>
-            <p:ph type="title"/>
-          </p:nvPr>
-        </p:nvSpPr>
-        <p:spPr>
-          <a:xfrm>
-            <a:off x="311700" y="593367"/>
-            <a:ext cx="8520600" cy="763500"/>
-          </a:xfrm>
-          <a:prstGeom prst="rect">
-            <a:avLst/>
-          </a:prstGeom>
-        </p:spPr>
-        <p:txBody>
-          <a:bodyPr spcFirstLastPara="1" wrap="square" lIns="91425" tIns="91425" rIns="91425" bIns="91425" anchor="t" anchorCtr="0">
-            <a:normAutofit/>
-          </a:bodyPr>
-          <a:lstStyle/>
-          <a:p>
-            <a:pPr marL="0" lvl="0" indent="0" algn="l" rtl="0">
-              <a:spcBef>
-                <a:spcPts val="0"/>
-              </a:spcBef>
-              <a:spcAft>
-                <a:spcPts val="0"/>
-              </a:spcAft>
-              <a:buNone/>
-            </a:pPr>
-            <a:r>
-              <a:rPr lang="zh-TW" altLang="en-US" sz="3600" dirty="0"/>
-              <a:t>需要考量的點</a:t>
-            </a:r>
-            <a:endParaRPr sz="3600" dirty="0"/>
-          </a:p>
-        </p:txBody>
-      </p:sp>
-      <p:sp>
-        <p:nvSpPr>
-          <p:cNvPr id="47" name="Google Shape;47;p8"/>
-          <p:cNvSpPr txBox="1">
-            <a:spLocks noGrp="1"/>
-          </p:cNvSpPr>
-          <p:nvPr>
-            <p:ph type="body" idx="1"/>
-          </p:nvPr>
-        </p:nvSpPr>
-        <p:spPr>
-          <a:xfrm>
-            <a:off x="311700" y="1536633"/>
-            <a:ext cx="8520600" cy="4555200"/>
-          </a:xfrm>
-          <a:prstGeom prst="rect">
-            <a:avLst/>
-          </a:prstGeom>
-        </p:spPr>
-        <p:txBody>
-          <a:bodyPr spcFirstLastPara="1" wrap="square" lIns="91425" tIns="91425" rIns="91425" bIns="91425" anchor="t" anchorCtr="0">
-            <a:normAutofit/>
-          </a:bodyPr>
-          <a:lstStyle/>
-          <a:p>
-            <a:pPr indent="-457200">
-              <a:spcAft>
-                <a:spcPts val="1200"/>
-              </a:spcAft>
-            </a:pPr>
-            <a:r>
-              <a:rPr lang="zh-TW" altLang="en-US" sz="2800" dirty="0"/>
-              <a:t>每個專案</a:t>
-            </a:r>
-            <a:r>
-              <a:rPr lang="en-US" altLang="zh-TW" sz="2800" dirty="0"/>
-              <a:t>(</a:t>
-            </a:r>
-            <a:r>
-              <a:rPr lang="zh-TW" altLang="en-US" sz="2800" dirty="0"/>
-              <a:t>前</a:t>
-            </a:r>
-            <a:r>
-              <a:rPr lang="en-US" altLang="zh-TW" sz="2800" dirty="0"/>
-              <a:t>/</a:t>
-            </a:r>
-            <a:r>
-              <a:rPr lang="zh-TW" altLang="en-US" sz="2800" dirty="0"/>
-              <a:t>後端</a:t>
-            </a:r>
-            <a:r>
-              <a:rPr lang="en-US" altLang="zh-TW" sz="2800" dirty="0"/>
-              <a:t>)</a:t>
-            </a:r>
-            <a:r>
-              <a:rPr lang="zh-TW" altLang="en-US" sz="2800" dirty="0"/>
-              <a:t>皆有需要執行</a:t>
-            </a:r>
-            <a:r>
-              <a:rPr lang="en-US" altLang="zh-TW" sz="2800" dirty="0">
-                <a:solidFill>
-                  <a:srgbClr val="FF0000"/>
-                </a:solidFill>
-              </a:rPr>
-              <a:t>SSO</a:t>
-            </a:r>
-            <a:r>
-              <a:rPr lang="zh-TW" altLang="en-US" sz="2800" dirty="0">
-                <a:solidFill>
-                  <a:srgbClr val="FF0000"/>
-                </a:solidFill>
-              </a:rPr>
-              <a:t>相關的流程</a:t>
-            </a:r>
-            <a:endParaRPr lang="en-US" altLang="zh-TW" sz="2400" dirty="0">
-              <a:solidFill>
-                <a:srgbClr val="FF0000"/>
-              </a:solidFill>
-            </a:endParaRPr>
-          </a:p>
-          <a:p>
-            <a:pPr lvl="1" indent="-457200">
-              <a:spcAft>
-                <a:spcPts val="1200"/>
-              </a:spcAft>
-            </a:pPr>
-            <a:r>
-              <a:rPr lang="zh-TW" altLang="en-US" sz="2400" dirty="0"/>
-              <a:t>無認證</a:t>
-            </a:r>
-            <a:r>
-              <a:rPr lang="en-US" altLang="zh-TW" sz="2400" dirty="0"/>
-              <a:t>:</a:t>
-            </a:r>
-            <a:r>
-              <a:rPr lang="zh-TW" altLang="en-US" sz="2400" dirty="0"/>
-              <a:t> 轉導</a:t>
-            </a:r>
-            <a:r>
-              <a:rPr lang="en-US" altLang="zh-TW" sz="2400" dirty="0"/>
-              <a:t>/</a:t>
-            </a:r>
-            <a:r>
-              <a:rPr lang="zh-TW" altLang="en-US" sz="2400" dirty="0"/>
-              <a:t>阻擋</a:t>
-            </a:r>
-            <a:endParaRPr lang="en-US" altLang="zh-TW" sz="2400" dirty="0"/>
-          </a:p>
-          <a:p>
-            <a:pPr lvl="1" indent="-457200">
-              <a:spcAft>
-                <a:spcPts val="1200"/>
-              </a:spcAft>
-            </a:pPr>
-            <a:r>
-              <a:rPr lang="zh-TW" altLang="en-US" sz="2400" dirty="0"/>
-              <a:t>有認證</a:t>
-            </a:r>
-            <a:r>
-              <a:rPr lang="en-US" altLang="zh-TW" sz="2400" dirty="0"/>
-              <a:t>: </a:t>
-            </a:r>
-            <a:r>
-              <a:rPr lang="zh-TW" altLang="en-US" sz="2400" dirty="0"/>
-              <a:t>驗證</a:t>
-            </a:r>
-            <a:r>
-              <a:rPr lang="en-US" altLang="zh-TW" sz="2400" dirty="0"/>
-              <a:t>Token/</a:t>
-            </a:r>
-            <a:r>
-              <a:rPr lang="zh-TW" altLang="en-US" sz="2400" dirty="0"/>
-              <a:t>放行</a:t>
-            </a:r>
-            <a:endParaRPr lang="en-US" altLang="zh-TW" sz="2400" dirty="0"/>
-          </a:p>
-          <a:p>
-            <a:pPr indent="-457200">
-              <a:spcAft>
-                <a:spcPts val="1200"/>
-              </a:spcAft>
-            </a:pPr>
-            <a:endParaRPr lang="en-US" altLang="zh-TW" sz="2800" dirty="0"/>
-          </a:p>
-          <a:p>
-            <a:pPr indent="-457200">
-              <a:spcAft>
-                <a:spcPts val="1200"/>
-              </a:spcAft>
-            </a:pPr>
-            <a:r>
-              <a:rPr lang="zh-TW" altLang="en-US" sz="2800" dirty="0"/>
-              <a:t>為了統一每個部屬的</a:t>
-            </a:r>
-            <a:r>
-              <a:rPr lang="en-US" altLang="zh-TW" sz="2800" dirty="0"/>
-              <a:t>SSO</a:t>
-            </a:r>
-            <a:r>
-              <a:rPr lang="zh-TW" altLang="en-US" sz="2800" dirty="0"/>
-              <a:t>流程實作</a:t>
-            </a:r>
-            <a:br>
-              <a:rPr lang="en-US" altLang="zh-TW" sz="2800" dirty="0"/>
-            </a:br>
-            <a:r>
-              <a:rPr lang="en-US" altLang="zh-TW" sz="2800" dirty="0"/>
-              <a:t>(</a:t>
-            </a:r>
-            <a:r>
-              <a:rPr lang="zh-TW" altLang="en-US" sz="2800" dirty="0"/>
-              <a:t>相當於</a:t>
-            </a:r>
-            <a:r>
-              <a:rPr lang="en-US" altLang="zh-TW" sz="2800" dirty="0"/>
-              <a:t>OAuth Client)</a:t>
-            </a:r>
-            <a:br>
-              <a:rPr lang="en-US" altLang="zh-TW" sz="2800" dirty="0"/>
-            </a:br>
-            <a:r>
-              <a:rPr lang="zh-TW" altLang="en-US" sz="2800" dirty="0"/>
-              <a:t>通常會製作為</a:t>
-            </a:r>
-            <a:r>
-              <a:rPr lang="en-US" altLang="zh-TW" sz="2800" dirty="0"/>
-              <a:t>FW</a:t>
-            </a:r>
-            <a:r>
-              <a:rPr lang="zh-TW" altLang="en-US" sz="2800" dirty="0"/>
-              <a:t>或者是</a:t>
-            </a:r>
-            <a:r>
-              <a:rPr lang="en-US" altLang="zh-TW" sz="2800" dirty="0"/>
-              <a:t>Utils</a:t>
-            </a:r>
-            <a:r>
-              <a:rPr lang="zh-TW" altLang="en-US" sz="2800" dirty="0"/>
-              <a:t>來跨專案共用</a:t>
-            </a:r>
-            <a:endParaRPr lang="en-US" altLang="zh-TW" sz="2800" dirty="0"/>
-          </a:p>
-        </p:txBody>
-      </p:sp>
-    </p:spTree>
-    <p:extLst>
-      <p:ext uri="{BB962C8B-B14F-4D97-AF65-F5344CB8AC3E}">
-        <p14:creationId xmlns:p14="http://schemas.microsoft.com/office/powerpoint/2010/main" val="130273227"/>
-      </p:ext>
-    </p:extLst>
-  </p:cSld>
-  <p:clrMapOvr>
-    <a:masterClrMapping/>
-  </p:clrMapOvr>
-</p:sld>
-</file>
-
 <file path=ppt/slides/slide2.xml><?xml version="1.0" encoding="utf-8"?>
 <p:sld xmlns:a="http://schemas.openxmlformats.org/drawingml/2006/main" xmlns:r="http://schemas.openxmlformats.org/officeDocument/2006/relationships" xmlns:p="http://schemas.openxmlformats.org/presentationml/2006/main">
   <p:cSld>
@@ -11906,10 +12232,6 @@
           </p:nvPr>
         </p:nvSpPr>
         <p:spPr>
-          <a:xfrm>
-            <a:off x="311700" y="593367"/>
-            <a:ext cx="8520600" cy="763500"/>
-          </a:xfrm>
           <a:prstGeom prst="rect">
             <a:avLst/>
           </a:prstGeom>
@@ -11948,10 +12270,6 @@
           </p:nvPr>
         </p:nvSpPr>
         <p:spPr>
-          <a:xfrm>
-            <a:off x="311700" y="1536633"/>
-            <a:ext cx="8520600" cy="4555200"/>
-          </a:xfrm>
           <a:prstGeom prst="rect">
             <a:avLst/>
           </a:prstGeom>
@@ -11971,7 +12289,7 @@
               <a:buAutoNum type="arabicPeriod"/>
             </a:pPr>
             <a:r>
-              <a:rPr lang="zh-TW" altLang="en-US" sz="3200"/>
+              <a:rPr lang="zh-TW" altLang="en-US" sz="3200" dirty="0"/>
               <a:t>簡介</a:t>
             </a:r>
           </a:p>
@@ -11985,7 +12303,7 @@
               <a:buAutoNum type="arabicPeriod"/>
             </a:pPr>
             <a:r>
-              <a:rPr lang="zh-TW" altLang="en-US" sz="3200"/>
+              <a:rPr lang="zh-TW" altLang="en-US" sz="3200" dirty="0"/>
               <a:t>事前評估</a:t>
             </a:r>
           </a:p>
@@ -11999,10 +12317,24 @@
               <a:buAutoNum type="arabicPeriod"/>
             </a:pPr>
             <a:r>
-              <a:rPr lang="zh-TW" altLang="en-US" sz="3200"/>
+              <a:rPr lang="zh-TW" altLang="en-US" sz="3200" dirty="0"/>
               <a:t>實作建議</a:t>
             </a:r>
-            <a:endParaRPr lang="zh-TW" altLang="en-US" sz="3200" dirty="0"/>
+            <a:endParaRPr lang="en-US" altLang="zh-TW" sz="3200" dirty="0"/>
+          </a:p>
+          <a:p>
+            <a:pPr marL="514350" indent="-514350">
+              <a:spcAft>
+                <a:spcPts val="1200"/>
+              </a:spcAft>
+              <a:buSzPct val="80000"/>
+              <a:buFont typeface="+mj-lt"/>
+              <a:buAutoNum type="arabicPeriod"/>
+            </a:pPr>
+            <a:r>
+              <a:rPr lang="zh-TW" altLang="en-US" sz="3200" dirty="0"/>
+              <a:t>實作示範</a:t>
+            </a:r>
           </a:p>
         </p:txBody>
       </p:sp>
@@ -12028,7 +12360,7 @@
         </p:blipFill>
         <p:spPr>
           <a:xfrm>
-            <a:off x="3759611" y="0"/>
+            <a:off x="3159843" y="-58992"/>
             <a:ext cx="5384389" cy="6335630"/>
           </a:xfrm>
           <a:prstGeom prst="rect">
@@ -12102,6 +12434,282 @@
             </a:pPr>
             <a:r>
               <a:rPr lang="zh-TW" altLang="en-US" sz="3600" dirty="0"/>
+              <a:t>需要考量的點</a:t>
+            </a:r>
+            <a:endParaRPr sz="3600" dirty="0"/>
+          </a:p>
+        </p:txBody>
+      </p:sp>
+      <p:sp>
+        <p:nvSpPr>
+          <p:cNvPr id="47" name="Google Shape;47;p8"/>
+          <p:cNvSpPr txBox="1">
+            <a:spLocks noGrp="1"/>
+          </p:cNvSpPr>
+          <p:nvPr>
+            <p:ph type="body" idx="1"/>
+          </p:nvPr>
+        </p:nvSpPr>
+        <p:spPr>
+          <a:xfrm>
+            <a:off x="311700" y="1536633"/>
+            <a:ext cx="8520600" cy="4555200"/>
+          </a:xfrm>
+          <a:prstGeom prst="rect">
+            <a:avLst/>
+          </a:prstGeom>
+        </p:spPr>
+        <p:txBody>
+          <a:bodyPr spcFirstLastPara="1" wrap="square" lIns="91425" tIns="91425" rIns="91425" bIns="91425" anchor="t" anchorCtr="0">
+            <a:normAutofit/>
+          </a:bodyPr>
+          <a:lstStyle/>
+          <a:p>
+            <a:pPr indent="-457200">
+              <a:spcAft>
+                <a:spcPts val="1200"/>
+              </a:spcAft>
+            </a:pPr>
+            <a:r>
+              <a:rPr lang="zh-TW" altLang="en-US" sz="2800" dirty="0"/>
+              <a:t>每個專案</a:t>
+            </a:r>
+            <a:r>
+              <a:rPr lang="en-US" altLang="zh-TW" sz="2800" dirty="0"/>
+              <a:t>(</a:t>
+            </a:r>
+            <a:r>
+              <a:rPr lang="zh-TW" altLang="en-US" sz="2800" dirty="0"/>
+              <a:t>前</a:t>
+            </a:r>
+            <a:r>
+              <a:rPr lang="en-US" altLang="zh-TW" sz="2800" dirty="0"/>
+              <a:t>/</a:t>
+            </a:r>
+            <a:r>
+              <a:rPr lang="zh-TW" altLang="en-US" sz="2800" dirty="0"/>
+              <a:t>後端</a:t>
+            </a:r>
+            <a:r>
+              <a:rPr lang="en-US" altLang="zh-TW" sz="2800" dirty="0"/>
+              <a:t>)</a:t>
+            </a:r>
+            <a:r>
+              <a:rPr lang="zh-TW" altLang="en-US" sz="2800" dirty="0"/>
+              <a:t>皆有需要執行</a:t>
+            </a:r>
+            <a:r>
+              <a:rPr lang="en-US" altLang="zh-TW" sz="2800" dirty="0">
+                <a:solidFill>
+                  <a:srgbClr val="FF0000"/>
+                </a:solidFill>
+              </a:rPr>
+              <a:t>SSO</a:t>
+            </a:r>
+            <a:r>
+              <a:rPr lang="zh-TW" altLang="en-US" sz="2800" dirty="0">
+                <a:solidFill>
+                  <a:srgbClr val="FF0000"/>
+                </a:solidFill>
+              </a:rPr>
+              <a:t>相關的流程</a:t>
+            </a:r>
+            <a:endParaRPr lang="en-US" altLang="zh-TW" sz="2400" dirty="0">
+              <a:solidFill>
+                <a:srgbClr val="FF0000"/>
+              </a:solidFill>
+            </a:endParaRPr>
+          </a:p>
+          <a:p>
+            <a:pPr lvl="1" indent="-457200">
+              <a:spcAft>
+                <a:spcPts val="1200"/>
+              </a:spcAft>
+            </a:pPr>
+            <a:r>
+              <a:rPr lang="zh-TW" altLang="en-US" sz="2400" dirty="0"/>
+              <a:t>無認證</a:t>
+            </a:r>
+            <a:r>
+              <a:rPr lang="en-US" altLang="zh-TW" sz="2400" dirty="0"/>
+              <a:t>:</a:t>
+            </a:r>
+            <a:r>
+              <a:rPr lang="zh-TW" altLang="en-US" sz="2400" dirty="0"/>
+              <a:t> 轉導</a:t>
+            </a:r>
+            <a:r>
+              <a:rPr lang="en-US" altLang="zh-TW" sz="2400" dirty="0"/>
+              <a:t>/</a:t>
+            </a:r>
+            <a:r>
+              <a:rPr lang="zh-TW" altLang="en-US" sz="2400" dirty="0"/>
+              <a:t>阻擋</a:t>
+            </a:r>
+            <a:endParaRPr lang="en-US" altLang="zh-TW" sz="2400" dirty="0"/>
+          </a:p>
+          <a:p>
+            <a:pPr lvl="1" indent="-457200">
+              <a:spcAft>
+                <a:spcPts val="1200"/>
+              </a:spcAft>
+            </a:pPr>
+            <a:r>
+              <a:rPr lang="zh-TW" altLang="en-US" sz="2400" dirty="0"/>
+              <a:t>有認證</a:t>
+            </a:r>
+            <a:r>
+              <a:rPr lang="en-US" altLang="zh-TW" sz="2400" dirty="0"/>
+              <a:t>: </a:t>
+            </a:r>
+            <a:r>
+              <a:rPr lang="zh-TW" altLang="en-US" sz="2400" dirty="0"/>
+              <a:t>驗證</a:t>
+            </a:r>
+            <a:r>
+              <a:rPr lang="en-US" altLang="zh-TW" sz="2400" dirty="0"/>
+              <a:t>Token/</a:t>
+            </a:r>
+            <a:r>
+              <a:rPr lang="zh-TW" altLang="en-US" sz="2400" dirty="0"/>
+              <a:t>放行</a:t>
+            </a:r>
+            <a:endParaRPr lang="en-US" altLang="zh-TW" sz="2400" dirty="0"/>
+          </a:p>
+          <a:p>
+            <a:pPr indent="-457200">
+              <a:spcAft>
+                <a:spcPts val="1200"/>
+              </a:spcAft>
+            </a:pPr>
+            <a:endParaRPr lang="en-US" altLang="zh-TW" sz="2800" dirty="0"/>
+          </a:p>
+          <a:p>
+            <a:pPr indent="-457200">
+              <a:spcAft>
+                <a:spcPts val="1200"/>
+              </a:spcAft>
+            </a:pPr>
+            <a:r>
+              <a:rPr lang="zh-TW" altLang="en-US" sz="2800" dirty="0"/>
+              <a:t>為了統一每個部屬的</a:t>
+            </a:r>
+            <a:r>
+              <a:rPr lang="en-US" altLang="zh-TW" sz="2800" dirty="0"/>
+              <a:t>SSO</a:t>
+            </a:r>
+            <a:r>
+              <a:rPr lang="zh-TW" altLang="en-US" sz="2800" dirty="0"/>
+              <a:t>流程實作</a:t>
+            </a:r>
+            <a:br>
+              <a:rPr lang="en-US" altLang="zh-TW" sz="2800" dirty="0"/>
+            </a:br>
+            <a:r>
+              <a:rPr lang="en-US" altLang="zh-TW" sz="2800" dirty="0"/>
+              <a:t>(</a:t>
+            </a:r>
+            <a:r>
+              <a:rPr lang="zh-TW" altLang="en-US" sz="2800" dirty="0"/>
+              <a:t>相當於</a:t>
+            </a:r>
+            <a:r>
+              <a:rPr lang="en-US" altLang="zh-TW" sz="2800" dirty="0"/>
+              <a:t>OAuth Client)</a:t>
+            </a:r>
+            <a:br>
+              <a:rPr lang="en-US" altLang="zh-TW" sz="2800" dirty="0"/>
+            </a:br>
+            <a:r>
+              <a:rPr lang="zh-TW" altLang="en-US" sz="2800" dirty="0"/>
+              <a:t>通常會製作為</a:t>
+            </a:r>
+            <a:r>
+              <a:rPr lang="en-US" altLang="zh-TW" sz="2800" dirty="0"/>
+              <a:t>FW</a:t>
+            </a:r>
+            <a:r>
+              <a:rPr lang="zh-TW" altLang="en-US" sz="2800" dirty="0"/>
+              <a:t>或者是</a:t>
+            </a:r>
+            <a:r>
+              <a:rPr lang="en-US" altLang="zh-TW" sz="2800" dirty="0"/>
+              <a:t>Utils</a:t>
+            </a:r>
+            <a:r>
+              <a:rPr lang="zh-TW" altLang="en-US" sz="2800" dirty="0"/>
+              <a:t>來跨專案共用</a:t>
+            </a:r>
+            <a:endParaRPr lang="en-US" altLang="zh-TW" sz="2800" dirty="0"/>
+          </a:p>
+        </p:txBody>
+      </p:sp>
+    </p:spTree>
+    <p:extLst>
+      <p:ext uri="{BB962C8B-B14F-4D97-AF65-F5344CB8AC3E}">
+        <p14:creationId xmlns:p14="http://schemas.microsoft.com/office/powerpoint/2010/main" val="130273227"/>
+      </p:ext>
+    </p:extLst>
+  </p:cSld>
+  <p:clrMapOvr>
+    <a:masterClrMapping/>
+  </p:clrMapOvr>
+</p:sld>
+</file>
+
+<file path=ppt/slides/slide21.xml><?xml version="1.0" encoding="utf-8"?>
+<p:sld xmlns:a="http://schemas.openxmlformats.org/drawingml/2006/main" xmlns:r="http://schemas.openxmlformats.org/officeDocument/2006/relationships" xmlns:p="http://schemas.openxmlformats.org/presentationml/2006/main">
+  <p:cSld>
+    <p:spTree>
+      <p:nvGrpSpPr>
+        <p:cNvPr id="1" name="Shape 45"/>
+        <p:cNvGrpSpPr/>
+        <p:nvPr/>
+      </p:nvGrpSpPr>
+      <p:grpSpPr>
+        <a:xfrm>
+          <a:off x="0" y="0"/>
+          <a:ext cx="0" cy="0"/>
+          <a:chOff x="0" y="0"/>
+          <a:chExt cx="0" cy="0"/>
+        </a:xfrm>
+      </p:grpSpPr>
+      <p:sp>
+        <p:nvSpPr>
+          <p:cNvPr id="46" name="Google Shape;46;p8"/>
+          <p:cNvSpPr txBox="1">
+            <a:spLocks noGrp="1"/>
+          </p:cNvSpPr>
+          <p:nvPr>
+            <p:ph type="title"/>
+          </p:nvPr>
+        </p:nvSpPr>
+        <p:spPr>
+          <a:xfrm>
+            <a:off x="311700" y="593367"/>
+            <a:ext cx="8520600" cy="763500"/>
+          </a:xfrm>
+          <a:prstGeom prst="rect">
+            <a:avLst/>
+          </a:prstGeom>
+        </p:spPr>
+        <p:txBody>
+          <a:bodyPr spcFirstLastPara="1" wrap="square" lIns="91425" tIns="91425" rIns="91425" bIns="91425" anchor="t" anchorCtr="0">
+            <a:normAutofit/>
+          </a:bodyPr>
+          <a:lstStyle/>
+          <a:p>
+            <a:pPr marL="0" lvl="0" indent="0" algn="l" rtl="0">
+              <a:spcBef>
+                <a:spcPts val="0"/>
+              </a:spcBef>
+              <a:spcAft>
+                <a:spcPts val="0"/>
+              </a:spcAft>
+              <a:buNone/>
+            </a:pPr>
+            <a:r>
+              <a:rPr lang="zh-TW" altLang="en-US" sz="3600" dirty="0"/>
               <a:t>增加</a:t>
             </a:r>
             <a:r>
@@ -13086,7 +13694,7 @@
 </p:sld>
 </file>
 
-<file path=ppt/slides/slide21.xml><?xml version="1.0" encoding="utf-8"?>
+<file path=ppt/slides/slide22.xml><?xml version="1.0" encoding="utf-8"?>
 <p:sld xmlns:a="http://schemas.openxmlformats.org/drawingml/2006/main" xmlns:r="http://schemas.openxmlformats.org/officeDocument/2006/relationships" xmlns:p="http://schemas.openxmlformats.org/presentationml/2006/main">
   <p:cSld>
     <p:spTree>
@@ -14368,7 +14976,7 @@
 </p:sld>
 </file>
 
-<file path=ppt/slides/slide22.xml><?xml version="1.0" encoding="utf-8"?>
+<file path=ppt/slides/slide23.xml><?xml version="1.0" encoding="utf-8"?>
 <p:sld xmlns:a="http://schemas.openxmlformats.org/drawingml/2006/main" xmlns:r="http://schemas.openxmlformats.org/officeDocument/2006/relationships" xmlns:p="http://schemas.openxmlformats.org/presentationml/2006/main">
   <p:cSld>
     <p:spTree>
@@ -14588,7 +15196,7 @@
 </p:sld>
 </file>
 
-<file path=ppt/slides/slide23.xml><?xml version="1.0" encoding="utf-8"?>
+<file path=ppt/slides/slide24.xml><?xml version="1.0" encoding="utf-8"?>
 <p:sld xmlns:a="http://schemas.openxmlformats.org/drawingml/2006/main" xmlns:r="http://schemas.openxmlformats.org/officeDocument/2006/relationships" xmlns:p="http://schemas.openxmlformats.org/presentationml/2006/main">
   <p:cSld>
     <p:spTree>
@@ -14612,14 +15220,10 @@
             <a:spLocks noGrp="1"/>
           </p:cNvSpPr>
           <p:nvPr>
-            <p:ph type="title"/>
+            <p:ph type="ctrTitle"/>
           </p:nvPr>
         </p:nvSpPr>
         <p:spPr>
-          <a:xfrm>
-            <a:off x="311700" y="2132075"/>
-            <a:ext cx="8520600" cy="1122300"/>
-          </a:xfrm>
           <a:prstGeom prst="rect">
             <a:avLst/>
           </a:prstGeom>
@@ -14657,10 +15261,6 @@
           </p:nvPr>
         </p:nvSpPr>
         <p:spPr>
-          <a:xfrm>
-            <a:off x="311700" y="3254375"/>
-            <a:ext cx="8520600" cy="1056900"/>
-          </a:xfrm>
           <a:prstGeom prst="rect">
             <a:avLst/>
           </a:prstGeom>
@@ -14681,22 +15281,52 @@
               <a:buNone/>
             </a:pPr>
             <a:r>
-              <a:rPr lang="en-US" altLang="zh-TW" sz="2800" dirty="0"/>
+              <a:rPr lang="en-US" altLang="zh-TW" sz="2800" dirty="0">
+                <a:solidFill>
+                  <a:schemeClr val="bg1">
+                    <a:lumMod val="85000"/>
+                  </a:schemeClr>
+                </a:solidFill>
+              </a:rPr>
               <a:t>With</a:t>
             </a:r>
             <a:r>
-              <a:rPr lang="zh-TW" altLang="en-US" sz="2800" dirty="0"/>
+              <a:rPr lang="zh-TW" altLang="en-US" sz="2800" dirty="0">
+                <a:solidFill>
+                  <a:schemeClr val="bg1">
+                    <a:lumMod val="85000"/>
+                  </a:schemeClr>
+                </a:solidFill>
+              </a:rPr>
               <a:t> </a:t>
             </a:r>
             <a:r>
-              <a:rPr lang="en-US" altLang="zh-TW" sz="2800" dirty="0" err="1"/>
+              <a:rPr lang="en-US" altLang="zh-TW" sz="2800" dirty="0" err="1">
+                <a:solidFill>
+                  <a:schemeClr val="bg1">
+                    <a:lumMod val="85000"/>
+                  </a:schemeClr>
+                </a:solidFill>
+              </a:rPr>
               <a:t>Keycloak</a:t>
             </a:r>
             <a:r>
-              <a:rPr lang="en-US" altLang="zh-TW" sz="2800" dirty="0"/>
+              <a:rPr lang="en-US" altLang="zh-TW" sz="2800" dirty="0">
+                <a:solidFill>
+                  <a:schemeClr val="bg1">
+                    <a:lumMod val="85000"/>
+                  </a:schemeClr>
+                </a:solidFill>
+              </a:rPr>
               <a:t> &amp; oauth2-proxy</a:t>
             </a:r>
-            <a:endParaRPr sz="2800" dirty="0"/>
+            <a:endParaRPr sz="2800" dirty="0">
+              <a:solidFill>
+                <a:schemeClr val="bg1">
+                  <a:lumMod val="85000"/>
+                </a:schemeClr>
+              </a:solidFill>
+            </a:endParaRPr>
           </a:p>
         </p:txBody>
       </p:sp>
@@ -14713,7 +15343,7 @@
 </p:sld>
 </file>
 
-<file path=ppt/slides/slide24.xml><?xml version="1.0" encoding="utf-8"?>
+<file path=ppt/slides/slide25.xml><?xml version="1.0" encoding="utf-8"?>
 <p:sld xmlns:a="http://schemas.openxmlformats.org/drawingml/2006/main" xmlns:r="http://schemas.openxmlformats.org/officeDocument/2006/relationships" xmlns:p="http://schemas.openxmlformats.org/presentationml/2006/main">
   <p:cSld>
     <p:spTree>
@@ -15693,7 +16323,7 @@
 </p:sld>
 </file>
 
-<file path=ppt/slides/slide25.xml><?xml version="1.0" encoding="utf-8"?>
+<file path=ppt/slides/slide26.xml><?xml version="1.0" encoding="utf-8"?>
 <p:sld xmlns:a="http://schemas.openxmlformats.org/drawingml/2006/main" xmlns:r="http://schemas.openxmlformats.org/officeDocument/2006/relationships" xmlns:p="http://schemas.openxmlformats.org/presentationml/2006/main">
   <p:cSld>
     <p:spTree>
@@ -15979,7 +16609,7 @@
 </p:sld>
 </file>
 
-<file path=ppt/slides/slide26.xml><?xml version="1.0" encoding="utf-8"?>
+<file path=ppt/slides/slide27.xml><?xml version="1.0" encoding="utf-8"?>
 <p:sld xmlns:a="http://schemas.openxmlformats.org/drawingml/2006/main" xmlns:r="http://schemas.openxmlformats.org/officeDocument/2006/relationships" xmlns:p="http://schemas.openxmlformats.org/presentationml/2006/main">
   <p:cSld>
     <p:spTree>
@@ -16453,7 +17083,7 @@
 </p:sld>
 </file>
 
-<file path=ppt/slides/slide27.xml><?xml version="1.0" encoding="utf-8"?>
+<file path=ppt/slides/slide28.xml><?xml version="1.0" encoding="utf-8"?>
 <p:sld xmlns:a="http://schemas.openxmlformats.org/drawingml/2006/main" xmlns:r="http://schemas.openxmlformats.org/officeDocument/2006/relationships" xmlns:p="http://schemas.openxmlformats.org/presentationml/2006/main">
   <p:cSld>
     <p:spTree>
@@ -16932,7 +17562,7 @@
 </p:sld>
 </file>
 
-<file path=ppt/slides/slide28.xml><?xml version="1.0" encoding="utf-8"?>
+<file path=ppt/slides/slide29.xml><?xml version="1.0" encoding="utf-8"?>
 <p:sld xmlns:a="http://schemas.openxmlformats.org/drawingml/2006/main" xmlns:r="http://schemas.openxmlformats.org/officeDocument/2006/relationships" xmlns:p="http://schemas.openxmlformats.org/presentationml/2006/main">
   <p:cSld>
     <p:spTree>
@@ -17021,10 +17651,6 @@
           </p:nvPr>
         </p:nvSpPr>
         <p:spPr>
-          <a:xfrm>
-            <a:off x="311700" y="593367"/>
-            <a:ext cx="8520600" cy="763500"/>
-          </a:xfrm>
           <a:prstGeom prst="rect">
             <a:avLst/>
           </a:prstGeom>
@@ -17046,9 +17672,8 @@
             </a:pPr>
             <a:r>
               <a:rPr lang="zh-TW" altLang="en-US" sz="3600" dirty="0"/>
-              <a:t>知己知彼</a:t>
-            </a:r>
-            <a:endParaRPr sz="3600" dirty="0"/>
+              <a:t>關於我</a:t>
+            </a:r>
           </a:p>
         </p:txBody>
       </p:sp>
@@ -17063,10 +17688,192 @@
           </p:nvPr>
         </p:nvSpPr>
         <p:spPr>
+          <a:prstGeom prst="rect">
+            <a:avLst/>
+          </a:prstGeom>
+        </p:spPr>
+        <p:txBody>
+          <a:bodyPr spcFirstLastPara="1" wrap="square" lIns="91425" tIns="91425" rIns="91425" bIns="91425" anchor="t" anchorCtr="0">
+            <a:normAutofit/>
+          </a:bodyPr>
+          <a:lstStyle/>
+          <a:p>
+            <a:pPr marL="514350" indent="-514350">
+              <a:spcAft>
+                <a:spcPts val="1200"/>
+              </a:spcAft>
+              <a:buSzPct val="80000"/>
+            </a:pPr>
+            <a:r>
+              <a:rPr lang="zh-TW" altLang="en-US" sz="3200" dirty="0"/>
+              <a:t>張鼎鑫</a:t>
+            </a:r>
+            <a:r>
+              <a:rPr lang="en-US" altLang="zh-TW" sz="3200" dirty="0"/>
+              <a:t>-Rhys</a:t>
+            </a:r>
+          </a:p>
+          <a:p>
+            <a:pPr marL="514350" indent="-514350">
+              <a:spcAft>
+                <a:spcPts val="1200"/>
+              </a:spcAft>
+              <a:buSzPct val="80000"/>
+            </a:pPr>
+            <a:r>
+              <a:rPr lang="zh-TW" altLang="en-US" sz="3200" dirty="0"/>
+              <a:t>松凌科技</a:t>
+            </a:r>
+            <a:endParaRPr lang="en-US" altLang="zh-TW" sz="3200" dirty="0"/>
+          </a:p>
+          <a:p>
+            <a:pPr marL="514350" indent="-514350">
+              <a:spcAft>
+                <a:spcPts val="1200"/>
+              </a:spcAft>
+              <a:buSzPct val="80000"/>
+            </a:pPr>
+            <a:r>
+              <a:rPr lang="zh-TW" altLang="en-US" sz="3200" dirty="0"/>
+              <a:t>技術總監</a:t>
+            </a:r>
+            <a:r>
+              <a:rPr lang="en-US" altLang="zh-TW" sz="3200" dirty="0"/>
+              <a:t>(R&amp;D)</a:t>
+            </a:r>
+          </a:p>
+          <a:p>
+            <a:pPr marL="514350" indent="-514350">
+              <a:spcAft>
+                <a:spcPts val="1200"/>
+              </a:spcAft>
+              <a:buSzPct val="80000"/>
+            </a:pPr>
+            <a:r>
+              <a:rPr lang="en-US" altLang="zh-TW" sz="3200" dirty="0"/>
+              <a:t>Java</a:t>
+            </a:r>
+            <a:r>
+              <a:rPr lang="zh-TW" altLang="en-US" sz="3200" dirty="0"/>
+              <a:t>經歷</a:t>
+            </a:r>
+            <a:r>
+              <a:rPr lang="en-US" altLang="zh-TW" sz="3200" dirty="0"/>
+              <a:t>: 10y</a:t>
+            </a:r>
+            <a:endParaRPr lang="zh-TW" altLang="en-US" sz="3200" dirty="0"/>
+          </a:p>
+        </p:txBody>
+      </p:sp>
+      <p:pic>
+        <p:nvPicPr>
+          <p:cNvPr id="4" name="圖片 3" descr="一張含有 服裝, 人員, 室內, 牆 的圖片&#10;&#10;自動產生的描述">
+            <a:extLst>
+              <a:ext uri="{FF2B5EF4-FFF2-40B4-BE49-F238E27FC236}">
+                <a16:creationId xmlns:a16="http://schemas.microsoft.com/office/drawing/2014/main" id="{8A548853-7B64-A900-5BF8-70C1E226BC92}"/>
+              </a:ext>
+            </a:extLst>
+          </p:cNvPr>
+          <p:cNvPicPr>
+            <a:picLocks noChangeAspect="1"/>
+          </p:cNvPicPr>
+          <p:nvPr/>
+        </p:nvPicPr>
+        <p:blipFill>
+          <a:blip r:embed="rId3"/>
+          <a:stretch>
+            <a:fillRect/>
+          </a:stretch>
+        </p:blipFill>
+        <p:spPr>
           <a:xfrm>
-            <a:off x="311700" y="1536633"/>
-            <a:ext cx="8520600" cy="4555200"/>
+            <a:off x="4572000" y="1718186"/>
+            <a:ext cx="3694471" cy="3694471"/>
           </a:xfrm>
+          <a:prstGeom prst="rect">
+            <a:avLst/>
+          </a:prstGeom>
+        </p:spPr>
+      </p:pic>
+    </p:spTree>
+    <p:extLst>
+      <p:ext uri="{BB962C8B-B14F-4D97-AF65-F5344CB8AC3E}">
+        <p14:creationId xmlns:p14="http://schemas.microsoft.com/office/powerpoint/2010/main" val="952812996"/>
+      </p:ext>
+    </p:extLst>
+  </p:cSld>
+  <p:clrMapOvr>
+    <a:masterClrMapping/>
+  </p:clrMapOvr>
+</p:sld>
+</file>
+
+<file path=ppt/slides/slide4.xml><?xml version="1.0" encoding="utf-8"?>
+<p:sld xmlns:a="http://schemas.openxmlformats.org/drawingml/2006/main" xmlns:r="http://schemas.openxmlformats.org/officeDocument/2006/relationships" xmlns:p="http://schemas.openxmlformats.org/presentationml/2006/main">
+  <p:cSld>
+    <p:spTree>
+      <p:nvGrpSpPr>
+        <p:cNvPr id="1" name="Shape 45"/>
+        <p:cNvGrpSpPr/>
+        <p:nvPr/>
+      </p:nvGrpSpPr>
+      <p:grpSpPr>
+        <a:xfrm>
+          <a:off x="0" y="0"/>
+          <a:ext cx="0" cy="0"/>
+          <a:chOff x="0" y="0"/>
+          <a:chExt cx="0" cy="0"/>
+        </a:xfrm>
+      </p:grpSpPr>
+      <p:sp>
+        <p:nvSpPr>
+          <p:cNvPr id="46" name="Google Shape;46;p8"/>
+          <p:cNvSpPr txBox="1">
+            <a:spLocks noGrp="1"/>
+          </p:cNvSpPr>
+          <p:nvPr>
+            <p:ph type="title"/>
+          </p:nvPr>
+        </p:nvSpPr>
+        <p:spPr>
+          <a:prstGeom prst="rect">
+            <a:avLst/>
+          </a:prstGeom>
+        </p:spPr>
+        <p:txBody>
+          <a:bodyPr spcFirstLastPara="1" wrap="square" lIns="91425" tIns="91425" rIns="91425" bIns="91425" anchor="t" anchorCtr="0">
+            <a:normAutofit/>
+          </a:bodyPr>
+          <a:lstStyle/>
+          <a:p>
+            <a:pPr marL="0" lvl="0" indent="0" algn="l" rtl="0">
+              <a:spcBef>
+                <a:spcPts val="0"/>
+              </a:spcBef>
+              <a:spcAft>
+                <a:spcPts val="0"/>
+              </a:spcAft>
+              <a:buNone/>
+            </a:pPr>
+            <a:r>
+              <a:rPr lang="zh-TW" altLang="en-US" sz="3600" dirty="0"/>
+              <a:t>先圈一下範圍</a:t>
+            </a:r>
+            <a:endParaRPr sz="3600" dirty="0"/>
+          </a:p>
+        </p:txBody>
+      </p:sp>
+      <p:sp>
+        <p:nvSpPr>
+          <p:cNvPr id="47" name="Google Shape;47;p8"/>
+          <p:cNvSpPr txBox="1">
+            <a:spLocks noGrp="1"/>
+          </p:cNvSpPr>
+          <p:nvPr>
+            <p:ph type="body" idx="1"/>
+          </p:nvPr>
+        </p:nvSpPr>
+        <p:spPr>
           <a:prstGeom prst="rect">
             <a:avLst/>
           </a:prstGeom>
@@ -17193,7 +18000,7 @@
 </p:sld>
 </file>
 
-<file path=ppt/slides/slide4.xml><?xml version="1.0" encoding="utf-8"?>
+<file path=ppt/slides/slide5.xml><?xml version="1.0" encoding="utf-8"?>
 <p:sld xmlns:a="http://schemas.openxmlformats.org/drawingml/2006/main" xmlns:r="http://schemas.openxmlformats.org/officeDocument/2006/relationships" xmlns:p="http://schemas.openxmlformats.org/presentationml/2006/main">
   <p:cSld>
     <p:spTree>
@@ -17217,14 +18024,10 @@
             <a:spLocks noGrp="1"/>
           </p:cNvSpPr>
           <p:nvPr>
-            <p:ph type="title"/>
+            <p:ph type="ctrTitle"/>
           </p:nvPr>
         </p:nvSpPr>
         <p:spPr>
-          <a:xfrm>
-            <a:off x="311700" y="2132075"/>
-            <a:ext cx="8520600" cy="1122300"/>
-          </a:xfrm>
           <a:prstGeom prst="rect">
             <a:avLst/>
           </a:prstGeom>
@@ -17263,10 +18066,6 @@
           </p:nvPr>
         </p:nvSpPr>
         <p:spPr>
-          <a:xfrm>
-            <a:off x="311700" y="3254375"/>
-            <a:ext cx="8520600" cy="1056900"/>
-          </a:xfrm>
           <a:prstGeom prst="rect">
             <a:avLst/>
           </a:prstGeom>
@@ -17279,18 +18078,42 @@
           <a:p>
             <a:pPr marL="0" indent="0"/>
             <a:r>
-              <a:rPr lang="zh-TW" altLang="en-US" sz="2800" dirty="0"/>
+              <a:rPr lang="zh-TW" altLang="en-US" sz="2800" dirty="0">
+                <a:solidFill>
+                  <a:schemeClr val="bg1">
+                    <a:lumMod val="85000"/>
+                  </a:schemeClr>
+                </a:solidFill>
+              </a:rPr>
               <a:t>本次我們探討的</a:t>
             </a:r>
             <a:r>
-              <a:rPr lang="en-US" altLang="zh-TW" sz="2800" dirty="0"/>
+              <a:rPr lang="en-US" altLang="zh-TW" sz="2800" dirty="0">
+                <a:solidFill>
+                  <a:schemeClr val="bg1">
+                    <a:lumMod val="85000"/>
+                  </a:schemeClr>
+                </a:solidFill>
+              </a:rPr>
               <a:t>SSO</a:t>
             </a:r>
             <a:r>
-              <a:rPr lang="zh-TW" altLang="en-US" sz="2800" dirty="0"/>
+              <a:rPr lang="zh-TW" altLang="en-US" sz="2800" dirty="0">
+                <a:solidFill>
+                  <a:schemeClr val="bg1">
+                    <a:lumMod val="85000"/>
+                  </a:schemeClr>
+                </a:solidFill>
+              </a:rPr>
               <a:t>標的</a:t>
             </a:r>
-            <a:endParaRPr lang="en-US" altLang="zh-TW" sz="2800" dirty="0"/>
+            <a:endParaRPr lang="en-US" altLang="zh-TW" sz="2800" dirty="0">
+              <a:solidFill>
+                <a:schemeClr val="bg1">
+                  <a:lumMod val="85000"/>
+                </a:schemeClr>
+              </a:solidFill>
+            </a:endParaRPr>
           </a:p>
         </p:txBody>
       </p:sp>
@@ -17307,7 +18130,7 @@
 </p:sld>
 </file>
 
-<file path=ppt/slides/slide5.xml><?xml version="1.0" encoding="utf-8"?>
+<file path=ppt/slides/slide6.xml><?xml version="1.0" encoding="utf-8"?>
 <p:sld xmlns:a="http://schemas.openxmlformats.org/drawingml/2006/main" xmlns:r="http://schemas.openxmlformats.org/officeDocument/2006/relationships" xmlns:p="http://schemas.openxmlformats.org/presentationml/2006/main">
   <p:cSld>
     <p:spTree>
@@ -17338,10 +18161,10 @@
         </p:nvGrpSpPr>
         <p:grpSpPr>
           <a:xfrm>
-            <a:off x="2419139" y="-13102"/>
-            <a:ext cx="6370553" cy="6361471"/>
-            <a:chOff x="2666999" y="-14125"/>
-            <a:chExt cx="6867791" cy="6858000"/>
+            <a:off x="2353960" y="6562"/>
+            <a:ext cx="6492554" cy="6361471"/>
+            <a:chOff x="2596733" y="-14125"/>
+            <a:chExt cx="6999314" cy="6858000"/>
           </a:xfrm>
         </p:grpSpPr>
         <p:pic>
@@ -17395,7 +18218,7 @@
           <p:spPr>
             <a:xfrm>
               <a:off x="4743450" y="638175"/>
-              <a:ext cx="1107996" cy="369332"/>
+              <a:ext cx="1194478" cy="398159"/>
             </a:xfrm>
             <a:prstGeom prst="rect">
               <a:avLst/>
@@ -17409,14 +18232,14 @@
             <a:lstStyle/>
             <a:p>
               <a:r>
-                <a:rPr lang="zh-TW" altLang="en-US" b="1" dirty="0">
+                <a:rPr lang="zh-TW" altLang="en-US" sz="1800" b="1" dirty="0">
                   <a:latin typeface="微軟正黑體" panose="020B0604030504040204" pitchFamily="34" charset="-120"/>
                   <a:ea typeface="微軟正黑體" panose="020B0604030504040204" pitchFamily="34" charset="-120"/>
                 </a:rPr>
                 <a:t>追求</a:t>
               </a:r>
               <a:r>
-                <a:rPr lang="zh-TW" altLang="en-US" b="1" dirty="0">
+                <a:rPr lang="zh-TW" altLang="en-US" sz="1800" b="1" dirty="0">
                   <a:solidFill>
                     <a:srgbClr val="FF0000"/>
                   </a:solidFill>
@@ -17443,7 +18266,7 @@
           <p:spPr>
             <a:xfrm>
               <a:off x="6238875" y="638175"/>
-              <a:ext cx="1569660" cy="369332"/>
+              <a:ext cx="1692176" cy="398159"/>
             </a:xfrm>
             <a:prstGeom prst="rect">
               <a:avLst/>
@@ -17457,14 +18280,14 @@
             <a:lstStyle/>
             <a:p>
               <a:r>
-                <a:rPr lang="zh-TW" altLang="en-US" b="1" dirty="0">
+                <a:rPr lang="zh-TW" altLang="en-US" sz="1800" b="1" dirty="0">
                   <a:latin typeface="微軟正黑體" panose="020B0604030504040204" pitchFamily="34" charset="-120"/>
                   <a:ea typeface="微軟正黑體" panose="020B0604030504040204" pitchFamily="34" charset="-120"/>
                 </a:rPr>
                 <a:t>追求通過</a:t>
               </a:r>
               <a:r>
-                <a:rPr lang="zh-TW" altLang="en-US" b="1" dirty="0">
+                <a:rPr lang="zh-TW" altLang="en-US" sz="1800" b="1" dirty="0">
                   <a:solidFill>
                     <a:srgbClr val="FF0000"/>
                   </a:solidFill>
@@ -17491,7 +18314,7 @@
           <p:spPr>
             <a:xfrm>
               <a:off x="8195964" y="638175"/>
-              <a:ext cx="1107996" cy="369332"/>
+              <a:ext cx="1194478" cy="398159"/>
             </a:xfrm>
             <a:prstGeom prst="rect">
               <a:avLst/>
@@ -17505,14 +18328,14 @@
             <a:lstStyle/>
             <a:p>
               <a:r>
-                <a:rPr lang="zh-TW" altLang="en-US" b="1" dirty="0">
+                <a:rPr lang="zh-TW" altLang="en-US" sz="1800" b="1" dirty="0">
                   <a:latin typeface="微軟正黑體" panose="020B0604030504040204" pitchFamily="34" charset="-120"/>
                   <a:ea typeface="微軟正黑體" panose="020B0604030504040204" pitchFamily="34" charset="-120"/>
                 </a:rPr>
                 <a:t>追求</a:t>
               </a:r>
               <a:r>
-                <a:rPr lang="zh-TW" altLang="en-US" b="1" dirty="0">
+                <a:rPr lang="zh-TW" altLang="en-US" sz="1800" b="1" dirty="0">
                   <a:solidFill>
                     <a:srgbClr val="FF0000"/>
                   </a:solidFill>
@@ -17538,8 +18361,8 @@
           </p:nvSpPr>
           <p:spPr>
             <a:xfrm>
-              <a:off x="2666999" y="2047875"/>
-              <a:ext cx="1800493" cy="646331"/>
+              <a:off x="2596733" y="2047875"/>
+              <a:ext cx="1941027" cy="696779"/>
             </a:xfrm>
             <a:prstGeom prst="rect">
               <a:avLst/>
@@ -17554,7 +18377,7 @@
             <a:p>
               <a:pPr algn="ctr"/>
               <a:r>
-                <a:rPr lang="zh-TW" altLang="en-US" b="1" dirty="0">
+                <a:rPr lang="zh-TW" altLang="en-US" sz="1800" b="1" dirty="0">
                   <a:latin typeface="微軟正黑體" panose="020B0604030504040204" pitchFamily="34" charset="-120"/>
                   <a:ea typeface="微軟正黑體" panose="020B0604030504040204" pitchFamily="34" charset="-120"/>
                 </a:rPr>
@@ -17564,7 +18387,7 @@
             <a:p>
               <a:pPr algn="ctr"/>
               <a:r>
-                <a:rPr lang="zh-TW" altLang="en-US" b="1" dirty="0">
+                <a:rPr lang="zh-TW" altLang="en-US" sz="1800" b="1" dirty="0">
                   <a:solidFill>
                     <a:srgbClr val="FF0000"/>
                   </a:solidFill>
@@ -17574,7 +18397,7 @@
                 <a:t>認證與授權</a:t>
               </a:r>
               <a:r>
-                <a:rPr lang="zh-TW" altLang="en-US" b="1" dirty="0">
+                <a:rPr lang="zh-TW" altLang="en-US" sz="1800" b="1" dirty="0">
                   <a:latin typeface="微軟正黑體" panose="020B0604030504040204" pitchFamily="34" charset="-120"/>
                   <a:ea typeface="微軟正黑體" panose="020B0604030504040204" pitchFamily="34" charset="-120"/>
                 </a:rPr>
@@ -17597,8 +18420,8 @@
           </p:nvSpPr>
           <p:spPr>
             <a:xfrm>
-              <a:off x="2782416" y="3840629"/>
-              <a:ext cx="1569660" cy="646331"/>
+              <a:off x="2721159" y="3840629"/>
+              <a:ext cx="1692176" cy="696779"/>
             </a:xfrm>
             <a:prstGeom prst="rect">
               <a:avLst/>
@@ -17613,7 +18436,7 @@
             <a:p>
               <a:pPr algn="ctr"/>
               <a:r>
-                <a:rPr lang="zh-TW" altLang="en-US" b="1" dirty="0">
+                <a:rPr lang="zh-TW" altLang="en-US" sz="1800" b="1" dirty="0">
                   <a:latin typeface="微軟正黑體" panose="020B0604030504040204" pitchFamily="34" charset="-120"/>
                   <a:ea typeface="微軟正黑體" panose="020B0604030504040204" pitchFamily="34" charset="-120"/>
                 </a:rPr>
@@ -17623,7 +18446,7 @@
             <a:p>
               <a:pPr algn="ctr"/>
               <a:r>
-                <a:rPr lang="zh-TW" altLang="en-US" b="1" dirty="0">
+                <a:rPr lang="zh-TW" altLang="en-US" sz="1800" b="1" dirty="0">
                   <a:solidFill>
                     <a:srgbClr val="FF0000"/>
                   </a:solidFill>
@@ -17633,7 +18456,7 @@
                 <a:t>登入畫面</a:t>
               </a:r>
               <a:r>
-                <a:rPr lang="zh-TW" altLang="en-US" b="1" dirty="0">
+                <a:rPr lang="zh-TW" altLang="en-US" sz="1800" b="1" dirty="0">
                   <a:latin typeface="微軟正黑體" panose="020B0604030504040204" pitchFamily="34" charset="-120"/>
                   <a:ea typeface="微軟正黑體" panose="020B0604030504040204" pitchFamily="34" charset="-120"/>
                 </a:rPr>
@@ -17656,8 +18479,8 @@
           </p:nvSpPr>
           <p:spPr>
             <a:xfrm>
-              <a:off x="2782416" y="5736104"/>
-              <a:ext cx="1569660" cy="646331"/>
+              <a:off x="2721159" y="5736104"/>
+              <a:ext cx="1692176" cy="696779"/>
             </a:xfrm>
             <a:prstGeom prst="rect">
               <a:avLst/>
@@ -17672,14 +18495,14 @@
             <a:p>
               <a:pPr algn="ctr"/>
               <a:r>
-                <a:rPr lang="zh-TW" altLang="en-US" b="1" dirty="0">
+                <a:rPr lang="zh-TW" altLang="en-US" sz="1800" b="1" dirty="0">
                   <a:latin typeface="微軟正黑體" panose="020B0604030504040204" pitchFamily="34" charset="-120"/>
                   <a:ea typeface="微軟正黑體" panose="020B0604030504040204" pitchFamily="34" charset="-120"/>
                 </a:rPr>
                 <a:t>能一次</a:t>
               </a:r>
               <a:r>
-                <a:rPr lang="zh-TW" altLang="en-US" b="1" dirty="0">
+                <a:rPr lang="zh-TW" altLang="en-US" sz="1800" b="1" dirty="0">
                   <a:solidFill>
                     <a:srgbClr val="FF0000"/>
                   </a:solidFill>
@@ -17692,7 +18515,7 @@
             <a:p>
               <a:pPr algn="ctr"/>
               <a:r>
-                <a:rPr lang="zh-TW" altLang="en-US" b="1" dirty="0">
+                <a:rPr lang="zh-TW" altLang="en-US" sz="1800" b="1" dirty="0">
                   <a:latin typeface="微軟正黑體" panose="020B0604030504040204" pitchFamily="34" charset="-120"/>
                   <a:ea typeface="微軟正黑體" panose="020B0604030504040204" pitchFamily="34" charset="-120"/>
                 </a:rPr>
@@ -17715,8 +18538,8 @@
           </p:nvSpPr>
           <p:spPr>
             <a:xfrm>
-              <a:off x="4633643" y="1805924"/>
-              <a:ext cx="1327608" cy="646331"/>
+              <a:off x="4578374" y="1805924"/>
+              <a:ext cx="1438144" cy="696779"/>
             </a:xfrm>
             <a:prstGeom prst="rect">
               <a:avLst/>
@@ -17731,7 +18554,7 @@
             <a:p>
               <a:pPr algn="ctr"/>
               <a:r>
-                <a:rPr lang="en-US" altLang="zh-TW" b="1" dirty="0">
+                <a:rPr lang="en-US" altLang="zh-TW" sz="1800" b="1" dirty="0">
                   <a:solidFill>
                     <a:srgbClr val="FF0000"/>
                   </a:solidFill>
@@ -17744,20 +18567,20 @@
             <a:p>
               <a:pPr algn="ctr"/>
               <a:r>
-                <a:rPr lang="zh-TW" altLang="en-US" b="1" dirty="0">
+                <a:rPr lang="zh-TW" altLang="en-US" sz="1800" b="1" dirty="0">
                   <a:latin typeface="微軟正黑體" panose="020B0604030504040204" pitchFamily="34" charset="-120"/>
                   <a:ea typeface="微軟正黑體" panose="020B0604030504040204" pitchFamily="34" charset="-120"/>
                 </a:rPr>
                 <a:t>是一種</a:t>
               </a:r>
               <a:r>
-                <a:rPr lang="en-US" altLang="zh-TW" b="1" dirty="0">
+                <a:rPr lang="en-US" altLang="zh-TW" sz="1800" b="1" dirty="0">
                   <a:latin typeface="微軟正黑體" panose="020B0604030504040204" pitchFamily="34" charset="-120"/>
                   <a:ea typeface="微軟正黑體" panose="020B0604030504040204" pitchFamily="34" charset="-120"/>
                 </a:rPr>
                 <a:t>SSO</a:t>
               </a:r>
-              <a:endParaRPr lang="zh-TW" altLang="en-US" b="1" dirty="0">
+              <a:endParaRPr lang="zh-TW" altLang="en-US" sz="1800" b="1" dirty="0">
                 <a:latin typeface="微軟正黑體" panose="020B0604030504040204" pitchFamily="34" charset="-120"/>
                 <a:ea typeface="微軟正黑體" panose="020B0604030504040204" pitchFamily="34" charset="-120"/>
               </a:endParaRPr>
@@ -17778,8 +18601,8 @@
           </p:nvSpPr>
           <p:spPr>
             <a:xfrm>
-              <a:off x="6238876" y="1805924"/>
-              <a:ext cx="1569660" cy="646331"/>
+              <a:off x="6177618" y="1805924"/>
+              <a:ext cx="1692176" cy="696779"/>
             </a:xfrm>
             <a:prstGeom prst="rect">
               <a:avLst/>
@@ -17794,7 +18617,7 @@
             <a:p>
               <a:pPr algn="ctr"/>
               <a:r>
-                <a:rPr lang="en-US" altLang="zh-TW" b="1" dirty="0" err="1">
+                <a:rPr lang="en-US" altLang="zh-TW" sz="1800" b="1" dirty="0" err="1">
                   <a:solidFill>
                     <a:srgbClr val="FF0000"/>
                   </a:solidFill>
@@ -17803,7 +18626,7 @@
                 </a:rPr>
                 <a:t>WindowsAD</a:t>
               </a:r>
-              <a:endParaRPr lang="en-US" altLang="zh-TW" b="1" dirty="0">
+              <a:endParaRPr lang="en-US" altLang="zh-TW" sz="1800" b="1" dirty="0">
                 <a:solidFill>
                   <a:srgbClr val="FF0000"/>
                 </a:solidFill>
@@ -17814,20 +18637,20 @@
             <a:p>
               <a:pPr algn="ctr"/>
               <a:r>
-                <a:rPr lang="zh-TW" altLang="en-US" b="1" dirty="0">
+                <a:rPr lang="zh-TW" altLang="en-US" sz="1800" b="1" dirty="0">
                   <a:latin typeface="微軟正黑體" panose="020B0604030504040204" pitchFamily="34" charset="-120"/>
                   <a:ea typeface="微軟正黑體" panose="020B0604030504040204" pitchFamily="34" charset="-120"/>
                 </a:rPr>
                 <a:t>是一種</a:t>
               </a:r>
               <a:r>
-                <a:rPr lang="en-US" altLang="zh-TW" b="1" dirty="0">
+                <a:rPr lang="en-US" altLang="zh-TW" sz="1800" b="1" dirty="0">
                   <a:latin typeface="微軟正黑體" panose="020B0604030504040204" pitchFamily="34" charset="-120"/>
                   <a:ea typeface="微軟正黑體" panose="020B0604030504040204" pitchFamily="34" charset="-120"/>
                 </a:rPr>
                 <a:t>SSO</a:t>
               </a:r>
-              <a:endParaRPr lang="zh-TW" altLang="en-US" b="1" dirty="0">
+              <a:endParaRPr lang="zh-TW" altLang="en-US" sz="1800" b="1" dirty="0">
                 <a:latin typeface="微軟正黑體" panose="020B0604030504040204" pitchFamily="34" charset="-120"/>
                 <a:ea typeface="微軟正黑體" panose="020B0604030504040204" pitchFamily="34" charset="-120"/>
               </a:endParaRPr>
@@ -17848,8 +18671,8 @@
           </p:nvSpPr>
           <p:spPr>
             <a:xfrm>
-              <a:off x="8018832" y="1805924"/>
-              <a:ext cx="1462260" cy="646331"/>
+              <a:off x="7961766" y="1805924"/>
+              <a:ext cx="1576393" cy="696779"/>
             </a:xfrm>
             <a:prstGeom prst="rect">
               <a:avLst/>
@@ -17864,7 +18687,7 @@
             <a:p>
               <a:pPr algn="ctr"/>
               <a:r>
-                <a:rPr lang="en-US" altLang="zh-TW" b="1" dirty="0">
+                <a:rPr lang="en-US" altLang="zh-TW" sz="1800" b="1" dirty="0">
                   <a:solidFill>
                     <a:srgbClr val="FF0000"/>
                   </a:solidFill>
@@ -17874,7 +18697,7 @@
                 <a:t>Google</a:t>
               </a:r>
               <a:r>
-                <a:rPr lang="zh-TW" altLang="en-US" b="1" dirty="0">
+                <a:rPr lang="zh-TW" altLang="en-US" sz="1800" b="1" dirty="0">
                   <a:solidFill>
                     <a:srgbClr val="FF0000"/>
                   </a:solidFill>
@@ -17887,20 +18710,20 @@
             <a:p>
               <a:pPr algn="ctr"/>
               <a:r>
-                <a:rPr lang="zh-TW" altLang="en-US" b="1" dirty="0">
+                <a:rPr lang="zh-TW" altLang="en-US" sz="1800" b="1" dirty="0">
                   <a:latin typeface="微軟正黑體" panose="020B0604030504040204" pitchFamily="34" charset="-120"/>
                   <a:ea typeface="微軟正黑體" panose="020B0604030504040204" pitchFamily="34" charset="-120"/>
                 </a:rPr>
                 <a:t>是一種</a:t>
               </a:r>
               <a:r>
-                <a:rPr lang="en-US" altLang="zh-TW" b="1" dirty="0">
+                <a:rPr lang="en-US" altLang="zh-TW" sz="1800" b="1" dirty="0">
                   <a:latin typeface="微軟正黑體" panose="020B0604030504040204" pitchFamily="34" charset="-120"/>
                   <a:ea typeface="微軟正黑體" panose="020B0604030504040204" pitchFamily="34" charset="-120"/>
                 </a:rPr>
                 <a:t>SSO</a:t>
               </a:r>
-              <a:endParaRPr lang="zh-TW" altLang="en-US" b="1" dirty="0">
+              <a:endParaRPr lang="zh-TW" altLang="en-US" sz="1800" b="1" dirty="0">
                 <a:latin typeface="微軟正黑體" panose="020B0604030504040204" pitchFamily="34" charset="-120"/>
                 <a:ea typeface="微軟正黑體" panose="020B0604030504040204" pitchFamily="34" charset="-120"/>
               </a:endParaRPr>
@@ -17921,8 +18744,8 @@
           </p:nvSpPr>
           <p:spPr>
             <a:xfrm>
-              <a:off x="4633643" y="3611848"/>
-              <a:ext cx="1327608" cy="646331"/>
+              <a:off x="4578375" y="3611848"/>
+              <a:ext cx="1438144" cy="696779"/>
             </a:xfrm>
             <a:prstGeom prst="rect">
               <a:avLst/>
@@ -17937,7 +18760,7 @@
             <a:p>
               <a:pPr algn="ctr"/>
               <a:r>
-                <a:rPr lang="en-US" altLang="zh-TW" b="1" dirty="0" err="1">
+                <a:rPr lang="en-US" altLang="zh-TW" sz="1800" b="1" dirty="0" err="1">
                   <a:solidFill>
                     <a:srgbClr val="FF0000"/>
                   </a:solidFill>
@@ -17946,7 +18769,7 @@
                 </a:rPr>
                 <a:t>FaceID</a:t>
               </a:r>
-              <a:endParaRPr lang="en-US" altLang="zh-TW" b="1" dirty="0">
+              <a:endParaRPr lang="en-US" altLang="zh-TW" sz="1800" b="1" dirty="0">
                 <a:solidFill>
                   <a:srgbClr val="FF0000"/>
                 </a:solidFill>
@@ -17957,20 +18780,20 @@
             <a:p>
               <a:pPr algn="ctr"/>
               <a:r>
-                <a:rPr lang="zh-TW" altLang="en-US" b="1" dirty="0">
+                <a:rPr lang="zh-TW" altLang="en-US" sz="1800" b="1" dirty="0">
                   <a:latin typeface="微軟正黑體" panose="020B0604030504040204" pitchFamily="34" charset="-120"/>
                   <a:ea typeface="微軟正黑體" panose="020B0604030504040204" pitchFamily="34" charset="-120"/>
                 </a:rPr>
                 <a:t>是一種</a:t>
               </a:r>
               <a:r>
-                <a:rPr lang="en-US" altLang="zh-TW" b="1" dirty="0">
+                <a:rPr lang="en-US" altLang="zh-TW" sz="1800" b="1" dirty="0">
                   <a:latin typeface="微軟正黑體" panose="020B0604030504040204" pitchFamily="34" charset="-120"/>
                   <a:ea typeface="微軟正黑體" panose="020B0604030504040204" pitchFamily="34" charset="-120"/>
                 </a:rPr>
                 <a:t>SSO</a:t>
               </a:r>
-              <a:endParaRPr lang="zh-TW" altLang="en-US" b="1" dirty="0">
+              <a:endParaRPr lang="zh-TW" altLang="en-US" sz="1800" b="1" dirty="0">
                 <a:latin typeface="微軟正黑體" panose="020B0604030504040204" pitchFamily="34" charset="-120"/>
                 <a:ea typeface="微軟正黑體" panose="020B0604030504040204" pitchFamily="34" charset="-120"/>
               </a:endParaRPr>
@@ -17991,8 +18814,8 @@
           </p:nvSpPr>
           <p:spPr>
             <a:xfrm>
-              <a:off x="6359901" y="3609588"/>
-              <a:ext cx="1327608" cy="646331"/>
+              <a:off x="6304634" y="3609588"/>
+              <a:ext cx="1438144" cy="696779"/>
             </a:xfrm>
             <a:prstGeom prst="rect">
               <a:avLst/>
@@ -18007,7 +18830,7 @@
             <a:p>
               <a:pPr algn="ctr"/>
               <a:r>
-                <a:rPr lang="en-US" altLang="zh-TW" b="1" dirty="0">
+                <a:rPr lang="en-US" altLang="zh-TW" sz="1800" b="1" dirty="0">
                   <a:solidFill>
                     <a:srgbClr val="FF0000"/>
                   </a:solidFill>
@@ -18016,7 +18839,7 @@
                 </a:rPr>
                 <a:t>OpenVPN</a:t>
               </a:r>
-              <a:endParaRPr lang="zh-TW" altLang="en-US" b="1" dirty="0">
+              <a:endParaRPr lang="zh-TW" altLang="en-US" sz="1800" b="1" dirty="0">
                 <a:solidFill>
                   <a:srgbClr val="FF0000"/>
                 </a:solidFill>
@@ -18027,20 +18850,20 @@
             <a:p>
               <a:pPr algn="ctr"/>
               <a:r>
-                <a:rPr lang="zh-TW" altLang="en-US" b="1" dirty="0">
+                <a:rPr lang="zh-TW" altLang="en-US" sz="1800" b="1" dirty="0">
                   <a:latin typeface="微軟正黑體" panose="020B0604030504040204" pitchFamily="34" charset="-120"/>
                   <a:ea typeface="微軟正黑體" panose="020B0604030504040204" pitchFamily="34" charset="-120"/>
                 </a:rPr>
                 <a:t>是一種</a:t>
               </a:r>
               <a:r>
-                <a:rPr lang="en-US" altLang="zh-TW" b="1" dirty="0">
+                <a:rPr lang="en-US" altLang="zh-TW" sz="1800" b="1" dirty="0">
                   <a:latin typeface="微軟正黑體" panose="020B0604030504040204" pitchFamily="34" charset="-120"/>
                   <a:ea typeface="微軟正黑體" panose="020B0604030504040204" pitchFamily="34" charset="-120"/>
                 </a:rPr>
                 <a:t>SSO</a:t>
               </a:r>
-              <a:endParaRPr lang="zh-TW" altLang="en-US" b="1" dirty="0">
+              <a:endParaRPr lang="zh-TW" altLang="en-US" sz="1800" b="1" dirty="0">
                 <a:latin typeface="微軟正黑體" panose="020B0604030504040204" pitchFamily="34" charset="-120"/>
                 <a:ea typeface="微軟正黑體" panose="020B0604030504040204" pitchFamily="34" charset="-120"/>
               </a:endParaRPr>
@@ -18061,8 +18884,8 @@
           </p:nvSpPr>
           <p:spPr>
             <a:xfrm>
-              <a:off x="8086157" y="3609588"/>
-              <a:ext cx="1327608" cy="646331"/>
+              <a:off x="8071501" y="3609588"/>
+              <a:ext cx="1356921" cy="696779"/>
             </a:xfrm>
             <a:prstGeom prst="rect">
               <a:avLst/>
@@ -18077,33 +18900,50 @@
             <a:p>
               <a:pPr algn="ctr"/>
               <a:r>
-                <a:rPr lang="zh-TW" altLang="en-US" b="1" dirty="0">
+                <a:rPr lang="zh-TW" altLang="en-US" sz="1800" b="1" dirty="0">
                   <a:solidFill>
                     <a:srgbClr val="FF0000"/>
                   </a:solidFill>
                   <a:latin typeface="微軟正黑體" panose="020B0604030504040204" pitchFamily="34" charset="-120"/>
                   <a:ea typeface="微軟正黑體" panose="020B0604030504040204" pitchFamily="34" charset="-120"/>
                 </a:rPr>
-                <a:t>門禁卡</a:t>
+                <a:t>門禁</a:t>
+              </a:r>
+              <a:r>
+                <a:rPr lang="zh-TW" altLang="en-US" sz="1600" b="1" dirty="0">
+                  <a:solidFill>
+                    <a:srgbClr val="FF0000"/>
+                  </a:solidFill>
+                  <a:latin typeface="微軟正黑體" panose="020B0604030504040204" pitchFamily="34" charset="-120"/>
+                  <a:ea typeface="微軟正黑體" panose="020B0604030504040204" pitchFamily="34" charset="-120"/>
+                </a:rPr>
+                <a:t>卡</a:t>
               </a:r>
             </a:p>
             <a:p>
               <a:pPr algn="ctr"/>
               <a:r>
-                <a:rPr lang="zh-TW" altLang="en-US" b="1" dirty="0">
+                <a:rPr lang="zh-TW" altLang="en-US" sz="1600" b="1" dirty="0">
                   <a:latin typeface="微軟正黑體" panose="020B0604030504040204" pitchFamily="34" charset="-120"/>
                   <a:ea typeface="微軟正黑體" panose="020B0604030504040204" pitchFamily="34" charset="-120"/>
                 </a:rPr>
-                <a:t>是一種</a:t>
+                <a:t>是</a:t>
               </a:r>
               <a:r>
-                <a:rPr lang="en-US" altLang="zh-TW" b="1" dirty="0">
+                <a:rPr lang="zh-TW" altLang="en-US" sz="1800" b="1" dirty="0">
+                  <a:latin typeface="微軟正黑體" panose="020B0604030504040204" pitchFamily="34" charset="-120"/>
+                  <a:ea typeface="微軟正黑體" panose="020B0604030504040204" pitchFamily="34" charset="-120"/>
+                </a:rPr>
+                <a:t>一種</a:t>
+              </a:r>
+              <a:r>
+                <a:rPr lang="en-US" altLang="zh-TW" sz="1600" b="1" dirty="0">
                   <a:latin typeface="微軟正黑體" panose="020B0604030504040204" pitchFamily="34" charset="-120"/>
                   <a:ea typeface="微軟正黑體" panose="020B0604030504040204" pitchFamily="34" charset="-120"/>
                 </a:rPr>
                 <a:t>SSO</a:t>
               </a:r>
-              <a:endParaRPr lang="zh-TW" altLang="en-US" b="1" dirty="0">
+              <a:endParaRPr lang="zh-TW" altLang="en-US" sz="1600" b="1" dirty="0">
                 <a:latin typeface="微軟正黑體" panose="020B0604030504040204" pitchFamily="34" charset="-120"/>
                 <a:ea typeface="微軟正黑體" panose="020B0604030504040204" pitchFamily="34" charset="-120"/>
               </a:endParaRPr>
@@ -18124,8 +18964,8 @@
           </p:nvSpPr>
           <p:spPr>
             <a:xfrm>
-              <a:off x="4633643" y="5543163"/>
-              <a:ext cx="1327608" cy="646331"/>
+              <a:off x="4578375" y="5543163"/>
+              <a:ext cx="1438144" cy="696779"/>
             </a:xfrm>
             <a:prstGeom prst="rect">
               <a:avLst/>
@@ -18140,7 +18980,7 @@
             <a:p>
               <a:pPr algn="ctr"/>
               <a:r>
-                <a:rPr lang="zh-TW" altLang="en-US" b="1" dirty="0">
+                <a:rPr lang="zh-TW" altLang="en-US" sz="1800" b="1" dirty="0">
                   <a:solidFill>
                     <a:srgbClr val="FF0000"/>
                   </a:solidFill>
@@ -18153,20 +18993,20 @@
             <a:p>
               <a:pPr algn="ctr"/>
               <a:r>
-                <a:rPr lang="zh-TW" altLang="en-US" b="1" dirty="0">
+                <a:rPr lang="zh-TW" altLang="en-US" sz="1800" b="1" dirty="0">
                   <a:latin typeface="微軟正黑體" panose="020B0604030504040204" pitchFamily="34" charset="-120"/>
                   <a:ea typeface="微軟正黑體" panose="020B0604030504040204" pitchFamily="34" charset="-120"/>
                 </a:rPr>
                 <a:t>是一種</a:t>
               </a:r>
               <a:r>
-                <a:rPr lang="en-US" altLang="zh-TW" b="1" dirty="0">
+                <a:rPr lang="en-US" altLang="zh-TW" sz="1800" b="1" dirty="0">
                   <a:latin typeface="微軟正黑體" panose="020B0604030504040204" pitchFamily="34" charset="-120"/>
                   <a:ea typeface="微軟正黑體" panose="020B0604030504040204" pitchFamily="34" charset="-120"/>
                 </a:rPr>
                 <a:t>SSO</a:t>
               </a:r>
-              <a:endParaRPr lang="zh-TW" altLang="en-US" b="1" dirty="0">
+              <a:endParaRPr lang="zh-TW" altLang="en-US" sz="1800" b="1" dirty="0">
                 <a:latin typeface="微軟正黑體" panose="020B0604030504040204" pitchFamily="34" charset="-120"/>
                 <a:ea typeface="微軟正黑體" panose="020B0604030504040204" pitchFamily="34" charset="-120"/>
               </a:endParaRPr>
@@ -18187,8 +19027,8 @@
           </p:nvSpPr>
           <p:spPr>
             <a:xfrm>
-              <a:off x="7965129" y="5404663"/>
-              <a:ext cx="1569661" cy="923330"/>
+              <a:off x="7903871" y="5404663"/>
+              <a:ext cx="1692176" cy="995398"/>
             </a:xfrm>
             <a:prstGeom prst="rect">
               <a:avLst/>
@@ -18203,7 +19043,7 @@
             <a:p>
               <a:pPr algn="ctr"/>
               <a:r>
-                <a:rPr lang="zh-TW" altLang="en-US" b="1" dirty="0">
+                <a:rPr lang="zh-TW" altLang="en-US" sz="1800" b="1" dirty="0">
                   <a:latin typeface="微軟正黑體" panose="020B0604030504040204" pitchFamily="34" charset="-120"/>
                   <a:ea typeface="微軟正黑體" panose="020B0604030504040204" pitchFamily="34" charset="-120"/>
                 </a:rPr>
@@ -18213,7 +19053,7 @@
             <a:p>
               <a:pPr algn="ctr"/>
               <a:r>
-                <a:rPr lang="zh-TW" altLang="en-US" b="1" dirty="0">
+                <a:rPr lang="zh-TW" altLang="en-US" sz="1800" b="1" dirty="0">
                   <a:solidFill>
                     <a:srgbClr val="FF0000"/>
                   </a:solidFill>
@@ -18226,20 +19066,20 @@
             <a:p>
               <a:pPr algn="ctr"/>
               <a:r>
-                <a:rPr lang="zh-TW" altLang="en-US" b="1" dirty="0">
+                <a:rPr lang="zh-TW" altLang="en-US" sz="1800" b="1" dirty="0">
                   <a:latin typeface="微軟正黑體" panose="020B0604030504040204" pitchFamily="34" charset="-120"/>
                   <a:ea typeface="微軟正黑體" panose="020B0604030504040204" pitchFamily="34" charset="-120"/>
                 </a:rPr>
                 <a:t>是一種</a:t>
               </a:r>
               <a:r>
-                <a:rPr lang="en-US" altLang="zh-TW" b="1" dirty="0">
+                <a:rPr lang="en-US" altLang="zh-TW" sz="1800" b="1" dirty="0">
                   <a:latin typeface="微軟正黑體" panose="020B0604030504040204" pitchFamily="34" charset="-120"/>
                   <a:ea typeface="微軟正黑體" panose="020B0604030504040204" pitchFamily="34" charset="-120"/>
                 </a:rPr>
                 <a:t>SSO</a:t>
               </a:r>
-              <a:endParaRPr lang="zh-TW" altLang="en-US" b="1" dirty="0">
+              <a:endParaRPr lang="zh-TW" altLang="en-US" sz="1800" b="1" dirty="0">
                 <a:latin typeface="微軟正黑體" panose="020B0604030504040204" pitchFamily="34" charset="-120"/>
                 <a:ea typeface="微軟正黑體" panose="020B0604030504040204" pitchFamily="34" charset="-120"/>
               </a:endParaRPr>
@@ -18260,8 +19100,8 @@
           </p:nvSpPr>
           <p:spPr>
             <a:xfrm>
-              <a:off x="6029492" y="5404663"/>
-              <a:ext cx="2000869" cy="923330"/>
+              <a:off x="6232225" y="5404663"/>
+              <a:ext cx="1595401" cy="995398"/>
             </a:xfrm>
             <a:prstGeom prst="rect">
               <a:avLst/>
@@ -18276,21 +19116,7 @@
             <a:p>
               <a:pPr algn="ctr"/>
               <a:r>
-                <a:rPr lang="zh-TW" altLang="en-US" b="1" dirty="0">
-                  <a:latin typeface="微軟正黑體" panose="020B0604030504040204" pitchFamily="34" charset="-120"/>
-                  <a:ea typeface="微軟正黑體" panose="020B0604030504040204" pitchFamily="34" charset="-120"/>
-                </a:rPr>
-                <a:t>帳號</a:t>
-              </a:r>
-              <a:r>
-                <a:rPr lang="en-US" altLang="zh-TW" b="1" dirty="0">
-                  <a:latin typeface="微軟正黑體" panose="020B0604030504040204" pitchFamily="34" charset="-120"/>
-                  <a:ea typeface="微軟正黑體" panose="020B0604030504040204" pitchFamily="34" charset="-120"/>
-                </a:rPr>
-                <a:t>:</a:t>
-              </a:r>
-              <a:r>
-                <a:rPr lang="en-US" altLang="zh-TW" b="1" dirty="0">
+                <a:rPr lang="en-US" altLang="zh-TW" sz="1800" b="1" dirty="0">
                   <a:solidFill>
                     <a:srgbClr val="FF0000"/>
                   </a:solidFill>
@@ -18303,21 +19129,7 @@
             <a:p>
               <a:pPr algn="ctr"/>
               <a:r>
-                <a:rPr lang="zh-TW" altLang="en-US" b="1" dirty="0">
-                  <a:latin typeface="微軟正黑體" panose="020B0604030504040204" pitchFamily="34" charset="-120"/>
-                  <a:ea typeface="微軟正黑體" panose="020B0604030504040204" pitchFamily="34" charset="-120"/>
-                </a:rPr>
-                <a:t>密碼</a:t>
-              </a:r>
-              <a:r>
-                <a:rPr lang="en-US" altLang="zh-TW" b="1" dirty="0">
-                  <a:latin typeface="微軟正黑體" panose="020B0604030504040204" pitchFamily="34" charset="-120"/>
-                  <a:ea typeface="微軟正黑體" panose="020B0604030504040204" pitchFamily="34" charset="-120"/>
-                </a:rPr>
-                <a:t>:</a:t>
-              </a:r>
-              <a:r>
-                <a:rPr lang="en-US" altLang="zh-TW" b="1" dirty="0">
+                <a:rPr lang="en-US" altLang="zh-TW" sz="1800" b="1" dirty="0">
                   <a:solidFill>
                     <a:srgbClr val="FF0000"/>
                   </a:solidFill>
@@ -18330,20 +19142,20 @@
             <a:p>
               <a:pPr algn="ctr"/>
               <a:r>
-                <a:rPr lang="zh-TW" altLang="en-US" b="1" dirty="0">
+                <a:rPr lang="zh-TW" altLang="en-US" sz="1800" b="1" dirty="0">
                   <a:latin typeface="微軟正黑體" panose="020B0604030504040204" pitchFamily="34" charset="-120"/>
                   <a:ea typeface="微軟正黑體" panose="020B0604030504040204" pitchFamily="34" charset="-120"/>
                 </a:rPr>
                 <a:t>是一種</a:t>
               </a:r>
               <a:r>
-                <a:rPr lang="en-US" altLang="zh-TW" b="1" dirty="0">
+                <a:rPr lang="en-US" altLang="zh-TW" sz="1800" b="1" dirty="0">
                   <a:latin typeface="微軟正黑體" panose="020B0604030504040204" pitchFamily="34" charset="-120"/>
                   <a:ea typeface="微軟正黑體" panose="020B0604030504040204" pitchFamily="34" charset="-120"/>
                 </a:rPr>
                 <a:t>SSO</a:t>
               </a:r>
-              <a:endParaRPr lang="zh-TW" altLang="en-US" b="1" dirty="0">
+              <a:endParaRPr lang="zh-TW" altLang="en-US" sz="1800" b="1" dirty="0">
                 <a:latin typeface="微軟正黑體" panose="020B0604030504040204" pitchFamily="34" charset="-120"/>
                 <a:ea typeface="微軟正黑體" panose="020B0604030504040204" pitchFamily="34" charset="-120"/>
               </a:endParaRPr>
@@ -18405,7 +19217,7 @@
 </p:sld>
 </file>
 
-<file path=ppt/slides/slide6.xml><?xml version="1.0" encoding="utf-8"?>
+<file path=ppt/slides/slide7.xml><?xml version="1.0" encoding="utf-8"?>
 <p:sld xmlns:a="http://schemas.openxmlformats.org/drawingml/2006/main" xmlns:r="http://schemas.openxmlformats.org/officeDocument/2006/relationships" xmlns:p="http://schemas.openxmlformats.org/presentationml/2006/main">
   <p:cSld>
     <p:spTree>
@@ -20571,7 +21383,7 @@
 </p:sld>
 </file>
 
-<file path=ppt/slides/slide7.xml><?xml version="1.0" encoding="utf-8"?>
+<file path=ppt/slides/slide8.xml><?xml version="1.0" encoding="utf-8"?>
 <p:sld xmlns:a="http://schemas.openxmlformats.org/drawingml/2006/main" xmlns:r="http://schemas.openxmlformats.org/officeDocument/2006/relationships" xmlns:p="http://schemas.openxmlformats.org/presentationml/2006/main">
   <p:cSld>
     <p:spTree>
@@ -20595,14 +21407,10 @@
             <a:spLocks noGrp="1"/>
           </p:cNvSpPr>
           <p:nvPr>
-            <p:ph type="title"/>
+            <p:ph type="ctrTitle"/>
           </p:nvPr>
         </p:nvSpPr>
         <p:spPr>
-          <a:xfrm>
-            <a:off x="311700" y="2132075"/>
-            <a:ext cx="8520600" cy="1122300"/>
-          </a:xfrm>
           <a:prstGeom prst="rect">
             <a:avLst/>
           </a:prstGeom>
@@ -20627,56 +21435,6 @@
               <a:t>事前評估</a:t>
             </a:r>
             <a:endParaRPr sz="4000" dirty="0"/>
-          </a:p>
-        </p:txBody>
-      </p:sp>
-      <p:sp>
-        <p:nvSpPr>
-          <p:cNvPr id="41" name="Google Shape;41;p7"/>
-          <p:cNvSpPr txBox="1">
-            <a:spLocks noGrp="1"/>
-          </p:cNvSpPr>
-          <p:nvPr>
-            <p:ph type="subTitle" idx="1"/>
-          </p:nvPr>
-        </p:nvSpPr>
-        <p:spPr>
-          <a:xfrm>
-            <a:off x="311700" y="3254375"/>
-            <a:ext cx="8520600" cy="1056900"/>
-          </a:xfrm>
-          <a:prstGeom prst="rect">
-            <a:avLst/>
-          </a:prstGeom>
-        </p:spPr>
-        <p:txBody>
-          <a:bodyPr spcFirstLastPara="1" wrap="square" lIns="91425" tIns="91425" rIns="91425" bIns="91425" anchor="t" anchorCtr="0">
-            <a:normAutofit/>
-          </a:bodyPr>
-          <a:lstStyle/>
-          <a:p>
-            <a:pPr marL="0" lvl="0" indent="0" algn="ctr" rtl="0">
-              <a:spcBef>
-                <a:spcPts val="0"/>
-              </a:spcBef>
-              <a:spcAft>
-                <a:spcPts val="0"/>
-              </a:spcAft>
-              <a:buNone/>
-            </a:pPr>
-            <a:r>
-              <a:rPr lang="zh-TW" altLang="en-US" sz="2800" dirty="0"/>
-              <a:t>開始串接</a:t>
-            </a:r>
-            <a:r>
-              <a:rPr lang="en-US" altLang="zh-TW" sz="2800" dirty="0"/>
-              <a:t>SSO</a:t>
-            </a:r>
-            <a:r>
-              <a:rPr lang="zh-TW" altLang="en-US" sz="2800" dirty="0"/>
-              <a:t>的前置作業</a:t>
-            </a:r>
-            <a:endParaRPr sz="2800" dirty="0"/>
           </a:p>
         </p:txBody>
       </p:sp>
@@ -20684,236 +21442,6 @@
     <p:extLst>
       <p:ext uri="{BB962C8B-B14F-4D97-AF65-F5344CB8AC3E}">
         <p14:creationId xmlns:p14="http://schemas.microsoft.com/office/powerpoint/2010/main" val="586449322"/>
-      </p:ext>
-    </p:extLst>
-  </p:cSld>
-  <p:clrMapOvr>
-    <a:masterClrMapping/>
-  </p:clrMapOvr>
-</p:sld>
-</file>
-
-<file path=ppt/slides/slide8.xml><?xml version="1.0" encoding="utf-8"?>
-<p:sld xmlns:a="http://schemas.openxmlformats.org/drawingml/2006/main" xmlns:r="http://schemas.openxmlformats.org/officeDocument/2006/relationships" xmlns:p="http://schemas.openxmlformats.org/presentationml/2006/main">
-  <p:cSld>
-    <p:spTree>
-      <p:nvGrpSpPr>
-        <p:cNvPr id="1" name="Shape 45"/>
-        <p:cNvGrpSpPr/>
-        <p:nvPr/>
-      </p:nvGrpSpPr>
-      <p:grpSpPr>
-        <a:xfrm>
-          <a:off x="0" y="0"/>
-          <a:ext cx="0" cy="0"/>
-          <a:chOff x="0" y="0"/>
-          <a:chExt cx="0" cy="0"/>
-        </a:xfrm>
-      </p:grpSpPr>
-      <p:sp>
-        <p:nvSpPr>
-          <p:cNvPr id="46" name="Google Shape;46;p8"/>
-          <p:cNvSpPr txBox="1">
-            <a:spLocks noGrp="1"/>
-          </p:cNvSpPr>
-          <p:nvPr>
-            <p:ph type="title"/>
-          </p:nvPr>
-        </p:nvSpPr>
-        <p:spPr>
-          <a:xfrm>
-            <a:off x="311700" y="593367"/>
-            <a:ext cx="8520600" cy="763500"/>
-          </a:xfrm>
-          <a:prstGeom prst="rect">
-            <a:avLst/>
-          </a:prstGeom>
-        </p:spPr>
-        <p:txBody>
-          <a:bodyPr spcFirstLastPara="1" wrap="square" lIns="91425" tIns="91425" rIns="91425" bIns="91425" anchor="t" anchorCtr="0">
-            <a:normAutofit/>
-          </a:bodyPr>
-          <a:lstStyle/>
-          <a:p>
-            <a:pPr marL="0" lvl="0" indent="0" algn="l" rtl="0">
-              <a:spcBef>
-                <a:spcPts val="0"/>
-              </a:spcBef>
-              <a:spcAft>
-                <a:spcPts val="0"/>
-              </a:spcAft>
-              <a:buNone/>
-            </a:pPr>
-            <a:r>
-              <a:rPr lang="zh-TW" altLang="en-US" sz="3600" dirty="0"/>
-              <a:t>使用哪種</a:t>
-            </a:r>
-            <a:r>
-              <a:rPr lang="en-US" altLang="zh-TW" sz="3600" dirty="0"/>
-              <a:t>SSO</a:t>
-            </a:r>
-            <a:r>
-              <a:rPr lang="zh-TW" altLang="en-US" sz="3600" dirty="0"/>
-              <a:t>形式</a:t>
-            </a:r>
-            <a:r>
-              <a:rPr lang="en-US" altLang="zh-TW" sz="3600" dirty="0"/>
-              <a:t>?</a:t>
-            </a:r>
-            <a:endParaRPr sz="3600" dirty="0"/>
-          </a:p>
-        </p:txBody>
-      </p:sp>
-      <p:sp>
-        <p:nvSpPr>
-          <p:cNvPr id="47" name="Google Shape;47;p8"/>
-          <p:cNvSpPr txBox="1">
-            <a:spLocks noGrp="1"/>
-          </p:cNvSpPr>
-          <p:nvPr>
-            <p:ph type="body" idx="1"/>
-          </p:nvPr>
-        </p:nvSpPr>
-        <p:spPr>
-          <a:xfrm>
-            <a:off x="311700" y="1536633"/>
-            <a:ext cx="8520600" cy="4555200"/>
-          </a:xfrm>
-          <a:prstGeom prst="rect">
-            <a:avLst/>
-          </a:prstGeom>
-        </p:spPr>
-        <p:txBody>
-          <a:bodyPr spcFirstLastPara="1" wrap="square" lIns="91425" tIns="91425" rIns="91425" bIns="91425" anchor="t" anchorCtr="0">
-            <a:normAutofit/>
-          </a:bodyPr>
-          <a:lstStyle/>
-          <a:p>
-            <a:pPr indent="-457200">
-              <a:spcAft>
-                <a:spcPts val="1200"/>
-              </a:spcAft>
-            </a:pPr>
-            <a:r>
-              <a:rPr lang="en-US" altLang="zh-TW" sz="3200" dirty="0"/>
-              <a:t>OIDC</a:t>
-            </a:r>
-          </a:p>
-          <a:p>
-            <a:pPr indent="-457200">
-              <a:spcAft>
-                <a:spcPts val="1200"/>
-              </a:spcAft>
-            </a:pPr>
-            <a:r>
-              <a:rPr lang="en-US" altLang="zh-TW" sz="3200" dirty="0"/>
-              <a:t>OAuth2</a:t>
-            </a:r>
-          </a:p>
-          <a:p>
-            <a:pPr indent="-457200">
-              <a:spcAft>
-                <a:spcPts val="1200"/>
-              </a:spcAft>
-            </a:pPr>
-            <a:r>
-              <a:rPr lang="en-US" altLang="zh-TW" sz="3200" dirty="0"/>
-              <a:t>SAML</a:t>
-            </a:r>
-          </a:p>
-          <a:p>
-            <a:pPr indent="-457200">
-              <a:spcAft>
-                <a:spcPts val="1200"/>
-              </a:spcAft>
-            </a:pPr>
-            <a:r>
-              <a:rPr lang="zh-TW" altLang="en-US" sz="3200" dirty="0">
-                <a:solidFill>
-                  <a:srgbClr val="FF0000"/>
-                </a:solidFill>
-              </a:rPr>
-              <a:t>非標準或非常見的</a:t>
-            </a:r>
-            <a:r>
-              <a:rPr lang="en-US" altLang="zh-TW" sz="3200" dirty="0">
-                <a:solidFill>
-                  <a:srgbClr val="FF0000"/>
-                </a:solidFill>
-              </a:rPr>
-              <a:t>SSO</a:t>
-            </a:r>
-            <a:r>
-              <a:rPr lang="zh-TW" altLang="en-US" sz="3200" dirty="0">
-                <a:solidFill>
-                  <a:srgbClr val="FF0000"/>
-                </a:solidFill>
-              </a:rPr>
-              <a:t>流程</a:t>
-            </a:r>
-            <a:endParaRPr lang="en-US" altLang="zh-TW" sz="3200" dirty="0">
-              <a:solidFill>
-                <a:srgbClr val="FF0000"/>
-              </a:solidFill>
-            </a:endParaRPr>
-          </a:p>
-          <a:p>
-            <a:pPr indent="-457200">
-              <a:spcAft>
-                <a:spcPts val="1200"/>
-              </a:spcAft>
-            </a:pPr>
-            <a:r>
-              <a:rPr lang="en-US" altLang="zh-TW" sz="3200" dirty="0">
-                <a:solidFill>
-                  <a:srgbClr val="FF5050"/>
-                </a:solidFill>
-              </a:rPr>
-              <a:t> </a:t>
-            </a:r>
-            <a:r>
-              <a:rPr lang="en-US" altLang="zh-TW" sz="3200" strike="sngStrike" dirty="0">
-                <a:solidFill>
-                  <a:srgbClr val="FF5050"/>
-                </a:solidFill>
-              </a:rPr>
-              <a:t>LDAP</a:t>
-            </a:r>
-          </a:p>
-          <a:p>
-            <a:pPr indent="-457200">
-              <a:spcAft>
-                <a:spcPts val="1200"/>
-              </a:spcAft>
-            </a:pPr>
-            <a:r>
-              <a:rPr lang="en-US" altLang="zh-TW" sz="3200" dirty="0">
-                <a:solidFill>
-                  <a:srgbClr val="FF5050"/>
-                </a:solidFill>
-              </a:rPr>
-              <a:t> </a:t>
-            </a:r>
-            <a:r>
-              <a:rPr lang="en-US" altLang="zh-TW" sz="3200" strike="sngStrike" dirty="0" err="1">
-                <a:solidFill>
-                  <a:srgbClr val="FF5050"/>
-                </a:solidFill>
-              </a:rPr>
-              <a:t>WindowsAD</a:t>
-            </a:r>
-            <a:endParaRPr lang="en-US" altLang="zh-TW" sz="3200" strike="sngStrike" dirty="0">
-              <a:solidFill>
-                <a:srgbClr val="FF5050"/>
-              </a:solidFill>
-            </a:endParaRPr>
-          </a:p>
-        </p:txBody>
-      </p:sp>
-    </p:spTree>
-    <p:extLst>
-      <p:ext uri="{BB962C8B-B14F-4D97-AF65-F5344CB8AC3E}">
-        <p14:creationId xmlns:p14="http://schemas.microsoft.com/office/powerpoint/2010/main" val="3153513877"/>
       </p:ext>
     </p:extLst>
   </p:cSld>
@@ -20951,10 +21479,6 @@
           </p:nvPr>
         </p:nvSpPr>
         <p:spPr>
-          <a:xfrm>
-            <a:off x="311700" y="593367"/>
-            <a:ext cx="8520600" cy="763500"/>
-          </a:xfrm>
           <a:prstGeom prst="rect">
             <a:avLst/>
           </a:prstGeom>
@@ -20976,7 +21500,19 @@
             </a:pPr>
             <a:r>
               <a:rPr lang="zh-TW" altLang="en-US" sz="3600" dirty="0"/>
-              <a:t>標準太多，就找個東西來整合</a:t>
+              <a:t>使用哪種</a:t>
+            </a:r>
+            <a:r>
+              <a:rPr lang="en-US" altLang="zh-TW" sz="3600" dirty="0"/>
+              <a:t>SSO</a:t>
+            </a:r>
+            <a:r>
+              <a:rPr lang="zh-TW" altLang="en-US" sz="3600" dirty="0"/>
+              <a:t>形式</a:t>
+            </a:r>
+            <a:r>
+              <a:rPr lang="en-US" altLang="zh-TW" sz="3600" dirty="0"/>
+              <a:t>?</a:t>
             </a:r>
             <a:endParaRPr sz="3600" dirty="0"/>
           </a:p>
@@ -20993,16 +21529,12 @@
           </p:nvPr>
         </p:nvSpPr>
         <p:spPr>
-          <a:xfrm>
-            <a:off x="5053780" y="1536633"/>
-            <a:ext cx="3778519" cy="4555200"/>
-          </a:xfrm>
           <a:prstGeom prst="rect">
             <a:avLst/>
           </a:prstGeom>
         </p:spPr>
         <p:txBody>
-          <a:bodyPr spcFirstLastPara="1" wrap="square" lIns="91425" tIns="91425" rIns="91425" bIns="91425" anchor="ctr" anchorCtr="0">
+          <a:bodyPr spcFirstLastPara="1" wrap="square" lIns="91425" tIns="91425" rIns="91425" bIns="91425" anchor="t" anchorCtr="0">
             <a:normAutofit/>
           </a:bodyPr>
           <a:lstStyle/>
@@ -21013,13 +21545,67 @@
               </a:spcAft>
             </a:pPr>
             <a:r>
+              <a:rPr lang="en-US" altLang="zh-TW" sz="3200" dirty="0"/>
+              <a:t>OIDC</a:t>
+            </a:r>
+          </a:p>
+          <a:p>
+            <a:pPr indent="-457200">
+              <a:spcAft>
+                <a:spcPts val="1200"/>
+              </a:spcAft>
+            </a:pPr>
+            <a:r>
+              <a:rPr lang="en-US" altLang="zh-TW" sz="3200" dirty="0"/>
+              <a:t>OAuth2</a:t>
+            </a:r>
+          </a:p>
+          <a:p>
+            <a:pPr indent="-457200">
+              <a:spcAft>
+                <a:spcPts val="1200"/>
+              </a:spcAft>
+            </a:pPr>
+            <a:r>
+              <a:rPr lang="en-US" altLang="zh-TW" sz="3200" dirty="0"/>
+              <a:t>SAML</a:t>
+            </a:r>
+          </a:p>
+          <a:p>
+            <a:pPr indent="-457200">
+              <a:spcAft>
+                <a:spcPts val="1200"/>
+              </a:spcAft>
+            </a:pPr>
+            <a:r>
+              <a:rPr lang="zh-TW" altLang="en-US" sz="3200" dirty="0">
+                <a:solidFill>
+                  <a:srgbClr val="FF5050"/>
+                </a:solidFill>
+              </a:rPr>
+              <a:t>非標準或非常見的</a:t>
+            </a:r>
+            <a:r>
               <a:rPr lang="en-US" altLang="zh-TW" sz="3200" dirty="0">
                 <a:solidFill>
-                  <a:schemeClr val="bg2"/>
+                  <a:srgbClr val="FF5050"/>
                 </a:solidFill>
               </a:rPr>
-              <a:t>OIDC</a:t>
-            </a:r>
+              <a:t>SSO</a:t>
+            </a:r>
+            <a:r>
+              <a:rPr lang="zh-TW" altLang="en-US" sz="3200" dirty="0">
+                <a:solidFill>
+                  <a:srgbClr val="FF5050"/>
+                </a:solidFill>
+              </a:rPr>
+              <a:t>流程</a:t>
+            </a:r>
+            <a:endParaRPr lang="en-US" altLang="zh-TW" sz="3200" dirty="0">
+              <a:solidFill>
+                <a:srgbClr val="FF5050"/>
+              </a:solidFill>
+            </a:endParaRPr>
           </a:p>
           <a:p>
             <a:pPr indent="-457200">
@@ -21030,37 +21616,15 @@
             <a:r>
               <a:rPr lang="en-US" altLang="zh-TW" sz="3200" dirty="0">
                 <a:solidFill>
-                  <a:schemeClr val="bg2"/>
+                  <a:srgbClr val="FF5050"/>
                 </a:solidFill>
               </a:rPr>
-              <a:t>OAuth2</a:t>
-            </a:r>
-          </a:p>
-          <a:p>
-            <a:pPr indent="-457200">
-              <a:spcAft>
-                <a:spcPts val="1200"/>
-              </a:spcAft>
-            </a:pPr>
-            <a:r>
-              <a:rPr lang="en-US" altLang="zh-TW" sz="3200" dirty="0">
+              <a:t> </a:t>
+            </a:r>
+            <a:r>
+              <a:rPr lang="en-US" altLang="zh-TW" sz="3200" strike="sngStrike" dirty="0">
                 <a:solidFill>
-                  <a:schemeClr val="bg2"/>
-                </a:solidFill>
-              </a:rPr>
-              <a:t>SAML</a:t>
-            </a:r>
-          </a:p>
-          <a:p>
-            <a:pPr indent="-457200">
-              <a:spcAft>
-                <a:spcPts val="1200"/>
-              </a:spcAft>
-            </a:pPr>
-            <a:r>
-              <a:rPr lang="en-US" altLang="zh-TW" sz="3200" dirty="0">
-                <a:solidFill>
-                  <a:schemeClr val="bg2"/>
+                  <a:srgbClr val="FF5050"/>
                 </a:solidFill>
               </a:rPr>
               <a:t>LDAP</a:t>
@@ -21073,393 +21637,33 @@
               </a:spcAft>
             </a:pPr>
             <a:r>
-              <a:rPr lang="en-US" altLang="zh-TW" sz="3200" dirty="0" err="1">
+              <a:rPr lang="en-US" altLang="zh-TW" sz="3200" dirty="0">
                 <a:solidFill>
-                  <a:schemeClr val="bg2"/>
+                  <a:srgbClr val="FF5050"/>
+                </a:solidFill>
+              </a:rPr>
+              <a:t> </a:t>
+            </a:r>
+            <a:r>
+              <a:rPr lang="en-US" altLang="zh-TW" sz="3200" strike="sngStrike" dirty="0" err="1">
+                <a:solidFill>
+                  <a:srgbClr val="FF5050"/>
                 </a:solidFill>
               </a:rPr>
               <a:t>WindowsAD</a:t>
             </a:r>
-            <a:endParaRPr lang="en-US" altLang="zh-TW" sz="3200" dirty="0">
+            <a:endParaRPr lang="en-US" altLang="zh-TW" sz="3200" strike="sngStrike" dirty="0">
               <a:solidFill>
-                <a:schemeClr val="bg2"/>
+                <a:srgbClr val="FF5050"/>
               </a:solidFill>
             </a:endParaRPr>
           </a:p>
         </p:txBody>
       </p:sp>
-      <p:sp>
-        <p:nvSpPr>
-          <p:cNvPr id="2" name="Google Shape;47;p8">
-            <a:extLst>
-              <a:ext uri="{FF2B5EF4-FFF2-40B4-BE49-F238E27FC236}">
-                <a16:creationId xmlns:a16="http://schemas.microsoft.com/office/drawing/2014/main" id="{B1F38519-77DD-A6DA-C3F0-BCE2CE52DF13}"/>
-              </a:ext>
-            </a:extLst>
-          </p:cNvPr>
-          <p:cNvSpPr txBox="1">
-            <a:spLocks/>
-          </p:cNvSpPr>
-          <p:nvPr/>
-        </p:nvSpPr>
-        <p:spPr>
-          <a:xfrm>
-            <a:off x="703006" y="1536633"/>
-            <a:ext cx="3387215" cy="4555200"/>
-          </a:xfrm>
-          <a:prstGeom prst="rect">
-            <a:avLst/>
-          </a:prstGeom>
-          <a:noFill/>
-          <a:ln>
-            <a:noFill/>
-          </a:ln>
-        </p:spPr>
-        <p:txBody>
-          <a:bodyPr spcFirstLastPara="1" wrap="square" lIns="91425" tIns="91425" rIns="91425" bIns="91425" anchor="ctr" anchorCtr="0">
-            <a:normAutofit/>
-          </a:bodyPr>
-          <a:lstStyle>
-            <a:defPPr marR="0" lvl="0" algn="l" rtl="0">
-              <a:lnSpc>
-                <a:spcPct val="100000"/>
-              </a:lnSpc>
-              <a:spcBef>
-                <a:spcPts val="0"/>
-              </a:spcBef>
-              <a:spcAft>
-                <a:spcPts val="0"/>
-              </a:spcAft>
-            </a:defPPr>
-            <a:lvl1pPr marL="457200" marR="0" lvl="0" indent="-342900" algn="l" rtl="0">
-              <a:lnSpc>
-                <a:spcPct val="115000"/>
-              </a:lnSpc>
-              <a:spcBef>
-                <a:spcPts val="0"/>
-              </a:spcBef>
-              <a:spcAft>
-                <a:spcPts val="0"/>
-              </a:spcAft>
-              <a:buClr>
-                <a:schemeClr val="dk2"/>
-              </a:buClr>
-              <a:buSzPts val="1800"/>
-              <a:buFont typeface="Arial"/>
-              <a:buChar char="●"/>
-              <a:defRPr sz="1800" b="0" i="0" u="none" strike="noStrike" cap="none">
-                <a:solidFill>
-                  <a:schemeClr val="dk2"/>
-                </a:solidFill>
-                <a:latin typeface="Arial"/>
-                <a:ea typeface="Arial"/>
-                <a:cs typeface="Arial"/>
-                <a:sym typeface="Arial"/>
-              </a:defRPr>
-            </a:lvl1pPr>
-            <a:lvl2pPr marL="914400" marR="0" lvl="1" indent="-317500" algn="l" rtl="0">
-              <a:lnSpc>
-                <a:spcPct val="115000"/>
-              </a:lnSpc>
-              <a:spcBef>
-                <a:spcPts val="0"/>
-              </a:spcBef>
-              <a:spcAft>
-                <a:spcPts val="0"/>
-              </a:spcAft>
-              <a:buClr>
-                <a:schemeClr val="dk2"/>
-              </a:buClr>
-              <a:buSzPts val="1400"/>
-              <a:buFont typeface="Arial"/>
-              <a:buChar char="○"/>
-              <a:defRPr sz="1400" b="0" i="0" u="none" strike="noStrike" cap="none">
-                <a:solidFill>
-                  <a:schemeClr val="dk2"/>
-                </a:solidFill>
-                <a:latin typeface="Arial"/>
-                <a:ea typeface="Arial"/>
-                <a:cs typeface="Arial"/>
-                <a:sym typeface="Arial"/>
-              </a:defRPr>
-            </a:lvl2pPr>
-            <a:lvl3pPr marL="1371600" marR="0" lvl="2" indent="-317500" algn="l" rtl="0">
-              <a:lnSpc>
-                <a:spcPct val="115000"/>
-              </a:lnSpc>
-              <a:spcBef>
-                <a:spcPts val="0"/>
-              </a:spcBef>
-              <a:spcAft>
-                <a:spcPts val="0"/>
-              </a:spcAft>
-              <a:buClr>
-                <a:schemeClr val="dk2"/>
-              </a:buClr>
-              <a:buSzPts val="1400"/>
-              <a:buFont typeface="Arial"/>
-              <a:buChar char="■"/>
-              <a:defRPr sz="1400" b="0" i="0" u="none" strike="noStrike" cap="none">
-                <a:solidFill>
-                  <a:schemeClr val="dk2"/>
-                </a:solidFill>
-                <a:latin typeface="Arial"/>
-                <a:ea typeface="Arial"/>
-                <a:cs typeface="Arial"/>
-                <a:sym typeface="Arial"/>
-              </a:defRPr>
-            </a:lvl3pPr>
-            <a:lvl4pPr marL="1828800" marR="0" lvl="3" indent="-317500" algn="l" rtl="0">
-              <a:lnSpc>
-                <a:spcPct val="115000"/>
-              </a:lnSpc>
-              <a:spcBef>
-                <a:spcPts val="0"/>
-              </a:spcBef>
-              <a:spcAft>
-                <a:spcPts val="0"/>
-              </a:spcAft>
-              <a:buClr>
-                <a:schemeClr val="dk2"/>
-              </a:buClr>
-              <a:buSzPts val="1400"/>
-              <a:buFont typeface="Arial"/>
-              <a:buChar char="●"/>
-              <a:defRPr sz="1400" b="0" i="0" u="none" strike="noStrike" cap="none">
-                <a:solidFill>
-                  <a:schemeClr val="dk2"/>
-                </a:solidFill>
-                <a:latin typeface="Arial"/>
-                <a:ea typeface="Arial"/>
-                <a:cs typeface="Arial"/>
-                <a:sym typeface="Arial"/>
-              </a:defRPr>
-            </a:lvl4pPr>
-            <a:lvl5pPr marL="2286000" marR="0" lvl="4" indent="-317500" algn="l" rtl="0">
-              <a:lnSpc>
-                <a:spcPct val="115000"/>
-              </a:lnSpc>
-              <a:spcBef>
-                <a:spcPts val="0"/>
-              </a:spcBef>
-              <a:spcAft>
-                <a:spcPts val="0"/>
-              </a:spcAft>
-              <a:buClr>
-                <a:schemeClr val="dk2"/>
-              </a:buClr>
-              <a:buSzPts val="1400"/>
-              <a:buFont typeface="Arial"/>
-              <a:buChar char="○"/>
-              <a:defRPr sz="1400" b="0" i="0" u="none" strike="noStrike" cap="none">
-                <a:solidFill>
-                  <a:schemeClr val="dk2"/>
-                </a:solidFill>
-                <a:latin typeface="Arial"/>
-                <a:ea typeface="Arial"/>
-                <a:cs typeface="Arial"/>
-                <a:sym typeface="Arial"/>
-              </a:defRPr>
-            </a:lvl5pPr>
-            <a:lvl6pPr marL="2743200" marR="0" lvl="5" indent="-317500" algn="l" rtl="0">
-              <a:lnSpc>
-                <a:spcPct val="115000"/>
-              </a:lnSpc>
-              <a:spcBef>
-                <a:spcPts val="0"/>
-              </a:spcBef>
-              <a:spcAft>
-                <a:spcPts val="0"/>
-              </a:spcAft>
-              <a:buClr>
-                <a:schemeClr val="dk2"/>
-              </a:buClr>
-              <a:buSzPts val="1400"/>
-              <a:buFont typeface="Arial"/>
-              <a:buChar char="■"/>
-              <a:defRPr sz="1400" b="0" i="0" u="none" strike="noStrike" cap="none">
-                <a:solidFill>
-                  <a:schemeClr val="dk2"/>
-                </a:solidFill>
-                <a:latin typeface="Arial"/>
-                <a:ea typeface="Arial"/>
-                <a:cs typeface="Arial"/>
-                <a:sym typeface="Arial"/>
-              </a:defRPr>
-            </a:lvl6pPr>
-            <a:lvl7pPr marL="3200400" marR="0" lvl="6" indent="-317500" algn="l" rtl="0">
-              <a:lnSpc>
-                <a:spcPct val="115000"/>
-              </a:lnSpc>
-              <a:spcBef>
-                <a:spcPts val="0"/>
-              </a:spcBef>
-              <a:spcAft>
-                <a:spcPts val="0"/>
-              </a:spcAft>
-              <a:buClr>
-                <a:schemeClr val="dk2"/>
-              </a:buClr>
-              <a:buSzPts val="1400"/>
-              <a:buFont typeface="Arial"/>
-              <a:buChar char="●"/>
-              <a:defRPr sz="1400" b="0" i="0" u="none" strike="noStrike" cap="none">
-                <a:solidFill>
-                  <a:schemeClr val="dk2"/>
-                </a:solidFill>
-                <a:latin typeface="Arial"/>
-                <a:ea typeface="Arial"/>
-                <a:cs typeface="Arial"/>
-                <a:sym typeface="Arial"/>
-              </a:defRPr>
-            </a:lvl7pPr>
-            <a:lvl8pPr marL="3657600" marR="0" lvl="7" indent="-317500" algn="l" rtl="0">
-              <a:lnSpc>
-                <a:spcPct val="115000"/>
-              </a:lnSpc>
-              <a:spcBef>
-                <a:spcPts val="0"/>
-              </a:spcBef>
-              <a:spcAft>
-                <a:spcPts val="0"/>
-              </a:spcAft>
-              <a:buClr>
-                <a:schemeClr val="dk2"/>
-              </a:buClr>
-              <a:buSzPts val="1400"/>
-              <a:buFont typeface="Arial"/>
-              <a:buChar char="○"/>
-              <a:defRPr sz="1400" b="0" i="0" u="none" strike="noStrike" cap="none">
-                <a:solidFill>
-                  <a:schemeClr val="dk2"/>
-                </a:solidFill>
-                <a:latin typeface="Arial"/>
-                <a:ea typeface="Arial"/>
-                <a:cs typeface="Arial"/>
-                <a:sym typeface="Arial"/>
-              </a:defRPr>
-            </a:lvl8pPr>
-            <a:lvl9pPr marL="4114800" marR="0" lvl="8" indent="-317500" algn="l" rtl="0">
-              <a:lnSpc>
-                <a:spcPct val="115000"/>
-              </a:lnSpc>
-              <a:spcBef>
-                <a:spcPts val="0"/>
-              </a:spcBef>
-              <a:spcAft>
-                <a:spcPts val="0"/>
-              </a:spcAft>
-              <a:buClr>
-                <a:schemeClr val="dk2"/>
-              </a:buClr>
-              <a:buSzPts val="1400"/>
-              <a:buFont typeface="Arial"/>
-              <a:buChar char="■"/>
-              <a:defRPr sz="1400" b="0" i="0" u="none" strike="noStrike" cap="none">
-                <a:solidFill>
-                  <a:schemeClr val="dk2"/>
-                </a:solidFill>
-                <a:latin typeface="Arial"/>
-                <a:ea typeface="Arial"/>
-                <a:cs typeface="Arial"/>
-                <a:sym typeface="Arial"/>
-              </a:defRPr>
-            </a:lvl9pPr>
-          </a:lstStyle>
-          <a:p>
-            <a:pPr indent="-457200">
-              <a:spcAft>
-                <a:spcPts val="1200"/>
-              </a:spcAft>
-            </a:pPr>
-            <a:r>
-              <a:rPr lang="en-US" altLang="zh-TW" sz="3200" dirty="0">
-                <a:solidFill>
-                  <a:srgbClr val="FF0000"/>
-                </a:solidFill>
-              </a:rPr>
-              <a:t>SSO Server</a:t>
-            </a:r>
-            <a:br>
-              <a:rPr lang="en-US" altLang="zh-TW" sz="3200" dirty="0">
-                <a:solidFill>
-                  <a:schemeClr val="bg2"/>
-                </a:solidFill>
-              </a:rPr>
-            </a:br>
-            <a:r>
-              <a:rPr lang="en-US" altLang="zh-TW" sz="3200" dirty="0">
-                <a:solidFill>
-                  <a:schemeClr val="bg2"/>
-                </a:solidFill>
-              </a:rPr>
-              <a:t>(</a:t>
-            </a:r>
-            <a:r>
-              <a:rPr lang="en-US" altLang="zh-TW" sz="3200" dirty="0" err="1">
-                <a:solidFill>
-                  <a:schemeClr val="bg2"/>
-                </a:solidFill>
-              </a:rPr>
-              <a:t>KeyCloak</a:t>
-            </a:r>
-            <a:r>
-              <a:rPr lang="en-US" altLang="zh-TW" sz="3200" dirty="0">
-                <a:solidFill>
-                  <a:schemeClr val="bg2"/>
-                </a:solidFill>
-              </a:rPr>
-              <a:t>)</a:t>
-            </a:r>
-          </a:p>
-        </p:txBody>
-      </p:sp>
-      <p:cxnSp>
-        <p:nvCxnSpPr>
-          <p:cNvPr id="4" name="直線單箭頭接點 3">
-            <a:extLst>
-              <a:ext uri="{FF2B5EF4-FFF2-40B4-BE49-F238E27FC236}">
-                <a16:creationId xmlns:a16="http://schemas.microsoft.com/office/drawing/2014/main" id="{4F3A5509-198D-066E-444B-75CDF7C700DB}"/>
-              </a:ext>
-            </a:extLst>
-          </p:cNvPr>
-          <p:cNvCxnSpPr/>
-          <p:nvPr/>
-        </p:nvCxnSpPr>
-        <p:spPr>
-          <a:xfrm>
-            <a:off x="3578942" y="3716594"/>
-            <a:ext cx="1258529" cy="0"/>
-          </a:xfrm>
-          <a:prstGeom prst="straightConnector1">
-            <a:avLst/>
-          </a:prstGeom>
-          <a:ln w="76200">
-            <a:solidFill>
-              <a:schemeClr val="tx1"/>
-            </a:solidFill>
-            <a:tailEnd type="triangle"/>
-          </a:ln>
-        </p:spPr>
-        <p:style>
-          <a:lnRef idx="1">
-            <a:schemeClr val="accent1"/>
-          </a:lnRef>
-          <a:fillRef idx="0">
-            <a:schemeClr val="accent1"/>
-          </a:fillRef>
-          <a:effectRef idx="0">
-            <a:schemeClr val="accent1"/>
-          </a:effectRef>
-          <a:fontRef idx="minor">
-            <a:schemeClr val="tx1"/>
-          </a:fontRef>
-        </p:style>
-      </p:cxnSp>
     </p:spTree>
     <p:extLst>
       <p:ext uri="{BB962C8B-B14F-4D97-AF65-F5344CB8AC3E}">
-        <p14:creationId xmlns:p14="http://schemas.microsoft.com/office/powerpoint/2010/main" val="6472584"/>
+        <p14:creationId xmlns:p14="http://schemas.microsoft.com/office/powerpoint/2010/main" val="3153513877"/>
       </p:ext>
     </p:extLst>
   </p:cSld>

--- a/JCC24_slide_Rhys.pptx
+++ b/JCC24_slide_Rhys.pptx
@@ -5,7 +5,7 @@
     <p:sldMasterId id="2147483652" r:id="rId1"/>
   </p:sldMasterIdLst>
   <p:notesMasterIdLst>
-    <p:notesMasterId r:id="rId31"/>
+    <p:notesMasterId r:id="rId34"/>
   </p:notesMasterIdLst>
   <p:sldIdLst>
     <p:sldId id="256" r:id="rId2"/>
@@ -24,19 +24,22 @@
     <p:sldId id="272" r:id="rId15"/>
     <p:sldId id="274" r:id="rId16"/>
     <p:sldId id="277" r:id="rId17"/>
-    <p:sldId id="275" r:id="rId18"/>
-    <p:sldId id="278" r:id="rId19"/>
-    <p:sldId id="279" r:id="rId20"/>
-    <p:sldId id="281" r:id="rId21"/>
-    <p:sldId id="276" r:id="rId22"/>
-    <p:sldId id="280" r:id="rId23"/>
-    <p:sldId id="282" r:id="rId24"/>
-    <p:sldId id="283" r:id="rId25"/>
-    <p:sldId id="284" r:id="rId26"/>
-    <p:sldId id="286" r:id="rId27"/>
-    <p:sldId id="287" r:id="rId28"/>
-    <p:sldId id="288" r:id="rId29"/>
-    <p:sldId id="259" r:id="rId30"/>
+    <p:sldId id="290" r:id="rId18"/>
+    <p:sldId id="275" r:id="rId19"/>
+    <p:sldId id="278" r:id="rId20"/>
+    <p:sldId id="279" r:id="rId21"/>
+    <p:sldId id="281" r:id="rId22"/>
+    <p:sldId id="276" r:id="rId23"/>
+    <p:sldId id="280" r:id="rId24"/>
+    <p:sldId id="282" r:id="rId25"/>
+    <p:sldId id="292" r:id="rId26"/>
+    <p:sldId id="283" r:id="rId27"/>
+    <p:sldId id="284" r:id="rId28"/>
+    <p:sldId id="286" r:id="rId29"/>
+    <p:sldId id="287" r:id="rId30"/>
+    <p:sldId id="288" r:id="rId31"/>
+    <p:sldId id="291" r:id="rId32"/>
+    <p:sldId id="259" r:id="rId33"/>
   </p:sldIdLst>
   <p:sldSz cx="9144000" cy="6858000" type="screen4x3"/>
   <p:notesSz cx="6858000" cy="9144000"/>
@@ -1695,7 +1698,7 @@
     </p:spTree>
     <p:extLst>
       <p:ext uri="{BB962C8B-B14F-4D97-AF65-F5344CB8AC3E}">
-        <p14:creationId xmlns:p14="http://schemas.microsoft.com/office/powerpoint/2010/main" val="2298715112"/>
+        <p14:creationId xmlns:p14="http://schemas.microsoft.com/office/powerpoint/2010/main" val="503935799"/>
       </p:ext>
     </p:extLst>
   </p:cSld>
@@ -1804,7 +1807,7 @@
     </p:spTree>
     <p:extLst>
       <p:ext uri="{BB962C8B-B14F-4D97-AF65-F5344CB8AC3E}">
-        <p14:creationId xmlns:p14="http://schemas.microsoft.com/office/powerpoint/2010/main" val="666678272"/>
+        <p14:creationId xmlns:p14="http://schemas.microsoft.com/office/powerpoint/2010/main" val="2298715112"/>
       </p:ext>
     </p:extLst>
   </p:cSld>
@@ -1913,7 +1916,7 @@
     </p:spTree>
     <p:extLst>
       <p:ext uri="{BB962C8B-B14F-4D97-AF65-F5344CB8AC3E}">
-        <p14:creationId xmlns:p14="http://schemas.microsoft.com/office/powerpoint/2010/main" val="1443988620"/>
+        <p14:creationId xmlns:p14="http://schemas.microsoft.com/office/powerpoint/2010/main" val="666678272"/>
       </p:ext>
     </p:extLst>
   </p:cSld>
@@ -2131,7 +2134,7 @@
     </p:spTree>
     <p:extLst>
       <p:ext uri="{BB962C8B-B14F-4D97-AF65-F5344CB8AC3E}">
-        <p14:creationId xmlns:p14="http://schemas.microsoft.com/office/powerpoint/2010/main" val="3314357540"/>
+        <p14:creationId xmlns:p14="http://schemas.microsoft.com/office/powerpoint/2010/main" val="1443988620"/>
       </p:ext>
     </p:extLst>
   </p:cSld>
@@ -2240,7 +2243,7 @@
     </p:spTree>
     <p:extLst>
       <p:ext uri="{BB962C8B-B14F-4D97-AF65-F5344CB8AC3E}">
-        <p14:creationId xmlns:p14="http://schemas.microsoft.com/office/powerpoint/2010/main" val="334785043"/>
+        <p14:creationId xmlns:p14="http://schemas.microsoft.com/office/powerpoint/2010/main" val="3314357540"/>
       </p:ext>
     </p:extLst>
   </p:cSld>
@@ -2349,7 +2352,7 @@
     </p:spTree>
     <p:extLst>
       <p:ext uri="{BB962C8B-B14F-4D97-AF65-F5344CB8AC3E}">
-        <p14:creationId xmlns:p14="http://schemas.microsoft.com/office/powerpoint/2010/main" val="2841755399"/>
+        <p14:creationId xmlns:p14="http://schemas.microsoft.com/office/powerpoint/2010/main" val="334785043"/>
       </p:ext>
     </p:extLst>
   </p:cSld>
@@ -2458,7 +2461,7 @@
     </p:spTree>
     <p:extLst>
       <p:ext uri="{BB962C8B-B14F-4D97-AF65-F5344CB8AC3E}">
-        <p14:creationId xmlns:p14="http://schemas.microsoft.com/office/powerpoint/2010/main" val="3145916208"/>
+        <p14:creationId xmlns:p14="http://schemas.microsoft.com/office/powerpoint/2010/main" val="2841755399"/>
       </p:ext>
     </p:extLst>
   </p:cSld>
@@ -2473,7 +2476,7 @@
   <p:cSld>
     <p:spTree>
       <p:nvGrpSpPr>
-        <p:cNvPr id="1" name="Shape 36"/>
+        <p:cNvPr id="1" name="Shape 42"/>
         <p:cNvGrpSpPr/>
         <p:nvPr/>
       </p:nvGrpSpPr>
@@ -2487,7 +2490,7 @@
       </p:grpSpPr>
       <p:sp>
         <p:nvSpPr>
-          <p:cNvPr id="37" name="Google Shape;37;g2823f06c856_0_158:notes"/>
+          <p:cNvPr id="43" name="Google Shape;43;g2823f06c856_0_162:notes"/>
           <p:cNvSpPr>
             <a:spLocks noGrp="1" noRot="1" noChangeAspect="1"/>
           </p:cNvSpPr>
@@ -2528,7 +2531,7 @@
       </p:sp>
       <p:sp>
         <p:nvSpPr>
-          <p:cNvPr id="38" name="Google Shape;38;g2823f06c856_0_158:notes"/>
+          <p:cNvPr id="44" name="Google Shape;44;g2823f06c856_0_162:notes"/>
           <p:cNvSpPr txBox="1">
             <a:spLocks noGrp="1"/>
           </p:cNvSpPr>
@@ -2567,7 +2570,7 @@
     </p:spTree>
     <p:extLst>
       <p:ext uri="{BB962C8B-B14F-4D97-AF65-F5344CB8AC3E}">
-        <p14:creationId xmlns:p14="http://schemas.microsoft.com/office/powerpoint/2010/main" val="66674917"/>
+        <p14:creationId xmlns:p14="http://schemas.microsoft.com/office/powerpoint/2010/main" val="3145916208"/>
       </p:ext>
     </p:extLst>
   </p:cSld>
@@ -2676,7 +2679,7 @@
     </p:spTree>
     <p:extLst>
       <p:ext uri="{BB962C8B-B14F-4D97-AF65-F5344CB8AC3E}">
-        <p14:creationId xmlns:p14="http://schemas.microsoft.com/office/powerpoint/2010/main" val="3952761457"/>
+        <p14:creationId xmlns:p14="http://schemas.microsoft.com/office/powerpoint/2010/main" val="2811614300"/>
       </p:ext>
     </p:extLst>
   </p:cSld>
@@ -2691,7 +2694,7 @@
   <p:cSld>
     <p:spTree>
       <p:nvGrpSpPr>
-        <p:cNvPr id="1" name="Shape 42"/>
+        <p:cNvPr id="1" name="Shape 36"/>
         <p:cNvGrpSpPr/>
         <p:nvPr/>
       </p:nvGrpSpPr>
@@ -2705,7 +2708,7 @@
       </p:grpSpPr>
       <p:sp>
         <p:nvSpPr>
-          <p:cNvPr id="43" name="Google Shape;43;g2823f06c856_0_162:notes"/>
+          <p:cNvPr id="37" name="Google Shape;37;g2823f06c856_0_158:notes"/>
           <p:cNvSpPr>
             <a:spLocks noGrp="1" noRot="1" noChangeAspect="1"/>
           </p:cNvSpPr>
@@ -2746,7 +2749,7 @@
       </p:sp>
       <p:sp>
         <p:nvSpPr>
-          <p:cNvPr id="44" name="Google Shape;44;g2823f06c856_0_162:notes"/>
+          <p:cNvPr id="38" name="Google Shape;38;g2823f06c856_0_158:notes"/>
           <p:cNvSpPr txBox="1">
             <a:spLocks noGrp="1"/>
           </p:cNvSpPr>
@@ -2785,7 +2788,7 @@
     </p:spTree>
     <p:extLst>
       <p:ext uri="{BB962C8B-B14F-4D97-AF65-F5344CB8AC3E}">
-        <p14:creationId xmlns:p14="http://schemas.microsoft.com/office/powerpoint/2010/main" val="3444688444"/>
+        <p14:creationId xmlns:p14="http://schemas.microsoft.com/office/powerpoint/2010/main" val="66674917"/>
       </p:ext>
     </p:extLst>
   </p:cSld>
@@ -2894,7 +2897,7 @@
     </p:spTree>
     <p:extLst>
       <p:ext uri="{BB962C8B-B14F-4D97-AF65-F5344CB8AC3E}">
-        <p14:creationId xmlns:p14="http://schemas.microsoft.com/office/powerpoint/2010/main" val="1399465085"/>
+        <p14:creationId xmlns:p14="http://schemas.microsoft.com/office/powerpoint/2010/main" val="3952761457"/>
       </p:ext>
     </p:extLst>
   </p:cSld>
@@ -3003,7 +3006,7 @@
     </p:spTree>
     <p:extLst>
       <p:ext uri="{BB962C8B-B14F-4D97-AF65-F5344CB8AC3E}">
-        <p14:creationId xmlns:p14="http://schemas.microsoft.com/office/powerpoint/2010/main" val="991758408"/>
+        <p14:creationId xmlns:p14="http://schemas.microsoft.com/office/powerpoint/2010/main" val="3444688444"/>
       </p:ext>
     </p:extLst>
   </p:cSld>
@@ -3018,7 +3021,7 @@
   <p:cSld>
     <p:spTree>
       <p:nvGrpSpPr>
-        <p:cNvPr id="1" name="Shape 48"/>
+        <p:cNvPr id="1" name="Shape 42"/>
         <p:cNvGrpSpPr/>
         <p:nvPr/>
       </p:nvGrpSpPr>
@@ -3032,7 +3035,7 @@
       </p:grpSpPr>
       <p:sp>
         <p:nvSpPr>
-          <p:cNvPr id="49" name="Google Shape;49;g2823f06c856_0_169:notes"/>
+          <p:cNvPr id="43" name="Google Shape;43;g2823f06c856_0_162:notes"/>
           <p:cNvSpPr>
             <a:spLocks noGrp="1" noRot="1" noChangeAspect="1"/>
           </p:cNvSpPr>
@@ -3073,7 +3076,7 @@
       </p:sp>
       <p:sp>
         <p:nvSpPr>
-          <p:cNvPr id="50" name="Google Shape;50;g2823f06c856_0_169:notes"/>
+          <p:cNvPr id="44" name="Google Shape;44;g2823f06c856_0_162:notes"/>
           <p:cNvSpPr txBox="1">
             <a:spLocks noGrp="1"/>
           </p:cNvSpPr>
@@ -3110,6 +3113,11 @@
         </p:txBody>
       </p:sp>
     </p:spTree>
+    <p:extLst>
+      <p:ext uri="{BB962C8B-B14F-4D97-AF65-F5344CB8AC3E}">
+        <p14:creationId xmlns:p14="http://schemas.microsoft.com/office/powerpoint/2010/main" val="1399465085"/>
+      </p:ext>
+    </p:extLst>
   </p:cSld>
   <p:clrMapOvr>
     <a:masterClrMapping/>
@@ -3219,6 +3227,328 @@
         <p14:creationId xmlns:p14="http://schemas.microsoft.com/office/powerpoint/2010/main" val="2111305354"/>
       </p:ext>
     </p:extLst>
+  </p:cSld>
+  <p:clrMapOvr>
+    <a:masterClrMapping/>
+  </p:clrMapOvr>
+</p:notes>
+</file>
+
+<file path=ppt/notesSlides/notesSlide30.xml><?xml version="1.0" encoding="utf-8"?>
+<p:notes xmlns:a="http://schemas.openxmlformats.org/drawingml/2006/main" xmlns:r="http://schemas.openxmlformats.org/officeDocument/2006/relationships" xmlns:p="http://schemas.openxmlformats.org/presentationml/2006/main" showMasterSp="0" showMasterPhAnim="0">
+  <p:cSld>
+    <p:spTree>
+      <p:nvGrpSpPr>
+        <p:cNvPr id="1" name="Shape 42"/>
+        <p:cNvGrpSpPr/>
+        <p:nvPr/>
+      </p:nvGrpSpPr>
+      <p:grpSpPr>
+        <a:xfrm>
+          <a:off x="0" y="0"/>
+          <a:ext cx="0" cy="0"/>
+          <a:chOff x="0" y="0"/>
+          <a:chExt cx="0" cy="0"/>
+        </a:xfrm>
+      </p:grpSpPr>
+      <p:sp>
+        <p:nvSpPr>
+          <p:cNvPr id="43" name="Google Shape;43;g2823f06c856_0_162:notes"/>
+          <p:cNvSpPr>
+            <a:spLocks noGrp="1" noRot="1" noChangeAspect="1"/>
+          </p:cNvSpPr>
+          <p:nvPr>
+            <p:ph type="sldImg" idx="2"/>
+          </p:nvPr>
+        </p:nvSpPr>
+        <p:spPr>
+          <a:xfrm>
+            <a:off x="1143000" y="685800"/>
+            <a:ext cx="4572000" cy="3429000"/>
+          </a:xfrm>
+          <a:custGeom>
+            <a:avLst/>
+            <a:gdLst/>
+            <a:ahLst/>
+            <a:cxnLst/>
+            <a:rect l="l" t="t" r="r" b="b"/>
+            <a:pathLst>
+              <a:path w="120000" h="120000" extrusionOk="0">
+                <a:moveTo>
+                  <a:pt x="0" y="0"/>
+                </a:moveTo>
+                <a:lnTo>
+                  <a:pt x="120000" y="0"/>
+                </a:lnTo>
+                <a:lnTo>
+                  <a:pt x="120000" y="120000"/>
+                </a:lnTo>
+                <a:lnTo>
+                  <a:pt x="0" y="120000"/>
+                </a:lnTo>
+                <a:close/>
+              </a:path>
+            </a:pathLst>
+          </a:custGeom>
+        </p:spPr>
+      </p:sp>
+      <p:sp>
+        <p:nvSpPr>
+          <p:cNvPr id="44" name="Google Shape;44;g2823f06c856_0_162:notes"/>
+          <p:cNvSpPr txBox="1">
+            <a:spLocks noGrp="1"/>
+          </p:cNvSpPr>
+          <p:nvPr>
+            <p:ph type="body" idx="1"/>
+          </p:nvPr>
+        </p:nvSpPr>
+        <p:spPr>
+          <a:xfrm>
+            <a:off x="685800" y="4343400"/>
+            <a:ext cx="5486400" cy="4114800"/>
+          </a:xfrm>
+          <a:prstGeom prst="rect">
+            <a:avLst/>
+          </a:prstGeom>
+        </p:spPr>
+        <p:txBody>
+          <a:bodyPr spcFirstLastPara="1" wrap="square" lIns="91425" tIns="91425" rIns="91425" bIns="91425" anchor="t" anchorCtr="0">
+            <a:noAutofit/>
+          </a:bodyPr>
+          <a:lstStyle/>
+          <a:p>
+            <a:pPr marL="0" lvl="0" indent="0" algn="l" rtl="0">
+              <a:spcBef>
+                <a:spcPts val="0"/>
+              </a:spcBef>
+              <a:spcAft>
+                <a:spcPts val="0"/>
+              </a:spcAft>
+              <a:buNone/>
+            </a:pPr>
+            <a:endParaRPr/>
+          </a:p>
+        </p:txBody>
+      </p:sp>
+    </p:spTree>
+    <p:extLst>
+      <p:ext uri="{BB962C8B-B14F-4D97-AF65-F5344CB8AC3E}">
+        <p14:creationId xmlns:p14="http://schemas.microsoft.com/office/powerpoint/2010/main" val="991758408"/>
+      </p:ext>
+    </p:extLst>
+  </p:cSld>
+  <p:clrMapOvr>
+    <a:masterClrMapping/>
+  </p:clrMapOvr>
+</p:notes>
+</file>
+
+<file path=ppt/notesSlides/notesSlide31.xml><?xml version="1.0" encoding="utf-8"?>
+<p:notes xmlns:a="http://schemas.openxmlformats.org/drawingml/2006/main" xmlns:r="http://schemas.openxmlformats.org/officeDocument/2006/relationships" xmlns:p="http://schemas.openxmlformats.org/presentationml/2006/main" showMasterSp="0" showMasterPhAnim="0">
+  <p:cSld>
+    <p:spTree>
+      <p:nvGrpSpPr>
+        <p:cNvPr id="1" name="Shape 42"/>
+        <p:cNvGrpSpPr/>
+        <p:nvPr/>
+      </p:nvGrpSpPr>
+      <p:grpSpPr>
+        <a:xfrm>
+          <a:off x="0" y="0"/>
+          <a:ext cx="0" cy="0"/>
+          <a:chOff x="0" y="0"/>
+          <a:chExt cx="0" cy="0"/>
+        </a:xfrm>
+      </p:grpSpPr>
+      <p:sp>
+        <p:nvSpPr>
+          <p:cNvPr id="43" name="Google Shape;43;g2823f06c856_0_162:notes"/>
+          <p:cNvSpPr>
+            <a:spLocks noGrp="1" noRot="1" noChangeAspect="1"/>
+          </p:cNvSpPr>
+          <p:nvPr>
+            <p:ph type="sldImg" idx="2"/>
+          </p:nvPr>
+        </p:nvSpPr>
+        <p:spPr>
+          <a:xfrm>
+            <a:off x="1143000" y="685800"/>
+            <a:ext cx="4572000" cy="3429000"/>
+          </a:xfrm>
+          <a:custGeom>
+            <a:avLst/>
+            <a:gdLst/>
+            <a:ahLst/>
+            <a:cxnLst/>
+            <a:rect l="l" t="t" r="r" b="b"/>
+            <a:pathLst>
+              <a:path w="120000" h="120000" extrusionOk="0">
+                <a:moveTo>
+                  <a:pt x="0" y="0"/>
+                </a:moveTo>
+                <a:lnTo>
+                  <a:pt x="120000" y="0"/>
+                </a:lnTo>
+                <a:lnTo>
+                  <a:pt x="120000" y="120000"/>
+                </a:lnTo>
+                <a:lnTo>
+                  <a:pt x="0" y="120000"/>
+                </a:lnTo>
+                <a:close/>
+              </a:path>
+            </a:pathLst>
+          </a:custGeom>
+        </p:spPr>
+      </p:sp>
+      <p:sp>
+        <p:nvSpPr>
+          <p:cNvPr id="44" name="Google Shape;44;g2823f06c856_0_162:notes"/>
+          <p:cNvSpPr txBox="1">
+            <a:spLocks noGrp="1"/>
+          </p:cNvSpPr>
+          <p:nvPr>
+            <p:ph type="body" idx="1"/>
+          </p:nvPr>
+        </p:nvSpPr>
+        <p:spPr>
+          <a:xfrm>
+            <a:off x="685800" y="4343400"/>
+            <a:ext cx="5486400" cy="4114800"/>
+          </a:xfrm>
+          <a:prstGeom prst="rect">
+            <a:avLst/>
+          </a:prstGeom>
+        </p:spPr>
+        <p:txBody>
+          <a:bodyPr spcFirstLastPara="1" wrap="square" lIns="91425" tIns="91425" rIns="91425" bIns="91425" anchor="t" anchorCtr="0">
+            <a:noAutofit/>
+          </a:bodyPr>
+          <a:lstStyle/>
+          <a:p>
+            <a:pPr marL="0" lvl="0" indent="0" algn="l" rtl="0">
+              <a:spcBef>
+                <a:spcPts val="0"/>
+              </a:spcBef>
+              <a:spcAft>
+                <a:spcPts val="0"/>
+              </a:spcAft>
+              <a:buNone/>
+            </a:pPr>
+            <a:endParaRPr/>
+          </a:p>
+        </p:txBody>
+      </p:sp>
+    </p:spTree>
+    <p:extLst>
+      <p:ext uri="{BB962C8B-B14F-4D97-AF65-F5344CB8AC3E}">
+        <p14:creationId xmlns:p14="http://schemas.microsoft.com/office/powerpoint/2010/main" val="868111098"/>
+      </p:ext>
+    </p:extLst>
+  </p:cSld>
+  <p:clrMapOvr>
+    <a:masterClrMapping/>
+  </p:clrMapOvr>
+</p:notes>
+</file>
+
+<file path=ppt/notesSlides/notesSlide32.xml><?xml version="1.0" encoding="utf-8"?>
+<p:notes xmlns:a="http://schemas.openxmlformats.org/drawingml/2006/main" xmlns:r="http://schemas.openxmlformats.org/officeDocument/2006/relationships" xmlns:p="http://schemas.openxmlformats.org/presentationml/2006/main" showMasterSp="0" showMasterPhAnim="0">
+  <p:cSld>
+    <p:spTree>
+      <p:nvGrpSpPr>
+        <p:cNvPr id="1" name="Shape 48"/>
+        <p:cNvGrpSpPr/>
+        <p:nvPr/>
+      </p:nvGrpSpPr>
+      <p:grpSpPr>
+        <a:xfrm>
+          <a:off x="0" y="0"/>
+          <a:ext cx="0" cy="0"/>
+          <a:chOff x="0" y="0"/>
+          <a:chExt cx="0" cy="0"/>
+        </a:xfrm>
+      </p:grpSpPr>
+      <p:sp>
+        <p:nvSpPr>
+          <p:cNvPr id="49" name="Google Shape;49;g2823f06c856_0_169:notes"/>
+          <p:cNvSpPr>
+            <a:spLocks noGrp="1" noRot="1" noChangeAspect="1"/>
+          </p:cNvSpPr>
+          <p:nvPr>
+            <p:ph type="sldImg" idx="2"/>
+          </p:nvPr>
+        </p:nvSpPr>
+        <p:spPr>
+          <a:xfrm>
+            <a:off x="1143000" y="685800"/>
+            <a:ext cx="4572000" cy="3429000"/>
+          </a:xfrm>
+          <a:custGeom>
+            <a:avLst/>
+            <a:gdLst/>
+            <a:ahLst/>
+            <a:cxnLst/>
+            <a:rect l="l" t="t" r="r" b="b"/>
+            <a:pathLst>
+              <a:path w="120000" h="120000" extrusionOk="0">
+                <a:moveTo>
+                  <a:pt x="0" y="0"/>
+                </a:moveTo>
+                <a:lnTo>
+                  <a:pt x="120000" y="0"/>
+                </a:lnTo>
+                <a:lnTo>
+                  <a:pt x="120000" y="120000"/>
+                </a:lnTo>
+                <a:lnTo>
+                  <a:pt x="0" y="120000"/>
+                </a:lnTo>
+                <a:close/>
+              </a:path>
+            </a:pathLst>
+          </a:custGeom>
+        </p:spPr>
+      </p:sp>
+      <p:sp>
+        <p:nvSpPr>
+          <p:cNvPr id="50" name="Google Shape;50;g2823f06c856_0_169:notes"/>
+          <p:cNvSpPr txBox="1">
+            <a:spLocks noGrp="1"/>
+          </p:cNvSpPr>
+          <p:nvPr>
+            <p:ph type="body" idx="1"/>
+          </p:nvPr>
+        </p:nvSpPr>
+        <p:spPr>
+          <a:xfrm>
+            <a:off x="685800" y="4343400"/>
+            <a:ext cx="5486400" cy="4114800"/>
+          </a:xfrm>
+          <a:prstGeom prst="rect">
+            <a:avLst/>
+          </a:prstGeom>
+        </p:spPr>
+        <p:txBody>
+          <a:bodyPr spcFirstLastPara="1" wrap="square" lIns="91425" tIns="91425" rIns="91425" bIns="91425" anchor="t" anchorCtr="0">
+            <a:noAutofit/>
+          </a:bodyPr>
+          <a:lstStyle/>
+          <a:p>
+            <a:pPr marL="0" lvl="0" indent="0" algn="l" rtl="0">
+              <a:spcBef>
+                <a:spcPts val="0"/>
+              </a:spcBef>
+              <a:spcAft>
+                <a:spcPts val="0"/>
+              </a:spcAft>
+              <a:buNone/>
+            </a:pPr>
+            <a:endParaRPr/>
+          </a:p>
+        </p:txBody>
+      </p:sp>
+    </p:spTree>
   </p:cSld>
   <p:clrMapOvr>
     <a:masterClrMapping/>
@@ -9085,8 +9415,12 @@
               <a:buNone/>
             </a:pPr>
             <a:r>
+              <a:rPr lang="en-US" altLang="zh-TW" sz="3600" dirty="0"/>
+              <a:t>SSO</a:t>
+            </a:r>
+            <a:r>
               <a:rPr lang="zh-TW" altLang="en-US" sz="3600" dirty="0"/>
-              <a:t>普遍狀況</a:t>
+              <a:t>串接重點</a:t>
             </a:r>
             <a:endParaRPr sz="3600" dirty="0"/>
           </a:p>
@@ -9094,712 +9428,155 @@
       </p:sp>
       <p:sp>
         <p:nvSpPr>
-          <p:cNvPr id="4" name="矩形: 圓角 3">
-            <a:extLst>
-              <a:ext uri="{FF2B5EF4-FFF2-40B4-BE49-F238E27FC236}">
-                <a16:creationId xmlns:a16="http://schemas.microsoft.com/office/drawing/2014/main" id="{E965DD2C-8FF7-9E9D-8B36-C1D22F6EC872}"/>
-              </a:ext>
-            </a:extLst>
-          </p:cNvPr>
-          <p:cNvSpPr/>
-          <p:nvPr/>
+          <p:cNvPr id="47" name="Google Shape;47;p8"/>
+          <p:cNvSpPr txBox="1">
+            <a:spLocks noGrp="1"/>
+          </p:cNvSpPr>
+          <p:nvPr>
+            <p:ph type="body" idx="1"/>
+          </p:nvPr>
         </p:nvSpPr>
         <p:spPr>
           <a:xfrm>
-            <a:off x="994450" y="3460552"/>
-            <a:ext cx="1498027" cy="865240"/>
-          </a:xfrm>
-          <a:prstGeom prst="roundRect">
+            <a:off x="311700" y="1536633"/>
+            <a:ext cx="8520600" cy="4555200"/>
+          </a:xfrm>
+          <a:prstGeom prst="rect">
             <a:avLst/>
           </a:prstGeom>
         </p:spPr>
-        <p:style>
-          <a:lnRef idx="2">
-            <a:schemeClr val="accent1">
-              <a:shade val="15000"/>
-            </a:schemeClr>
-          </a:lnRef>
-          <a:fillRef idx="1">
-            <a:schemeClr val="accent1"/>
-          </a:fillRef>
-          <a:effectRef idx="0">
-            <a:schemeClr val="accent1"/>
-          </a:effectRef>
-          <a:fontRef idx="minor">
-            <a:schemeClr val="lt1"/>
-          </a:fontRef>
-        </p:style>
         <p:txBody>
-          <a:bodyPr rtlCol="0" anchor="ctr"/>
-          <a:lstStyle/>
-          <a:p>
-            <a:pPr algn="ctr"/>
-            <a:r>
-              <a:rPr lang="zh-TW" altLang="en-US" sz="1800" b="1" dirty="0">
-                <a:latin typeface="Microsoft JhengHei Light" panose="020B0304030504040204" pitchFamily="34" charset="-120"/>
-                <a:ea typeface="Microsoft JhengHei Light" panose="020B0304030504040204" pitchFamily="34" charset="-120"/>
-              </a:rPr>
-              <a:t>瀏覽器</a:t>
-            </a:r>
-            <a:endParaRPr lang="en-US" altLang="zh-TW" sz="1800" b="1" dirty="0">
-              <a:latin typeface="Microsoft JhengHei Light" panose="020B0304030504040204" pitchFamily="34" charset="-120"/>
-              <a:ea typeface="Microsoft JhengHei Light" panose="020B0304030504040204" pitchFamily="34" charset="-120"/>
-            </a:endParaRPr>
-          </a:p>
-        </p:txBody>
-      </p:sp>
-      <p:sp>
-        <p:nvSpPr>
-          <p:cNvPr id="5" name="矩形: 圓角 4">
-            <a:extLst>
-              <a:ext uri="{FF2B5EF4-FFF2-40B4-BE49-F238E27FC236}">
-                <a16:creationId xmlns:a16="http://schemas.microsoft.com/office/drawing/2014/main" id="{D1F9721E-A1C9-3192-F07C-8CB44242E145}"/>
-              </a:ext>
-            </a:extLst>
-          </p:cNvPr>
-          <p:cNvSpPr/>
-          <p:nvPr/>
-        </p:nvSpPr>
-        <p:spPr>
-          <a:xfrm>
-            <a:off x="6164821" y="5039281"/>
-            <a:ext cx="1498027" cy="865240"/>
-          </a:xfrm>
-          <a:prstGeom prst="roundRect">
-            <a:avLst/>
-          </a:prstGeom>
-        </p:spPr>
-        <p:style>
-          <a:lnRef idx="2">
-            <a:schemeClr val="accent1">
-              <a:shade val="15000"/>
-            </a:schemeClr>
-          </a:lnRef>
-          <a:fillRef idx="1">
-            <a:schemeClr val="accent1"/>
-          </a:fillRef>
-          <a:effectRef idx="0">
-            <a:schemeClr val="accent1"/>
-          </a:effectRef>
-          <a:fontRef idx="minor">
-            <a:schemeClr val="lt1"/>
-          </a:fontRef>
-        </p:style>
-        <p:txBody>
-          <a:bodyPr rtlCol="0" anchor="ctr"/>
-          <a:lstStyle/>
-          <a:p>
-            <a:pPr algn="ctr"/>
-            <a:r>
-              <a:rPr lang="en-US" altLang="zh-TW" sz="1800" dirty="0"/>
-              <a:t>IDP</a:t>
-            </a:r>
-          </a:p>
-          <a:p>
-            <a:pPr algn="ctr"/>
-            <a:r>
-              <a:rPr lang="en-US" altLang="zh-TW" sz="1800" dirty="0"/>
-              <a:t>(LDAP)</a:t>
-            </a:r>
-          </a:p>
-        </p:txBody>
-      </p:sp>
-      <p:sp>
-        <p:nvSpPr>
-          <p:cNvPr id="6" name="矩形: 圓角 5">
-            <a:extLst>
-              <a:ext uri="{FF2B5EF4-FFF2-40B4-BE49-F238E27FC236}">
-                <a16:creationId xmlns:a16="http://schemas.microsoft.com/office/drawing/2014/main" id="{6DE0CA9B-8435-BC6C-AC0B-E42CEE577E15}"/>
-              </a:ext>
-            </a:extLst>
-          </p:cNvPr>
-          <p:cNvSpPr/>
-          <p:nvPr/>
-        </p:nvSpPr>
-        <p:spPr>
-          <a:xfrm>
-            <a:off x="6164822" y="1592455"/>
-            <a:ext cx="1498027" cy="865240"/>
-          </a:xfrm>
-          <a:prstGeom prst="roundRect">
-            <a:avLst/>
-          </a:prstGeom>
-        </p:spPr>
-        <p:style>
-          <a:lnRef idx="2">
-            <a:schemeClr val="accent1">
-              <a:shade val="15000"/>
-            </a:schemeClr>
-          </a:lnRef>
-          <a:fillRef idx="1">
-            <a:schemeClr val="accent1"/>
-          </a:fillRef>
-          <a:effectRef idx="0">
-            <a:schemeClr val="accent1"/>
-          </a:effectRef>
-          <a:fontRef idx="minor">
-            <a:schemeClr val="lt1"/>
-          </a:fontRef>
-        </p:style>
-        <p:txBody>
-          <a:bodyPr rtlCol="0" anchor="ctr"/>
-          <a:lstStyle/>
-          <a:p>
-            <a:pPr algn="ctr"/>
-            <a:r>
-              <a:rPr lang="en-US" altLang="zh-TW" sz="1800" dirty="0"/>
-              <a:t>SP</a:t>
-            </a:r>
-          </a:p>
-          <a:p>
-            <a:pPr algn="ctr"/>
-            <a:r>
-              <a:rPr lang="en-US" altLang="zh-TW" sz="1800" dirty="0"/>
-              <a:t>(AP Server)</a:t>
-            </a:r>
-          </a:p>
-        </p:txBody>
-      </p:sp>
-      <p:sp>
-        <p:nvSpPr>
-          <p:cNvPr id="7" name="矩形: 圓角 6">
-            <a:extLst>
-              <a:ext uri="{FF2B5EF4-FFF2-40B4-BE49-F238E27FC236}">
-                <a16:creationId xmlns:a16="http://schemas.microsoft.com/office/drawing/2014/main" id="{9C08CC98-B106-EE17-0CD5-13711BB8E0F9}"/>
-              </a:ext>
-            </a:extLst>
-          </p:cNvPr>
-          <p:cNvSpPr/>
-          <p:nvPr/>
-        </p:nvSpPr>
-        <p:spPr>
-          <a:xfrm>
-            <a:off x="6164822" y="3460552"/>
-            <a:ext cx="1498027" cy="865240"/>
-          </a:xfrm>
-          <a:prstGeom prst="roundRect">
-            <a:avLst/>
-          </a:prstGeom>
-        </p:spPr>
-        <p:style>
-          <a:lnRef idx="2">
-            <a:schemeClr val="accent1">
-              <a:shade val="15000"/>
-            </a:schemeClr>
-          </a:lnRef>
-          <a:fillRef idx="1">
-            <a:schemeClr val="accent1"/>
-          </a:fillRef>
-          <a:effectRef idx="0">
-            <a:schemeClr val="accent1"/>
-          </a:effectRef>
-          <a:fontRef idx="minor">
-            <a:schemeClr val="lt1"/>
-          </a:fontRef>
-        </p:style>
-        <p:txBody>
-          <a:bodyPr rtlCol="0" anchor="ctr"/>
-          <a:lstStyle/>
-          <a:p>
-            <a:pPr algn="ctr"/>
-            <a:r>
-              <a:rPr lang="en-US" altLang="zh-TW" sz="1800" dirty="0"/>
-              <a:t>SSO</a:t>
-            </a:r>
-          </a:p>
-          <a:p>
-            <a:pPr algn="ctr"/>
-            <a:r>
-              <a:rPr lang="en-US" altLang="zh-TW" sz="1800" dirty="0"/>
-              <a:t>(</a:t>
-            </a:r>
-            <a:r>
-              <a:rPr lang="en-US" altLang="zh-TW" sz="1800" dirty="0" err="1"/>
-              <a:t>Keycloak</a:t>
-            </a:r>
-            <a:r>
-              <a:rPr lang="en-US" altLang="zh-TW" sz="1800" dirty="0"/>
-              <a:t>)</a:t>
-            </a:r>
-          </a:p>
-        </p:txBody>
-      </p:sp>
-      <p:cxnSp>
-        <p:nvCxnSpPr>
-          <p:cNvPr id="24" name="直線單箭頭接點 23">
-            <a:extLst>
-              <a:ext uri="{FF2B5EF4-FFF2-40B4-BE49-F238E27FC236}">
-                <a16:creationId xmlns:a16="http://schemas.microsoft.com/office/drawing/2014/main" id="{7C7095ED-1B39-A1BB-14B6-7FCDB49559FB}"/>
-              </a:ext>
-            </a:extLst>
-          </p:cNvPr>
-          <p:cNvCxnSpPr>
-            <a:cxnSpLocks/>
-            <a:endCxn id="6" idx="1"/>
-          </p:cNvCxnSpPr>
-          <p:nvPr/>
-        </p:nvCxnSpPr>
-        <p:spPr>
-          <a:xfrm flipV="1">
-            <a:off x="2492477" y="2025075"/>
-            <a:ext cx="3672345" cy="1612860"/>
-          </a:xfrm>
-          <a:prstGeom prst="straightConnector1">
-            <a:avLst/>
-          </a:prstGeom>
-          <a:ln>
-            <a:headEnd type="arrow" w="med" len="med"/>
-            <a:tailEnd type="arrow" w="med" len="med"/>
-          </a:ln>
-        </p:spPr>
-        <p:style>
-          <a:lnRef idx="2">
-            <a:schemeClr val="dk1"/>
-          </a:lnRef>
-          <a:fillRef idx="0">
-            <a:schemeClr val="dk1"/>
-          </a:fillRef>
-          <a:effectRef idx="1">
-            <a:schemeClr val="dk1"/>
-          </a:effectRef>
-          <a:fontRef idx="minor">
-            <a:schemeClr val="tx1"/>
-          </a:fontRef>
-        </p:style>
-      </p:cxnSp>
-      <p:cxnSp>
-        <p:nvCxnSpPr>
-          <p:cNvPr id="50" name="直線單箭頭接點 49">
-            <a:extLst>
-              <a:ext uri="{FF2B5EF4-FFF2-40B4-BE49-F238E27FC236}">
-                <a16:creationId xmlns:a16="http://schemas.microsoft.com/office/drawing/2014/main" id="{C48F6EB3-2D9D-2BEF-A11B-B3A45F84F2F0}"/>
-              </a:ext>
-            </a:extLst>
-          </p:cNvPr>
-          <p:cNvCxnSpPr>
-            <a:cxnSpLocks/>
-            <a:stCxn id="4" idx="3"/>
-            <a:endCxn id="7" idx="1"/>
-          </p:cNvCxnSpPr>
-          <p:nvPr/>
-        </p:nvCxnSpPr>
-        <p:spPr>
-          <a:xfrm>
-            <a:off x="2492477" y="3893172"/>
-            <a:ext cx="3672345" cy="0"/>
-          </a:xfrm>
-          <a:prstGeom prst="straightConnector1">
-            <a:avLst/>
-          </a:prstGeom>
-          <a:ln>
-            <a:headEnd type="arrow" w="med" len="med"/>
-            <a:tailEnd type="arrow" w="med" len="med"/>
-          </a:ln>
-        </p:spPr>
-        <p:style>
-          <a:lnRef idx="2">
-            <a:schemeClr val="dk1"/>
-          </a:lnRef>
-          <a:fillRef idx="0">
-            <a:schemeClr val="dk1"/>
-          </a:fillRef>
-          <a:effectRef idx="1">
-            <a:schemeClr val="dk1"/>
-          </a:effectRef>
-          <a:fontRef idx="minor">
-            <a:schemeClr val="tx1"/>
-          </a:fontRef>
-        </p:style>
-      </p:cxnSp>
-      <p:cxnSp>
-        <p:nvCxnSpPr>
-          <p:cNvPr id="53" name="直線單箭頭接點 52">
-            <a:extLst>
-              <a:ext uri="{FF2B5EF4-FFF2-40B4-BE49-F238E27FC236}">
-                <a16:creationId xmlns:a16="http://schemas.microsoft.com/office/drawing/2014/main" id="{AC7B924B-FE9D-F408-8CE9-3FA6C3404990}"/>
-              </a:ext>
-            </a:extLst>
-          </p:cNvPr>
-          <p:cNvCxnSpPr>
-            <a:cxnSpLocks/>
-            <a:endCxn id="5" idx="1"/>
-          </p:cNvCxnSpPr>
-          <p:nvPr/>
-        </p:nvCxnSpPr>
-        <p:spPr>
-          <a:xfrm>
-            <a:off x="2492477" y="4109884"/>
-            <a:ext cx="3672344" cy="1362017"/>
-          </a:xfrm>
-          <a:prstGeom prst="straightConnector1">
-            <a:avLst/>
-          </a:prstGeom>
-          <a:ln>
-            <a:headEnd type="arrow" w="med" len="med"/>
-            <a:tailEnd type="arrow" w="med" len="med"/>
-          </a:ln>
-        </p:spPr>
-        <p:style>
-          <a:lnRef idx="2">
-            <a:schemeClr val="dk1"/>
-          </a:lnRef>
-          <a:fillRef idx="0">
-            <a:schemeClr val="dk1"/>
-          </a:fillRef>
-          <a:effectRef idx="1">
-            <a:schemeClr val="dk1"/>
-          </a:effectRef>
-          <a:fontRef idx="minor">
-            <a:schemeClr val="tx1"/>
-          </a:fontRef>
-        </p:style>
-      </p:cxnSp>
-      <p:sp>
-        <p:nvSpPr>
-          <p:cNvPr id="57" name="文字方塊 56">
-            <a:extLst>
-              <a:ext uri="{FF2B5EF4-FFF2-40B4-BE49-F238E27FC236}">
-                <a16:creationId xmlns:a16="http://schemas.microsoft.com/office/drawing/2014/main" id="{E245F5D6-B16B-8276-D2F2-892CADA306A1}"/>
-              </a:ext>
-            </a:extLst>
-          </p:cNvPr>
-          <p:cNvSpPr txBox="1"/>
-          <p:nvPr/>
-        </p:nvSpPr>
-        <p:spPr>
-          <a:xfrm rot="20242079">
-            <a:off x="3429929" y="1898752"/>
-            <a:ext cx="1210588" cy="369332"/>
-          </a:xfrm>
-          <a:prstGeom prst="rect">
-            <a:avLst/>
-          </a:prstGeom>
-          <a:noFill/>
-        </p:spPr>
-        <p:txBody>
-          <a:bodyPr wrap="none" rtlCol="0">
-            <a:spAutoFit/>
+          <a:bodyPr spcFirstLastPara="1" wrap="square" lIns="91425" tIns="91425" rIns="91425" bIns="91425" anchor="t" anchorCtr="0">
+            <a:normAutofit/>
           </a:bodyPr>
           <a:lstStyle/>
           <a:p>
-            <a:r>
-              <a:rPr lang="en-US" altLang="zh-TW" sz="1800" dirty="0"/>
-              <a:t>0. </a:t>
-            </a:r>
-            <a:r>
-              <a:rPr lang="zh-TW" altLang="en-US" sz="1800" dirty="0"/>
-              <a:t>訪問</a:t>
-            </a:r>
-            <a:r>
-              <a:rPr lang="en-US" altLang="zh-TW" sz="1800" dirty="0"/>
-              <a:t>SP</a:t>
-            </a:r>
-            <a:endParaRPr lang="zh-TW" altLang="en-US" sz="1800" dirty="0"/>
-          </a:p>
-        </p:txBody>
-      </p:sp>
-      <p:sp>
-        <p:nvSpPr>
-          <p:cNvPr id="63" name="文字方塊 62">
-            <a:extLst>
-              <a:ext uri="{FF2B5EF4-FFF2-40B4-BE49-F238E27FC236}">
-                <a16:creationId xmlns:a16="http://schemas.microsoft.com/office/drawing/2014/main" id="{59DD60D6-F144-E644-F1CB-AD84DCB3AD6F}"/>
-              </a:ext>
-            </a:extLst>
-          </p:cNvPr>
-          <p:cNvSpPr txBox="1"/>
-          <p:nvPr/>
-        </p:nvSpPr>
-        <p:spPr>
-          <a:xfrm rot="20877796">
-            <a:off x="3520214" y="3141402"/>
-            <a:ext cx="2454518" cy="369332"/>
-          </a:xfrm>
-          <a:prstGeom prst="rect">
-            <a:avLst/>
-          </a:prstGeom>
-          <a:noFill/>
-        </p:spPr>
-        <p:txBody>
-          <a:bodyPr wrap="none" rtlCol="0">
-            <a:spAutoFit/>
-          </a:bodyPr>
-          <a:lstStyle/>
-          <a:p>
-            <a:r>
-              <a:rPr lang="en-US" altLang="zh-TW" sz="1800" dirty="0"/>
-              <a:t>2a. </a:t>
-            </a:r>
-            <a:r>
-              <a:rPr lang="zh-TW" altLang="en-US" sz="1800" dirty="0"/>
-              <a:t>轉導</a:t>
-            </a:r>
-            <a:r>
-              <a:rPr lang="en-US" altLang="zh-TW" sz="1800" dirty="0"/>
-              <a:t>SSO</a:t>
-            </a:r>
-            <a:r>
-              <a:rPr lang="zh-TW" altLang="en-US" sz="1800" dirty="0"/>
-              <a:t>認證</a:t>
-            </a:r>
-            <a:r>
-              <a:rPr lang="en-US" altLang="zh-TW" sz="1800" dirty="0"/>
-              <a:t>URI</a:t>
-            </a:r>
-            <a:endParaRPr lang="zh-TW" altLang="en-US" sz="1800" dirty="0"/>
-          </a:p>
-        </p:txBody>
-      </p:sp>
-      <p:sp>
-        <p:nvSpPr>
-          <p:cNvPr id="64" name="文字方塊 63">
-            <a:extLst>
-              <a:ext uri="{FF2B5EF4-FFF2-40B4-BE49-F238E27FC236}">
-                <a16:creationId xmlns:a16="http://schemas.microsoft.com/office/drawing/2014/main" id="{3AC47226-78E0-B452-0D29-B12974A146BF}"/>
-              </a:ext>
-            </a:extLst>
-          </p:cNvPr>
-          <p:cNvSpPr txBox="1"/>
-          <p:nvPr/>
-        </p:nvSpPr>
-        <p:spPr>
-          <a:xfrm rot="503505">
-            <a:off x="3552274" y="4202025"/>
-            <a:ext cx="2390398" cy="369332"/>
-          </a:xfrm>
-          <a:prstGeom prst="rect">
-            <a:avLst/>
-          </a:prstGeom>
-          <a:noFill/>
-        </p:spPr>
-        <p:txBody>
-          <a:bodyPr wrap="none" rtlCol="0">
-            <a:spAutoFit/>
-          </a:bodyPr>
-          <a:lstStyle/>
-          <a:p>
-            <a:r>
-              <a:rPr lang="en-US" altLang="zh-TW" sz="1800" dirty="0"/>
-              <a:t>2b. </a:t>
-            </a:r>
-            <a:r>
-              <a:rPr lang="zh-TW" altLang="en-US" sz="1800" dirty="0"/>
-              <a:t>轉導身分認證</a:t>
-            </a:r>
-            <a:r>
-              <a:rPr lang="en-US" altLang="zh-TW" sz="1800" dirty="0"/>
-              <a:t>URI</a:t>
-            </a:r>
-            <a:endParaRPr lang="zh-TW" altLang="en-US" sz="1800" dirty="0"/>
-          </a:p>
-        </p:txBody>
-      </p:sp>
-      <p:sp>
-        <p:nvSpPr>
-          <p:cNvPr id="66" name="文字方塊 65">
-            <a:extLst>
-              <a:ext uri="{FF2B5EF4-FFF2-40B4-BE49-F238E27FC236}">
-                <a16:creationId xmlns:a16="http://schemas.microsoft.com/office/drawing/2014/main" id="{54E7BCFD-8CD6-B289-E69E-0226153ED546}"/>
-              </a:ext>
-            </a:extLst>
-          </p:cNvPr>
-          <p:cNvSpPr txBox="1"/>
-          <p:nvPr/>
-        </p:nvSpPr>
-        <p:spPr>
-          <a:xfrm rot="1400504">
-            <a:off x="2787202" y="5045211"/>
-            <a:ext cx="3082895" cy="369332"/>
-          </a:xfrm>
-          <a:prstGeom prst="rect">
-            <a:avLst/>
-          </a:prstGeom>
-          <a:noFill/>
-        </p:spPr>
-        <p:txBody>
-          <a:bodyPr wrap="none" rtlCol="0">
-            <a:spAutoFit/>
-          </a:bodyPr>
-          <a:lstStyle/>
-          <a:p>
-            <a:r>
-              <a:rPr lang="en-US" altLang="zh-TW" sz="1800" dirty="0"/>
-              <a:t>3. </a:t>
-            </a:r>
-            <a:r>
-              <a:rPr lang="zh-TW" altLang="en-US" sz="1800" dirty="0"/>
-              <a:t>登入成功取得授權</a:t>
-            </a:r>
-            <a:r>
-              <a:rPr lang="en-US" altLang="zh-TW" sz="1800" dirty="0"/>
-              <a:t>(Token)</a:t>
-            </a:r>
-            <a:endParaRPr lang="zh-TW" altLang="en-US" sz="1800" dirty="0"/>
-          </a:p>
-        </p:txBody>
-      </p:sp>
-      <p:sp>
-        <p:nvSpPr>
-          <p:cNvPr id="67" name="文字方塊 66">
-            <a:extLst>
-              <a:ext uri="{FF2B5EF4-FFF2-40B4-BE49-F238E27FC236}">
-                <a16:creationId xmlns:a16="http://schemas.microsoft.com/office/drawing/2014/main" id="{F98E5A2D-FA06-A7B0-76D3-588B2CE57130}"/>
-              </a:ext>
-            </a:extLst>
-          </p:cNvPr>
-          <p:cNvSpPr txBox="1"/>
-          <p:nvPr/>
-        </p:nvSpPr>
-        <p:spPr>
-          <a:xfrm rot="20160545">
-            <a:off x="3359399" y="2290177"/>
-            <a:ext cx="1903085" cy="369332"/>
-          </a:xfrm>
-          <a:prstGeom prst="rect">
-            <a:avLst/>
-          </a:prstGeom>
-          <a:noFill/>
-        </p:spPr>
-        <p:txBody>
-          <a:bodyPr wrap="none" rtlCol="0">
-            <a:spAutoFit/>
-          </a:bodyPr>
-          <a:lstStyle/>
-          <a:p>
-            <a:r>
-              <a:rPr lang="en-US" altLang="zh-TW" sz="1800" dirty="0"/>
-              <a:t>4.</a:t>
-            </a:r>
-            <a:r>
-              <a:rPr lang="zh-TW" altLang="en-US" sz="1800" dirty="0"/>
-              <a:t> 有授權訪問</a:t>
-            </a:r>
-            <a:r>
-              <a:rPr lang="en-US" altLang="zh-TW" sz="1800" dirty="0"/>
-              <a:t>SP</a:t>
-            </a:r>
-            <a:endParaRPr lang="zh-TW" altLang="en-US" sz="1800" dirty="0"/>
-          </a:p>
-        </p:txBody>
-      </p:sp>
-      <p:cxnSp>
-        <p:nvCxnSpPr>
-          <p:cNvPr id="78" name="直線單箭頭接點 77">
-            <a:extLst>
-              <a:ext uri="{FF2B5EF4-FFF2-40B4-BE49-F238E27FC236}">
-                <a16:creationId xmlns:a16="http://schemas.microsoft.com/office/drawing/2014/main" id="{EBB0F2D1-F5BA-54D6-348C-52333E70579A}"/>
-              </a:ext>
-            </a:extLst>
-          </p:cNvPr>
-          <p:cNvCxnSpPr>
-            <a:cxnSpLocks/>
-            <a:stCxn id="7" idx="0"/>
-            <a:endCxn id="6" idx="2"/>
-          </p:cNvCxnSpPr>
-          <p:nvPr/>
-        </p:nvCxnSpPr>
-        <p:spPr>
-          <a:xfrm flipV="1">
-            <a:off x="6913836" y="2457695"/>
-            <a:ext cx="0" cy="1002857"/>
-          </a:xfrm>
-          <a:prstGeom prst="straightConnector1">
-            <a:avLst/>
-          </a:prstGeom>
-          <a:ln>
-            <a:headEnd type="arrow" w="med" len="med"/>
-            <a:tailEnd type="arrow" w="med" len="med"/>
-          </a:ln>
-        </p:spPr>
-        <p:style>
-          <a:lnRef idx="2">
-            <a:schemeClr val="dk1"/>
-          </a:lnRef>
-          <a:fillRef idx="0">
-            <a:schemeClr val="dk1"/>
-          </a:fillRef>
-          <a:effectRef idx="1">
-            <a:schemeClr val="dk1"/>
-          </a:effectRef>
-          <a:fontRef idx="minor">
-            <a:schemeClr val="tx1"/>
-          </a:fontRef>
-        </p:style>
-      </p:cxnSp>
-      <p:sp>
-        <p:nvSpPr>
-          <p:cNvPr id="81" name="文字方塊 80">
-            <a:extLst>
-              <a:ext uri="{FF2B5EF4-FFF2-40B4-BE49-F238E27FC236}">
-                <a16:creationId xmlns:a16="http://schemas.microsoft.com/office/drawing/2014/main" id="{8A064E52-D2B6-1A4E-41D5-B937DD254704}"/>
-              </a:ext>
-            </a:extLst>
-          </p:cNvPr>
-          <p:cNvSpPr txBox="1"/>
-          <p:nvPr/>
-        </p:nvSpPr>
-        <p:spPr>
-          <a:xfrm>
-            <a:off x="6913834" y="2595312"/>
-            <a:ext cx="1826141" cy="369332"/>
-          </a:xfrm>
-          <a:prstGeom prst="rect">
-            <a:avLst/>
-          </a:prstGeom>
-          <a:noFill/>
-        </p:spPr>
-        <p:txBody>
-          <a:bodyPr wrap="none" rtlCol="0">
-            <a:spAutoFit/>
-          </a:bodyPr>
-          <a:lstStyle/>
-          <a:p>
-            <a:r>
-              <a:rPr lang="en-US" altLang="zh-TW" sz="1800" dirty="0"/>
-              <a:t>1. </a:t>
-            </a:r>
-            <a:r>
-              <a:rPr lang="zh-TW" altLang="en-US" sz="1800" dirty="0"/>
-              <a:t>判斷有無授權</a:t>
-            </a:r>
-          </a:p>
-        </p:txBody>
-      </p:sp>
-      <p:sp>
-        <p:nvSpPr>
-          <p:cNvPr id="2" name="文字方塊 1">
-            <a:extLst>
-              <a:ext uri="{FF2B5EF4-FFF2-40B4-BE49-F238E27FC236}">
-                <a16:creationId xmlns:a16="http://schemas.microsoft.com/office/drawing/2014/main" id="{34C8BE03-5D90-E699-E27B-A2EA5048FC2C}"/>
-              </a:ext>
-            </a:extLst>
-          </p:cNvPr>
-          <p:cNvSpPr txBox="1"/>
-          <p:nvPr/>
-        </p:nvSpPr>
-        <p:spPr>
-          <a:xfrm>
-            <a:off x="6913834" y="2969744"/>
-            <a:ext cx="2056973" cy="369332"/>
-          </a:xfrm>
-          <a:prstGeom prst="rect">
-            <a:avLst/>
-          </a:prstGeom>
-          <a:noFill/>
-        </p:spPr>
-        <p:txBody>
-          <a:bodyPr wrap="none" rtlCol="0">
-            <a:spAutoFit/>
-          </a:bodyPr>
-          <a:lstStyle/>
-          <a:p>
-            <a:r>
-              <a:rPr lang="en-US" altLang="zh-TW" sz="1800" dirty="0"/>
-              <a:t>5. </a:t>
-            </a:r>
-            <a:r>
-              <a:rPr lang="zh-TW" altLang="en-US" sz="1800" dirty="0"/>
-              <a:t>取得使用者資訊</a:t>
+            <a:pPr indent="-457200">
+              <a:spcAft>
+                <a:spcPts val="1200"/>
+              </a:spcAft>
+            </a:pPr>
+            <a:r>
+              <a:rPr lang="en-US" altLang="zh-TW" sz="2800" dirty="0"/>
+              <a:t>OAuth/OIDC</a:t>
+            </a:r>
+          </a:p>
+          <a:p>
+            <a:pPr lvl="1" indent="-457200">
+              <a:spcAft>
+                <a:spcPts val="1200"/>
+              </a:spcAft>
+            </a:pPr>
+            <a:r>
+              <a:rPr lang="zh-TW" altLang="en-US" sz="2400" dirty="0"/>
+              <a:t>取得</a:t>
+            </a:r>
+            <a:r>
+              <a:rPr lang="en-US" altLang="zh-TW" sz="2400" dirty="0"/>
+              <a:t>Token (Client)</a:t>
+            </a:r>
+          </a:p>
+          <a:p>
+            <a:pPr lvl="1" indent="-457200">
+              <a:spcAft>
+                <a:spcPts val="1200"/>
+              </a:spcAft>
+            </a:pPr>
+            <a:r>
+              <a:rPr lang="zh-TW" altLang="en-US" sz="2400" dirty="0"/>
+              <a:t>驗證</a:t>
+            </a:r>
+            <a:r>
+              <a:rPr lang="en-US" altLang="zh-TW" sz="2400" dirty="0"/>
+              <a:t>/</a:t>
+            </a:r>
+            <a:r>
+              <a:rPr lang="zh-TW" altLang="en-US" sz="2400" dirty="0"/>
+              <a:t>解析</a:t>
+            </a:r>
+            <a:r>
+              <a:rPr lang="en-US" altLang="zh-TW" sz="2400" dirty="0"/>
+              <a:t>Token (Resource Server)</a:t>
+            </a:r>
+          </a:p>
+          <a:p>
+            <a:pPr lvl="1" indent="-457200">
+              <a:spcAft>
+                <a:spcPts val="1200"/>
+              </a:spcAft>
+            </a:pPr>
+            <a:r>
+              <a:rPr lang="zh-TW" altLang="en-US" sz="2400" dirty="0"/>
+              <a:t>更新</a:t>
+            </a:r>
+            <a:r>
+              <a:rPr lang="en-US" altLang="zh-TW" sz="2400" dirty="0"/>
+              <a:t>Token (Client / Resource Server)</a:t>
+            </a:r>
+          </a:p>
+          <a:p>
+            <a:pPr indent="-457200">
+              <a:spcAft>
+                <a:spcPts val="1200"/>
+              </a:spcAft>
+            </a:pPr>
+            <a:r>
+              <a:rPr lang="en-US" altLang="zh-TW" sz="2800" dirty="0"/>
+              <a:t>SAML</a:t>
+            </a:r>
+          </a:p>
+          <a:p>
+            <a:pPr lvl="1" indent="-457200">
+              <a:spcAft>
+                <a:spcPts val="1200"/>
+              </a:spcAft>
+            </a:pPr>
+            <a:r>
+              <a:rPr lang="zh-TW" altLang="en-US" sz="2400" dirty="0"/>
+              <a:t>發送</a:t>
+            </a:r>
+            <a:r>
+              <a:rPr lang="en-US" altLang="zh-TW" sz="2400" dirty="0"/>
+              <a:t>SAML </a:t>
+            </a:r>
+            <a:r>
+              <a:rPr lang="en-US" altLang="zh-TW" sz="2400" dirty="0" err="1"/>
+              <a:t>Authn</a:t>
+            </a:r>
+            <a:r>
+              <a:rPr lang="en-US" altLang="zh-TW" sz="2400" dirty="0"/>
+              <a:t> Request (SP</a:t>
+            </a:r>
+            <a:r>
+              <a:rPr lang="zh-TW" altLang="en-US" sz="2400" dirty="0"/>
+              <a:t>私鑰加簽</a:t>
+            </a:r>
+            <a:r>
+              <a:rPr lang="en-US" altLang="zh-TW" sz="2400" dirty="0"/>
+              <a:t>)</a:t>
+            </a:r>
+          </a:p>
+          <a:p>
+            <a:pPr lvl="1" indent="-457200">
+              <a:spcAft>
+                <a:spcPts val="1200"/>
+              </a:spcAft>
+            </a:pPr>
+            <a:r>
+              <a:rPr lang="zh-TW" altLang="en-US" sz="2400" dirty="0"/>
+              <a:t>接收</a:t>
+            </a:r>
+            <a:r>
+              <a:rPr lang="en-US" altLang="zh-TW" sz="2400" dirty="0"/>
+              <a:t>SAML Assertion Response (IDP</a:t>
+            </a:r>
+            <a:r>
+              <a:rPr lang="zh-TW" altLang="en-US" sz="2400" dirty="0"/>
+              <a:t>公鑰解簽</a:t>
+            </a:r>
+            <a:r>
+              <a:rPr lang="en-US" altLang="zh-TW" sz="2400" dirty="0"/>
+              <a:t>)</a:t>
             </a:r>
           </a:p>
         </p:txBody>
@@ -9807,7 +9584,7 @@
     </p:spTree>
     <p:extLst>
       <p:ext uri="{BB962C8B-B14F-4D97-AF65-F5344CB8AC3E}">
-        <p14:creationId xmlns:p14="http://schemas.microsoft.com/office/powerpoint/2010/main" val="2935958756"/>
+        <p14:creationId xmlns:p14="http://schemas.microsoft.com/office/powerpoint/2010/main" val="2444839172"/>
       </p:ext>
     </p:extLst>
   </p:cSld>
@@ -9869,6 +9646,850 @@
               <a:buNone/>
             </a:pPr>
             <a:r>
+              <a:rPr lang="zh-TW" altLang="en-US" sz="3600" dirty="0"/>
+              <a:t>普遍狀況</a:t>
+            </a:r>
+            <a:endParaRPr sz="3600" dirty="0"/>
+          </a:p>
+        </p:txBody>
+      </p:sp>
+      <p:sp>
+        <p:nvSpPr>
+          <p:cNvPr id="4" name="矩形: 圓角 3">
+            <a:extLst>
+              <a:ext uri="{FF2B5EF4-FFF2-40B4-BE49-F238E27FC236}">
+                <a16:creationId xmlns:a16="http://schemas.microsoft.com/office/drawing/2014/main" id="{E965DD2C-8FF7-9E9D-8B36-C1D22F6EC872}"/>
+              </a:ext>
+            </a:extLst>
+          </p:cNvPr>
+          <p:cNvSpPr/>
+          <p:nvPr/>
+        </p:nvSpPr>
+        <p:spPr>
+          <a:xfrm>
+            <a:off x="994450" y="3460552"/>
+            <a:ext cx="1498027" cy="865240"/>
+          </a:xfrm>
+          <a:prstGeom prst="roundRect">
+            <a:avLst/>
+          </a:prstGeom>
+        </p:spPr>
+        <p:style>
+          <a:lnRef idx="2">
+            <a:schemeClr val="accent1">
+              <a:shade val="15000"/>
+            </a:schemeClr>
+          </a:lnRef>
+          <a:fillRef idx="1">
+            <a:schemeClr val="accent1"/>
+          </a:fillRef>
+          <a:effectRef idx="0">
+            <a:schemeClr val="accent1"/>
+          </a:effectRef>
+          <a:fontRef idx="minor">
+            <a:schemeClr val="lt1"/>
+          </a:fontRef>
+        </p:style>
+        <p:txBody>
+          <a:bodyPr rtlCol="0" anchor="ctr"/>
+          <a:lstStyle/>
+          <a:p>
+            <a:pPr algn="ctr"/>
+            <a:r>
+              <a:rPr lang="zh-TW" altLang="en-US" sz="1800" b="1" dirty="0">
+                <a:latin typeface="Microsoft JhengHei Light" panose="020B0304030504040204" pitchFamily="34" charset="-120"/>
+                <a:ea typeface="Microsoft JhengHei Light" panose="020B0304030504040204" pitchFamily="34" charset="-120"/>
+              </a:rPr>
+              <a:t>瀏覽器</a:t>
+            </a:r>
+            <a:endParaRPr lang="en-US" altLang="zh-TW" sz="1800" b="1" dirty="0">
+              <a:latin typeface="Microsoft JhengHei Light" panose="020B0304030504040204" pitchFamily="34" charset="-120"/>
+              <a:ea typeface="Microsoft JhengHei Light" panose="020B0304030504040204" pitchFamily="34" charset="-120"/>
+            </a:endParaRPr>
+          </a:p>
+        </p:txBody>
+      </p:sp>
+      <p:sp>
+        <p:nvSpPr>
+          <p:cNvPr id="5" name="矩形: 圓角 4">
+            <a:extLst>
+              <a:ext uri="{FF2B5EF4-FFF2-40B4-BE49-F238E27FC236}">
+                <a16:creationId xmlns:a16="http://schemas.microsoft.com/office/drawing/2014/main" id="{D1F9721E-A1C9-3192-F07C-8CB44242E145}"/>
+              </a:ext>
+            </a:extLst>
+          </p:cNvPr>
+          <p:cNvSpPr/>
+          <p:nvPr/>
+        </p:nvSpPr>
+        <p:spPr>
+          <a:xfrm>
+            <a:off x="6164821" y="5039281"/>
+            <a:ext cx="1498027" cy="865240"/>
+          </a:xfrm>
+          <a:prstGeom prst="roundRect">
+            <a:avLst/>
+          </a:prstGeom>
+        </p:spPr>
+        <p:style>
+          <a:lnRef idx="2">
+            <a:schemeClr val="accent1">
+              <a:shade val="15000"/>
+            </a:schemeClr>
+          </a:lnRef>
+          <a:fillRef idx="1">
+            <a:schemeClr val="accent1"/>
+          </a:fillRef>
+          <a:effectRef idx="0">
+            <a:schemeClr val="accent1"/>
+          </a:effectRef>
+          <a:fontRef idx="minor">
+            <a:schemeClr val="lt1"/>
+          </a:fontRef>
+        </p:style>
+        <p:txBody>
+          <a:bodyPr rtlCol="0" anchor="ctr"/>
+          <a:lstStyle/>
+          <a:p>
+            <a:pPr algn="ctr"/>
+            <a:r>
+              <a:rPr lang="en-US" altLang="zh-TW" sz="1800" dirty="0"/>
+              <a:t>IDP</a:t>
+            </a:r>
+          </a:p>
+          <a:p>
+            <a:pPr algn="ctr"/>
+            <a:r>
+              <a:rPr lang="en-US" altLang="zh-TW" sz="1800" dirty="0"/>
+              <a:t>(LDAP)</a:t>
+            </a:r>
+          </a:p>
+        </p:txBody>
+      </p:sp>
+      <p:sp>
+        <p:nvSpPr>
+          <p:cNvPr id="6" name="矩形: 圓角 5">
+            <a:extLst>
+              <a:ext uri="{FF2B5EF4-FFF2-40B4-BE49-F238E27FC236}">
+                <a16:creationId xmlns:a16="http://schemas.microsoft.com/office/drawing/2014/main" id="{6DE0CA9B-8435-BC6C-AC0B-E42CEE577E15}"/>
+              </a:ext>
+            </a:extLst>
+          </p:cNvPr>
+          <p:cNvSpPr/>
+          <p:nvPr/>
+        </p:nvSpPr>
+        <p:spPr>
+          <a:xfrm>
+            <a:off x="6164822" y="1592455"/>
+            <a:ext cx="1498027" cy="865240"/>
+          </a:xfrm>
+          <a:prstGeom prst="roundRect">
+            <a:avLst/>
+          </a:prstGeom>
+        </p:spPr>
+        <p:style>
+          <a:lnRef idx="2">
+            <a:schemeClr val="accent1">
+              <a:shade val="15000"/>
+            </a:schemeClr>
+          </a:lnRef>
+          <a:fillRef idx="1">
+            <a:schemeClr val="accent1"/>
+          </a:fillRef>
+          <a:effectRef idx="0">
+            <a:schemeClr val="accent1"/>
+          </a:effectRef>
+          <a:fontRef idx="minor">
+            <a:schemeClr val="lt1"/>
+          </a:fontRef>
+        </p:style>
+        <p:txBody>
+          <a:bodyPr rtlCol="0" anchor="ctr"/>
+          <a:lstStyle/>
+          <a:p>
+            <a:pPr algn="ctr"/>
+            <a:r>
+              <a:rPr lang="en-US" altLang="zh-TW" sz="1800" dirty="0"/>
+              <a:t>SP</a:t>
+            </a:r>
+          </a:p>
+          <a:p>
+            <a:pPr algn="ctr"/>
+            <a:r>
+              <a:rPr lang="en-US" altLang="zh-TW" sz="1800" dirty="0"/>
+              <a:t>(AP Server)</a:t>
+            </a:r>
+          </a:p>
+        </p:txBody>
+      </p:sp>
+      <p:sp>
+        <p:nvSpPr>
+          <p:cNvPr id="7" name="矩形: 圓角 6">
+            <a:extLst>
+              <a:ext uri="{FF2B5EF4-FFF2-40B4-BE49-F238E27FC236}">
+                <a16:creationId xmlns:a16="http://schemas.microsoft.com/office/drawing/2014/main" id="{9C08CC98-B106-EE17-0CD5-13711BB8E0F9}"/>
+              </a:ext>
+            </a:extLst>
+          </p:cNvPr>
+          <p:cNvSpPr/>
+          <p:nvPr/>
+        </p:nvSpPr>
+        <p:spPr>
+          <a:xfrm>
+            <a:off x="6164822" y="3460552"/>
+            <a:ext cx="1498027" cy="865240"/>
+          </a:xfrm>
+          <a:prstGeom prst="roundRect">
+            <a:avLst/>
+          </a:prstGeom>
+        </p:spPr>
+        <p:style>
+          <a:lnRef idx="2">
+            <a:schemeClr val="accent1">
+              <a:shade val="15000"/>
+            </a:schemeClr>
+          </a:lnRef>
+          <a:fillRef idx="1">
+            <a:schemeClr val="accent1"/>
+          </a:fillRef>
+          <a:effectRef idx="0">
+            <a:schemeClr val="accent1"/>
+          </a:effectRef>
+          <a:fontRef idx="minor">
+            <a:schemeClr val="lt1"/>
+          </a:fontRef>
+        </p:style>
+        <p:txBody>
+          <a:bodyPr rtlCol="0" anchor="ctr"/>
+          <a:lstStyle/>
+          <a:p>
+            <a:pPr algn="ctr"/>
+            <a:r>
+              <a:rPr lang="en-US" altLang="zh-TW" sz="1800" dirty="0"/>
+              <a:t>SSO</a:t>
+            </a:r>
+          </a:p>
+          <a:p>
+            <a:pPr algn="ctr"/>
+            <a:r>
+              <a:rPr lang="en-US" altLang="zh-TW" sz="1800" dirty="0"/>
+              <a:t>(</a:t>
+            </a:r>
+            <a:r>
+              <a:rPr lang="en-US" altLang="zh-TW" sz="1800" dirty="0" err="1"/>
+              <a:t>Keycloak</a:t>
+            </a:r>
+            <a:r>
+              <a:rPr lang="en-US" altLang="zh-TW" sz="1800" dirty="0"/>
+              <a:t>)</a:t>
+            </a:r>
+          </a:p>
+        </p:txBody>
+      </p:sp>
+      <p:cxnSp>
+        <p:nvCxnSpPr>
+          <p:cNvPr id="24" name="直線單箭頭接點 23">
+            <a:extLst>
+              <a:ext uri="{FF2B5EF4-FFF2-40B4-BE49-F238E27FC236}">
+                <a16:creationId xmlns:a16="http://schemas.microsoft.com/office/drawing/2014/main" id="{7C7095ED-1B39-A1BB-14B6-7FCDB49559FB}"/>
+              </a:ext>
+            </a:extLst>
+          </p:cNvPr>
+          <p:cNvCxnSpPr>
+            <a:cxnSpLocks/>
+            <a:endCxn id="6" idx="1"/>
+          </p:cNvCxnSpPr>
+          <p:nvPr/>
+        </p:nvCxnSpPr>
+        <p:spPr>
+          <a:xfrm flipV="1">
+            <a:off x="2492477" y="2025075"/>
+            <a:ext cx="3672345" cy="1612860"/>
+          </a:xfrm>
+          <a:prstGeom prst="straightConnector1">
+            <a:avLst/>
+          </a:prstGeom>
+          <a:ln>
+            <a:headEnd type="arrow" w="med" len="med"/>
+            <a:tailEnd type="arrow" w="med" len="med"/>
+          </a:ln>
+        </p:spPr>
+        <p:style>
+          <a:lnRef idx="2">
+            <a:schemeClr val="dk1"/>
+          </a:lnRef>
+          <a:fillRef idx="0">
+            <a:schemeClr val="dk1"/>
+          </a:fillRef>
+          <a:effectRef idx="1">
+            <a:schemeClr val="dk1"/>
+          </a:effectRef>
+          <a:fontRef idx="minor">
+            <a:schemeClr val="tx1"/>
+          </a:fontRef>
+        </p:style>
+      </p:cxnSp>
+      <p:cxnSp>
+        <p:nvCxnSpPr>
+          <p:cNvPr id="50" name="直線單箭頭接點 49">
+            <a:extLst>
+              <a:ext uri="{FF2B5EF4-FFF2-40B4-BE49-F238E27FC236}">
+                <a16:creationId xmlns:a16="http://schemas.microsoft.com/office/drawing/2014/main" id="{C48F6EB3-2D9D-2BEF-A11B-B3A45F84F2F0}"/>
+              </a:ext>
+            </a:extLst>
+          </p:cNvPr>
+          <p:cNvCxnSpPr>
+            <a:cxnSpLocks/>
+            <a:stCxn id="4" idx="3"/>
+            <a:endCxn id="7" idx="1"/>
+          </p:cNvCxnSpPr>
+          <p:nvPr/>
+        </p:nvCxnSpPr>
+        <p:spPr>
+          <a:xfrm>
+            <a:off x="2492477" y="3893172"/>
+            <a:ext cx="3672345" cy="0"/>
+          </a:xfrm>
+          <a:prstGeom prst="straightConnector1">
+            <a:avLst/>
+          </a:prstGeom>
+          <a:ln>
+            <a:headEnd type="arrow" w="med" len="med"/>
+            <a:tailEnd type="arrow" w="med" len="med"/>
+          </a:ln>
+        </p:spPr>
+        <p:style>
+          <a:lnRef idx="2">
+            <a:schemeClr val="dk1"/>
+          </a:lnRef>
+          <a:fillRef idx="0">
+            <a:schemeClr val="dk1"/>
+          </a:fillRef>
+          <a:effectRef idx="1">
+            <a:schemeClr val="dk1"/>
+          </a:effectRef>
+          <a:fontRef idx="minor">
+            <a:schemeClr val="tx1"/>
+          </a:fontRef>
+        </p:style>
+      </p:cxnSp>
+      <p:cxnSp>
+        <p:nvCxnSpPr>
+          <p:cNvPr id="53" name="直線單箭頭接點 52">
+            <a:extLst>
+              <a:ext uri="{FF2B5EF4-FFF2-40B4-BE49-F238E27FC236}">
+                <a16:creationId xmlns:a16="http://schemas.microsoft.com/office/drawing/2014/main" id="{AC7B924B-FE9D-F408-8CE9-3FA6C3404990}"/>
+              </a:ext>
+            </a:extLst>
+          </p:cNvPr>
+          <p:cNvCxnSpPr>
+            <a:cxnSpLocks/>
+            <a:endCxn id="5" idx="1"/>
+          </p:cNvCxnSpPr>
+          <p:nvPr/>
+        </p:nvCxnSpPr>
+        <p:spPr>
+          <a:xfrm>
+            <a:off x="2492477" y="4109884"/>
+            <a:ext cx="3672344" cy="1362017"/>
+          </a:xfrm>
+          <a:prstGeom prst="straightConnector1">
+            <a:avLst/>
+          </a:prstGeom>
+          <a:ln>
+            <a:headEnd type="arrow" w="med" len="med"/>
+            <a:tailEnd type="arrow" w="med" len="med"/>
+          </a:ln>
+        </p:spPr>
+        <p:style>
+          <a:lnRef idx="2">
+            <a:schemeClr val="dk1"/>
+          </a:lnRef>
+          <a:fillRef idx="0">
+            <a:schemeClr val="dk1"/>
+          </a:fillRef>
+          <a:effectRef idx="1">
+            <a:schemeClr val="dk1"/>
+          </a:effectRef>
+          <a:fontRef idx="minor">
+            <a:schemeClr val="tx1"/>
+          </a:fontRef>
+        </p:style>
+      </p:cxnSp>
+      <p:sp>
+        <p:nvSpPr>
+          <p:cNvPr id="57" name="文字方塊 56">
+            <a:extLst>
+              <a:ext uri="{FF2B5EF4-FFF2-40B4-BE49-F238E27FC236}">
+                <a16:creationId xmlns:a16="http://schemas.microsoft.com/office/drawing/2014/main" id="{E245F5D6-B16B-8276-D2F2-892CADA306A1}"/>
+              </a:ext>
+            </a:extLst>
+          </p:cNvPr>
+          <p:cNvSpPr txBox="1"/>
+          <p:nvPr/>
+        </p:nvSpPr>
+        <p:spPr>
+          <a:xfrm rot="20242079">
+            <a:off x="3429929" y="1898752"/>
+            <a:ext cx="1210588" cy="369332"/>
+          </a:xfrm>
+          <a:prstGeom prst="rect">
+            <a:avLst/>
+          </a:prstGeom>
+          <a:noFill/>
+        </p:spPr>
+        <p:txBody>
+          <a:bodyPr wrap="none" rtlCol="0">
+            <a:spAutoFit/>
+          </a:bodyPr>
+          <a:lstStyle/>
+          <a:p>
+            <a:r>
+              <a:rPr lang="en-US" altLang="zh-TW" sz="1800" dirty="0"/>
+              <a:t>0. </a:t>
+            </a:r>
+            <a:r>
+              <a:rPr lang="zh-TW" altLang="en-US" sz="1800" dirty="0"/>
+              <a:t>訪問</a:t>
+            </a:r>
+            <a:r>
+              <a:rPr lang="en-US" altLang="zh-TW" sz="1800" dirty="0"/>
+              <a:t>SP</a:t>
+            </a:r>
+            <a:endParaRPr lang="zh-TW" altLang="en-US" sz="1800" dirty="0"/>
+          </a:p>
+        </p:txBody>
+      </p:sp>
+      <p:sp>
+        <p:nvSpPr>
+          <p:cNvPr id="63" name="文字方塊 62">
+            <a:extLst>
+              <a:ext uri="{FF2B5EF4-FFF2-40B4-BE49-F238E27FC236}">
+                <a16:creationId xmlns:a16="http://schemas.microsoft.com/office/drawing/2014/main" id="{59DD60D6-F144-E644-F1CB-AD84DCB3AD6F}"/>
+              </a:ext>
+            </a:extLst>
+          </p:cNvPr>
+          <p:cNvSpPr txBox="1"/>
+          <p:nvPr/>
+        </p:nvSpPr>
+        <p:spPr>
+          <a:xfrm rot="20877796">
+            <a:off x="3520214" y="3141402"/>
+            <a:ext cx="2454518" cy="369332"/>
+          </a:xfrm>
+          <a:prstGeom prst="rect">
+            <a:avLst/>
+          </a:prstGeom>
+          <a:noFill/>
+        </p:spPr>
+        <p:txBody>
+          <a:bodyPr wrap="none" rtlCol="0">
+            <a:spAutoFit/>
+          </a:bodyPr>
+          <a:lstStyle/>
+          <a:p>
+            <a:r>
+              <a:rPr lang="en-US" altLang="zh-TW" sz="1800" dirty="0"/>
+              <a:t>2a. </a:t>
+            </a:r>
+            <a:r>
+              <a:rPr lang="zh-TW" altLang="en-US" sz="1800" dirty="0"/>
+              <a:t>轉導</a:t>
+            </a:r>
+            <a:r>
+              <a:rPr lang="en-US" altLang="zh-TW" sz="1800" dirty="0"/>
+              <a:t>SSO</a:t>
+            </a:r>
+            <a:r>
+              <a:rPr lang="zh-TW" altLang="en-US" sz="1800" dirty="0"/>
+              <a:t>認證</a:t>
+            </a:r>
+            <a:r>
+              <a:rPr lang="en-US" altLang="zh-TW" sz="1800" dirty="0"/>
+              <a:t>URI</a:t>
+            </a:r>
+            <a:endParaRPr lang="zh-TW" altLang="en-US" sz="1800" dirty="0"/>
+          </a:p>
+        </p:txBody>
+      </p:sp>
+      <p:sp>
+        <p:nvSpPr>
+          <p:cNvPr id="64" name="文字方塊 63">
+            <a:extLst>
+              <a:ext uri="{FF2B5EF4-FFF2-40B4-BE49-F238E27FC236}">
+                <a16:creationId xmlns:a16="http://schemas.microsoft.com/office/drawing/2014/main" id="{3AC47226-78E0-B452-0D29-B12974A146BF}"/>
+              </a:ext>
+            </a:extLst>
+          </p:cNvPr>
+          <p:cNvSpPr txBox="1"/>
+          <p:nvPr/>
+        </p:nvSpPr>
+        <p:spPr>
+          <a:xfrm rot="503505">
+            <a:off x="3552274" y="4202025"/>
+            <a:ext cx="2390398" cy="369332"/>
+          </a:xfrm>
+          <a:prstGeom prst="rect">
+            <a:avLst/>
+          </a:prstGeom>
+          <a:noFill/>
+        </p:spPr>
+        <p:txBody>
+          <a:bodyPr wrap="none" rtlCol="0">
+            <a:spAutoFit/>
+          </a:bodyPr>
+          <a:lstStyle/>
+          <a:p>
+            <a:r>
+              <a:rPr lang="en-US" altLang="zh-TW" sz="1800" dirty="0"/>
+              <a:t>2b. </a:t>
+            </a:r>
+            <a:r>
+              <a:rPr lang="zh-TW" altLang="en-US" sz="1800" dirty="0"/>
+              <a:t>轉導身分認證</a:t>
+            </a:r>
+            <a:r>
+              <a:rPr lang="en-US" altLang="zh-TW" sz="1800" dirty="0"/>
+              <a:t>URI</a:t>
+            </a:r>
+            <a:endParaRPr lang="zh-TW" altLang="en-US" sz="1800" dirty="0"/>
+          </a:p>
+        </p:txBody>
+      </p:sp>
+      <p:sp>
+        <p:nvSpPr>
+          <p:cNvPr id="66" name="文字方塊 65">
+            <a:extLst>
+              <a:ext uri="{FF2B5EF4-FFF2-40B4-BE49-F238E27FC236}">
+                <a16:creationId xmlns:a16="http://schemas.microsoft.com/office/drawing/2014/main" id="{54E7BCFD-8CD6-B289-E69E-0226153ED546}"/>
+              </a:ext>
+            </a:extLst>
+          </p:cNvPr>
+          <p:cNvSpPr txBox="1"/>
+          <p:nvPr/>
+        </p:nvSpPr>
+        <p:spPr>
+          <a:xfrm rot="1400504">
+            <a:off x="2787202" y="5045211"/>
+            <a:ext cx="3082895" cy="369332"/>
+          </a:xfrm>
+          <a:prstGeom prst="rect">
+            <a:avLst/>
+          </a:prstGeom>
+          <a:noFill/>
+        </p:spPr>
+        <p:txBody>
+          <a:bodyPr wrap="none" rtlCol="0">
+            <a:spAutoFit/>
+          </a:bodyPr>
+          <a:lstStyle/>
+          <a:p>
+            <a:r>
+              <a:rPr lang="en-US" altLang="zh-TW" sz="1800" dirty="0"/>
+              <a:t>3. </a:t>
+            </a:r>
+            <a:r>
+              <a:rPr lang="zh-TW" altLang="en-US" sz="1800" dirty="0"/>
+              <a:t>登入成功取得授權</a:t>
+            </a:r>
+            <a:r>
+              <a:rPr lang="en-US" altLang="zh-TW" sz="1800" dirty="0"/>
+              <a:t>(Token)</a:t>
+            </a:r>
+            <a:endParaRPr lang="zh-TW" altLang="en-US" sz="1800" dirty="0"/>
+          </a:p>
+        </p:txBody>
+      </p:sp>
+      <p:sp>
+        <p:nvSpPr>
+          <p:cNvPr id="67" name="文字方塊 66">
+            <a:extLst>
+              <a:ext uri="{FF2B5EF4-FFF2-40B4-BE49-F238E27FC236}">
+                <a16:creationId xmlns:a16="http://schemas.microsoft.com/office/drawing/2014/main" id="{F98E5A2D-FA06-A7B0-76D3-588B2CE57130}"/>
+              </a:ext>
+            </a:extLst>
+          </p:cNvPr>
+          <p:cNvSpPr txBox="1"/>
+          <p:nvPr/>
+        </p:nvSpPr>
+        <p:spPr>
+          <a:xfrm rot="20160545">
+            <a:off x="3359399" y="2290177"/>
+            <a:ext cx="1903085" cy="369332"/>
+          </a:xfrm>
+          <a:prstGeom prst="rect">
+            <a:avLst/>
+          </a:prstGeom>
+          <a:noFill/>
+        </p:spPr>
+        <p:txBody>
+          <a:bodyPr wrap="none" rtlCol="0">
+            <a:spAutoFit/>
+          </a:bodyPr>
+          <a:lstStyle/>
+          <a:p>
+            <a:r>
+              <a:rPr lang="en-US" altLang="zh-TW" sz="1800" dirty="0"/>
+              <a:t>4.</a:t>
+            </a:r>
+            <a:r>
+              <a:rPr lang="zh-TW" altLang="en-US" sz="1800" dirty="0"/>
+              <a:t> 有授權訪問</a:t>
+            </a:r>
+            <a:r>
+              <a:rPr lang="en-US" altLang="zh-TW" sz="1800" dirty="0"/>
+              <a:t>SP</a:t>
+            </a:r>
+            <a:endParaRPr lang="zh-TW" altLang="en-US" sz="1800" dirty="0"/>
+          </a:p>
+        </p:txBody>
+      </p:sp>
+      <p:cxnSp>
+        <p:nvCxnSpPr>
+          <p:cNvPr id="78" name="直線單箭頭接點 77">
+            <a:extLst>
+              <a:ext uri="{FF2B5EF4-FFF2-40B4-BE49-F238E27FC236}">
+                <a16:creationId xmlns:a16="http://schemas.microsoft.com/office/drawing/2014/main" id="{EBB0F2D1-F5BA-54D6-348C-52333E70579A}"/>
+              </a:ext>
+            </a:extLst>
+          </p:cNvPr>
+          <p:cNvCxnSpPr>
+            <a:cxnSpLocks/>
+            <a:stCxn id="7" idx="0"/>
+            <a:endCxn id="6" idx="2"/>
+          </p:cNvCxnSpPr>
+          <p:nvPr/>
+        </p:nvCxnSpPr>
+        <p:spPr>
+          <a:xfrm flipV="1">
+            <a:off x="6913836" y="2457695"/>
+            <a:ext cx="0" cy="1002857"/>
+          </a:xfrm>
+          <a:prstGeom prst="straightConnector1">
+            <a:avLst/>
+          </a:prstGeom>
+          <a:ln>
+            <a:headEnd type="arrow" w="med" len="med"/>
+            <a:tailEnd type="arrow" w="med" len="med"/>
+          </a:ln>
+        </p:spPr>
+        <p:style>
+          <a:lnRef idx="2">
+            <a:schemeClr val="dk1"/>
+          </a:lnRef>
+          <a:fillRef idx="0">
+            <a:schemeClr val="dk1"/>
+          </a:fillRef>
+          <a:effectRef idx="1">
+            <a:schemeClr val="dk1"/>
+          </a:effectRef>
+          <a:fontRef idx="minor">
+            <a:schemeClr val="tx1"/>
+          </a:fontRef>
+        </p:style>
+      </p:cxnSp>
+      <p:sp>
+        <p:nvSpPr>
+          <p:cNvPr id="81" name="文字方塊 80">
+            <a:extLst>
+              <a:ext uri="{FF2B5EF4-FFF2-40B4-BE49-F238E27FC236}">
+                <a16:creationId xmlns:a16="http://schemas.microsoft.com/office/drawing/2014/main" id="{8A064E52-D2B6-1A4E-41D5-B937DD254704}"/>
+              </a:ext>
+            </a:extLst>
+          </p:cNvPr>
+          <p:cNvSpPr txBox="1"/>
+          <p:nvPr/>
+        </p:nvSpPr>
+        <p:spPr>
+          <a:xfrm>
+            <a:off x="6913834" y="2595312"/>
+            <a:ext cx="1826141" cy="369332"/>
+          </a:xfrm>
+          <a:prstGeom prst="rect">
+            <a:avLst/>
+          </a:prstGeom>
+          <a:noFill/>
+        </p:spPr>
+        <p:txBody>
+          <a:bodyPr wrap="none" rtlCol="0">
+            <a:spAutoFit/>
+          </a:bodyPr>
+          <a:lstStyle/>
+          <a:p>
+            <a:r>
+              <a:rPr lang="en-US" altLang="zh-TW" sz="1800" dirty="0"/>
+              <a:t>1. </a:t>
+            </a:r>
+            <a:r>
+              <a:rPr lang="zh-TW" altLang="en-US" sz="1800" dirty="0"/>
+              <a:t>判斷有無授權</a:t>
+            </a:r>
+          </a:p>
+        </p:txBody>
+      </p:sp>
+      <p:sp>
+        <p:nvSpPr>
+          <p:cNvPr id="2" name="文字方塊 1">
+            <a:extLst>
+              <a:ext uri="{FF2B5EF4-FFF2-40B4-BE49-F238E27FC236}">
+                <a16:creationId xmlns:a16="http://schemas.microsoft.com/office/drawing/2014/main" id="{34C8BE03-5D90-E699-E27B-A2EA5048FC2C}"/>
+              </a:ext>
+            </a:extLst>
+          </p:cNvPr>
+          <p:cNvSpPr txBox="1"/>
+          <p:nvPr/>
+        </p:nvSpPr>
+        <p:spPr>
+          <a:xfrm>
+            <a:off x="6913834" y="2969744"/>
+            <a:ext cx="2056973" cy="369332"/>
+          </a:xfrm>
+          <a:prstGeom prst="rect">
+            <a:avLst/>
+          </a:prstGeom>
+          <a:noFill/>
+        </p:spPr>
+        <p:txBody>
+          <a:bodyPr wrap="none" rtlCol="0">
+            <a:spAutoFit/>
+          </a:bodyPr>
+          <a:lstStyle/>
+          <a:p>
+            <a:r>
+              <a:rPr lang="en-US" altLang="zh-TW" sz="1800" dirty="0"/>
+              <a:t>5. </a:t>
+            </a:r>
+            <a:r>
+              <a:rPr lang="zh-TW" altLang="en-US" sz="1800" dirty="0"/>
+              <a:t>取得使用者資訊</a:t>
+            </a:r>
+          </a:p>
+        </p:txBody>
+      </p:sp>
+      <p:sp>
+        <p:nvSpPr>
+          <p:cNvPr id="3" name="文字方塊 2">
+            <a:extLst>
+              <a:ext uri="{FF2B5EF4-FFF2-40B4-BE49-F238E27FC236}">
+                <a16:creationId xmlns:a16="http://schemas.microsoft.com/office/drawing/2014/main" id="{D44F4F02-CCC1-5C21-1602-B7098CCBD1FE}"/>
+              </a:ext>
+            </a:extLst>
+          </p:cNvPr>
+          <p:cNvSpPr txBox="1"/>
+          <p:nvPr/>
+        </p:nvSpPr>
+        <p:spPr>
+          <a:xfrm>
+            <a:off x="5817110" y="1226293"/>
+            <a:ext cx="2165978" cy="307777"/>
+          </a:xfrm>
+          <a:prstGeom prst="rect">
+            <a:avLst/>
+          </a:prstGeom>
+          <a:noFill/>
+        </p:spPr>
+        <p:txBody>
+          <a:bodyPr wrap="none" rtlCol="0">
+            <a:spAutoFit/>
+          </a:bodyPr>
+          <a:lstStyle/>
+          <a:p>
+            <a:r>
+              <a:rPr lang="en-US" altLang="zh-TW" dirty="0">
+                <a:solidFill>
+                  <a:srgbClr val="FF0000"/>
+                </a:solidFill>
+              </a:rPr>
+              <a:t>Client</a:t>
+            </a:r>
+            <a:r>
+              <a:rPr lang="zh-TW" altLang="en-US" dirty="0">
+                <a:solidFill>
+                  <a:srgbClr val="FF0000"/>
+                </a:solidFill>
+              </a:rPr>
+              <a:t>兼</a:t>
+            </a:r>
+            <a:r>
+              <a:rPr lang="en-US" altLang="zh-TW" dirty="0">
+                <a:solidFill>
+                  <a:srgbClr val="FF0000"/>
+                </a:solidFill>
+              </a:rPr>
+              <a:t>Resource Server</a:t>
+            </a:r>
+            <a:endParaRPr lang="zh-TW" altLang="en-US" dirty="0">
+              <a:solidFill>
+                <a:srgbClr val="FF0000"/>
+              </a:solidFill>
+            </a:endParaRPr>
+          </a:p>
+        </p:txBody>
+      </p:sp>
+    </p:spTree>
+    <p:extLst>
+      <p:ext uri="{BB962C8B-B14F-4D97-AF65-F5344CB8AC3E}">
+        <p14:creationId xmlns:p14="http://schemas.microsoft.com/office/powerpoint/2010/main" val="2935958756"/>
+      </p:ext>
+    </p:extLst>
+  </p:cSld>
+  <p:clrMapOvr>
+    <a:masterClrMapping/>
+  </p:clrMapOvr>
+</p:sld>
+</file>
+
+<file path=ppt/slides/slide19.xml><?xml version="1.0" encoding="utf-8"?>
+<p:sld xmlns:a="http://schemas.openxmlformats.org/drawingml/2006/main" xmlns:r="http://schemas.openxmlformats.org/officeDocument/2006/relationships" xmlns:p="http://schemas.openxmlformats.org/presentationml/2006/main">
+  <p:cSld>
+    <p:spTree>
+      <p:nvGrpSpPr>
+        <p:cNvPr id="1" name="Shape 45"/>
+        <p:cNvGrpSpPr/>
+        <p:nvPr/>
+      </p:nvGrpSpPr>
+      <p:grpSpPr>
+        <a:xfrm>
+          <a:off x="0" y="0"/>
+          <a:ext cx="0" cy="0"/>
+          <a:chOff x="0" y="0"/>
+          <a:chExt cx="0" cy="0"/>
+        </a:xfrm>
+      </p:grpSpPr>
+      <p:sp>
+        <p:nvSpPr>
+          <p:cNvPr id="46" name="Google Shape;46;p8"/>
+          <p:cNvSpPr txBox="1">
+            <a:spLocks noGrp="1"/>
+          </p:cNvSpPr>
+          <p:nvPr>
+            <p:ph type="title"/>
+          </p:nvPr>
+        </p:nvSpPr>
+        <p:spPr>
+          <a:xfrm>
+            <a:off x="311700" y="593367"/>
+            <a:ext cx="8520600" cy="763500"/>
+          </a:xfrm>
+          <a:prstGeom prst="rect">
+            <a:avLst/>
+          </a:prstGeom>
+        </p:spPr>
+        <p:txBody>
+          <a:bodyPr spcFirstLastPara="1" wrap="square" lIns="91425" tIns="91425" rIns="91425" bIns="91425" anchor="t" anchorCtr="0">
+            <a:normAutofit/>
+          </a:bodyPr>
+          <a:lstStyle/>
+          <a:p>
+            <a:pPr marL="0" lvl="0" indent="0" algn="l" rtl="0">
+              <a:spcBef>
+                <a:spcPts val="0"/>
+              </a:spcBef>
+              <a:spcAft>
+                <a:spcPts val="0"/>
+              </a:spcAft>
+              <a:buNone/>
+            </a:pPr>
+            <a:r>
               <a:rPr lang="en-US" altLang="zh-TW" sz="3600" dirty="0"/>
               <a:t>AP Server</a:t>
             </a:r>
@@ -10645,7 +11266,7 @@
         </p:nvSpPr>
         <p:spPr>
           <a:xfrm>
-            <a:off x="3147164" y="3899713"/>
+            <a:off x="2534402" y="3481700"/>
             <a:ext cx="851515" cy="307777"/>
           </a:xfrm>
           <a:prstGeom prst="rect">
@@ -10834,6 +11455,261 @@
           </a:p>
         </p:txBody>
       </p:sp>
+      <p:sp>
+        <p:nvSpPr>
+          <p:cNvPr id="4" name="弧形 3">
+            <a:extLst>
+              <a:ext uri="{FF2B5EF4-FFF2-40B4-BE49-F238E27FC236}">
+                <a16:creationId xmlns:a16="http://schemas.microsoft.com/office/drawing/2014/main" id="{9A79D22D-380C-A261-7465-096D682813DE}"/>
+              </a:ext>
+            </a:extLst>
+          </p:cNvPr>
+          <p:cNvSpPr/>
+          <p:nvPr/>
+        </p:nvSpPr>
+        <p:spPr>
+          <a:xfrm flipV="1">
+            <a:off x="376011" y="1459463"/>
+            <a:ext cx="2373387" cy="2487577"/>
+          </a:xfrm>
+          <a:prstGeom prst="arc">
+            <a:avLst>
+              <a:gd name="adj1" fmla="val 9340825"/>
+              <a:gd name="adj2" fmla="val 14291982"/>
+            </a:avLst>
+          </a:prstGeom>
+          <a:ln>
+            <a:solidFill>
+              <a:srgbClr val="FF5050"/>
+            </a:solidFill>
+            <a:prstDash val="dash"/>
+            <a:headEnd type="arrow" w="med" len="med"/>
+            <a:tailEnd type="none" w="med" len="med"/>
+          </a:ln>
+        </p:spPr>
+        <p:style>
+          <a:lnRef idx="2">
+            <a:schemeClr val="dk1"/>
+          </a:lnRef>
+          <a:fillRef idx="0">
+            <a:schemeClr val="dk1"/>
+          </a:fillRef>
+          <a:effectRef idx="1">
+            <a:schemeClr val="dk1"/>
+          </a:effectRef>
+          <a:fontRef idx="minor">
+            <a:schemeClr val="tx1"/>
+          </a:fontRef>
+        </p:style>
+        <p:txBody>
+          <a:bodyPr rtlCol="0" anchor="ctr"/>
+          <a:lstStyle/>
+          <a:p>
+            <a:pPr algn="ctr"/>
+            <a:endParaRPr lang="zh-TW" altLang="en-US" dirty="0"/>
+          </a:p>
+        </p:txBody>
+      </p:sp>
+      <p:sp>
+        <p:nvSpPr>
+          <p:cNvPr id="5" name="文字方塊 4">
+            <a:extLst>
+              <a:ext uri="{FF2B5EF4-FFF2-40B4-BE49-F238E27FC236}">
+                <a16:creationId xmlns:a16="http://schemas.microsoft.com/office/drawing/2014/main" id="{8C4C6A47-DB09-24AA-B470-5AF292E9ECE3}"/>
+              </a:ext>
+            </a:extLst>
+          </p:cNvPr>
+          <p:cNvSpPr txBox="1"/>
+          <p:nvPr/>
+        </p:nvSpPr>
+        <p:spPr>
+          <a:xfrm>
+            <a:off x="644222" y="3250177"/>
+            <a:ext cx="1728358" cy="307777"/>
+          </a:xfrm>
+          <a:prstGeom prst="rect">
+            <a:avLst/>
+          </a:prstGeom>
+          <a:noFill/>
+        </p:spPr>
+        <p:txBody>
+          <a:bodyPr wrap="none" rtlCol="0">
+            <a:spAutoFit/>
+          </a:bodyPr>
+          <a:lstStyle/>
+          <a:p>
+            <a:r>
+              <a:rPr lang="en-US" altLang="zh-TW" dirty="0">
+                <a:solidFill>
+                  <a:srgbClr val="FF5050"/>
+                </a:solidFill>
+              </a:rPr>
+              <a:t>Callback with token</a:t>
+            </a:r>
+            <a:endParaRPr lang="zh-TW" altLang="en-US" dirty="0">
+              <a:solidFill>
+                <a:srgbClr val="FF5050"/>
+              </a:solidFill>
+            </a:endParaRPr>
+          </a:p>
+        </p:txBody>
+      </p:sp>
+      <p:sp>
+        <p:nvSpPr>
+          <p:cNvPr id="6" name="弧形 5">
+            <a:extLst>
+              <a:ext uri="{FF2B5EF4-FFF2-40B4-BE49-F238E27FC236}">
+                <a16:creationId xmlns:a16="http://schemas.microsoft.com/office/drawing/2014/main" id="{E9F409D8-8821-1FD8-EE54-2214C2CF32C1}"/>
+              </a:ext>
+            </a:extLst>
+          </p:cNvPr>
+          <p:cNvSpPr/>
+          <p:nvPr/>
+        </p:nvSpPr>
+        <p:spPr>
+          <a:xfrm flipV="1">
+            <a:off x="954941" y="1467603"/>
+            <a:ext cx="2854419" cy="2991753"/>
+          </a:xfrm>
+          <a:prstGeom prst="arc">
+            <a:avLst/>
+          </a:prstGeom>
+          <a:ln>
+            <a:solidFill>
+              <a:srgbClr val="FF5050"/>
+            </a:solidFill>
+            <a:prstDash val="dash"/>
+            <a:headEnd type="arrow" w="med" len="med"/>
+            <a:tailEnd type="none" w="med" len="med"/>
+          </a:ln>
+        </p:spPr>
+        <p:style>
+          <a:lnRef idx="2">
+            <a:schemeClr val="dk1"/>
+          </a:lnRef>
+          <a:fillRef idx="0">
+            <a:schemeClr val="dk1"/>
+          </a:fillRef>
+          <a:effectRef idx="1">
+            <a:schemeClr val="dk1"/>
+          </a:effectRef>
+          <a:fontRef idx="minor">
+            <a:schemeClr val="tx1"/>
+          </a:fontRef>
+        </p:style>
+        <p:txBody>
+          <a:bodyPr rtlCol="0" anchor="ctr"/>
+          <a:lstStyle/>
+          <a:p>
+            <a:pPr algn="ctr"/>
+            <a:endParaRPr lang="zh-TW" altLang="en-US" dirty="0"/>
+          </a:p>
+        </p:txBody>
+      </p:sp>
+      <p:sp>
+        <p:nvSpPr>
+          <p:cNvPr id="7" name="文字方塊 6">
+            <a:extLst>
+              <a:ext uri="{FF2B5EF4-FFF2-40B4-BE49-F238E27FC236}">
+                <a16:creationId xmlns:a16="http://schemas.microsoft.com/office/drawing/2014/main" id="{3D5B6C1C-805C-0F7A-941F-A1AA4A41BF56}"/>
+              </a:ext>
+            </a:extLst>
+          </p:cNvPr>
+          <p:cNvSpPr txBox="1"/>
+          <p:nvPr/>
+        </p:nvSpPr>
+        <p:spPr>
+          <a:xfrm>
+            <a:off x="3107267" y="4200176"/>
+            <a:ext cx="1130438" cy="307777"/>
+          </a:xfrm>
+          <a:prstGeom prst="rect">
+            <a:avLst/>
+          </a:prstGeom>
+          <a:noFill/>
+        </p:spPr>
+        <p:txBody>
+          <a:bodyPr wrap="none" rtlCol="0">
+            <a:spAutoFit/>
+          </a:bodyPr>
+          <a:lstStyle/>
+          <a:p>
+            <a:r>
+              <a:rPr lang="en-US" altLang="zh-TW" dirty="0">
+                <a:solidFill>
+                  <a:srgbClr val="FF5050"/>
+                </a:solidFill>
+              </a:rPr>
+              <a:t>Verify token</a:t>
+            </a:r>
+            <a:endParaRPr lang="zh-TW" altLang="en-US" dirty="0">
+              <a:solidFill>
+                <a:srgbClr val="FF5050"/>
+              </a:solidFill>
+            </a:endParaRPr>
+          </a:p>
+        </p:txBody>
+      </p:sp>
+      <p:sp>
+        <p:nvSpPr>
+          <p:cNvPr id="8" name="文字方塊 7">
+            <a:extLst>
+              <a:ext uri="{FF2B5EF4-FFF2-40B4-BE49-F238E27FC236}">
+                <a16:creationId xmlns:a16="http://schemas.microsoft.com/office/drawing/2014/main" id="{FC34555C-8C4C-DB7F-87AC-816B67CBAA0F}"/>
+              </a:ext>
+            </a:extLst>
+          </p:cNvPr>
+          <p:cNvSpPr txBox="1"/>
+          <p:nvPr/>
+        </p:nvSpPr>
+        <p:spPr>
+          <a:xfrm>
+            <a:off x="3720069" y="1323641"/>
+            <a:ext cx="2165978" cy="307777"/>
+          </a:xfrm>
+          <a:prstGeom prst="rect">
+            <a:avLst/>
+          </a:prstGeom>
+          <a:noFill/>
+        </p:spPr>
+        <p:txBody>
+          <a:bodyPr wrap="none" rtlCol="0">
+            <a:spAutoFit/>
+          </a:bodyPr>
+          <a:lstStyle/>
+          <a:p>
+            <a:r>
+              <a:rPr lang="en-US" altLang="zh-TW" dirty="0">
+                <a:solidFill>
+                  <a:srgbClr val="FF0000"/>
+                </a:solidFill>
+              </a:rPr>
+              <a:t>Client</a:t>
+            </a:r>
+            <a:r>
+              <a:rPr lang="zh-TW" altLang="en-US" dirty="0">
+                <a:solidFill>
+                  <a:srgbClr val="FF0000"/>
+                </a:solidFill>
+              </a:rPr>
+              <a:t>兼</a:t>
+            </a:r>
+            <a:r>
+              <a:rPr lang="en-US" altLang="zh-TW" dirty="0">
+                <a:solidFill>
+                  <a:srgbClr val="FF0000"/>
+                </a:solidFill>
+              </a:rPr>
+              <a:t>Resource Server</a:t>
+            </a:r>
+            <a:endParaRPr lang="zh-TW" altLang="en-US" dirty="0">
+              <a:solidFill>
+                <a:srgbClr val="FF0000"/>
+              </a:solidFill>
+            </a:endParaRPr>
+          </a:p>
+        </p:txBody>
+      </p:sp>
     </p:spTree>
     <p:extLst>
       <p:ext uri="{BB962C8B-B14F-4D97-AF65-F5344CB8AC3E}">
@@ -10847,7 +11723,184 @@
 </p:sld>
 </file>
 
-<file path=ppt/slides/slide19.xml><?xml version="1.0" encoding="utf-8"?>
+<file path=ppt/slides/slide2.xml><?xml version="1.0" encoding="utf-8"?>
+<p:sld xmlns:a="http://schemas.openxmlformats.org/drawingml/2006/main" xmlns:r="http://schemas.openxmlformats.org/officeDocument/2006/relationships" xmlns:p="http://schemas.openxmlformats.org/presentationml/2006/main">
+  <p:cSld>
+    <p:spTree>
+      <p:nvGrpSpPr>
+        <p:cNvPr id="1" name="Shape 45"/>
+        <p:cNvGrpSpPr/>
+        <p:nvPr/>
+      </p:nvGrpSpPr>
+      <p:grpSpPr>
+        <a:xfrm>
+          <a:off x="0" y="0"/>
+          <a:ext cx="0" cy="0"/>
+          <a:chOff x="0" y="0"/>
+          <a:chExt cx="0" cy="0"/>
+        </a:xfrm>
+      </p:grpSpPr>
+      <p:sp>
+        <p:nvSpPr>
+          <p:cNvPr id="46" name="Google Shape;46;p8"/>
+          <p:cNvSpPr txBox="1">
+            <a:spLocks noGrp="1"/>
+          </p:cNvSpPr>
+          <p:nvPr>
+            <p:ph type="title"/>
+          </p:nvPr>
+        </p:nvSpPr>
+        <p:spPr>
+          <a:prstGeom prst="rect">
+            <a:avLst/>
+          </a:prstGeom>
+        </p:spPr>
+        <p:txBody>
+          <a:bodyPr spcFirstLastPara="1" wrap="square" lIns="91425" tIns="91425" rIns="91425" bIns="91425" anchor="t" anchorCtr="0">
+            <a:normAutofit/>
+          </a:bodyPr>
+          <a:lstStyle/>
+          <a:p>
+            <a:pPr marL="0" lvl="0" indent="0" algn="l" rtl="0">
+              <a:spcBef>
+                <a:spcPts val="0"/>
+              </a:spcBef>
+              <a:spcAft>
+                <a:spcPts val="0"/>
+              </a:spcAft>
+              <a:buNone/>
+            </a:pPr>
+            <a:r>
+              <a:rPr lang="zh-TW" altLang="en-US" sz="3600"/>
+              <a:t>議程</a:t>
+            </a:r>
+            <a:endParaRPr lang="zh-TW" altLang="en-US" sz="3600" dirty="0"/>
+          </a:p>
+        </p:txBody>
+      </p:sp>
+      <p:sp>
+        <p:nvSpPr>
+          <p:cNvPr id="47" name="Google Shape;47;p8"/>
+          <p:cNvSpPr txBox="1">
+            <a:spLocks noGrp="1"/>
+          </p:cNvSpPr>
+          <p:nvPr>
+            <p:ph type="body" idx="1"/>
+          </p:nvPr>
+        </p:nvSpPr>
+        <p:spPr>
+          <a:prstGeom prst="rect">
+            <a:avLst/>
+          </a:prstGeom>
+        </p:spPr>
+        <p:txBody>
+          <a:bodyPr spcFirstLastPara="1" wrap="square" lIns="91425" tIns="91425" rIns="91425" bIns="91425" anchor="t" anchorCtr="0">
+            <a:normAutofit/>
+          </a:bodyPr>
+          <a:lstStyle/>
+          <a:p>
+            <a:pPr marL="514350" indent="-514350">
+              <a:spcAft>
+                <a:spcPts val="1200"/>
+              </a:spcAft>
+              <a:buSzPct val="80000"/>
+              <a:buFont typeface="+mj-lt"/>
+              <a:buAutoNum type="arabicPeriod"/>
+            </a:pPr>
+            <a:r>
+              <a:rPr lang="zh-TW" altLang="en-US" sz="3200" dirty="0"/>
+              <a:t>簡介</a:t>
+            </a:r>
+          </a:p>
+          <a:p>
+            <a:pPr marL="514350" indent="-514350">
+              <a:spcAft>
+                <a:spcPts val="1200"/>
+              </a:spcAft>
+              <a:buSzPct val="80000"/>
+              <a:buFont typeface="+mj-lt"/>
+              <a:buAutoNum type="arabicPeriod"/>
+            </a:pPr>
+            <a:r>
+              <a:rPr lang="zh-TW" altLang="en-US" sz="3200" dirty="0"/>
+              <a:t>事前評估</a:t>
+            </a:r>
+          </a:p>
+          <a:p>
+            <a:pPr marL="514350" indent="-514350">
+              <a:spcAft>
+                <a:spcPts val="1200"/>
+              </a:spcAft>
+              <a:buSzPct val="80000"/>
+              <a:buFont typeface="+mj-lt"/>
+              <a:buAutoNum type="arabicPeriod"/>
+            </a:pPr>
+            <a:r>
+              <a:rPr lang="zh-TW" altLang="en-US" sz="3200" dirty="0"/>
+              <a:t>實作建議</a:t>
+            </a:r>
+            <a:endParaRPr lang="en-US" altLang="zh-TW" sz="3200" dirty="0"/>
+          </a:p>
+          <a:p>
+            <a:pPr marL="514350" indent="-514350">
+              <a:spcAft>
+                <a:spcPts val="1200"/>
+              </a:spcAft>
+              <a:buSzPct val="80000"/>
+              <a:buFont typeface="+mj-lt"/>
+              <a:buAutoNum type="arabicPeriod"/>
+            </a:pPr>
+            <a:r>
+              <a:rPr lang="zh-TW" altLang="en-US" sz="3200" dirty="0"/>
+              <a:t>實作示範</a:t>
+            </a:r>
+          </a:p>
+        </p:txBody>
+      </p:sp>
+      <p:pic>
+        <p:nvPicPr>
+          <p:cNvPr id="3" name="圖片 2">
+            <a:extLst>
+              <a:ext uri="{FF2B5EF4-FFF2-40B4-BE49-F238E27FC236}">
+                <a16:creationId xmlns:a16="http://schemas.microsoft.com/office/drawing/2014/main" id="{C56E380E-1BBF-64F6-6702-8D3E485B61D5}"/>
+              </a:ext>
+            </a:extLst>
+          </p:cNvPr>
+          <p:cNvPicPr>
+            <a:picLocks noChangeAspect="1"/>
+          </p:cNvPicPr>
+          <p:nvPr/>
+        </p:nvPicPr>
+        <p:blipFill>
+          <a:blip r:embed="rId3"/>
+          <a:stretch>
+            <a:fillRect/>
+          </a:stretch>
+        </p:blipFill>
+        <p:spPr>
+          <a:xfrm>
+            <a:off x="3159843" y="-58992"/>
+            <a:ext cx="5384389" cy="6335630"/>
+          </a:xfrm>
+          <a:prstGeom prst="rect">
+            <a:avLst/>
+          </a:prstGeom>
+        </p:spPr>
+      </p:pic>
+    </p:spTree>
+    <p:extLst>
+      <p:ext uri="{BB962C8B-B14F-4D97-AF65-F5344CB8AC3E}">
+        <p14:creationId xmlns:p14="http://schemas.microsoft.com/office/powerpoint/2010/main" val="3139563316"/>
+      </p:ext>
+    </p:extLst>
+  </p:cSld>
+  <p:clrMapOvr>
+    <a:masterClrMapping/>
+  </p:clrMapOvr>
+</p:sld>
+</file>
+
+<file path=ppt/slides/slide20.xml><?xml version="1.0" encoding="utf-8"?>
 <p:sld xmlns:a="http://schemas.openxmlformats.org/drawingml/2006/main" xmlns:r="http://schemas.openxmlformats.org/officeDocument/2006/relationships" xmlns:p="http://schemas.openxmlformats.org/presentationml/2006/main">
   <p:cSld>
     <p:spTree>
@@ -11896,14 +12949,14 @@
           </a:prstGeom>
           <a:ln>
             <a:solidFill>
-              <a:schemeClr val="accent6"/>
+              <a:srgbClr val="FF5050"/>
             </a:solidFill>
             <a:tailEnd type="triangle"/>
           </a:ln>
           <a:effectLst>
             <a:outerShdw blurRad="63500" sx="102000" sy="102000" algn="ctr" rotWithShape="0">
               <a:prstClr val="black">
-                <a:alpha val="95000"/>
+                <a:alpha val="40000"/>
               </a:prstClr>
             </a:outerShdw>
           </a:effectLst>
@@ -11950,14 +13003,14 @@
           </a:prstGeom>
           <a:ln>
             <a:solidFill>
-              <a:schemeClr val="accent6"/>
+              <a:srgbClr val="FF5050"/>
             </a:solidFill>
             <a:tailEnd type="triangle"/>
           </a:ln>
           <a:effectLst>
             <a:outerShdw blurRad="63500" sx="102000" sy="102000" algn="ctr" rotWithShape="0">
               <a:prstClr val="black">
-                <a:alpha val="95000"/>
+                <a:alpha val="40000"/>
               </a:prstClr>
             </a:outerShdw>
           </a:effectLst>
@@ -12044,7 +13097,7 @@
         </p:nvSpPr>
         <p:spPr>
           <a:xfrm>
-            <a:off x="447151" y="2357265"/>
+            <a:off x="1232768" y="2603329"/>
             <a:ext cx="851515" cy="307777"/>
           </a:xfrm>
           <a:prstGeom prst="rect">
@@ -12191,463 +13244,302 @@
           </a:p>
         </p:txBody>
       </p:sp>
-    </p:spTree>
-    <p:extLst>
-      <p:ext uri="{BB962C8B-B14F-4D97-AF65-F5344CB8AC3E}">
-        <p14:creationId xmlns:p14="http://schemas.microsoft.com/office/powerpoint/2010/main" val="1089792054"/>
-      </p:ext>
-    </p:extLst>
-  </p:cSld>
-  <p:clrMapOvr>
-    <a:masterClrMapping/>
-  </p:clrMapOvr>
-</p:sld>
-</file>
-
-<file path=ppt/slides/slide2.xml><?xml version="1.0" encoding="utf-8"?>
-<p:sld xmlns:a="http://schemas.openxmlformats.org/drawingml/2006/main" xmlns:r="http://schemas.openxmlformats.org/officeDocument/2006/relationships" xmlns:p="http://schemas.openxmlformats.org/presentationml/2006/main">
-  <p:cSld>
-    <p:spTree>
-      <p:nvGrpSpPr>
-        <p:cNvPr id="1" name="Shape 45"/>
-        <p:cNvGrpSpPr/>
-        <p:nvPr/>
-      </p:nvGrpSpPr>
-      <p:grpSpPr>
-        <a:xfrm>
-          <a:off x="0" y="0"/>
-          <a:ext cx="0" cy="0"/>
-          <a:chOff x="0" y="0"/>
-          <a:chExt cx="0" cy="0"/>
-        </a:xfrm>
-      </p:grpSpPr>
       <p:sp>
         <p:nvSpPr>
-          <p:cNvPr id="46" name="Google Shape;46;p8"/>
-          <p:cNvSpPr txBox="1">
-            <a:spLocks noGrp="1"/>
-          </p:cNvSpPr>
-          <p:nvPr>
-            <p:ph type="title"/>
-          </p:nvPr>
+          <p:cNvPr id="4" name="弧形 3">
+            <a:extLst>
+              <a:ext uri="{FF2B5EF4-FFF2-40B4-BE49-F238E27FC236}">
+                <a16:creationId xmlns:a16="http://schemas.microsoft.com/office/drawing/2014/main" id="{C6772628-6043-5EE3-D0B3-83E88ACAE145}"/>
+              </a:ext>
+            </a:extLst>
+          </p:cNvPr>
+          <p:cNvSpPr/>
+          <p:nvPr/>
         </p:nvSpPr>
         <p:spPr>
-          <a:prstGeom prst="rect">
-            <a:avLst/>
+          <a:xfrm flipV="1">
+            <a:off x="383464" y="1189552"/>
+            <a:ext cx="2373387" cy="2487577"/>
+          </a:xfrm>
+          <a:prstGeom prst="arc">
+            <a:avLst>
+              <a:gd name="adj1" fmla="val 9340825"/>
+              <a:gd name="adj2" fmla="val 13523591"/>
+            </a:avLst>
           </a:prstGeom>
-        </p:spPr>
+          <a:ln>
+            <a:solidFill>
+              <a:srgbClr val="FF5050"/>
+            </a:solidFill>
+            <a:prstDash val="dash"/>
+            <a:headEnd type="arrow" w="med" len="med"/>
+            <a:tailEnd type="none" w="med" len="med"/>
+          </a:ln>
+        </p:spPr>
+        <p:style>
+          <a:lnRef idx="2">
+            <a:schemeClr val="dk1"/>
+          </a:lnRef>
+          <a:fillRef idx="0">
+            <a:schemeClr val="dk1"/>
+          </a:fillRef>
+          <a:effectRef idx="1">
+            <a:schemeClr val="dk1"/>
+          </a:effectRef>
+          <a:fontRef idx="minor">
+            <a:schemeClr val="tx1"/>
+          </a:fontRef>
+        </p:style>
         <p:txBody>
-          <a:bodyPr spcFirstLastPara="1" wrap="square" lIns="91425" tIns="91425" rIns="91425" bIns="91425" anchor="t" anchorCtr="0">
-            <a:normAutofit/>
-          </a:bodyPr>
+          <a:bodyPr rtlCol="0" anchor="ctr"/>
           <a:lstStyle/>
           <a:p>
-            <a:pPr marL="0" lvl="0" indent="0" algn="l" rtl="0">
-              <a:spcBef>
-                <a:spcPts val="0"/>
-              </a:spcBef>
-              <a:spcAft>
-                <a:spcPts val="0"/>
-              </a:spcAft>
-              <a:buNone/>
-            </a:pPr>
-            <a:r>
-              <a:rPr lang="zh-TW" altLang="en-US" sz="3600"/>
-              <a:t>議程</a:t>
-            </a:r>
-            <a:endParaRPr lang="zh-TW" altLang="en-US" sz="3600" dirty="0"/>
+            <a:pPr algn="ctr"/>
+            <a:endParaRPr lang="zh-TW" altLang="en-US" dirty="0"/>
           </a:p>
         </p:txBody>
       </p:sp>
       <p:sp>
         <p:nvSpPr>
-          <p:cNvPr id="47" name="Google Shape;47;p8"/>
-          <p:cNvSpPr txBox="1">
-            <a:spLocks noGrp="1"/>
-          </p:cNvSpPr>
-          <p:nvPr>
-            <p:ph type="body" idx="1"/>
-          </p:nvPr>
-        </p:nvSpPr>
-        <p:spPr>
-          <a:prstGeom prst="rect">
-            <a:avLst/>
-          </a:prstGeom>
-        </p:spPr>
-        <p:txBody>
-          <a:bodyPr spcFirstLastPara="1" wrap="square" lIns="91425" tIns="91425" rIns="91425" bIns="91425" anchor="t" anchorCtr="0">
-            <a:normAutofit/>
-          </a:bodyPr>
-          <a:lstStyle/>
-          <a:p>
-            <a:pPr marL="514350" indent="-514350">
-              <a:spcAft>
-                <a:spcPts val="1200"/>
-              </a:spcAft>
-              <a:buSzPct val="80000"/>
-              <a:buFont typeface="+mj-lt"/>
-              <a:buAutoNum type="arabicPeriod"/>
-            </a:pPr>
-            <a:r>
-              <a:rPr lang="zh-TW" altLang="en-US" sz="3200" dirty="0"/>
-              <a:t>簡介</a:t>
-            </a:r>
-          </a:p>
-          <a:p>
-            <a:pPr marL="514350" indent="-514350">
-              <a:spcAft>
-                <a:spcPts val="1200"/>
-              </a:spcAft>
-              <a:buSzPct val="80000"/>
-              <a:buFont typeface="+mj-lt"/>
-              <a:buAutoNum type="arabicPeriod"/>
-            </a:pPr>
-            <a:r>
-              <a:rPr lang="zh-TW" altLang="en-US" sz="3200" dirty="0"/>
-              <a:t>事前評估</a:t>
-            </a:r>
-          </a:p>
-          <a:p>
-            <a:pPr marL="514350" indent="-514350">
-              <a:spcAft>
-                <a:spcPts val="1200"/>
-              </a:spcAft>
-              <a:buSzPct val="80000"/>
-              <a:buFont typeface="+mj-lt"/>
-              <a:buAutoNum type="arabicPeriod"/>
-            </a:pPr>
-            <a:r>
-              <a:rPr lang="zh-TW" altLang="en-US" sz="3200" dirty="0"/>
-              <a:t>實作建議</a:t>
-            </a:r>
-            <a:endParaRPr lang="en-US" altLang="zh-TW" sz="3200" dirty="0"/>
-          </a:p>
-          <a:p>
-            <a:pPr marL="514350" indent="-514350">
-              <a:spcAft>
-                <a:spcPts val="1200"/>
-              </a:spcAft>
-              <a:buSzPct val="80000"/>
-              <a:buFont typeface="+mj-lt"/>
-              <a:buAutoNum type="arabicPeriod"/>
-            </a:pPr>
-            <a:r>
-              <a:rPr lang="zh-TW" altLang="en-US" sz="3200" dirty="0"/>
-              <a:t>實作示範</a:t>
-            </a:r>
-          </a:p>
-        </p:txBody>
-      </p:sp>
-      <p:pic>
-        <p:nvPicPr>
-          <p:cNvPr id="3" name="圖片 2">
+          <p:cNvPr id="5" name="文字方塊 4">
             <a:extLst>
               <a:ext uri="{FF2B5EF4-FFF2-40B4-BE49-F238E27FC236}">
-                <a16:creationId xmlns:a16="http://schemas.microsoft.com/office/drawing/2014/main" id="{C56E380E-1BBF-64F6-6702-8D3E485B61D5}"/>
+                <a16:creationId xmlns:a16="http://schemas.microsoft.com/office/drawing/2014/main" id="{D168D85D-1BD0-FAB6-397D-AABC42EF3064}"/>
               </a:ext>
             </a:extLst>
           </p:cNvPr>
-          <p:cNvPicPr>
-            <a:picLocks noChangeAspect="1"/>
-          </p:cNvPicPr>
+          <p:cNvSpPr txBox="1"/>
           <p:nvPr/>
-        </p:nvPicPr>
-        <p:blipFill>
-          <a:blip r:embed="rId3"/>
-          <a:stretch>
-            <a:fillRect/>
-          </a:stretch>
-        </p:blipFill>
+        </p:nvSpPr>
         <p:spPr>
           <a:xfrm>
-            <a:off x="3159843" y="-58992"/>
-            <a:ext cx="5384389" cy="6335630"/>
+            <a:off x="330790" y="2175233"/>
+            <a:ext cx="990977" cy="523220"/>
           </a:xfrm>
           <a:prstGeom prst="rect">
             <a:avLst/>
           </a:prstGeom>
-        </p:spPr>
-      </p:pic>
-    </p:spTree>
-    <p:extLst>
-      <p:ext uri="{BB962C8B-B14F-4D97-AF65-F5344CB8AC3E}">
-        <p14:creationId xmlns:p14="http://schemas.microsoft.com/office/powerpoint/2010/main" val="3139563316"/>
-      </p:ext>
-    </p:extLst>
-  </p:cSld>
-  <p:clrMapOvr>
-    <a:masterClrMapping/>
-  </p:clrMapOvr>
-</p:sld>
-</file>
-
-<file path=ppt/slides/slide20.xml><?xml version="1.0" encoding="utf-8"?>
-<p:sld xmlns:a="http://schemas.openxmlformats.org/drawingml/2006/main" xmlns:r="http://schemas.openxmlformats.org/officeDocument/2006/relationships" xmlns:p="http://schemas.openxmlformats.org/presentationml/2006/main">
-  <p:cSld>
-    <p:spTree>
-      <p:nvGrpSpPr>
-        <p:cNvPr id="1" name="Shape 45"/>
-        <p:cNvGrpSpPr/>
-        <p:nvPr/>
-      </p:nvGrpSpPr>
-      <p:grpSpPr>
-        <a:xfrm>
-          <a:off x="0" y="0"/>
-          <a:ext cx="0" cy="0"/>
-          <a:chOff x="0" y="0"/>
-          <a:chExt cx="0" cy="0"/>
-        </a:xfrm>
-      </p:grpSpPr>
-      <p:sp>
-        <p:nvSpPr>
-          <p:cNvPr id="46" name="Google Shape;46;p8"/>
-          <p:cNvSpPr txBox="1">
-            <a:spLocks noGrp="1"/>
-          </p:cNvSpPr>
-          <p:nvPr>
-            <p:ph type="title"/>
-          </p:nvPr>
-        </p:nvSpPr>
-        <p:spPr>
-          <a:xfrm>
-            <a:off x="311700" y="593367"/>
-            <a:ext cx="8520600" cy="763500"/>
-          </a:xfrm>
-          <a:prstGeom prst="rect">
-            <a:avLst/>
-          </a:prstGeom>
+          <a:noFill/>
         </p:spPr>
         <p:txBody>
-          <a:bodyPr spcFirstLastPara="1" wrap="square" lIns="91425" tIns="91425" rIns="91425" bIns="91425" anchor="t" anchorCtr="0">
-            <a:normAutofit/>
+          <a:bodyPr wrap="none" rtlCol="0">
+            <a:spAutoFit/>
           </a:bodyPr>
           <a:lstStyle/>
           <a:p>
-            <a:pPr marL="0" lvl="0" indent="0" algn="l" rtl="0">
-              <a:spcBef>
-                <a:spcPts val="0"/>
-              </a:spcBef>
-              <a:spcAft>
-                <a:spcPts val="0"/>
-              </a:spcAft>
-              <a:buNone/>
-            </a:pPr>
-            <a:r>
-              <a:rPr lang="zh-TW" altLang="en-US" sz="3600" dirty="0"/>
-              <a:t>需要考量的點</a:t>
-            </a:r>
-            <a:endParaRPr sz="3600" dirty="0"/>
+            <a:r>
+              <a:rPr lang="en-US" altLang="zh-TW" dirty="0">
+                <a:solidFill>
+                  <a:srgbClr val="FF5050"/>
+                </a:solidFill>
+              </a:rPr>
+              <a:t>Callback</a:t>
+            </a:r>
+          </a:p>
+          <a:p>
+            <a:r>
+              <a:rPr lang="en-US" altLang="zh-TW" dirty="0">
+                <a:solidFill>
+                  <a:srgbClr val="FF5050"/>
+                </a:solidFill>
+              </a:rPr>
+              <a:t>with token</a:t>
+            </a:r>
+            <a:endParaRPr lang="zh-TW" altLang="en-US" dirty="0">
+              <a:solidFill>
+                <a:srgbClr val="FF5050"/>
+              </a:solidFill>
+            </a:endParaRPr>
           </a:p>
         </p:txBody>
       </p:sp>
       <p:sp>
         <p:nvSpPr>
-          <p:cNvPr id="47" name="Google Shape;47;p8"/>
-          <p:cNvSpPr txBox="1">
-            <a:spLocks noGrp="1"/>
-          </p:cNvSpPr>
-          <p:nvPr>
-            <p:ph type="body" idx="1"/>
-          </p:nvPr>
+          <p:cNvPr id="15" name="弧形 14">
+            <a:extLst>
+              <a:ext uri="{FF2B5EF4-FFF2-40B4-BE49-F238E27FC236}">
+                <a16:creationId xmlns:a16="http://schemas.microsoft.com/office/drawing/2014/main" id="{BE3EE013-9178-E237-9D29-906C7F0E48B3}"/>
+              </a:ext>
+            </a:extLst>
+          </p:cNvPr>
+          <p:cNvSpPr/>
+          <p:nvPr/>
         </p:nvSpPr>
         <p:spPr>
+          <a:xfrm flipV="1">
+            <a:off x="43785" y="1335377"/>
+            <a:ext cx="4768425" cy="2487577"/>
+          </a:xfrm>
+          <a:prstGeom prst="arc">
+            <a:avLst>
+              <a:gd name="adj1" fmla="val 15002176"/>
+              <a:gd name="adj2" fmla="val 21396975"/>
+            </a:avLst>
+          </a:prstGeom>
+          <a:ln>
+            <a:solidFill>
+              <a:srgbClr val="FF5050"/>
+            </a:solidFill>
+            <a:prstDash val="dash"/>
+            <a:headEnd type="arrow" w="med" len="med"/>
+            <a:tailEnd type="none" w="med" len="med"/>
+          </a:ln>
+        </p:spPr>
+        <p:style>
+          <a:lnRef idx="2">
+            <a:schemeClr val="dk1"/>
+          </a:lnRef>
+          <a:fillRef idx="0">
+            <a:schemeClr val="dk1"/>
+          </a:fillRef>
+          <a:effectRef idx="1">
+            <a:schemeClr val="dk1"/>
+          </a:effectRef>
+          <a:fontRef idx="minor">
+            <a:schemeClr val="tx1"/>
+          </a:fontRef>
+        </p:style>
+        <p:txBody>
+          <a:bodyPr rtlCol="0" anchor="ctr"/>
+          <a:lstStyle/>
+          <a:p>
+            <a:pPr algn="ctr"/>
+            <a:endParaRPr lang="zh-TW" altLang="en-US" dirty="0"/>
+          </a:p>
+        </p:txBody>
+      </p:sp>
+      <p:sp>
+        <p:nvSpPr>
+          <p:cNvPr id="21" name="文字方塊 20">
+            <a:extLst>
+              <a:ext uri="{FF2B5EF4-FFF2-40B4-BE49-F238E27FC236}">
+                <a16:creationId xmlns:a16="http://schemas.microsoft.com/office/drawing/2014/main" id="{DC4C6F3E-9104-58A8-89A0-3106B87C80B1}"/>
+              </a:ext>
+            </a:extLst>
+          </p:cNvPr>
+          <p:cNvSpPr txBox="1"/>
+          <p:nvPr/>
+        </p:nvSpPr>
+        <p:spPr>
           <a:xfrm>
-            <a:off x="311700" y="1536633"/>
-            <a:ext cx="8520600" cy="4555200"/>
+            <a:off x="4299665" y="3252447"/>
+            <a:ext cx="1130438" cy="307777"/>
           </a:xfrm>
           <a:prstGeom prst="rect">
             <a:avLst/>
           </a:prstGeom>
+          <a:noFill/>
         </p:spPr>
         <p:txBody>
-          <a:bodyPr spcFirstLastPara="1" wrap="square" lIns="91425" tIns="91425" rIns="91425" bIns="91425" anchor="t" anchorCtr="0">
-            <a:normAutofit/>
+          <a:bodyPr wrap="none" rtlCol="0">
+            <a:spAutoFit/>
           </a:bodyPr>
           <a:lstStyle/>
           <a:p>
-            <a:pPr indent="-457200">
-              <a:spcAft>
-                <a:spcPts val="1200"/>
-              </a:spcAft>
-            </a:pPr>
-            <a:r>
-              <a:rPr lang="zh-TW" altLang="en-US" sz="2800" dirty="0"/>
-              <a:t>每個專案</a:t>
-            </a:r>
-            <a:r>
-              <a:rPr lang="en-US" altLang="zh-TW" sz="2800" dirty="0"/>
-              <a:t>(</a:t>
-            </a:r>
-            <a:r>
-              <a:rPr lang="zh-TW" altLang="en-US" sz="2800" dirty="0"/>
-              <a:t>前</a:t>
-            </a:r>
-            <a:r>
-              <a:rPr lang="en-US" altLang="zh-TW" sz="2800" dirty="0"/>
-              <a:t>/</a:t>
-            </a:r>
-            <a:r>
-              <a:rPr lang="zh-TW" altLang="en-US" sz="2800" dirty="0"/>
-              <a:t>後端</a:t>
-            </a:r>
-            <a:r>
-              <a:rPr lang="en-US" altLang="zh-TW" sz="2800" dirty="0"/>
-              <a:t>)</a:t>
-            </a:r>
-            <a:r>
-              <a:rPr lang="zh-TW" altLang="en-US" sz="2800" dirty="0"/>
-              <a:t>皆有需要執行</a:t>
-            </a:r>
-            <a:r>
-              <a:rPr lang="en-US" altLang="zh-TW" sz="2800" dirty="0">
+            <a:r>
+              <a:rPr lang="en-US" altLang="zh-TW" dirty="0">
+                <a:solidFill>
+                  <a:srgbClr val="FF5050"/>
+                </a:solidFill>
+              </a:rPr>
+              <a:t>Verify token</a:t>
+            </a:r>
+            <a:endParaRPr lang="zh-TW" altLang="en-US" dirty="0">
+              <a:solidFill>
+                <a:srgbClr val="FF5050"/>
+              </a:solidFill>
+            </a:endParaRPr>
+          </a:p>
+        </p:txBody>
+      </p:sp>
+      <p:sp>
+        <p:nvSpPr>
+          <p:cNvPr id="22" name="文字方塊 21">
+            <a:extLst>
+              <a:ext uri="{FF2B5EF4-FFF2-40B4-BE49-F238E27FC236}">
+                <a16:creationId xmlns:a16="http://schemas.microsoft.com/office/drawing/2014/main" id="{126E739D-F8FB-5161-85F5-82B398428DA0}"/>
+              </a:ext>
+            </a:extLst>
+          </p:cNvPr>
+          <p:cNvSpPr txBox="1"/>
+          <p:nvPr/>
+        </p:nvSpPr>
+        <p:spPr>
+          <a:xfrm>
+            <a:off x="2652228" y="1187414"/>
+            <a:ext cx="643125" cy="307777"/>
+          </a:xfrm>
+          <a:prstGeom prst="rect">
+            <a:avLst/>
+          </a:prstGeom>
+          <a:noFill/>
+        </p:spPr>
+        <p:txBody>
+          <a:bodyPr wrap="none" rtlCol="0">
+            <a:spAutoFit/>
+          </a:bodyPr>
+          <a:lstStyle/>
+          <a:p>
+            <a:r>
+              <a:rPr lang="en-US" altLang="zh-TW" dirty="0">
                 <a:solidFill>
                   <a:srgbClr val="FF0000"/>
                 </a:solidFill>
               </a:rPr>
-              <a:t>SSO</a:t>
-            </a:r>
-            <a:r>
-              <a:rPr lang="zh-TW" altLang="en-US" sz="2800" dirty="0">
+              <a:t>Client</a:t>
+            </a:r>
+            <a:endParaRPr lang="zh-TW" altLang="en-US" dirty="0">
+              <a:solidFill>
+                <a:srgbClr val="FF0000"/>
+              </a:solidFill>
+            </a:endParaRPr>
+          </a:p>
+        </p:txBody>
+      </p:sp>
+      <p:sp>
+        <p:nvSpPr>
+          <p:cNvPr id="27" name="文字方塊 26">
+            <a:extLst>
+              <a:ext uri="{FF2B5EF4-FFF2-40B4-BE49-F238E27FC236}">
+                <a16:creationId xmlns:a16="http://schemas.microsoft.com/office/drawing/2014/main" id="{6FF66A7E-BA10-AA1B-BC95-4F7C87E5024F}"/>
+              </a:ext>
+            </a:extLst>
+          </p:cNvPr>
+          <p:cNvSpPr txBox="1"/>
+          <p:nvPr/>
+        </p:nvSpPr>
+        <p:spPr>
+          <a:xfrm>
+            <a:off x="5080125" y="1172158"/>
+            <a:ext cx="1527982" cy="307777"/>
+          </a:xfrm>
+          <a:prstGeom prst="rect">
+            <a:avLst/>
+          </a:prstGeom>
+          <a:noFill/>
+        </p:spPr>
+        <p:txBody>
+          <a:bodyPr wrap="none" rtlCol="0">
+            <a:spAutoFit/>
+          </a:bodyPr>
+          <a:lstStyle/>
+          <a:p>
+            <a:r>
+              <a:rPr lang="en-US" altLang="zh-TW" dirty="0">
                 <a:solidFill>
                   <a:srgbClr val="FF0000"/>
                 </a:solidFill>
               </a:rPr>
-              <a:t>相關的流程</a:t>
-            </a:r>
-            <a:endParaRPr lang="en-US" altLang="zh-TW" sz="2400" dirty="0">
-              <a:solidFill>
-                <a:srgbClr val="FF0000"/>
-              </a:solidFill>
-            </a:endParaRPr>
-          </a:p>
-          <a:p>
-            <a:pPr lvl="1" indent="-457200">
-              <a:spcAft>
-                <a:spcPts val="1200"/>
-              </a:spcAft>
-            </a:pPr>
-            <a:r>
-              <a:rPr lang="zh-TW" altLang="en-US" sz="2400" dirty="0"/>
-              <a:t>無認證</a:t>
-            </a:r>
-            <a:r>
-              <a:rPr lang="en-US" altLang="zh-TW" sz="2400" dirty="0"/>
-              <a:t>:</a:t>
-            </a:r>
-            <a:r>
-              <a:rPr lang="zh-TW" altLang="en-US" sz="2400" dirty="0"/>
-              <a:t> 轉導</a:t>
-            </a:r>
-            <a:r>
-              <a:rPr lang="en-US" altLang="zh-TW" sz="2400" dirty="0"/>
-              <a:t>/</a:t>
-            </a:r>
-            <a:r>
-              <a:rPr lang="zh-TW" altLang="en-US" sz="2400" dirty="0"/>
-              <a:t>阻擋</a:t>
-            </a:r>
-            <a:endParaRPr lang="en-US" altLang="zh-TW" sz="2400" dirty="0"/>
-          </a:p>
-          <a:p>
-            <a:pPr lvl="1" indent="-457200">
-              <a:spcAft>
-                <a:spcPts val="1200"/>
-              </a:spcAft>
-            </a:pPr>
-            <a:r>
-              <a:rPr lang="zh-TW" altLang="en-US" sz="2400" dirty="0"/>
-              <a:t>有認證</a:t>
-            </a:r>
-            <a:r>
-              <a:rPr lang="en-US" altLang="zh-TW" sz="2400" dirty="0"/>
-              <a:t>: </a:t>
-            </a:r>
-            <a:r>
-              <a:rPr lang="zh-TW" altLang="en-US" sz="2400" dirty="0"/>
-              <a:t>驗證</a:t>
-            </a:r>
-            <a:r>
-              <a:rPr lang="en-US" altLang="zh-TW" sz="2400" dirty="0"/>
-              <a:t>Token/</a:t>
-            </a:r>
-            <a:r>
-              <a:rPr lang="zh-TW" altLang="en-US" sz="2400" dirty="0"/>
-              <a:t>放行</a:t>
-            </a:r>
-            <a:endParaRPr lang="en-US" altLang="zh-TW" sz="2400" dirty="0"/>
-          </a:p>
-          <a:p>
-            <a:pPr indent="-457200">
-              <a:spcAft>
-                <a:spcPts val="1200"/>
-              </a:spcAft>
-            </a:pPr>
-            <a:endParaRPr lang="en-US" altLang="zh-TW" sz="2800" dirty="0"/>
-          </a:p>
-          <a:p>
-            <a:pPr indent="-457200">
-              <a:spcAft>
-                <a:spcPts val="1200"/>
-              </a:spcAft>
-            </a:pPr>
-            <a:r>
-              <a:rPr lang="zh-TW" altLang="en-US" sz="2800" dirty="0"/>
-              <a:t>為了統一每個部屬的</a:t>
-            </a:r>
-            <a:r>
-              <a:rPr lang="en-US" altLang="zh-TW" sz="2800" dirty="0"/>
-              <a:t>SSO</a:t>
-            </a:r>
-            <a:r>
-              <a:rPr lang="zh-TW" altLang="en-US" sz="2800" dirty="0"/>
-              <a:t>流程實作</a:t>
-            </a:r>
-            <a:br>
-              <a:rPr lang="en-US" altLang="zh-TW" sz="2800" dirty="0"/>
-            </a:br>
-            <a:r>
-              <a:rPr lang="en-US" altLang="zh-TW" sz="2800" dirty="0"/>
-              <a:t>(</a:t>
-            </a:r>
-            <a:r>
-              <a:rPr lang="zh-TW" altLang="en-US" sz="2800" dirty="0"/>
-              <a:t>相當於</a:t>
-            </a:r>
-            <a:r>
-              <a:rPr lang="en-US" altLang="zh-TW" sz="2800" dirty="0"/>
-              <a:t>OAuth Client)</a:t>
-            </a:r>
-            <a:br>
-              <a:rPr lang="en-US" altLang="zh-TW" sz="2800" dirty="0"/>
-            </a:br>
-            <a:r>
-              <a:rPr lang="zh-TW" altLang="en-US" sz="2800" dirty="0"/>
-              <a:t>通常會製作為</a:t>
-            </a:r>
-            <a:r>
-              <a:rPr lang="en-US" altLang="zh-TW" sz="2800" dirty="0"/>
-              <a:t>FW</a:t>
-            </a:r>
-            <a:r>
-              <a:rPr lang="zh-TW" altLang="en-US" sz="2800" dirty="0"/>
-              <a:t>或者是</a:t>
-            </a:r>
-            <a:r>
-              <a:rPr lang="en-US" altLang="zh-TW" sz="2800" dirty="0"/>
-              <a:t>Utils</a:t>
-            </a:r>
-            <a:r>
-              <a:rPr lang="zh-TW" altLang="en-US" sz="2800" dirty="0"/>
-              <a:t>來跨專案共用</a:t>
-            </a:r>
-            <a:endParaRPr lang="en-US" altLang="zh-TW" sz="2800" dirty="0"/>
+              <a:t>Resource Server</a:t>
+            </a:r>
+            <a:endParaRPr lang="zh-TW" altLang="en-US" dirty="0"/>
           </a:p>
         </p:txBody>
       </p:sp>
     </p:spTree>
     <p:extLst>
       <p:ext uri="{BB962C8B-B14F-4D97-AF65-F5344CB8AC3E}">
-        <p14:creationId xmlns:p14="http://schemas.microsoft.com/office/powerpoint/2010/main" val="130273227"/>
+        <p14:creationId xmlns:p14="http://schemas.microsoft.com/office/powerpoint/2010/main" val="1089792054"/>
       </p:ext>
     </p:extLst>
   </p:cSld>
@@ -12710,6 +13602,230 @@
             </a:pPr>
             <a:r>
               <a:rPr lang="zh-TW" altLang="en-US" sz="3600" dirty="0"/>
+              <a:t>需要考量的點</a:t>
+            </a:r>
+            <a:endParaRPr sz="3600" dirty="0"/>
+          </a:p>
+        </p:txBody>
+      </p:sp>
+      <p:sp>
+        <p:nvSpPr>
+          <p:cNvPr id="47" name="Google Shape;47;p8"/>
+          <p:cNvSpPr txBox="1">
+            <a:spLocks noGrp="1"/>
+          </p:cNvSpPr>
+          <p:nvPr>
+            <p:ph type="body" idx="1"/>
+          </p:nvPr>
+        </p:nvSpPr>
+        <p:spPr>
+          <a:xfrm>
+            <a:off x="311700" y="1536633"/>
+            <a:ext cx="8520600" cy="4555200"/>
+          </a:xfrm>
+          <a:prstGeom prst="rect">
+            <a:avLst/>
+          </a:prstGeom>
+        </p:spPr>
+        <p:txBody>
+          <a:bodyPr spcFirstLastPara="1" wrap="square" lIns="91425" tIns="91425" rIns="91425" bIns="91425" anchor="t" anchorCtr="0">
+            <a:normAutofit/>
+          </a:bodyPr>
+          <a:lstStyle/>
+          <a:p>
+            <a:pPr indent="-457200">
+              <a:spcAft>
+                <a:spcPts val="1200"/>
+              </a:spcAft>
+            </a:pPr>
+            <a:endParaRPr lang="en-US" altLang="zh-TW" sz="2800" dirty="0"/>
+          </a:p>
+          <a:p>
+            <a:pPr indent="-457200">
+              <a:spcAft>
+                <a:spcPts val="1200"/>
+              </a:spcAft>
+            </a:pPr>
+            <a:r>
+              <a:rPr lang="zh-TW" altLang="en-US" sz="2800" dirty="0"/>
+              <a:t>每個專案</a:t>
+            </a:r>
+            <a:r>
+              <a:rPr lang="en-US" altLang="zh-TW" sz="2800" dirty="0"/>
+              <a:t>(</a:t>
+            </a:r>
+            <a:r>
+              <a:rPr lang="zh-TW" altLang="en-US" sz="2800" dirty="0"/>
+              <a:t>前</a:t>
+            </a:r>
+            <a:r>
+              <a:rPr lang="en-US" altLang="zh-TW" sz="2800" dirty="0"/>
+              <a:t>/</a:t>
+            </a:r>
+            <a:r>
+              <a:rPr lang="zh-TW" altLang="en-US" sz="2800" dirty="0"/>
+              <a:t>後端</a:t>
+            </a:r>
+            <a:r>
+              <a:rPr lang="en-US" altLang="zh-TW" sz="2800" dirty="0"/>
+              <a:t>)</a:t>
+            </a:r>
+            <a:r>
+              <a:rPr lang="zh-TW" altLang="en-US" sz="2800" dirty="0"/>
+              <a:t>皆有需要執行</a:t>
+            </a:r>
+            <a:r>
+              <a:rPr lang="en-US" altLang="zh-TW" sz="2800" dirty="0">
+                <a:solidFill>
+                  <a:srgbClr val="FF0000"/>
+                </a:solidFill>
+              </a:rPr>
+              <a:t>SSO</a:t>
+            </a:r>
+            <a:r>
+              <a:rPr lang="zh-TW" altLang="en-US" sz="2800" dirty="0">
+                <a:solidFill>
+                  <a:srgbClr val="FF0000"/>
+                </a:solidFill>
+              </a:rPr>
+              <a:t>相關的流程</a:t>
+            </a:r>
+            <a:br>
+              <a:rPr lang="en-US" altLang="zh-TW" sz="2800" dirty="0">
+                <a:solidFill>
+                  <a:srgbClr val="FF0000"/>
+                </a:solidFill>
+              </a:rPr>
+            </a:br>
+            <a:r>
+              <a:rPr lang="en-US" altLang="zh-TW" sz="2800" dirty="0"/>
+              <a:t>(</a:t>
+            </a:r>
+            <a:r>
+              <a:rPr lang="zh-TW" altLang="en-US" sz="2800" dirty="0"/>
+              <a:t>相當於</a:t>
+            </a:r>
+            <a:r>
+              <a:rPr lang="en-US" altLang="zh-TW" sz="2800" dirty="0"/>
+              <a:t>OAuth Client + Resource Server)</a:t>
+            </a:r>
+            <a:endParaRPr lang="en-US" altLang="zh-TW" sz="2800" dirty="0">
+              <a:solidFill>
+                <a:srgbClr val="FF0000"/>
+              </a:solidFill>
+            </a:endParaRPr>
+          </a:p>
+          <a:p>
+            <a:pPr indent="-457200">
+              <a:spcAft>
+                <a:spcPts val="1200"/>
+              </a:spcAft>
+            </a:pPr>
+            <a:r>
+              <a:rPr lang="zh-TW" altLang="en-US" sz="2800" dirty="0"/>
+              <a:t>為了統一每個部屬的</a:t>
+            </a:r>
+            <a:r>
+              <a:rPr lang="en-US" altLang="zh-TW" sz="2800" dirty="0"/>
+              <a:t>SSO</a:t>
+            </a:r>
+            <a:r>
+              <a:rPr lang="zh-TW" altLang="en-US" sz="2800" dirty="0"/>
+              <a:t>流程實作</a:t>
+            </a:r>
+            <a:br>
+              <a:rPr lang="en-US" altLang="zh-TW" sz="2800" dirty="0"/>
+            </a:br>
+            <a:r>
+              <a:rPr lang="zh-TW" altLang="en-US" sz="2800" dirty="0"/>
+              <a:t>通常會製作為</a:t>
+            </a:r>
+            <a:r>
+              <a:rPr lang="en-US" altLang="zh-TW" sz="2800" dirty="0"/>
+              <a:t>FW</a:t>
+            </a:r>
+            <a:r>
+              <a:rPr lang="zh-TW" altLang="en-US" sz="2800" dirty="0"/>
+              <a:t>或者是</a:t>
+            </a:r>
+            <a:r>
+              <a:rPr lang="en-US" altLang="zh-TW" sz="2800" dirty="0"/>
+              <a:t>Utils</a:t>
+            </a:r>
+            <a:r>
+              <a:rPr lang="zh-TW" altLang="en-US" sz="2800" dirty="0"/>
+              <a:t>來跨專案共用</a:t>
+            </a:r>
+            <a:endParaRPr lang="en-US" altLang="zh-TW" sz="2800" dirty="0"/>
+          </a:p>
+        </p:txBody>
+      </p:sp>
+    </p:spTree>
+    <p:extLst>
+      <p:ext uri="{BB962C8B-B14F-4D97-AF65-F5344CB8AC3E}">
+        <p14:creationId xmlns:p14="http://schemas.microsoft.com/office/powerpoint/2010/main" val="130273227"/>
+      </p:ext>
+    </p:extLst>
+  </p:cSld>
+  <p:clrMapOvr>
+    <a:masterClrMapping/>
+  </p:clrMapOvr>
+</p:sld>
+</file>
+
+<file path=ppt/slides/slide22.xml><?xml version="1.0" encoding="utf-8"?>
+<p:sld xmlns:a="http://schemas.openxmlformats.org/drawingml/2006/main" xmlns:r="http://schemas.openxmlformats.org/officeDocument/2006/relationships" xmlns:p="http://schemas.openxmlformats.org/presentationml/2006/main">
+  <p:cSld>
+    <p:spTree>
+      <p:nvGrpSpPr>
+        <p:cNvPr id="1" name="Shape 45"/>
+        <p:cNvGrpSpPr/>
+        <p:nvPr/>
+      </p:nvGrpSpPr>
+      <p:grpSpPr>
+        <a:xfrm>
+          <a:off x="0" y="0"/>
+          <a:ext cx="0" cy="0"/>
+          <a:chOff x="0" y="0"/>
+          <a:chExt cx="0" cy="0"/>
+        </a:xfrm>
+      </p:grpSpPr>
+      <p:sp>
+        <p:nvSpPr>
+          <p:cNvPr id="46" name="Google Shape;46;p8"/>
+          <p:cNvSpPr txBox="1">
+            <a:spLocks noGrp="1"/>
+          </p:cNvSpPr>
+          <p:nvPr>
+            <p:ph type="title"/>
+          </p:nvPr>
+        </p:nvSpPr>
+        <p:spPr>
+          <a:xfrm>
+            <a:off x="311700" y="593367"/>
+            <a:ext cx="8520600" cy="763500"/>
+          </a:xfrm>
+          <a:prstGeom prst="rect">
+            <a:avLst/>
+          </a:prstGeom>
+        </p:spPr>
+        <p:txBody>
+          <a:bodyPr spcFirstLastPara="1" wrap="square" lIns="91425" tIns="91425" rIns="91425" bIns="91425" anchor="t" anchorCtr="0">
+            <a:normAutofit/>
+          </a:bodyPr>
+          <a:lstStyle/>
+          <a:p>
+            <a:pPr marL="0" lvl="0" indent="0" algn="l" rtl="0">
+              <a:spcBef>
+                <a:spcPts val="0"/>
+              </a:spcBef>
+              <a:spcAft>
+                <a:spcPts val="0"/>
+              </a:spcAft>
+              <a:buNone/>
+            </a:pPr>
+            <a:r>
+              <a:rPr lang="zh-TW" altLang="en-US" sz="3600" dirty="0"/>
               <a:t>增加</a:t>
             </a:r>
             <a:r>
@@ -13681,1137 +14797,12 @@
           </a:p>
         </p:txBody>
       </p:sp>
-    </p:spTree>
-    <p:extLst>
-      <p:ext uri="{BB962C8B-B14F-4D97-AF65-F5344CB8AC3E}">
-        <p14:creationId xmlns:p14="http://schemas.microsoft.com/office/powerpoint/2010/main" val="3968516713"/>
-      </p:ext>
-    </p:extLst>
-  </p:cSld>
-  <p:clrMapOvr>
-    <a:masterClrMapping/>
-  </p:clrMapOvr>
-</p:sld>
-</file>
-
-<file path=ppt/slides/slide22.xml><?xml version="1.0" encoding="utf-8"?>
-<p:sld xmlns:a="http://schemas.openxmlformats.org/drawingml/2006/main" xmlns:r="http://schemas.openxmlformats.org/officeDocument/2006/relationships" xmlns:p="http://schemas.openxmlformats.org/presentationml/2006/main">
-  <p:cSld>
-    <p:spTree>
-      <p:nvGrpSpPr>
-        <p:cNvPr id="1" name="Shape 45"/>
-        <p:cNvGrpSpPr/>
-        <p:nvPr/>
-      </p:nvGrpSpPr>
-      <p:grpSpPr>
-        <a:xfrm>
-          <a:off x="0" y="0"/>
-          <a:ext cx="0" cy="0"/>
-          <a:chOff x="0" y="0"/>
-          <a:chExt cx="0" cy="0"/>
-        </a:xfrm>
-      </p:grpSpPr>
       <p:sp>
         <p:nvSpPr>
-          <p:cNvPr id="6" name="矩形 5">
+          <p:cNvPr id="3" name="文字方塊 2">
             <a:extLst>
               <a:ext uri="{FF2B5EF4-FFF2-40B4-BE49-F238E27FC236}">
-                <a16:creationId xmlns:a16="http://schemas.microsoft.com/office/drawing/2014/main" id="{3B1BEA7D-C88C-0DED-2DFB-23685CF93D85}"/>
-              </a:ext>
-            </a:extLst>
-          </p:cNvPr>
-          <p:cNvSpPr/>
-          <p:nvPr/>
-        </p:nvSpPr>
-        <p:spPr>
-          <a:xfrm>
-            <a:off x="5427406" y="1445342"/>
-            <a:ext cx="2165335" cy="4543554"/>
-          </a:xfrm>
-          <a:prstGeom prst="rect">
-            <a:avLst/>
-          </a:prstGeom>
-          <a:solidFill>
-            <a:schemeClr val="accent1">
-              <a:lumMod val="50000"/>
-            </a:schemeClr>
-          </a:solidFill>
-        </p:spPr>
-        <p:style>
-          <a:lnRef idx="2">
-            <a:schemeClr val="accent1">
-              <a:shade val="15000"/>
-            </a:schemeClr>
-          </a:lnRef>
-          <a:fillRef idx="1">
-            <a:schemeClr val="accent1"/>
-          </a:fillRef>
-          <a:effectRef idx="0">
-            <a:schemeClr val="accent1"/>
-          </a:effectRef>
-          <a:fontRef idx="minor">
-            <a:schemeClr val="lt1"/>
-          </a:fontRef>
-        </p:style>
-        <p:txBody>
-          <a:bodyPr rtlCol="0" anchor="b"/>
-          <a:lstStyle/>
-          <a:p>
-            <a:pPr algn="ctr"/>
-            <a:r>
-              <a:rPr lang="en-US" altLang="zh-TW" sz="2400" dirty="0"/>
-              <a:t>Backend</a:t>
-            </a:r>
-            <a:endParaRPr lang="zh-TW" altLang="en-US" sz="2400" dirty="0"/>
-          </a:p>
-        </p:txBody>
-      </p:sp>
-      <p:sp>
-        <p:nvSpPr>
-          <p:cNvPr id="46" name="Google Shape;46;p8"/>
-          <p:cNvSpPr txBox="1">
-            <a:spLocks noGrp="1"/>
-          </p:cNvSpPr>
-          <p:nvPr>
-            <p:ph type="title"/>
-          </p:nvPr>
-        </p:nvSpPr>
-        <p:spPr>
-          <a:xfrm>
-            <a:off x="311700" y="593367"/>
-            <a:ext cx="8520600" cy="763500"/>
-          </a:xfrm>
-          <a:prstGeom prst="rect">
-            <a:avLst/>
-          </a:prstGeom>
-        </p:spPr>
-        <p:txBody>
-          <a:bodyPr spcFirstLastPara="1" wrap="square" lIns="91425" tIns="91425" rIns="91425" bIns="91425" anchor="t" anchorCtr="0">
-            <a:normAutofit/>
-          </a:bodyPr>
-          <a:lstStyle/>
-          <a:p>
-            <a:pPr marL="0" lvl="0" indent="0" algn="l" rtl="0">
-              <a:spcBef>
-                <a:spcPts val="0"/>
-              </a:spcBef>
-              <a:spcAft>
-                <a:spcPts val="0"/>
-              </a:spcAft>
-              <a:buNone/>
-            </a:pPr>
-            <a:r>
-              <a:rPr lang="en-US" altLang="zh-TW" sz="3600" dirty="0"/>
-              <a:t>AP Server</a:t>
-            </a:r>
-            <a:r>
-              <a:rPr lang="zh-TW" altLang="en-US" sz="3600" dirty="0"/>
-              <a:t>架構</a:t>
-            </a:r>
-            <a:r>
-              <a:rPr lang="en-US" altLang="zh-TW" sz="3600" dirty="0"/>
-              <a:t>-</a:t>
-            </a:r>
-            <a:r>
-              <a:rPr lang="zh-TW" altLang="en-US" sz="3600" dirty="0"/>
-              <a:t>理想狀況</a:t>
-            </a:r>
-            <a:r>
-              <a:rPr lang="en-US" altLang="zh-TW" sz="3600" dirty="0"/>
-              <a:t>+UI</a:t>
-            </a:r>
-            <a:r>
-              <a:rPr lang="zh-TW" altLang="en-US" sz="3600" dirty="0"/>
-              <a:t>前後端分離</a:t>
-            </a:r>
-            <a:endParaRPr sz="3600" dirty="0"/>
-          </a:p>
-        </p:txBody>
-      </p:sp>
-      <p:sp>
-        <p:nvSpPr>
-          <p:cNvPr id="3" name="矩形: 圓角 2">
-            <a:extLst>
-              <a:ext uri="{FF2B5EF4-FFF2-40B4-BE49-F238E27FC236}">
-                <a16:creationId xmlns:a16="http://schemas.microsoft.com/office/drawing/2014/main" id="{EEFB270A-CD32-2F75-0AFF-DC3D2399876A}"/>
-              </a:ext>
-            </a:extLst>
-          </p:cNvPr>
-          <p:cNvSpPr/>
-          <p:nvPr/>
-        </p:nvSpPr>
-        <p:spPr>
-          <a:xfrm>
-            <a:off x="5546908" y="1609417"/>
-            <a:ext cx="1938418" cy="2817277"/>
-          </a:xfrm>
-          <a:prstGeom prst="roundRect">
-            <a:avLst/>
-          </a:prstGeom>
-          <a:solidFill>
-            <a:schemeClr val="accent1">
-              <a:lumMod val="20000"/>
-              <a:lumOff val="80000"/>
-            </a:schemeClr>
-          </a:solidFill>
-        </p:spPr>
-        <p:style>
-          <a:lnRef idx="2">
-            <a:schemeClr val="accent1">
-              <a:shade val="15000"/>
-            </a:schemeClr>
-          </a:lnRef>
-          <a:fillRef idx="1">
-            <a:schemeClr val="accent1"/>
-          </a:fillRef>
-          <a:effectRef idx="0">
-            <a:schemeClr val="accent1"/>
-          </a:effectRef>
-          <a:fontRef idx="minor">
-            <a:schemeClr val="lt1"/>
-          </a:fontRef>
-        </p:style>
-        <p:txBody>
-          <a:bodyPr rtlCol="0" anchor="b"/>
-          <a:lstStyle/>
-          <a:p>
-            <a:pPr algn="ctr"/>
-            <a:r>
-              <a:rPr lang="en-US" altLang="zh-TW" sz="2400" dirty="0">
-                <a:solidFill>
-                  <a:schemeClr val="bg2"/>
-                </a:solidFill>
-              </a:rPr>
-              <a:t>Service</a:t>
-            </a:r>
-            <a:endParaRPr lang="zh-TW" altLang="en-US" sz="2400" dirty="0">
-              <a:solidFill>
-                <a:schemeClr val="bg2"/>
-              </a:solidFill>
-            </a:endParaRPr>
-          </a:p>
-        </p:txBody>
-      </p:sp>
-      <p:sp>
-        <p:nvSpPr>
-          <p:cNvPr id="10" name="矩形: 圓角 9">
-            <a:extLst>
-              <a:ext uri="{FF2B5EF4-FFF2-40B4-BE49-F238E27FC236}">
-                <a16:creationId xmlns:a16="http://schemas.microsoft.com/office/drawing/2014/main" id="{2F520C60-59B1-9F33-E6BE-C4F31AAD8F86}"/>
-              </a:ext>
-            </a:extLst>
-          </p:cNvPr>
-          <p:cNvSpPr/>
-          <p:nvPr/>
-        </p:nvSpPr>
-        <p:spPr>
-          <a:xfrm>
-            <a:off x="5546908" y="4549899"/>
-            <a:ext cx="1938418" cy="718706"/>
-          </a:xfrm>
-          <a:prstGeom prst="roundRect">
-            <a:avLst/>
-          </a:prstGeom>
-          <a:solidFill>
-            <a:schemeClr val="accent1">
-              <a:lumMod val="20000"/>
-              <a:lumOff val="80000"/>
-            </a:schemeClr>
-          </a:solidFill>
-        </p:spPr>
-        <p:style>
-          <a:lnRef idx="2">
-            <a:schemeClr val="accent1">
-              <a:shade val="15000"/>
-            </a:schemeClr>
-          </a:lnRef>
-          <a:fillRef idx="1">
-            <a:schemeClr val="accent1"/>
-          </a:fillRef>
-          <a:effectRef idx="0">
-            <a:schemeClr val="accent1"/>
-          </a:effectRef>
-          <a:fontRef idx="minor">
-            <a:schemeClr val="lt1"/>
-          </a:fontRef>
-        </p:style>
-        <p:txBody>
-          <a:bodyPr rtlCol="0" anchor="ctr"/>
-          <a:lstStyle/>
-          <a:p>
-            <a:pPr algn="ctr"/>
-            <a:r>
-              <a:rPr lang="en-US" altLang="zh-TW" sz="2400" dirty="0">
-                <a:solidFill>
-                  <a:schemeClr val="bg2"/>
-                </a:solidFill>
-              </a:rPr>
-              <a:t>Framework</a:t>
-            </a:r>
-            <a:endParaRPr lang="zh-TW" altLang="en-US" sz="2400" dirty="0">
-              <a:solidFill>
-                <a:schemeClr val="bg2"/>
-              </a:solidFill>
-            </a:endParaRPr>
-          </a:p>
-        </p:txBody>
-      </p:sp>
-      <p:sp>
-        <p:nvSpPr>
-          <p:cNvPr id="11" name="矩形: 圓角 10">
-            <a:extLst>
-              <a:ext uri="{FF2B5EF4-FFF2-40B4-BE49-F238E27FC236}">
-                <a16:creationId xmlns:a16="http://schemas.microsoft.com/office/drawing/2014/main" id="{89A8859D-01DB-9EB9-1AC9-1AB585DBDFE5}"/>
-              </a:ext>
-            </a:extLst>
-          </p:cNvPr>
-          <p:cNvSpPr/>
-          <p:nvPr/>
-        </p:nvSpPr>
-        <p:spPr>
-          <a:xfrm>
-            <a:off x="5842599" y="2134070"/>
-            <a:ext cx="1347035" cy="566741"/>
-          </a:xfrm>
-          <a:prstGeom prst="roundRect">
-            <a:avLst/>
-          </a:prstGeom>
-          <a:solidFill>
-            <a:schemeClr val="accent1"/>
-          </a:solidFill>
-        </p:spPr>
-        <p:style>
-          <a:lnRef idx="2">
-            <a:schemeClr val="accent4">
-              <a:shade val="15000"/>
-            </a:schemeClr>
-          </a:lnRef>
-          <a:fillRef idx="1">
-            <a:schemeClr val="accent4"/>
-          </a:fillRef>
-          <a:effectRef idx="0">
-            <a:schemeClr val="accent4"/>
-          </a:effectRef>
-          <a:fontRef idx="minor">
-            <a:schemeClr val="lt1"/>
-          </a:fontRef>
-        </p:style>
-        <p:txBody>
-          <a:bodyPr rtlCol="0" anchor="ctr"/>
-          <a:lstStyle/>
-          <a:p>
-            <a:pPr algn="ctr"/>
-            <a:r>
-              <a:rPr lang="en-US" altLang="zh-TW" sz="1800" dirty="0"/>
-              <a:t>Auth</a:t>
-            </a:r>
-            <a:endParaRPr lang="zh-TW" altLang="en-US" sz="1800" dirty="0"/>
-          </a:p>
-        </p:txBody>
-      </p:sp>
-      <p:sp>
-        <p:nvSpPr>
-          <p:cNvPr id="16" name="矩形: 圓角 15">
-            <a:extLst>
-              <a:ext uri="{FF2B5EF4-FFF2-40B4-BE49-F238E27FC236}">
-                <a16:creationId xmlns:a16="http://schemas.microsoft.com/office/drawing/2014/main" id="{A63DDC2B-935E-62E8-B478-57B6F0AD85E0}"/>
-              </a:ext>
-            </a:extLst>
-          </p:cNvPr>
-          <p:cNvSpPr/>
-          <p:nvPr/>
-        </p:nvSpPr>
-        <p:spPr>
-          <a:xfrm>
-            <a:off x="5842599" y="3212110"/>
-            <a:ext cx="1347035" cy="566741"/>
-          </a:xfrm>
-          <a:prstGeom prst="roundRect">
-            <a:avLst/>
-          </a:prstGeom>
-          <a:solidFill>
-            <a:schemeClr val="accent1"/>
-          </a:solidFill>
-        </p:spPr>
-        <p:style>
-          <a:lnRef idx="2">
-            <a:schemeClr val="accent4">
-              <a:shade val="15000"/>
-            </a:schemeClr>
-          </a:lnRef>
-          <a:fillRef idx="1">
-            <a:schemeClr val="accent4"/>
-          </a:fillRef>
-          <a:effectRef idx="0">
-            <a:schemeClr val="accent4"/>
-          </a:effectRef>
-          <a:fontRef idx="minor">
-            <a:schemeClr val="lt1"/>
-          </a:fontRef>
-        </p:style>
-        <p:txBody>
-          <a:bodyPr rtlCol="0" anchor="ctr"/>
-          <a:lstStyle/>
-          <a:p>
-            <a:pPr algn="ctr"/>
-            <a:r>
-              <a:rPr lang="en-US" altLang="zh-TW" sz="1800" dirty="0"/>
-              <a:t>Auth Sync</a:t>
-            </a:r>
-          </a:p>
-        </p:txBody>
-      </p:sp>
-      <p:cxnSp>
-        <p:nvCxnSpPr>
-          <p:cNvPr id="18" name="直線單箭頭接點 17">
-            <a:extLst>
-              <a:ext uri="{FF2B5EF4-FFF2-40B4-BE49-F238E27FC236}">
-                <a16:creationId xmlns:a16="http://schemas.microsoft.com/office/drawing/2014/main" id="{EDE6B32E-E5A3-B207-DB22-E191ED5BE6D5}"/>
-              </a:ext>
-            </a:extLst>
-          </p:cNvPr>
-          <p:cNvCxnSpPr>
-            <a:cxnSpLocks/>
-            <a:stCxn id="16" idx="0"/>
-            <a:endCxn id="11" idx="2"/>
-          </p:cNvCxnSpPr>
-          <p:nvPr/>
-        </p:nvCxnSpPr>
-        <p:spPr>
-          <a:xfrm flipV="1">
-            <a:off x="6516117" y="2700811"/>
-            <a:ext cx="0" cy="511299"/>
-          </a:xfrm>
-          <a:prstGeom prst="straightConnector1">
-            <a:avLst/>
-          </a:prstGeom>
-          <a:ln>
-            <a:headEnd type="none" w="med" len="med"/>
-            <a:tailEnd type="arrow" w="med" len="med"/>
-          </a:ln>
-        </p:spPr>
-        <p:style>
-          <a:lnRef idx="2">
-            <a:schemeClr val="dk1"/>
-          </a:lnRef>
-          <a:fillRef idx="0">
-            <a:schemeClr val="dk1"/>
-          </a:fillRef>
-          <a:effectRef idx="1">
-            <a:schemeClr val="dk1"/>
-          </a:effectRef>
-          <a:fontRef idx="minor">
-            <a:schemeClr val="tx1"/>
-          </a:fontRef>
-        </p:style>
-      </p:cxnSp>
-      <p:sp>
-        <p:nvSpPr>
-          <p:cNvPr id="23" name="流程圖: 磁碟 22">
-            <a:extLst>
-              <a:ext uri="{FF2B5EF4-FFF2-40B4-BE49-F238E27FC236}">
-                <a16:creationId xmlns:a16="http://schemas.microsoft.com/office/drawing/2014/main" id="{ACC3C691-E052-C8EB-F1A0-48F42E42F00C}"/>
-              </a:ext>
-            </a:extLst>
-          </p:cNvPr>
-          <p:cNvSpPr/>
-          <p:nvPr/>
-        </p:nvSpPr>
-        <p:spPr>
-          <a:xfrm>
-            <a:off x="8143442" y="2031777"/>
-            <a:ext cx="803911" cy="771328"/>
-          </a:xfrm>
-          <a:prstGeom prst="flowChartMagneticDisk">
-            <a:avLst/>
-          </a:prstGeom>
-        </p:spPr>
-        <p:style>
-          <a:lnRef idx="2">
-            <a:schemeClr val="accent1">
-              <a:shade val="15000"/>
-            </a:schemeClr>
-          </a:lnRef>
-          <a:fillRef idx="1">
-            <a:schemeClr val="accent1"/>
-          </a:fillRef>
-          <a:effectRef idx="0">
-            <a:schemeClr val="accent1"/>
-          </a:effectRef>
-          <a:fontRef idx="minor">
-            <a:schemeClr val="lt1"/>
-          </a:fontRef>
-        </p:style>
-        <p:txBody>
-          <a:bodyPr rtlCol="0" anchor="ctr"/>
-          <a:lstStyle/>
-          <a:p>
-            <a:pPr algn="ctr"/>
-            <a:r>
-              <a:rPr lang="en-US" altLang="zh-TW" dirty="0"/>
-              <a:t>DB</a:t>
-            </a:r>
-            <a:endParaRPr lang="zh-TW" altLang="en-US" dirty="0"/>
-          </a:p>
-        </p:txBody>
-      </p:sp>
-      <p:sp>
-        <p:nvSpPr>
-          <p:cNvPr id="25" name="流程圖: 磁碟 24">
-            <a:extLst>
-              <a:ext uri="{FF2B5EF4-FFF2-40B4-BE49-F238E27FC236}">
-                <a16:creationId xmlns:a16="http://schemas.microsoft.com/office/drawing/2014/main" id="{289695D3-D8BE-E2BF-1DD4-9ADE3804EF7E}"/>
-              </a:ext>
-            </a:extLst>
-          </p:cNvPr>
-          <p:cNvSpPr/>
-          <p:nvPr/>
-        </p:nvSpPr>
-        <p:spPr>
-          <a:xfrm>
-            <a:off x="8143442" y="3292570"/>
-            <a:ext cx="803911" cy="771328"/>
-          </a:xfrm>
-          <a:prstGeom prst="flowChartMagneticDisk">
-            <a:avLst/>
-          </a:prstGeom>
-        </p:spPr>
-        <p:style>
-          <a:lnRef idx="2">
-            <a:schemeClr val="accent1">
-              <a:shade val="15000"/>
-            </a:schemeClr>
-          </a:lnRef>
-          <a:fillRef idx="1">
-            <a:schemeClr val="accent1"/>
-          </a:fillRef>
-          <a:effectRef idx="0">
-            <a:schemeClr val="accent1"/>
-          </a:effectRef>
-          <a:fontRef idx="minor">
-            <a:schemeClr val="lt1"/>
-          </a:fontRef>
-        </p:style>
-        <p:txBody>
-          <a:bodyPr rtlCol="0" anchor="ctr"/>
-          <a:lstStyle/>
-          <a:p>
-            <a:pPr algn="ctr"/>
-            <a:r>
-              <a:rPr lang="en-US" altLang="zh-TW" dirty="0"/>
-              <a:t>SSO</a:t>
-            </a:r>
-            <a:endParaRPr lang="zh-TW" altLang="en-US" dirty="0"/>
-          </a:p>
-        </p:txBody>
-      </p:sp>
-      <p:cxnSp>
-        <p:nvCxnSpPr>
-          <p:cNvPr id="32" name="接點: 肘形 31">
-            <a:extLst>
-              <a:ext uri="{FF2B5EF4-FFF2-40B4-BE49-F238E27FC236}">
-                <a16:creationId xmlns:a16="http://schemas.microsoft.com/office/drawing/2014/main" id="{B6BF2750-B255-66E3-1E7D-151174CEEC20}"/>
-              </a:ext>
-            </a:extLst>
-          </p:cNvPr>
-          <p:cNvCxnSpPr>
-            <a:cxnSpLocks/>
-            <a:stCxn id="11" idx="3"/>
-            <a:endCxn id="25" idx="2"/>
-          </p:cNvCxnSpPr>
-          <p:nvPr/>
-        </p:nvCxnSpPr>
-        <p:spPr>
-          <a:xfrm>
-            <a:off x="7189634" y="2417441"/>
-            <a:ext cx="953808" cy="1260793"/>
-          </a:xfrm>
-          <a:prstGeom prst="bentConnector3">
-            <a:avLst>
-              <a:gd name="adj1" fmla="val 50000"/>
-            </a:avLst>
-          </a:prstGeom>
-          <a:ln>
-            <a:headEnd type="none" w="med" len="med"/>
-            <a:tailEnd type="arrow" w="med" len="med"/>
-          </a:ln>
-        </p:spPr>
-        <p:style>
-          <a:lnRef idx="2">
-            <a:schemeClr val="dk1"/>
-          </a:lnRef>
-          <a:fillRef idx="0">
-            <a:schemeClr val="dk1"/>
-          </a:fillRef>
-          <a:effectRef idx="1">
-            <a:schemeClr val="dk1"/>
-          </a:effectRef>
-          <a:fontRef idx="minor">
-            <a:schemeClr val="tx1"/>
-          </a:fontRef>
-        </p:style>
-      </p:cxnSp>
-      <p:cxnSp>
-        <p:nvCxnSpPr>
-          <p:cNvPr id="34" name="直線單箭頭接點 33">
-            <a:extLst>
-              <a:ext uri="{FF2B5EF4-FFF2-40B4-BE49-F238E27FC236}">
-                <a16:creationId xmlns:a16="http://schemas.microsoft.com/office/drawing/2014/main" id="{9973DADA-0C37-3A7A-7FD3-D303EAF42A7F}"/>
-              </a:ext>
-            </a:extLst>
-          </p:cNvPr>
-          <p:cNvCxnSpPr>
-            <a:cxnSpLocks/>
-            <a:stCxn id="11" idx="3"/>
-            <a:endCxn id="23" idx="2"/>
-          </p:cNvCxnSpPr>
-          <p:nvPr/>
-        </p:nvCxnSpPr>
-        <p:spPr>
-          <a:xfrm>
-            <a:off x="7189634" y="2417441"/>
-            <a:ext cx="953808" cy="0"/>
-          </a:xfrm>
-          <a:prstGeom prst="straightConnector1">
-            <a:avLst/>
-          </a:prstGeom>
-          <a:ln>
-            <a:headEnd type="none" w="med" len="med"/>
-            <a:tailEnd type="arrow" w="med" len="med"/>
-          </a:ln>
-        </p:spPr>
-        <p:style>
-          <a:lnRef idx="2">
-            <a:schemeClr val="dk1"/>
-          </a:lnRef>
-          <a:fillRef idx="0">
-            <a:schemeClr val="dk1"/>
-          </a:fillRef>
-          <a:effectRef idx="1">
-            <a:schemeClr val="dk1"/>
-          </a:effectRef>
-          <a:fontRef idx="minor">
-            <a:schemeClr val="tx1"/>
-          </a:fontRef>
-        </p:style>
-      </p:cxnSp>
-      <p:sp>
-        <p:nvSpPr>
-          <p:cNvPr id="8" name="矩形 7">
-            <a:extLst>
-              <a:ext uri="{FF2B5EF4-FFF2-40B4-BE49-F238E27FC236}">
-                <a16:creationId xmlns:a16="http://schemas.microsoft.com/office/drawing/2014/main" id="{0B11EA89-9FBC-3718-14A9-9158F4CE52B0}"/>
-              </a:ext>
-            </a:extLst>
-          </p:cNvPr>
-          <p:cNvSpPr/>
-          <p:nvPr/>
-        </p:nvSpPr>
-        <p:spPr>
-          <a:xfrm>
-            <a:off x="3471602" y="1445342"/>
-            <a:ext cx="1749442" cy="4543554"/>
-          </a:xfrm>
-          <a:prstGeom prst="rect">
-            <a:avLst/>
-          </a:prstGeom>
-          <a:solidFill>
-            <a:schemeClr val="accent1">
-              <a:lumMod val="50000"/>
-            </a:schemeClr>
-          </a:solidFill>
-        </p:spPr>
-        <p:style>
-          <a:lnRef idx="2">
-            <a:schemeClr val="accent1">
-              <a:shade val="15000"/>
-            </a:schemeClr>
-          </a:lnRef>
-          <a:fillRef idx="1">
-            <a:schemeClr val="accent1"/>
-          </a:fillRef>
-          <a:effectRef idx="0">
-            <a:schemeClr val="accent1"/>
-          </a:effectRef>
-          <a:fontRef idx="minor">
-            <a:schemeClr val="lt1"/>
-          </a:fontRef>
-        </p:style>
-        <p:txBody>
-          <a:bodyPr rtlCol="0" anchor="b"/>
-          <a:lstStyle/>
-          <a:p>
-            <a:pPr algn="ctr"/>
-            <a:r>
-              <a:rPr lang="en-US" altLang="zh-TW" sz="2400" dirty="0"/>
-              <a:t>Frontend</a:t>
-            </a:r>
-            <a:endParaRPr lang="zh-TW" altLang="en-US" sz="2400" dirty="0"/>
-          </a:p>
-        </p:txBody>
-      </p:sp>
-      <p:sp>
-        <p:nvSpPr>
-          <p:cNvPr id="17" name="矩形: 圓角 16">
-            <a:extLst>
-              <a:ext uri="{FF2B5EF4-FFF2-40B4-BE49-F238E27FC236}">
-                <a16:creationId xmlns:a16="http://schemas.microsoft.com/office/drawing/2014/main" id="{D687D5C2-1922-5CBE-5641-E3B91F043BFB}"/>
-              </a:ext>
-            </a:extLst>
-          </p:cNvPr>
-          <p:cNvSpPr/>
-          <p:nvPr/>
-        </p:nvSpPr>
-        <p:spPr>
-          <a:xfrm>
-            <a:off x="3586902" y="1609417"/>
-            <a:ext cx="1518842" cy="2817277"/>
-          </a:xfrm>
-          <a:prstGeom prst="roundRect">
-            <a:avLst/>
-          </a:prstGeom>
-          <a:solidFill>
-            <a:schemeClr val="accent1">
-              <a:lumMod val="20000"/>
-              <a:lumOff val="80000"/>
-            </a:schemeClr>
-          </a:solidFill>
-        </p:spPr>
-        <p:style>
-          <a:lnRef idx="2">
-            <a:schemeClr val="accent1">
-              <a:shade val="15000"/>
-            </a:schemeClr>
-          </a:lnRef>
-          <a:fillRef idx="1">
-            <a:schemeClr val="accent1"/>
-          </a:fillRef>
-          <a:effectRef idx="0">
-            <a:schemeClr val="accent1"/>
-          </a:effectRef>
-          <a:fontRef idx="minor">
-            <a:schemeClr val="lt1"/>
-          </a:fontRef>
-        </p:style>
-        <p:txBody>
-          <a:bodyPr rtlCol="0" anchor="b"/>
-          <a:lstStyle/>
-          <a:p>
-            <a:pPr algn="ctr"/>
-            <a:r>
-              <a:rPr lang="en-US" altLang="zh-TW" sz="2400" dirty="0">
-                <a:solidFill>
-                  <a:schemeClr val="bg2"/>
-                </a:solidFill>
-              </a:rPr>
-              <a:t>Pages</a:t>
-            </a:r>
-            <a:endParaRPr lang="zh-TW" altLang="en-US" sz="2400" dirty="0">
-              <a:solidFill>
-                <a:schemeClr val="bg2"/>
-              </a:solidFill>
-            </a:endParaRPr>
-          </a:p>
-        </p:txBody>
-      </p:sp>
-      <p:sp>
-        <p:nvSpPr>
-          <p:cNvPr id="19" name="矩形: 圓角 18">
-            <a:extLst>
-              <a:ext uri="{FF2B5EF4-FFF2-40B4-BE49-F238E27FC236}">
-                <a16:creationId xmlns:a16="http://schemas.microsoft.com/office/drawing/2014/main" id="{34B92B90-5760-577A-23F9-62FBB008BCCB}"/>
-              </a:ext>
-            </a:extLst>
-          </p:cNvPr>
-          <p:cNvSpPr/>
-          <p:nvPr/>
-        </p:nvSpPr>
-        <p:spPr>
-          <a:xfrm>
-            <a:off x="3586902" y="4549899"/>
-            <a:ext cx="1518842" cy="718706"/>
-          </a:xfrm>
-          <a:prstGeom prst="roundRect">
-            <a:avLst/>
-          </a:prstGeom>
-          <a:solidFill>
-            <a:schemeClr val="accent1">
-              <a:lumMod val="20000"/>
-              <a:lumOff val="80000"/>
-            </a:schemeClr>
-          </a:solidFill>
-        </p:spPr>
-        <p:style>
-          <a:lnRef idx="2">
-            <a:schemeClr val="accent1">
-              <a:shade val="15000"/>
-            </a:schemeClr>
-          </a:lnRef>
-          <a:fillRef idx="1">
-            <a:schemeClr val="accent1"/>
-          </a:fillRef>
-          <a:effectRef idx="0">
-            <a:schemeClr val="accent1"/>
-          </a:effectRef>
-          <a:fontRef idx="minor">
-            <a:schemeClr val="lt1"/>
-          </a:fontRef>
-        </p:style>
-        <p:txBody>
-          <a:bodyPr rtlCol="0" anchor="ctr"/>
-          <a:lstStyle/>
-          <a:p>
-            <a:pPr algn="ctr"/>
-            <a:r>
-              <a:rPr lang="en-US" altLang="zh-TW" sz="1800" dirty="0">
-                <a:solidFill>
-                  <a:schemeClr val="bg2"/>
-                </a:solidFill>
-              </a:rPr>
-              <a:t>Framework</a:t>
-            </a:r>
-            <a:endParaRPr lang="zh-TW" altLang="en-US" sz="1800" dirty="0">
-              <a:solidFill>
-                <a:schemeClr val="bg2"/>
-              </a:solidFill>
-            </a:endParaRPr>
-          </a:p>
-        </p:txBody>
-      </p:sp>
-      <p:sp>
-        <p:nvSpPr>
-          <p:cNvPr id="4" name="矩形 3">
-            <a:extLst>
-              <a:ext uri="{FF2B5EF4-FFF2-40B4-BE49-F238E27FC236}">
-                <a16:creationId xmlns:a16="http://schemas.microsoft.com/office/drawing/2014/main" id="{D740BD26-E5B4-B147-8DD7-6BBBAA530BA4}"/>
-              </a:ext>
-            </a:extLst>
-          </p:cNvPr>
-          <p:cNvSpPr/>
-          <p:nvPr/>
-        </p:nvSpPr>
-        <p:spPr>
-          <a:xfrm>
-            <a:off x="1562110" y="2417440"/>
-            <a:ext cx="1749442" cy="1983658"/>
-          </a:xfrm>
-          <a:prstGeom prst="rect">
-            <a:avLst/>
-          </a:prstGeom>
-          <a:solidFill>
-            <a:schemeClr val="accent1">
-              <a:lumMod val="50000"/>
-            </a:schemeClr>
-          </a:solidFill>
-        </p:spPr>
-        <p:style>
-          <a:lnRef idx="2">
-            <a:schemeClr val="accent1">
-              <a:shade val="15000"/>
-            </a:schemeClr>
-          </a:lnRef>
-          <a:fillRef idx="1">
-            <a:schemeClr val="accent1"/>
-          </a:fillRef>
-          <a:effectRef idx="0">
-            <a:schemeClr val="accent1"/>
-          </a:effectRef>
-          <a:fontRef idx="minor">
-            <a:schemeClr val="lt1"/>
-          </a:fontRef>
-        </p:style>
-        <p:txBody>
-          <a:bodyPr rtlCol="0" anchor="b"/>
-          <a:lstStyle/>
-          <a:p>
-            <a:pPr algn="ctr"/>
-            <a:r>
-              <a:rPr lang="en-US" altLang="zh-TW" sz="2400" dirty="0"/>
-              <a:t>SSO Portal</a:t>
-            </a:r>
-            <a:endParaRPr lang="zh-TW" altLang="en-US" sz="2400" dirty="0"/>
-          </a:p>
-        </p:txBody>
-      </p:sp>
-      <p:sp>
-        <p:nvSpPr>
-          <p:cNvPr id="15" name="矩形: 圓角 14">
-            <a:extLst>
-              <a:ext uri="{FF2B5EF4-FFF2-40B4-BE49-F238E27FC236}">
-                <a16:creationId xmlns:a16="http://schemas.microsoft.com/office/drawing/2014/main" id="{AF75C44D-E3BB-CDF0-E220-AC7F6A042C41}"/>
-              </a:ext>
-            </a:extLst>
-          </p:cNvPr>
-          <p:cNvSpPr/>
-          <p:nvPr/>
-        </p:nvSpPr>
-        <p:spPr>
-          <a:xfrm>
-            <a:off x="189749" y="4648261"/>
-            <a:ext cx="1828800" cy="873397"/>
-          </a:xfrm>
-          <a:prstGeom prst="roundRect">
-            <a:avLst/>
-          </a:prstGeom>
-        </p:spPr>
-        <p:style>
-          <a:lnRef idx="2">
-            <a:schemeClr val="accent1">
-              <a:shade val="15000"/>
-            </a:schemeClr>
-          </a:lnRef>
-          <a:fillRef idx="1">
-            <a:schemeClr val="accent1"/>
-          </a:fillRef>
-          <a:effectRef idx="0">
-            <a:schemeClr val="accent1"/>
-          </a:effectRef>
-          <a:fontRef idx="minor">
-            <a:schemeClr val="lt1"/>
-          </a:fontRef>
-        </p:style>
-        <p:txBody>
-          <a:bodyPr rtlCol="0" anchor="ctr"/>
-          <a:lstStyle/>
-          <a:p>
-            <a:pPr algn="ctr"/>
-            <a:r>
-              <a:rPr lang="en-US" altLang="zh-TW" dirty="0"/>
-              <a:t>SSO Authorization</a:t>
-            </a:r>
-            <a:endParaRPr lang="zh-TW" altLang="en-US" dirty="0"/>
-          </a:p>
-        </p:txBody>
-      </p:sp>
-      <p:cxnSp>
-        <p:nvCxnSpPr>
-          <p:cNvPr id="42" name="接點: 肘形 41">
-            <a:extLst>
-              <a:ext uri="{FF2B5EF4-FFF2-40B4-BE49-F238E27FC236}">
-                <a16:creationId xmlns:a16="http://schemas.microsoft.com/office/drawing/2014/main" id="{F8F5A517-72CF-C5C0-A06E-8D1D15E86CF5}"/>
-              </a:ext>
-            </a:extLst>
-          </p:cNvPr>
-          <p:cNvCxnSpPr>
-            <a:cxnSpLocks/>
-            <a:stCxn id="26" idx="3"/>
-            <a:endCxn id="2" idx="1"/>
-          </p:cNvCxnSpPr>
-          <p:nvPr/>
-        </p:nvCxnSpPr>
-        <p:spPr>
-          <a:xfrm>
-            <a:off x="1355748" y="1926370"/>
-            <a:ext cx="2505970" cy="1718520"/>
-          </a:xfrm>
-          <a:prstGeom prst="bentConnector3">
-            <a:avLst>
-              <a:gd name="adj1" fmla="val 43330"/>
-            </a:avLst>
-          </a:prstGeom>
-          <a:ln>
-            <a:solidFill>
-              <a:schemeClr val="accent6"/>
-            </a:solidFill>
-            <a:tailEnd type="triangle"/>
-          </a:ln>
-          <a:effectLst>
-            <a:outerShdw blurRad="63500" sx="102000" sy="102000" algn="ctr" rotWithShape="0">
-              <a:prstClr val="black">
-                <a:alpha val="95000"/>
-              </a:prstClr>
-            </a:outerShdw>
-          </a:effectLst>
-        </p:spPr>
-        <p:style>
-          <a:lnRef idx="2">
-            <a:schemeClr val="accent6"/>
-          </a:lnRef>
-          <a:fillRef idx="0">
-            <a:schemeClr val="accent6"/>
-          </a:fillRef>
-          <a:effectRef idx="1">
-            <a:schemeClr val="accent6"/>
-          </a:effectRef>
-          <a:fontRef idx="minor">
-            <a:schemeClr val="tx1"/>
-          </a:fontRef>
-        </p:style>
-      </p:cxnSp>
-      <p:sp>
-        <p:nvSpPr>
-          <p:cNvPr id="5" name="矩形: 圓角 4">
-            <a:extLst>
-              <a:ext uri="{FF2B5EF4-FFF2-40B4-BE49-F238E27FC236}">
-                <a16:creationId xmlns:a16="http://schemas.microsoft.com/office/drawing/2014/main" id="{0B7B24B7-941B-DF77-BBD9-1701309D2E59}"/>
-              </a:ext>
-            </a:extLst>
-          </p:cNvPr>
-          <p:cNvSpPr/>
-          <p:nvPr/>
-        </p:nvSpPr>
-        <p:spPr>
-          <a:xfrm>
-            <a:off x="1724304" y="2605904"/>
-            <a:ext cx="1471948" cy="566741"/>
-          </a:xfrm>
-          <a:prstGeom prst="roundRect">
-            <a:avLst/>
-          </a:prstGeom>
-          <a:solidFill>
-            <a:schemeClr val="accent1"/>
-          </a:solidFill>
-        </p:spPr>
-        <p:style>
-          <a:lnRef idx="2">
-            <a:schemeClr val="accent4">
-              <a:shade val="15000"/>
-            </a:schemeClr>
-          </a:lnRef>
-          <a:fillRef idx="1">
-            <a:schemeClr val="accent4"/>
-          </a:fillRef>
-          <a:effectRef idx="0">
-            <a:schemeClr val="accent4"/>
-          </a:effectRef>
-          <a:fontRef idx="minor">
-            <a:schemeClr val="lt1"/>
-          </a:fontRef>
-        </p:style>
-        <p:txBody>
-          <a:bodyPr rtlCol="0" anchor="ctr"/>
-          <a:lstStyle/>
-          <a:p>
-            <a:pPr algn="ctr"/>
-            <a:r>
-              <a:rPr lang="en-US" altLang="zh-TW" sz="1800" dirty="0"/>
-              <a:t>SSO Check</a:t>
-            </a:r>
-            <a:endParaRPr lang="zh-TW" altLang="en-US" sz="1800" dirty="0"/>
-          </a:p>
-        </p:txBody>
-      </p:sp>
-      <p:sp>
-        <p:nvSpPr>
-          <p:cNvPr id="14" name="矩形: 圓角 13">
-            <a:extLst>
-              <a:ext uri="{FF2B5EF4-FFF2-40B4-BE49-F238E27FC236}">
-                <a16:creationId xmlns:a16="http://schemas.microsoft.com/office/drawing/2014/main" id="{DBF8A140-E419-0392-A234-9939D159D4DB}"/>
-              </a:ext>
-            </a:extLst>
-          </p:cNvPr>
-          <p:cNvSpPr/>
-          <p:nvPr/>
-        </p:nvSpPr>
-        <p:spPr>
-          <a:xfrm>
-            <a:off x="1724304" y="3361816"/>
-            <a:ext cx="1471948" cy="566741"/>
-          </a:xfrm>
-          <a:prstGeom prst="roundRect">
-            <a:avLst/>
-          </a:prstGeom>
-          <a:solidFill>
-            <a:schemeClr val="accent1"/>
-          </a:solidFill>
-        </p:spPr>
-        <p:style>
-          <a:lnRef idx="2">
-            <a:schemeClr val="accent4">
-              <a:shade val="15000"/>
-            </a:schemeClr>
-          </a:lnRef>
-          <a:fillRef idx="1">
-            <a:schemeClr val="accent4"/>
-          </a:fillRef>
-          <a:effectRef idx="0">
-            <a:schemeClr val="accent4"/>
-          </a:effectRef>
-          <a:fontRef idx="minor">
-            <a:schemeClr val="lt1"/>
-          </a:fontRef>
-        </p:style>
-        <p:txBody>
-          <a:bodyPr rtlCol="0" anchor="ctr"/>
-          <a:lstStyle/>
-          <a:p>
-            <a:pPr algn="ctr"/>
-            <a:r>
-              <a:rPr lang="en-US" altLang="zh-TW" sz="1800" dirty="0"/>
-              <a:t>Reverse</a:t>
-            </a:r>
-          </a:p>
-          <a:p>
-            <a:pPr algn="ctr"/>
-            <a:r>
-              <a:rPr lang="en-US" altLang="zh-TW" sz="1800" dirty="0"/>
-              <a:t>Proxy</a:t>
-            </a:r>
-            <a:endParaRPr lang="zh-TW" altLang="en-US" sz="1800" dirty="0"/>
-          </a:p>
-        </p:txBody>
-      </p:sp>
-      <p:sp>
-        <p:nvSpPr>
-          <p:cNvPr id="29" name="弧形 28">
-            <a:extLst>
-              <a:ext uri="{FF2B5EF4-FFF2-40B4-BE49-F238E27FC236}">
-                <a16:creationId xmlns:a16="http://schemas.microsoft.com/office/drawing/2014/main" id="{441D9A1F-87E6-D503-7B21-0E3E90D2246D}"/>
-              </a:ext>
-            </a:extLst>
-          </p:cNvPr>
-          <p:cNvSpPr/>
-          <p:nvPr/>
-        </p:nvSpPr>
-        <p:spPr>
-          <a:xfrm flipH="1">
-            <a:off x="1074182" y="2918834"/>
-            <a:ext cx="1240058" cy="3422972"/>
-          </a:xfrm>
-          <a:prstGeom prst="arc">
-            <a:avLst>
-              <a:gd name="adj1" fmla="val 16149356"/>
-              <a:gd name="adj2" fmla="val 0"/>
-            </a:avLst>
-          </a:prstGeom>
-          <a:ln>
-            <a:solidFill>
-              <a:srgbClr val="FF5050"/>
-            </a:solidFill>
-            <a:prstDash val="dash"/>
-            <a:headEnd type="none" w="med" len="med"/>
-            <a:tailEnd type="arrow" w="med" len="med"/>
-          </a:ln>
-        </p:spPr>
-        <p:style>
-          <a:lnRef idx="2">
-            <a:schemeClr val="dk1"/>
-          </a:lnRef>
-          <a:fillRef idx="0">
-            <a:schemeClr val="dk1"/>
-          </a:fillRef>
-          <a:effectRef idx="1">
-            <a:schemeClr val="dk1"/>
-          </a:effectRef>
-          <a:fontRef idx="minor">
-            <a:schemeClr val="tx1"/>
-          </a:fontRef>
-        </p:style>
-        <p:txBody>
-          <a:bodyPr rtlCol="0" anchor="ctr"/>
-          <a:lstStyle/>
-          <a:p>
-            <a:pPr algn="ctr"/>
-            <a:endParaRPr lang="zh-TW" altLang="en-US"/>
-          </a:p>
-        </p:txBody>
-      </p:sp>
-      <p:sp>
-        <p:nvSpPr>
-          <p:cNvPr id="30" name="文字方塊 29">
-            <a:extLst>
-              <a:ext uri="{FF2B5EF4-FFF2-40B4-BE49-F238E27FC236}">
-                <a16:creationId xmlns:a16="http://schemas.microsoft.com/office/drawing/2014/main" id="{2A5D2BB4-ADD3-277D-BCB7-0F000858F149}"/>
+                <a16:creationId xmlns:a16="http://schemas.microsoft.com/office/drawing/2014/main" id="{206A1918-BFFA-E500-5493-622DD3A2371C}"/>
               </a:ext>
             </a:extLst>
           </p:cNvPr>
@@ -14820,8 +14811,8 @@
         </p:nvSpPr>
         <p:spPr>
           <a:xfrm>
-            <a:off x="343851" y="3495480"/>
-            <a:ext cx="851515" cy="307777"/>
+            <a:off x="4801870" y="1049089"/>
+            <a:ext cx="643125" cy="307777"/>
           </a:xfrm>
           <a:prstGeom prst="rect">
             <a:avLst/>
@@ -14837,14 +14828,14 @@
             <a:r>
               <a:rPr lang="en-US" altLang="zh-TW" dirty="0">
                 <a:solidFill>
-                  <a:srgbClr val="FF5050"/>
+                  <a:srgbClr val="FF0000"/>
                 </a:solidFill>
               </a:rPr>
-              <a:t>Redirect</a:t>
+              <a:t>Client</a:t>
             </a:r>
             <a:endParaRPr lang="zh-TW" altLang="en-US" dirty="0">
               <a:solidFill>
-                <a:srgbClr val="FF5050"/>
+                <a:srgbClr val="FF0000"/>
               </a:solidFill>
             </a:endParaRPr>
           </a:p>
@@ -14852,121 +14843,48 @@
       </p:sp>
       <p:sp>
         <p:nvSpPr>
-          <p:cNvPr id="26" name="矩形: 圓角 25">
+          <p:cNvPr id="12" name="文字方塊 11">
             <a:extLst>
               <a:ext uri="{FF2B5EF4-FFF2-40B4-BE49-F238E27FC236}">
-                <a16:creationId xmlns:a16="http://schemas.microsoft.com/office/drawing/2014/main" id="{6DC00753-D3B6-4918-C83B-D8C429A8C4EB}"/>
+                <a16:creationId xmlns:a16="http://schemas.microsoft.com/office/drawing/2014/main" id="{3D5DF704-75DB-82AF-FE1C-09F016228750}"/>
               </a:ext>
             </a:extLst>
           </p:cNvPr>
-          <p:cNvSpPr/>
+          <p:cNvSpPr txBox="1"/>
           <p:nvPr/>
         </p:nvSpPr>
         <p:spPr>
           <a:xfrm>
-            <a:off x="166698" y="1642999"/>
-            <a:ext cx="1189050" cy="566741"/>
-          </a:xfrm>
-          <a:prstGeom prst="roundRect">
+            <a:off x="7473000" y="1049090"/>
+            <a:ext cx="1527982" cy="307777"/>
+          </a:xfrm>
+          <a:prstGeom prst="rect">
             <a:avLst/>
           </a:prstGeom>
-          <a:solidFill>
-            <a:schemeClr val="accent1"/>
-          </a:solidFill>
-        </p:spPr>
-        <p:style>
-          <a:lnRef idx="2">
-            <a:schemeClr val="accent4">
-              <a:shade val="15000"/>
-            </a:schemeClr>
-          </a:lnRef>
-          <a:fillRef idx="1">
-            <a:schemeClr val="accent4"/>
-          </a:fillRef>
-          <a:effectRef idx="0">
-            <a:schemeClr val="accent4"/>
-          </a:effectRef>
-          <a:fontRef idx="minor">
-            <a:schemeClr val="lt1"/>
-          </a:fontRef>
-        </p:style>
+          <a:noFill/>
+        </p:spPr>
         <p:txBody>
-          <a:bodyPr rtlCol="0" anchor="ctr"/>
+          <a:bodyPr wrap="none" rtlCol="0">
+            <a:spAutoFit/>
+          </a:bodyPr>
           <a:lstStyle/>
           <a:p>
-            <a:pPr algn="ctr"/>
-            <a:r>
-              <a:rPr lang="en-US" altLang="zh-TW" sz="1800" dirty="0"/>
-              <a:t>Browser</a:t>
-            </a:r>
-            <a:endParaRPr lang="zh-TW" altLang="en-US" sz="1800" dirty="0"/>
-          </a:p>
-        </p:txBody>
-      </p:sp>
-      <p:sp>
-        <p:nvSpPr>
-          <p:cNvPr id="2" name="矩形: 圓角 1">
-            <a:extLst>
-              <a:ext uri="{FF2B5EF4-FFF2-40B4-BE49-F238E27FC236}">
-                <a16:creationId xmlns:a16="http://schemas.microsoft.com/office/drawing/2014/main" id="{638D9A0D-5480-CFE9-48BA-EA8790D6CF9B}"/>
-              </a:ext>
-            </a:extLst>
-          </p:cNvPr>
-          <p:cNvSpPr/>
-          <p:nvPr/>
-        </p:nvSpPr>
-        <p:spPr>
-          <a:xfrm>
-            <a:off x="3861718" y="3361519"/>
-            <a:ext cx="969210" cy="566741"/>
-          </a:xfrm>
-          <a:prstGeom prst="roundRect">
-            <a:avLst/>
-          </a:prstGeom>
-          <a:solidFill>
-            <a:schemeClr val="accent1"/>
-          </a:solidFill>
-        </p:spPr>
-        <p:style>
-          <a:lnRef idx="2">
-            <a:schemeClr val="accent4">
-              <a:shade val="15000"/>
-            </a:schemeClr>
-          </a:lnRef>
-          <a:fillRef idx="1">
-            <a:schemeClr val="accent4"/>
-          </a:fillRef>
-          <a:effectRef idx="0">
-            <a:schemeClr val="accent4"/>
-          </a:effectRef>
-          <a:fontRef idx="minor">
-            <a:schemeClr val="lt1"/>
-          </a:fontRef>
-        </p:style>
-        <p:txBody>
-          <a:bodyPr rtlCol="0" anchor="ctr"/>
-          <a:lstStyle/>
-          <a:p>
-            <a:pPr algn="ctr"/>
-            <a:r>
-              <a:rPr lang="en-US" altLang="zh-TW" sz="1800" dirty="0"/>
-              <a:t>SSO Filter</a:t>
-            </a:r>
-            <a:r>
-              <a:rPr lang="zh-TW" altLang="en-US" sz="1800" dirty="0">
+            <a:r>
+              <a:rPr lang="en-US" altLang="zh-TW" dirty="0">
                 <a:solidFill>
                   <a:srgbClr val="FF0000"/>
                 </a:solidFill>
               </a:rPr>
-              <a:t>*</a:t>
-            </a:r>
+              <a:t>Resource Server</a:t>
+            </a:r>
+            <a:endParaRPr lang="zh-TW" altLang="en-US" dirty="0"/>
           </a:p>
         </p:txBody>
       </p:sp>
     </p:spTree>
     <p:extLst>
       <p:ext uri="{BB962C8B-B14F-4D97-AF65-F5344CB8AC3E}">
-        <p14:creationId xmlns:p14="http://schemas.microsoft.com/office/powerpoint/2010/main" val="3176782787"/>
+        <p14:creationId xmlns:p14="http://schemas.microsoft.com/office/powerpoint/2010/main" val="3968516713"/>
       </p:ext>
     </p:extLst>
   </p:cSld>
@@ -15028,6 +14946,1679 @@
               <a:buNone/>
             </a:pPr>
             <a:r>
+              <a:rPr lang="en-US" altLang="zh-TW" sz="3600" dirty="0"/>
+              <a:t>AP Server</a:t>
+            </a:r>
+            <a:r>
+              <a:rPr lang="zh-TW" altLang="en-US" sz="3600" dirty="0"/>
+              <a:t>架構</a:t>
+            </a:r>
+            <a:r>
+              <a:rPr lang="en-US" altLang="zh-TW" sz="3600" dirty="0"/>
+              <a:t>-</a:t>
+            </a:r>
+            <a:r>
+              <a:rPr lang="en-US" altLang="zh-TW" sz="3600" dirty="0" err="1"/>
+              <a:t>Portal+UI</a:t>
+            </a:r>
+            <a:r>
+              <a:rPr lang="zh-TW" altLang="en-US" sz="3600" dirty="0"/>
+              <a:t>前後端分離</a:t>
+            </a:r>
+            <a:endParaRPr sz="3600" dirty="0"/>
+          </a:p>
+        </p:txBody>
+      </p:sp>
+      <p:sp>
+        <p:nvSpPr>
+          <p:cNvPr id="6" name="矩形 5">
+            <a:extLst>
+              <a:ext uri="{FF2B5EF4-FFF2-40B4-BE49-F238E27FC236}">
+                <a16:creationId xmlns:a16="http://schemas.microsoft.com/office/drawing/2014/main" id="{3B1BEA7D-C88C-0DED-2DFB-23685CF93D85}"/>
+              </a:ext>
+            </a:extLst>
+          </p:cNvPr>
+          <p:cNvSpPr/>
+          <p:nvPr/>
+        </p:nvSpPr>
+        <p:spPr>
+          <a:xfrm>
+            <a:off x="4947250" y="1445342"/>
+            <a:ext cx="2974261" cy="4543554"/>
+          </a:xfrm>
+          <a:prstGeom prst="rect">
+            <a:avLst/>
+          </a:prstGeom>
+          <a:solidFill>
+            <a:schemeClr val="accent1">
+              <a:lumMod val="50000"/>
+            </a:schemeClr>
+          </a:solidFill>
+        </p:spPr>
+        <p:style>
+          <a:lnRef idx="2">
+            <a:schemeClr val="accent1">
+              <a:shade val="15000"/>
+            </a:schemeClr>
+          </a:lnRef>
+          <a:fillRef idx="1">
+            <a:schemeClr val="accent1"/>
+          </a:fillRef>
+          <a:effectRef idx="0">
+            <a:schemeClr val="accent1"/>
+          </a:effectRef>
+          <a:fontRef idx="minor">
+            <a:schemeClr val="lt1"/>
+          </a:fontRef>
+        </p:style>
+        <p:txBody>
+          <a:bodyPr rtlCol="0" anchor="b"/>
+          <a:lstStyle/>
+          <a:p>
+            <a:pPr algn="ctr"/>
+            <a:r>
+              <a:rPr lang="en-US" altLang="zh-TW" sz="2400" dirty="0"/>
+              <a:t>Backend</a:t>
+            </a:r>
+            <a:endParaRPr lang="zh-TW" altLang="en-US" sz="2400" dirty="0"/>
+          </a:p>
+        </p:txBody>
+      </p:sp>
+      <p:sp>
+        <p:nvSpPr>
+          <p:cNvPr id="3" name="矩形: 圓角 2">
+            <a:extLst>
+              <a:ext uri="{FF2B5EF4-FFF2-40B4-BE49-F238E27FC236}">
+                <a16:creationId xmlns:a16="http://schemas.microsoft.com/office/drawing/2014/main" id="{EEFB270A-CD32-2F75-0AFF-DC3D2399876A}"/>
+              </a:ext>
+            </a:extLst>
+          </p:cNvPr>
+          <p:cNvSpPr/>
+          <p:nvPr/>
+        </p:nvSpPr>
+        <p:spPr>
+          <a:xfrm>
+            <a:off x="6128774" y="1609417"/>
+            <a:ext cx="1645193" cy="2817277"/>
+          </a:xfrm>
+          <a:prstGeom prst="roundRect">
+            <a:avLst/>
+          </a:prstGeom>
+          <a:solidFill>
+            <a:schemeClr val="accent1">
+              <a:lumMod val="20000"/>
+              <a:lumOff val="80000"/>
+            </a:schemeClr>
+          </a:solidFill>
+        </p:spPr>
+        <p:style>
+          <a:lnRef idx="2">
+            <a:schemeClr val="accent1">
+              <a:shade val="15000"/>
+            </a:schemeClr>
+          </a:lnRef>
+          <a:fillRef idx="1">
+            <a:schemeClr val="accent1"/>
+          </a:fillRef>
+          <a:effectRef idx="0">
+            <a:schemeClr val="accent1"/>
+          </a:effectRef>
+          <a:fontRef idx="minor">
+            <a:schemeClr val="lt1"/>
+          </a:fontRef>
+        </p:style>
+        <p:txBody>
+          <a:bodyPr rtlCol="0" anchor="b"/>
+          <a:lstStyle/>
+          <a:p>
+            <a:pPr algn="ctr"/>
+            <a:r>
+              <a:rPr lang="en-US" altLang="zh-TW" sz="2400" dirty="0">
+                <a:solidFill>
+                  <a:schemeClr val="bg2"/>
+                </a:solidFill>
+              </a:rPr>
+              <a:t>Service</a:t>
+            </a:r>
+            <a:endParaRPr lang="zh-TW" altLang="en-US" sz="2400" dirty="0">
+              <a:solidFill>
+                <a:schemeClr val="bg2"/>
+              </a:solidFill>
+            </a:endParaRPr>
+          </a:p>
+        </p:txBody>
+      </p:sp>
+      <p:sp>
+        <p:nvSpPr>
+          <p:cNvPr id="10" name="矩形: 圓角 9">
+            <a:extLst>
+              <a:ext uri="{FF2B5EF4-FFF2-40B4-BE49-F238E27FC236}">
+                <a16:creationId xmlns:a16="http://schemas.microsoft.com/office/drawing/2014/main" id="{2F520C60-59B1-9F33-E6BE-C4F31AAD8F86}"/>
+              </a:ext>
+            </a:extLst>
+          </p:cNvPr>
+          <p:cNvSpPr/>
+          <p:nvPr/>
+        </p:nvSpPr>
+        <p:spPr>
+          <a:xfrm>
+            <a:off x="5936488" y="4549899"/>
+            <a:ext cx="1837480" cy="718706"/>
+          </a:xfrm>
+          <a:prstGeom prst="roundRect">
+            <a:avLst/>
+          </a:prstGeom>
+          <a:solidFill>
+            <a:schemeClr val="accent1">
+              <a:lumMod val="20000"/>
+              <a:lumOff val="80000"/>
+            </a:schemeClr>
+          </a:solidFill>
+        </p:spPr>
+        <p:style>
+          <a:lnRef idx="2">
+            <a:schemeClr val="accent1">
+              <a:shade val="15000"/>
+            </a:schemeClr>
+          </a:lnRef>
+          <a:fillRef idx="1">
+            <a:schemeClr val="accent1"/>
+          </a:fillRef>
+          <a:effectRef idx="0">
+            <a:schemeClr val="accent1"/>
+          </a:effectRef>
+          <a:fontRef idx="minor">
+            <a:schemeClr val="lt1"/>
+          </a:fontRef>
+        </p:style>
+        <p:txBody>
+          <a:bodyPr rtlCol="0" anchor="ctr"/>
+          <a:lstStyle/>
+          <a:p>
+            <a:pPr algn="ctr"/>
+            <a:r>
+              <a:rPr lang="en-US" altLang="zh-TW" sz="2400" dirty="0">
+                <a:solidFill>
+                  <a:schemeClr val="bg2"/>
+                </a:solidFill>
+              </a:rPr>
+              <a:t>Framework</a:t>
+            </a:r>
+            <a:endParaRPr lang="zh-TW" altLang="en-US" sz="2400" dirty="0">
+              <a:solidFill>
+                <a:schemeClr val="bg2"/>
+              </a:solidFill>
+            </a:endParaRPr>
+          </a:p>
+        </p:txBody>
+      </p:sp>
+      <p:sp>
+        <p:nvSpPr>
+          <p:cNvPr id="11" name="矩形: 圓角 10">
+            <a:extLst>
+              <a:ext uri="{FF2B5EF4-FFF2-40B4-BE49-F238E27FC236}">
+                <a16:creationId xmlns:a16="http://schemas.microsoft.com/office/drawing/2014/main" id="{89A8859D-01DB-9EB9-1AC9-1AB585DBDFE5}"/>
+              </a:ext>
+            </a:extLst>
+          </p:cNvPr>
+          <p:cNvSpPr/>
+          <p:nvPr/>
+        </p:nvSpPr>
+        <p:spPr>
+          <a:xfrm>
+            <a:off x="6304998" y="2134070"/>
+            <a:ext cx="1276892" cy="566741"/>
+          </a:xfrm>
+          <a:prstGeom prst="roundRect">
+            <a:avLst/>
+          </a:prstGeom>
+          <a:solidFill>
+            <a:schemeClr val="accent1"/>
+          </a:solidFill>
+        </p:spPr>
+        <p:style>
+          <a:lnRef idx="2">
+            <a:schemeClr val="accent4">
+              <a:shade val="15000"/>
+            </a:schemeClr>
+          </a:lnRef>
+          <a:fillRef idx="1">
+            <a:schemeClr val="accent4"/>
+          </a:fillRef>
+          <a:effectRef idx="0">
+            <a:schemeClr val="accent4"/>
+          </a:effectRef>
+          <a:fontRef idx="minor">
+            <a:schemeClr val="lt1"/>
+          </a:fontRef>
+        </p:style>
+        <p:txBody>
+          <a:bodyPr rtlCol="0" anchor="ctr"/>
+          <a:lstStyle/>
+          <a:p>
+            <a:pPr algn="ctr"/>
+            <a:r>
+              <a:rPr lang="en-US" altLang="zh-TW" sz="1800" dirty="0"/>
+              <a:t>Auth</a:t>
+            </a:r>
+            <a:endParaRPr lang="zh-TW" altLang="en-US" sz="1800" dirty="0"/>
+          </a:p>
+        </p:txBody>
+      </p:sp>
+      <p:sp>
+        <p:nvSpPr>
+          <p:cNvPr id="16" name="矩形: 圓角 15">
+            <a:extLst>
+              <a:ext uri="{FF2B5EF4-FFF2-40B4-BE49-F238E27FC236}">
+                <a16:creationId xmlns:a16="http://schemas.microsoft.com/office/drawing/2014/main" id="{A63DDC2B-935E-62E8-B478-57B6F0AD85E0}"/>
+              </a:ext>
+            </a:extLst>
+          </p:cNvPr>
+          <p:cNvSpPr/>
+          <p:nvPr/>
+        </p:nvSpPr>
+        <p:spPr>
+          <a:xfrm>
+            <a:off x="6304998" y="3212110"/>
+            <a:ext cx="1276892" cy="566741"/>
+          </a:xfrm>
+          <a:prstGeom prst="roundRect">
+            <a:avLst/>
+          </a:prstGeom>
+          <a:solidFill>
+            <a:schemeClr val="accent1"/>
+          </a:solidFill>
+        </p:spPr>
+        <p:style>
+          <a:lnRef idx="2">
+            <a:schemeClr val="accent4">
+              <a:shade val="15000"/>
+            </a:schemeClr>
+          </a:lnRef>
+          <a:fillRef idx="1">
+            <a:schemeClr val="accent4"/>
+          </a:fillRef>
+          <a:effectRef idx="0">
+            <a:schemeClr val="accent4"/>
+          </a:effectRef>
+          <a:fontRef idx="minor">
+            <a:schemeClr val="lt1"/>
+          </a:fontRef>
+        </p:style>
+        <p:txBody>
+          <a:bodyPr rtlCol="0" anchor="ctr"/>
+          <a:lstStyle/>
+          <a:p>
+            <a:pPr algn="ctr"/>
+            <a:r>
+              <a:rPr lang="en-US" altLang="zh-TW" sz="1800" dirty="0"/>
+              <a:t>Auth Sync</a:t>
+            </a:r>
+          </a:p>
+        </p:txBody>
+      </p:sp>
+      <p:cxnSp>
+        <p:nvCxnSpPr>
+          <p:cNvPr id="18" name="直線單箭頭接點 17">
+            <a:extLst>
+              <a:ext uri="{FF2B5EF4-FFF2-40B4-BE49-F238E27FC236}">
+                <a16:creationId xmlns:a16="http://schemas.microsoft.com/office/drawing/2014/main" id="{EDE6B32E-E5A3-B207-DB22-E191ED5BE6D5}"/>
+              </a:ext>
+            </a:extLst>
+          </p:cNvPr>
+          <p:cNvCxnSpPr>
+            <a:cxnSpLocks/>
+            <a:stCxn id="16" idx="0"/>
+            <a:endCxn id="11" idx="2"/>
+          </p:cNvCxnSpPr>
+          <p:nvPr/>
+        </p:nvCxnSpPr>
+        <p:spPr>
+          <a:xfrm flipV="1">
+            <a:off x="6943444" y="2700811"/>
+            <a:ext cx="0" cy="511299"/>
+          </a:xfrm>
+          <a:prstGeom prst="straightConnector1">
+            <a:avLst/>
+          </a:prstGeom>
+          <a:ln>
+            <a:headEnd type="none" w="med" len="med"/>
+            <a:tailEnd type="arrow" w="med" len="med"/>
+          </a:ln>
+        </p:spPr>
+        <p:style>
+          <a:lnRef idx="2">
+            <a:schemeClr val="dk1"/>
+          </a:lnRef>
+          <a:fillRef idx="0">
+            <a:schemeClr val="dk1"/>
+          </a:fillRef>
+          <a:effectRef idx="1">
+            <a:schemeClr val="dk1"/>
+          </a:effectRef>
+          <a:fontRef idx="minor">
+            <a:schemeClr val="tx1"/>
+          </a:fontRef>
+        </p:style>
+      </p:cxnSp>
+      <p:sp>
+        <p:nvSpPr>
+          <p:cNvPr id="23" name="流程圖: 磁碟 22">
+            <a:extLst>
+              <a:ext uri="{FF2B5EF4-FFF2-40B4-BE49-F238E27FC236}">
+                <a16:creationId xmlns:a16="http://schemas.microsoft.com/office/drawing/2014/main" id="{ACC3C691-E052-C8EB-F1A0-48F42E42F00C}"/>
+              </a:ext>
+            </a:extLst>
+          </p:cNvPr>
+          <p:cNvSpPr/>
+          <p:nvPr/>
+        </p:nvSpPr>
+        <p:spPr>
+          <a:xfrm>
+            <a:off x="8143442" y="2031777"/>
+            <a:ext cx="803911" cy="771328"/>
+          </a:xfrm>
+          <a:prstGeom prst="flowChartMagneticDisk">
+            <a:avLst/>
+          </a:prstGeom>
+        </p:spPr>
+        <p:style>
+          <a:lnRef idx="2">
+            <a:schemeClr val="accent1">
+              <a:shade val="15000"/>
+            </a:schemeClr>
+          </a:lnRef>
+          <a:fillRef idx="1">
+            <a:schemeClr val="accent1"/>
+          </a:fillRef>
+          <a:effectRef idx="0">
+            <a:schemeClr val="accent1"/>
+          </a:effectRef>
+          <a:fontRef idx="minor">
+            <a:schemeClr val="lt1"/>
+          </a:fontRef>
+        </p:style>
+        <p:txBody>
+          <a:bodyPr rtlCol="0" anchor="ctr"/>
+          <a:lstStyle/>
+          <a:p>
+            <a:pPr algn="ctr"/>
+            <a:r>
+              <a:rPr lang="en-US" altLang="zh-TW" dirty="0"/>
+              <a:t>DB</a:t>
+            </a:r>
+            <a:endParaRPr lang="zh-TW" altLang="en-US" dirty="0"/>
+          </a:p>
+        </p:txBody>
+      </p:sp>
+      <p:sp>
+        <p:nvSpPr>
+          <p:cNvPr id="25" name="流程圖: 磁碟 24">
+            <a:extLst>
+              <a:ext uri="{FF2B5EF4-FFF2-40B4-BE49-F238E27FC236}">
+                <a16:creationId xmlns:a16="http://schemas.microsoft.com/office/drawing/2014/main" id="{289695D3-D8BE-E2BF-1DD4-9ADE3804EF7E}"/>
+              </a:ext>
+            </a:extLst>
+          </p:cNvPr>
+          <p:cNvSpPr/>
+          <p:nvPr/>
+        </p:nvSpPr>
+        <p:spPr>
+          <a:xfrm>
+            <a:off x="8143442" y="3292570"/>
+            <a:ext cx="803911" cy="771328"/>
+          </a:xfrm>
+          <a:prstGeom prst="flowChartMagneticDisk">
+            <a:avLst/>
+          </a:prstGeom>
+        </p:spPr>
+        <p:style>
+          <a:lnRef idx="2">
+            <a:schemeClr val="accent1">
+              <a:shade val="15000"/>
+            </a:schemeClr>
+          </a:lnRef>
+          <a:fillRef idx="1">
+            <a:schemeClr val="accent1"/>
+          </a:fillRef>
+          <a:effectRef idx="0">
+            <a:schemeClr val="accent1"/>
+          </a:effectRef>
+          <a:fontRef idx="minor">
+            <a:schemeClr val="lt1"/>
+          </a:fontRef>
+        </p:style>
+        <p:txBody>
+          <a:bodyPr rtlCol="0" anchor="ctr"/>
+          <a:lstStyle/>
+          <a:p>
+            <a:pPr algn="ctr"/>
+            <a:r>
+              <a:rPr lang="en-US" altLang="zh-TW" dirty="0"/>
+              <a:t>SSO</a:t>
+            </a:r>
+            <a:endParaRPr lang="zh-TW" altLang="en-US" dirty="0"/>
+          </a:p>
+        </p:txBody>
+      </p:sp>
+      <p:cxnSp>
+        <p:nvCxnSpPr>
+          <p:cNvPr id="32" name="接點: 肘形 31">
+            <a:extLst>
+              <a:ext uri="{FF2B5EF4-FFF2-40B4-BE49-F238E27FC236}">
+                <a16:creationId xmlns:a16="http://schemas.microsoft.com/office/drawing/2014/main" id="{B6BF2750-B255-66E3-1E7D-151174CEEC20}"/>
+              </a:ext>
+            </a:extLst>
+          </p:cNvPr>
+          <p:cNvCxnSpPr>
+            <a:cxnSpLocks/>
+            <a:stCxn id="11" idx="3"/>
+            <a:endCxn id="25" idx="2"/>
+          </p:cNvCxnSpPr>
+          <p:nvPr/>
+        </p:nvCxnSpPr>
+        <p:spPr>
+          <a:xfrm>
+            <a:off x="7581890" y="2417441"/>
+            <a:ext cx="561552" cy="1260793"/>
+          </a:xfrm>
+          <a:prstGeom prst="bentConnector3">
+            <a:avLst>
+              <a:gd name="adj1" fmla="val 50000"/>
+            </a:avLst>
+          </a:prstGeom>
+          <a:ln>
+            <a:headEnd type="none" w="med" len="med"/>
+            <a:tailEnd type="arrow" w="med" len="med"/>
+          </a:ln>
+        </p:spPr>
+        <p:style>
+          <a:lnRef idx="2">
+            <a:schemeClr val="dk1"/>
+          </a:lnRef>
+          <a:fillRef idx="0">
+            <a:schemeClr val="dk1"/>
+          </a:fillRef>
+          <a:effectRef idx="1">
+            <a:schemeClr val="dk1"/>
+          </a:effectRef>
+          <a:fontRef idx="minor">
+            <a:schemeClr val="tx1"/>
+          </a:fontRef>
+        </p:style>
+      </p:cxnSp>
+      <p:cxnSp>
+        <p:nvCxnSpPr>
+          <p:cNvPr id="34" name="直線單箭頭接點 33">
+            <a:extLst>
+              <a:ext uri="{FF2B5EF4-FFF2-40B4-BE49-F238E27FC236}">
+                <a16:creationId xmlns:a16="http://schemas.microsoft.com/office/drawing/2014/main" id="{9973DADA-0C37-3A7A-7FD3-D303EAF42A7F}"/>
+              </a:ext>
+            </a:extLst>
+          </p:cNvPr>
+          <p:cNvCxnSpPr>
+            <a:cxnSpLocks/>
+            <a:stCxn id="11" idx="3"/>
+            <a:endCxn id="23" idx="2"/>
+          </p:cNvCxnSpPr>
+          <p:nvPr/>
+        </p:nvCxnSpPr>
+        <p:spPr>
+          <a:xfrm>
+            <a:off x="7581890" y="2417441"/>
+            <a:ext cx="561552" cy="0"/>
+          </a:xfrm>
+          <a:prstGeom prst="straightConnector1">
+            <a:avLst/>
+          </a:prstGeom>
+          <a:ln>
+            <a:headEnd type="none" w="med" len="med"/>
+            <a:tailEnd type="arrow" w="med" len="med"/>
+          </a:ln>
+        </p:spPr>
+        <p:style>
+          <a:lnRef idx="2">
+            <a:schemeClr val="dk1"/>
+          </a:lnRef>
+          <a:fillRef idx="0">
+            <a:schemeClr val="dk1"/>
+          </a:fillRef>
+          <a:effectRef idx="1">
+            <a:schemeClr val="dk1"/>
+          </a:effectRef>
+          <a:fontRef idx="minor">
+            <a:schemeClr val="tx1"/>
+          </a:fontRef>
+        </p:style>
+      </p:cxnSp>
+      <p:sp>
+        <p:nvSpPr>
+          <p:cNvPr id="8" name="矩形 7">
+            <a:extLst>
+              <a:ext uri="{FF2B5EF4-FFF2-40B4-BE49-F238E27FC236}">
+                <a16:creationId xmlns:a16="http://schemas.microsoft.com/office/drawing/2014/main" id="{0B11EA89-9FBC-3718-14A9-9158F4CE52B0}"/>
+              </a:ext>
+            </a:extLst>
+          </p:cNvPr>
+          <p:cNvSpPr/>
+          <p:nvPr/>
+        </p:nvSpPr>
+        <p:spPr>
+          <a:xfrm>
+            <a:off x="3471602" y="1445342"/>
+            <a:ext cx="1380281" cy="4543554"/>
+          </a:xfrm>
+          <a:prstGeom prst="rect">
+            <a:avLst/>
+          </a:prstGeom>
+          <a:solidFill>
+            <a:schemeClr val="accent1">
+              <a:lumMod val="50000"/>
+            </a:schemeClr>
+          </a:solidFill>
+        </p:spPr>
+        <p:style>
+          <a:lnRef idx="2">
+            <a:schemeClr val="accent1">
+              <a:shade val="15000"/>
+            </a:schemeClr>
+          </a:lnRef>
+          <a:fillRef idx="1">
+            <a:schemeClr val="accent1"/>
+          </a:fillRef>
+          <a:effectRef idx="0">
+            <a:schemeClr val="accent1"/>
+          </a:effectRef>
+          <a:fontRef idx="minor">
+            <a:schemeClr val="lt1"/>
+          </a:fontRef>
+        </p:style>
+        <p:txBody>
+          <a:bodyPr rtlCol="0" anchor="b"/>
+          <a:lstStyle/>
+          <a:p>
+            <a:pPr algn="ctr"/>
+            <a:r>
+              <a:rPr lang="en-US" altLang="zh-TW" sz="2000" dirty="0"/>
+              <a:t>Frontend</a:t>
+            </a:r>
+            <a:endParaRPr lang="zh-TW" altLang="en-US" sz="2000" dirty="0"/>
+          </a:p>
+        </p:txBody>
+      </p:sp>
+      <p:sp>
+        <p:nvSpPr>
+          <p:cNvPr id="19" name="矩形: 圓角 18">
+            <a:extLst>
+              <a:ext uri="{FF2B5EF4-FFF2-40B4-BE49-F238E27FC236}">
+                <a16:creationId xmlns:a16="http://schemas.microsoft.com/office/drawing/2014/main" id="{34B92B90-5760-577A-23F9-62FBB008BCCB}"/>
+              </a:ext>
+            </a:extLst>
+          </p:cNvPr>
+          <p:cNvSpPr/>
+          <p:nvPr/>
+        </p:nvSpPr>
+        <p:spPr>
+          <a:xfrm>
+            <a:off x="3562572" y="4549899"/>
+            <a:ext cx="1198341" cy="718706"/>
+          </a:xfrm>
+          <a:prstGeom prst="roundRect">
+            <a:avLst/>
+          </a:prstGeom>
+          <a:solidFill>
+            <a:schemeClr val="accent1">
+              <a:lumMod val="20000"/>
+              <a:lumOff val="80000"/>
+            </a:schemeClr>
+          </a:solidFill>
+        </p:spPr>
+        <p:style>
+          <a:lnRef idx="2">
+            <a:schemeClr val="accent1">
+              <a:shade val="15000"/>
+            </a:schemeClr>
+          </a:lnRef>
+          <a:fillRef idx="1">
+            <a:schemeClr val="accent1"/>
+          </a:fillRef>
+          <a:effectRef idx="0">
+            <a:schemeClr val="accent1"/>
+          </a:effectRef>
+          <a:fontRef idx="minor">
+            <a:schemeClr val="lt1"/>
+          </a:fontRef>
+        </p:style>
+        <p:txBody>
+          <a:bodyPr rtlCol="0" anchor="ctr"/>
+          <a:lstStyle/>
+          <a:p>
+            <a:pPr algn="ctr"/>
+            <a:r>
+              <a:rPr lang="en-US" altLang="zh-TW" sz="1800" dirty="0">
+                <a:solidFill>
+                  <a:schemeClr val="bg2"/>
+                </a:solidFill>
+              </a:rPr>
+              <a:t>FW</a:t>
+            </a:r>
+            <a:endParaRPr lang="zh-TW" altLang="en-US" sz="1800" dirty="0">
+              <a:solidFill>
+                <a:schemeClr val="bg2"/>
+              </a:solidFill>
+            </a:endParaRPr>
+          </a:p>
+        </p:txBody>
+      </p:sp>
+      <p:sp>
+        <p:nvSpPr>
+          <p:cNvPr id="4" name="矩形 3">
+            <a:extLst>
+              <a:ext uri="{FF2B5EF4-FFF2-40B4-BE49-F238E27FC236}">
+                <a16:creationId xmlns:a16="http://schemas.microsoft.com/office/drawing/2014/main" id="{D740BD26-E5B4-B147-8DD7-6BBBAA530BA4}"/>
+              </a:ext>
+            </a:extLst>
+          </p:cNvPr>
+          <p:cNvSpPr/>
+          <p:nvPr/>
+        </p:nvSpPr>
+        <p:spPr>
+          <a:xfrm>
+            <a:off x="1562110" y="2263551"/>
+            <a:ext cx="1749442" cy="1983658"/>
+          </a:xfrm>
+          <a:prstGeom prst="rect">
+            <a:avLst/>
+          </a:prstGeom>
+          <a:solidFill>
+            <a:schemeClr val="accent1">
+              <a:lumMod val="50000"/>
+            </a:schemeClr>
+          </a:solidFill>
+        </p:spPr>
+        <p:style>
+          <a:lnRef idx="2">
+            <a:schemeClr val="accent1">
+              <a:shade val="15000"/>
+            </a:schemeClr>
+          </a:lnRef>
+          <a:fillRef idx="1">
+            <a:schemeClr val="accent1"/>
+          </a:fillRef>
+          <a:effectRef idx="0">
+            <a:schemeClr val="accent1"/>
+          </a:effectRef>
+          <a:fontRef idx="minor">
+            <a:schemeClr val="lt1"/>
+          </a:fontRef>
+        </p:style>
+        <p:txBody>
+          <a:bodyPr rtlCol="0" anchor="b"/>
+          <a:lstStyle/>
+          <a:p>
+            <a:pPr algn="ctr"/>
+            <a:r>
+              <a:rPr lang="en-US" altLang="zh-TW" sz="2400" dirty="0"/>
+              <a:t>SSO Portal</a:t>
+            </a:r>
+            <a:endParaRPr lang="zh-TW" altLang="en-US" sz="2400" dirty="0"/>
+          </a:p>
+        </p:txBody>
+      </p:sp>
+      <p:sp>
+        <p:nvSpPr>
+          <p:cNvPr id="15" name="矩形: 圓角 14">
+            <a:extLst>
+              <a:ext uri="{FF2B5EF4-FFF2-40B4-BE49-F238E27FC236}">
+                <a16:creationId xmlns:a16="http://schemas.microsoft.com/office/drawing/2014/main" id="{AF75C44D-E3BB-CDF0-E220-AC7F6A042C41}"/>
+              </a:ext>
+            </a:extLst>
+          </p:cNvPr>
+          <p:cNvSpPr/>
+          <p:nvPr/>
+        </p:nvSpPr>
+        <p:spPr>
+          <a:xfrm>
+            <a:off x="189749" y="4648261"/>
+            <a:ext cx="1828800" cy="873397"/>
+          </a:xfrm>
+          <a:prstGeom prst="roundRect">
+            <a:avLst/>
+          </a:prstGeom>
+        </p:spPr>
+        <p:style>
+          <a:lnRef idx="2">
+            <a:schemeClr val="accent1">
+              <a:shade val="15000"/>
+            </a:schemeClr>
+          </a:lnRef>
+          <a:fillRef idx="1">
+            <a:schemeClr val="accent1"/>
+          </a:fillRef>
+          <a:effectRef idx="0">
+            <a:schemeClr val="accent1"/>
+          </a:effectRef>
+          <a:fontRef idx="minor">
+            <a:schemeClr val="lt1"/>
+          </a:fontRef>
+        </p:style>
+        <p:txBody>
+          <a:bodyPr rtlCol="0" anchor="ctr"/>
+          <a:lstStyle/>
+          <a:p>
+            <a:pPr algn="ctr"/>
+            <a:r>
+              <a:rPr lang="en-US" altLang="zh-TW" dirty="0"/>
+              <a:t>SSO Authorization</a:t>
+            </a:r>
+            <a:endParaRPr lang="zh-TW" altLang="en-US" dirty="0"/>
+          </a:p>
+        </p:txBody>
+      </p:sp>
+      <p:sp>
+        <p:nvSpPr>
+          <p:cNvPr id="29" name="弧形 28">
+            <a:extLst>
+              <a:ext uri="{FF2B5EF4-FFF2-40B4-BE49-F238E27FC236}">
+                <a16:creationId xmlns:a16="http://schemas.microsoft.com/office/drawing/2014/main" id="{441D9A1F-87E6-D503-7B21-0E3E90D2246D}"/>
+              </a:ext>
+            </a:extLst>
+          </p:cNvPr>
+          <p:cNvSpPr/>
+          <p:nvPr/>
+        </p:nvSpPr>
+        <p:spPr>
+          <a:xfrm flipH="1">
+            <a:off x="1074182" y="2918834"/>
+            <a:ext cx="1240058" cy="3422972"/>
+          </a:xfrm>
+          <a:prstGeom prst="arc">
+            <a:avLst>
+              <a:gd name="adj1" fmla="val 16149356"/>
+              <a:gd name="adj2" fmla="val 0"/>
+            </a:avLst>
+          </a:prstGeom>
+          <a:ln>
+            <a:solidFill>
+              <a:srgbClr val="FF5050"/>
+            </a:solidFill>
+            <a:prstDash val="dash"/>
+            <a:headEnd type="none" w="med" len="med"/>
+            <a:tailEnd type="arrow" w="med" len="med"/>
+          </a:ln>
+        </p:spPr>
+        <p:style>
+          <a:lnRef idx="2">
+            <a:schemeClr val="dk1"/>
+          </a:lnRef>
+          <a:fillRef idx="0">
+            <a:schemeClr val="dk1"/>
+          </a:fillRef>
+          <a:effectRef idx="1">
+            <a:schemeClr val="dk1"/>
+          </a:effectRef>
+          <a:fontRef idx="minor">
+            <a:schemeClr val="tx1"/>
+          </a:fontRef>
+        </p:style>
+        <p:txBody>
+          <a:bodyPr rtlCol="0" anchor="ctr"/>
+          <a:lstStyle/>
+          <a:p>
+            <a:pPr algn="ctr"/>
+            <a:endParaRPr lang="zh-TW" altLang="en-US"/>
+          </a:p>
+        </p:txBody>
+      </p:sp>
+      <p:sp>
+        <p:nvSpPr>
+          <p:cNvPr id="30" name="文字方塊 29">
+            <a:extLst>
+              <a:ext uri="{FF2B5EF4-FFF2-40B4-BE49-F238E27FC236}">
+                <a16:creationId xmlns:a16="http://schemas.microsoft.com/office/drawing/2014/main" id="{2A5D2BB4-ADD3-277D-BCB7-0F000858F149}"/>
+              </a:ext>
+            </a:extLst>
+          </p:cNvPr>
+          <p:cNvSpPr txBox="1"/>
+          <p:nvPr/>
+        </p:nvSpPr>
+        <p:spPr>
+          <a:xfrm>
+            <a:off x="462835" y="3255380"/>
+            <a:ext cx="851515" cy="307777"/>
+          </a:xfrm>
+          <a:prstGeom prst="rect">
+            <a:avLst/>
+          </a:prstGeom>
+          <a:noFill/>
+        </p:spPr>
+        <p:txBody>
+          <a:bodyPr wrap="none" rtlCol="0">
+            <a:spAutoFit/>
+          </a:bodyPr>
+          <a:lstStyle/>
+          <a:p>
+            <a:r>
+              <a:rPr lang="en-US" altLang="zh-TW" dirty="0">
+                <a:solidFill>
+                  <a:srgbClr val="FF5050"/>
+                </a:solidFill>
+              </a:rPr>
+              <a:t>Redirect</a:t>
+            </a:r>
+            <a:endParaRPr lang="zh-TW" altLang="en-US" dirty="0">
+              <a:solidFill>
+                <a:srgbClr val="FF5050"/>
+              </a:solidFill>
+            </a:endParaRPr>
+          </a:p>
+        </p:txBody>
+      </p:sp>
+      <p:sp>
+        <p:nvSpPr>
+          <p:cNvPr id="26" name="矩形: 圓角 25">
+            <a:extLst>
+              <a:ext uri="{FF2B5EF4-FFF2-40B4-BE49-F238E27FC236}">
+                <a16:creationId xmlns:a16="http://schemas.microsoft.com/office/drawing/2014/main" id="{6DC00753-D3B6-4918-C83B-D8C429A8C4EB}"/>
+              </a:ext>
+            </a:extLst>
+          </p:cNvPr>
+          <p:cNvSpPr/>
+          <p:nvPr/>
+        </p:nvSpPr>
+        <p:spPr>
+          <a:xfrm>
+            <a:off x="166698" y="1642999"/>
+            <a:ext cx="1189050" cy="566741"/>
+          </a:xfrm>
+          <a:prstGeom prst="roundRect">
+            <a:avLst/>
+          </a:prstGeom>
+          <a:solidFill>
+            <a:schemeClr val="accent1"/>
+          </a:solidFill>
+        </p:spPr>
+        <p:style>
+          <a:lnRef idx="2">
+            <a:schemeClr val="accent4">
+              <a:shade val="15000"/>
+            </a:schemeClr>
+          </a:lnRef>
+          <a:fillRef idx="1">
+            <a:schemeClr val="accent4"/>
+          </a:fillRef>
+          <a:effectRef idx="0">
+            <a:schemeClr val="accent4"/>
+          </a:effectRef>
+          <a:fontRef idx="minor">
+            <a:schemeClr val="lt1"/>
+          </a:fontRef>
+        </p:style>
+        <p:txBody>
+          <a:bodyPr rtlCol="0" anchor="ctr"/>
+          <a:lstStyle/>
+          <a:p>
+            <a:pPr algn="ctr"/>
+            <a:r>
+              <a:rPr lang="en-US" altLang="zh-TW" sz="1800" dirty="0"/>
+              <a:t>Browser</a:t>
+            </a:r>
+            <a:endParaRPr lang="zh-TW" altLang="en-US" sz="1800" dirty="0"/>
+          </a:p>
+        </p:txBody>
+      </p:sp>
+      <p:sp>
+        <p:nvSpPr>
+          <p:cNvPr id="9" name="弧形 8">
+            <a:extLst>
+              <a:ext uri="{FF2B5EF4-FFF2-40B4-BE49-F238E27FC236}">
+                <a16:creationId xmlns:a16="http://schemas.microsoft.com/office/drawing/2014/main" id="{B5687F76-9152-D8EA-E25E-56266C6B0920}"/>
+              </a:ext>
+            </a:extLst>
+          </p:cNvPr>
+          <p:cNvSpPr/>
+          <p:nvPr/>
+        </p:nvSpPr>
+        <p:spPr>
+          <a:xfrm flipV="1">
+            <a:off x="196647" y="771168"/>
+            <a:ext cx="4582479" cy="4802954"/>
+          </a:xfrm>
+          <a:prstGeom prst="arc">
+            <a:avLst>
+              <a:gd name="adj1" fmla="val 9340825"/>
+              <a:gd name="adj2" fmla="val 13153877"/>
+            </a:avLst>
+          </a:prstGeom>
+          <a:ln>
+            <a:solidFill>
+              <a:srgbClr val="FF5050"/>
+            </a:solidFill>
+            <a:prstDash val="dash"/>
+            <a:headEnd type="arrow" w="med" len="med"/>
+            <a:tailEnd type="none" w="med" len="med"/>
+          </a:ln>
+        </p:spPr>
+        <p:style>
+          <a:lnRef idx="2">
+            <a:schemeClr val="dk1"/>
+          </a:lnRef>
+          <a:fillRef idx="0">
+            <a:schemeClr val="dk1"/>
+          </a:fillRef>
+          <a:effectRef idx="1">
+            <a:schemeClr val="dk1"/>
+          </a:effectRef>
+          <a:fontRef idx="minor">
+            <a:schemeClr val="tx1"/>
+          </a:fontRef>
+        </p:style>
+        <p:txBody>
+          <a:bodyPr rtlCol="0" anchor="ctr"/>
+          <a:lstStyle/>
+          <a:p>
+            <a:pPr algn="ctr"/>
+            <a:endParaRPr lang="zh-TW" altLang="en-US" dirty="0"/>
+          </a:p>
+        </p:txBody>
+      </p:sp>
+      <p:sp>
+        <p:nvSpPr>
+          <p:cNvPr id="12" name="文字方塊 11">
+            <a:extLst>
+              <a:ext uri="{FF2B5EF4-FFF2-40B4-BE49-F238E27FC236}">
+                <a16:creationId xmlns:a16="http://schemas.microsoft.com/office/drawing/2014/main" id="{C2EBBA2B-2E37-5555-4D48-FC0B8F14208D}"/>
+              </a:ext>
+            </a:extLst>
+          </p:cNvPr>
+          <p:cNvSpPr txBox="1"/>
+          <p:nvPr/>
+        </p:nvSpPr>
+        <p:spPr>
+          <a:xfrm>
+            <a:off x="196647" y="2627664"/>
+            <a:ext cx="990977" cy="523220"/>
+          </a:xfrm>
+          <a:prstGeom prst="rect">
+            <a:avLst/>
+          </a:prstGeom>
+          <a:noFill/>
+        </p:spPr>
+        <p:txBody>
+          <a:bodyPr wrap="none" rtlCol="0">
+            <a:spAutoFit/>
+          </a:bodyPr>
+          <a:lstStyle/>
+          <a:p>
+            <a:r>
+              <a:rPr lang="en-US" altLang="zh-TW" dirty="0">
+                <a:solidFill>
+                  <a:srgbClr val="FF5050"/>
+                </a:solidFill>
+              </a:rPr>
+              <a:t>Callback</a:t>
+            </a:r>
+          </a:p>
+          <a:p>
+            <a:r>
+              <a:rPr lang="en-US" altLang="zh-TW" dirty="0">
+                <a:solidFill>
+                  <a:srgbClr val="FF5050"/>
+                </a:solidFill>
+              </a:rPr>
+              <a:t>with token</a:t>
+            </a:r>
+            <a:endParaRPr lang="zh-TW" altLang="en-US" dirty="0">
+              <a:solidFill>
+                <a:srgbClr val="FF5050"/>
+              </a:solidFill>
+            </a:endParaRPr>
+          </a:p>
+        </p:txBody>
+      </p:sp>
+      <p:sp>
+        <p:nvSpPr>
+          <p:cNvPr id="20" name="文字方塊 19">
+            <a:extLst>
+              <a:ext uri="{FF2B5EF4-FFF2-40B4-BE49-F238E27FC236}">
+                <a16:creationId xmlns:a16="http://schemas.microsoft.com/office/drawing/2014/main" id="{6AD52E27-91BB-80D1-0514-ACD74D69E277}"/>
+              </a:ext>
+            </a:extLst>
+          </p:cNvPr>
+          <p:cNvSpPr txBox="1"/>
+          <p:nvPr/>
+        </p:nvSpPr>
+        <p:spPr>
+          <a:xfrm>
+            <a:off x="2236485" y="5138457"/>
+            <a:ext cx="1173674" cy="307777"/>
+          </a:xfrm>
+          <a:prstGeom prst="rect">
+            <a:avLst/>
+          </a:prstGeom>
+          <a:noFill/>
+        </p:spPr>
+        <p:txBody>
+          <a:bodyPr wrap="square" rtlCol="0">
+            <a:spAutoFit/>
+          </a:bodyPr>
+          <a:lstStyle/>
+          <a:p>
+            <a:r>
+              <a:rPr lang="en-US" altLang="zh-TW" dirty="0">
+                <a:solidFill>
+                  <a:srgbClr val="FF5050"/>
+                </a:solidFill>
+              </a:rPr>
+              <a:t>Verify token</a:t>
+            </a:r>
+            <a:endParaRPr lang="zh-TW" altLang="en-US" dirty="0">
+              <a:solidFill>
+                <a:srgbClr val="FF5050"/>
+              </a:solidFill>
+            </a:endParaRPr>
+          </a:p>
+        </p:txBody>
+      </p:sp>
+      <p:sp>
+        <p:nvSpPr>
+          <p:cNvPr id="38" name="矩形: 圓角 37">
+            <a:extLst>
+              <a:ext uri="{FF2B5EF4-FFF2-40B4-BE49-F238E27FC236}">
+                <a16:creationId xmlns:a16="http://schemas.microsoft.com/office/drawing/2014/main" id="{8BFEBCBB-C30C-BA0A-FCB2-71DEA207D88F}"/>
+              </a:ext>
+            </a:extLst>
+          </p:cNvPr>
+          <p:cNvSpPr/>
+          <p:nvPr/>
+        </p:nvSpPr>
+        <p:spPr>
+          <a:xfrm>
+            <a:off x="5049465" y="1609418"/>
+            <a:ext cx="983942" cy="2817277"/>
+          </a:xfrm>
+          <a:prstGeom prst="roundRect">
+            <a:avLst/>
+          </a:prstGeom>
+          <a:solidFill>
+            <a:schemeClr val="accent1">
+              <a:lumMod val="20000"/>
+              <a:lumOff val="80000"/>
+            </a:schemeClr>
+          </a:solidFill>
+        </p:spPr>
+        <p:style>
+          <a:lnRef idx="2">
+            <a:schemeClr val="accent1">
+              <a:shade val="15000"/>
+            </a:schemeClr>
+          </a:lnRef>
+          <a:fillRef idx="1">
+            <a:schemeClr val="accent1"/>
+          </a:fillRef>
+          <a:effectRef idx="0">
+            <a:schemeClr val="accent1"/>
+          </a:effectRef>
+          <a:fontRef idx="minor">
+            <a:schemeClr val="lt1"/>
+          </a:fontRef>
+        </p:style>
+        <p:txBody>
+          <a:bodyPr rtlCol="0" anchor="b"/>
+          <a:lstStyle/>
+          <a:p>
+            <a:pPr algn="ctr"/>
+            <a:r>
+              <a:rPr lang="en-US" altLang="zh-TW" sz="2400" dirty="0">
+                <a:solidFill>
+                  <a:schemeClr val="bg2"/>
+                </a:solidFill>
+              </a:rPr>
+              <a:t>Filter</a:t>
+            </a:r>
+            <a:endParaRPr lang="zh-TW" altLang="en-US" sz="2400" dirty="0">
+              <a:solidFill>
+                <a:schemeClr val="bg2"/>
+              </a:solidFill>
+            </a:endParaRPr>
+          </a:p>
+        </p:txBody>
+      </p:sp>
+      <p:sp>
+        <p:nvSpPr>
+          <p:cNvPr id="13" name="弧形 12">
+            <a:extLst>
+              <a:ext uri="{FF2B5EF4-FFF2-40B4-BE49-F238E27FC236}">
+                <a16:creationId xmlns:a16="http://schemas.microsoft.com/office/drawing/2014/main" id="{C4E7EF81-9243-E571-C951-F49776BCF0AC}"/>
+              </a:ext>
+            </a:extLst>
+          </p:cNvPr>
+          <p:cNvSpPr/>
+          <p:nvPr/>
+        </p:nvSpPr>
+        <p:spPr>
+          <a:xfrm flipV="1">
+            <a:off x="-330374" y="2349331"/>
+            <a:ext cx="5917181" cy="2751673"/>
+          </a:xfrm>
+          <a:prstGeom prst="arc">
+            <a:avLst>
+              <a:gd name="adj1" fmla="val 14804607"/>
+              <a:gd name="adj2" fmla="val 21525504"/>
+            </a:avLst>
+          </a:prstGeom>
+          <a:ln>
+            <a:solidFill>
+              <a:srgbClr val="FF5050"/>
+            </a:solidFill>
+            <a:prstDash val="dash"/>
+            <a:headEnd type="arrow" w="med" len="med"/>
+            <a:tailEnd type="none" w="med" len="med"/>
+          </a:ln>
+        </p:spPr>
+        <p:style>
+          <a:lnRef idx="2">
+            <a:schemeClr val="dk1"/>
+          </a:lnRef>
+          <a:fillRef idx="0">
+            <a:schemeClr val="dk1"/>
+          </a:fillRef>
+          <a:effectRef idx="1">
+            <a:schemeClr val="dk1"/>
+          </a:effectRef>
+          <a:fontRef idx="minor">
+            <a:schemeClr val="tx1"/>
+          </a:fontRef>
+        </p:style>
+        <p:txBody>
+          <a:bodyPr rtlCol="0" anchor="ctr"/>
+          <a:lstStyle/>
+          <a:p>
+            <a:pPr algn="ctr"/>
+            <a:endParaRPr lang="zh-TW" altLang="en-US" dirty="0"/>
+          </a:p>
+        </p:txBody>
+      </p:sp>
+      <p:sp>
+        <p:nvSpPr>
+          <p:cNvPr id="48" name="文字方塊 47">
+            <a:extLst>
+              <a:ext uri="{FF2B5EF4-FFF2-40B4-BE49-F238E27FC236}">
+                <a16:creationId xmlns:a16="http://schemas.microsoft.com/office/drawing/2014/main" id="{7CE48F65-8B0D-F09C-FAF3-8338AAFF3CDE}"/>
+              </a:ext>
+            </a:extLst>
+          </p:cNvPr>
+          <p:cNvSpPr txBox="1"/>
+          <p:nvPr/>
+        </p:nvSpPr>
+        <p:spPr>
+          <a:xfrm>
+            <a:off x="2436831" y="1941072"/>
+            <a:ext cx="643125" cy="307777"/>
+          </a:xfrm>
+          <a:prstGeom prst="rect">
+            <a:avLst/>
+          </a:prstGeom>
+          <a:noFill/>
+        </p:spPr>
+        <p:txBody>
+          <a:bodyPr wrap="none" rtlCol="0">
+            <a:spAutoFit/>
+          </a:bodyPr>
+          <a:lstStyle/>
+          <a:p>
+            <a:r>
+              <a:rPr lang="en-US" altLang="zh-TW" dirty="0">
+                <a:solidFill>
+                  <a:srgbClr val="FF0000"/>
+                </a:solidFill>
+              </a:rPr>
+              <a:t>Client</a:t>
+            </a:r>
+            <a:endParaRPr lang="zh-TW" altLang="en-US" dirty="0">
+              <a:solidFill>
+                <a:srgbClr val="FF0000"/>
+              </a:solidFill>
+            </a:endParaRPr>
+          </a:p>
+        </p:txBody>
+      </p:sp>
+      <p:sp>
+        <p:nvSpPr>
+          <p:cNvPr id="49" name="文字方塊 48">
+            <a:extLst>
+              <a:ext uri="{FF2B5EF4-FFF2-40B4-BE49-F238E27FC236}">
+                <a16:creationId xmlns:a16="http://schemas.microsoft.com/office/drawing/2014/main" id="{CD138906-D0E0-D582-228C-466CDD5F8253}"/>
+              </a:ext>
+            </a:extLst>
+          </p:cNvPr>
+          <p:cNvSpPr txBox="1"/>
+          <p:nvPr/>
+        </p:nvSpPr>
+        <p:spPr>
+          <a:xfrm>
+            <a:off x="5670389" y="1155996"/>
+            <a:ext cx="1527982" cy="307777"/>
+          </a:xfrm>
+          <a:prstGeom prst="rect">
+            <a:avLst/>
+          </a:prstGeom>
+          <a:noFill/>
+        </p:spPr>
+        <p:txBody>
+          <a:bodyPr wrap="none" rtlCol="0">
+            <a:spAutoFit/>
+          </a:bodyPr>
+          <a:lstStyle/>
+          <a:p>
+            <a:r>
+              <a:rPr lang="en-US" altLang="zh-TW" dirty="0">
+                <a:solidFill>
+                  <a:srgbClr val="FF0000"/>
+                </a:solidFill>
+              </a:rPr>
+              <a:t>Resource Server</a:t>
+            </a:r>
+            <a:endParaRPr lang="zh-TW" altLang="en-US" dirty="0"/>
+          </a:p>
+        </p:txBody>
+      </p:sp>
+      <p:sp>
+        <p:nvSpPr>
+          <p:cNvPr id="50" name="文字方塊 49">
+            <a:extLst>
+              <a:ext uri="{FF2B5EF4-FFF2-40B4-BE49-F238E27FC236}">
+                <a16:creationId xmlns:a16="http://schemas.microsoft.com/office/drawing/2014/main" id="{211A534B-315F-8095-E39C-8DDD35AB07A9}"/>
+              </a:ext>
+            </a:extLst>
+          </p:cNvPr>
+          <p:cNvSpPr txBox="1"/>
+          <p:nvPr/>
+        </p:nvSpPr>
+        <p:spPr>
+          <a:xfrm>
+            <a:off x="3889872" y="1159954"/>
+            <a:ext cx="543739" cy="307777"/>
+          </a:xfrm>
+          <a:prstGeom prst="rect">
+            <a:avLst/>
+          </a:prstGeom>
+          <a:noFill/>
+        </p:spPr>
+        <p:txBody>
+          <a:bodyPr wrap="square" rtlCol="0">
+            <a:spAutoFit/>
+          </a:bodyPr>
+          <a:lstStyle/>
+          <a:p>
+            <a:r>
+              <a:rPr lang="zh-TW" altLang="en-US" dirty="0">
+                <a:solidFill>
+                  <a:srgbClr val="FF0000"/>
+                </a:solidFill>
+              </a:rPr>
+              <a:t>沒事</a:t>
+            </a:r>
+          </a:p>
+        </p:txBody>
+      </p:sp>
+      <p:cxnSp>
+        <p:nvCxnSpPr>
+          <p:cNvPr id="42" name="接點: 肘形 41">
+            <a:extLst>
+              <a:ext uri="{FF2B5EF4-FFF2-40B4-BE49-F238E27FC236}">
+                <a16:creationId xmlns:a16="http://schemas.microsoft.com/office/drawing/2014/main" id="{F8F5A517-72CF-C5C0-A06E-8D1D15E86CF5}"/>
+              </a:ext>
+            </a:extLst>
+          </p:cNvPr>
+          <p:cNvCxnSpPr>
+            <a:cxnSpLocks/>
+            <a:stCxn id="26" idx="3"/>
+            <a:endCxn id="2" idx="1"/>
+          </p:cNvCxnSpPr>
+          <p:nvPr/>
+        </p:nvCxnSpPr>
+        <p:spPr>
+          <a:xfrm>
+            <a:off x="1355748" y="1926370"/>
+            <a:ext cx="3735882" cy="1569111"/>
+          </a:xfrm>
+          <a:prstGeom prst="bentConnector3">
+            <a:avLst>
+              <a:gd name="adj1" fmla="val 28539"/>
+            </a:avLst>
+          </a:prstGeom>
+          <a:ln>
+            <a:solidFill>
+              <a:srgbClr val="FF5050"/>
+            </a:solidFill>
+            <a:tailEnd type="triangle"/>
+          </a:ln>
+          <a:effectLst>
+            <a:outerShdw blurRad="63500" sx="102000" sy="102000" algn="ctr" rotWithShape="0">
+              <a:prstClr val="black">
+                <a:alpha val="40000"/>
+              </a:prstClr>
+            </a:outerShdw>
+          </a:effectLst>
+        </p:spPr>
+        <p:style>
+          <a:lnRef idx="2">
+            <a:schemeClr val="accent6"/>
+          </a:lnRef>
+          <a:fillRef idx="0">
+            <a:schemeClr val="accent6"/>
+          </a:fillRef>
+          <a:effectRef idx="1">
+            <a:schemeClr val="accent6"/>
+          </a:effectRef>
+          <a:fontRef idx="minor">
+            <a:schemeClr val="tx1"/>
+          </a:fontRef>
+        </p:style>
+      </p:cxnSp>
+      <p:sp>
+        <p:nvSpPr>
+          <p:cNvPr id="5" name="矩形: 圓角 4">
+            <a:extLst>
+              <a:ext uri="{FF2B5EF4-FFF2-40B4-BE49-F238E27FC236}">
+                <a16:creationId xmlns:a16="http://schemas.microsoft.com/office/drawing/2014/main" id="{0B7B24B7-941B-DF77-BBD9-1701309D2E59}"/>
+              </a:ext>
+            </a:extLst>
+          </p:cNvPr>
+          <p:cNvSpPr/>
+          <p:nvPr/>
+        </p:nvSpPr>
+        <p:spPr>
+          <a:xfrm>
+            <a:off x="1724304" y="2452015"/>
+            <a:ext cx="1471948" cy="566741"/>
+          </a:xfrm>
+          <a:prstGeom prst="roundRect">
+            <a:avLst/>
+          </a:prstGeom>
+          <a:solidFill>
+            <a:schemeClr val="accent1"/>
+          </a:solidFill>
+        </p:spPr>
+        <p:style>
+          <a:lnRef idx="2">
+            <a:schemeClr val="accent4">
+              <a:shade val="15000"/>
+            </a:schemeClr>
+          </a:lnRef>
+          <a:fillRef idx="1">
+            <a:schemeClr val="accent4"/>
+          </a:fillRef>
+          <a:effectRef idx="0">
+            <a:schemeClr val="accent4"/>
+          </a:effectRef>
+          <a:fontRef idx="minor">
+            <a:schemeClr val="lt1"/>
+          </a:fontRef>
+        </p:style>
+        <p:txBody>
+          <a:bodyPr rtlCol="0" anchor="ctr"/>
+          <a:lstStyle/>
+          <a:p>
+            <a:pPr algn="ctr"/>
+            <a:r>
+              <a:rPr lang="en-US" altLang="zh-TW" sz="1800" dirty="0"/>
+              <a:t>SSO Check</a:t>
+            </a:r>
+            <a:endParaRPr lang="zh-TW" altLang="en-US" sz="1800" dirty="0"/>
+          </a:p>
+        </p:txBody>
+      </p:sp>
+      <p:sp>
+        <p:nvSpPr>
+          <p:cNvPr id="14" name="矩形: 圓角 13">
+            <a:extLst>
+              <a:ext uri="{FF2B5EF4-FFF2-40B4-BE49-F238E27FC236}">
+                <a16:creationId xmlns:a16="http://schemas.microsoft.com/office/drawing/2014/main" id="{DBF8A140-E419-0392-A234-9939D159D4DB}"/>
+              </a:ext>
+            </a:extLst>
+          </p:cNvPr>
+          <p:cNvSpPr/>
+          <p:nvPr/>
+        </p:nvSpPr>
+        <p:spPr>
+          <a:xfrm>
+            <a:off x="1724304" y="3207927"/>
+            <a:ext cx="1471948" cy="566741"/>
+          </a:xfrm>
+          <a:prstGeom prst="roundRect">
+            <a:avLst/>
+          </a:prstGeom>
+          <a:solidFill>
+            <a:schemeClr val="accent1"/>
+          </a:solidFill>
+        </p:spPr>
+        <p:style>
+          <a:lnRef idx="2">
+            <a:schemeClr val="accent4">
+              <a:shade val="15000"/>
+            </a:schemeClr>
+          </a:lnRef>
+          <a:fillRef idx="1">
+            <a:schemeClr val="accent4"/>
+          </a:fillRef>
+          <a:effectRef idx="0">
+            <a:schemeClr val="accent4"/>
+          </a:effectRef>
+          <a:fontRef idx="minor">
+            <a:schemeClr val="lt1"/>
+          </a:fontRef>
+        </p:style>
+        <p:txBody>
+          <a:bodyPr rtlCol="0" anchor="ctr"/>
+          <a:lstStyle/>
+          <a:p>
+            <a:pPr algn="ctr"/>
+            <a:r>
+              <a:rPr lang="en-US" altLang="zh-TW" sz="1800" dirty="0"/>
+              <a:t>Reverse</a:t>
+            </a:r>
+          </a:p>
+          <a:p>
+            <a:pPr algn="ctr"/>
+            <a:r>
+              <a:rPr lang="en-US" altLang="zh-TW" sz="1800" dirty="0"/>
+              <a:t>Proxy</a:t>
+            </a:r>
+            <a:endParaRPr lang="zh-TW" altLang="en-US" sz="1800" dirty="0"/>
+          </a:p>
+        </p:txBody>
+      </p:sp>
+      <p:sp>
+        <p:nvSpPr>
+          <p:cNvPr id="17" name="矩形: 圓角 16">
+            <a:extLst>
+              <a:ext uri="{FF2B5EF4-FFF2-40B4-BE49-F238E27FC236}">
+                <a16:creationId xmlns:a16="http://schemas.microsoft.com/office/drawing/2014/main" id="{D687D5C2-1922-5CBE-5641-E3B91F043BFB}"/>
+              </a:ext>
+            </a:extLst>
+          </p:cNvPr>
+          <p:cNvSpPr/>
+          <p:nvPr/>
+        </p:nvSpPr>
+        <p:spPr>
+          <a:xfrm>
+            <a:off x="3562572" y="1609417"/>
+            <a:ext cx="1198341" cy="2817277"/>
+          </a:xfrm>
+          <a:prstGeom prst="roundRect">
+            <a:avLst/>
+          </a:prstGeom>
+          <a:solidFill>
+            <a:schemeClr val="accent1">
+              <a:lumMod val="20000"/>
+              <a:lumOff val="80000"/>
+            </a:schemeClr>
+          </a:solidFill>
+        </p:spPr>
+        <p:style>
+          <a:lnRef idx="2">
+            <a:schemeClr val="accent1">
+              <a:shade val="15000"/>
+            </a:schemeClr>
+          </a:lnRef>
+          <a:fillRef idx="1">
+            <a:schemeClr val="accent1"/>
+          </a:fillRef>
+          <a:effectRef idx="0">
+            <a:schemeClr val="accent1"/>
+          </a:effectRef>
+          <a:fontRef idx="minor">
+            <a:schemeClr val="lt1"/>
+          </a:fontRef>
+        </p:style>
+        <p:txBody>
+          <a:bodyPr rtlCol="0" anchor="b"/>
+          <a:lstStyle/>
+          <a:p>
+            <a:pPr algn="ctr"/>
+            <a:r>
+              <a:rPr lang="en-US" altLang="zh-TW" sz="2400" dirty="0">
+                <a:solidFill>
+                  <a:schemeClr val="bg2"/>
+                </a:solidFill>
+              </a:rPr>
+              <a:t>Pages</a:t>
+            </a:r>
+            <a:endParaRPr lang="zh-TW" altLang="en-US" sz="2400" dirty="0">
+              <a:solidFill>
+                <a:schemeClr val="bg2"/>
+              </a:solidFill>
+            </a:endParaRPr>
+          </a:p>
+        </p:txBody>
+      </p:sp>
+      <p:sp>
+        <p:nvSpPr>
+          <p:cNvPr id="2" name="矩形: 圓角 1">
+            <a:extLst>
+              <a:ext uri="{FF2B5EF4-FFF2-40B4-BE49-F238E27FC236}">
+                <a16:creationId xmlns:a16="http://schemas.microsoft.com/office/drawing/2014/main" id="{638D9A0D-5480-CFE9-48BA-EA8790D6CF9B}"/>
+              </a:ext>
+            </a:extLst>
+          </p:cNvPr>
+          <p:cNvSpPr/>
+          <p:nvPr/>
+        </p:nvSpPr>
+        <p:spPr>
+          <a:xfrm>
+            <a:off x="5091630" y="3212110"/>
+            <a:ext cx="894145" cy="566741"/>
+          </a:xfrm>
+          <a:prstGeom prst="roundRect">
+            <a:avLst/>
+          </a:prstGeom>
+          <a:solidFill>
+            <a:schemeClr val="accent1"/>
+          </a:solidFill>
+        </p:spPr>
+        <p:style>
+          <a:lnRef idx="2">
+            <a:schemeClr val="accent4">
+              <a:shade val="15000"/>
+            </a:schemeClr>
+          </a:lnRef>
+          <a:fillRef idx="1">
+            <a:schemeClr val="accent4"/>
+          </a:fillRef>
+          <a:effectRef idx="0">
+            <a:schemeClr val="accent4"/>
+          </a:effectRef>
+          <a:fontRef idx="minor">
+            <a:schemeClr val="lt1"/>
+          </a:fontRef>
+        </p:style>
+        <p:txBody>
+          <a:bodyPr rtlCol="0" anchor="ctr"/>
+          <a:lstStyle/>
+          <a:p>
+            <a:pPr algn="ctr"/>
+            <a:r>
+              <a:rPr lang="en-US" altLang="zh-TW" sz="1800" dirty="0"/>
+              <a:t>SSO Filter</a:t>
+            </a:r>
+            <a:r>
+              <a:rPr lang="zh-TW" altLang="en-US" sz="1800" dirty="0">
+                <a:solidFill>
+                  <a:srgbClr val="FF0000"/>
+                </a:solidFill>
+              </a:rPr>
+              <a:t>*</a:t>
+            </a:r>
+          </a:p>
+        </p:txBody>
+      </p:sp>
+    </p:spTree>
+    <p:extLst>
+      <p:ext uri="{BB962C8B-B14F-4D97-AF65-F5344CB8AC3E}">
+        <p14:creationId xmlns:p14="http://schemas.microsoft.com/office/powerpoint/2010/main" val="3176782787"/>
+      </p:ext>
+    </p:extLst>
+  </p:cSld>
+  <p:clrMapOvr>
+    <a:masterClrMapping/>
+  </p:clrMapOvr>
+</p:sld>
+</file>
+
+<file path=ppt/slides/slide24.xml><?xml version="1.0" encoding="utf-8"?>
+<p:sld xmlns:a="http://schemas.openxmlformats.org/drawingml/2006/main" xmlns:r="http://schemas.openxmlformats.org/officeDocument/2006/relationships" xmlns:p="http://schemas.openxmlformats.org/presentationml/2006/main">
+  <p:cSld>
+    <p:spTree>
+      <p:nvGrpSpPr>
+        <p:cNvPr id="1" name="Shape 45"/>
+        <p:cNvGrpSpPr/>
+        <p:nvPr/>
+      </p:nvGrpSpPr>
+      <p:grpSpPr>
+        <a:xfrm>
+          <a:off x="0" y="0"/>
+          <a:ext cx="0" cy="0"/>
+          <a:chOff x="0" y="0"/>
+          <a:chExt cx="0" cy="0"/>
+        </a:xfrm>
+      </p:grpSpPr>
+      <p:sp>
+        <p:nvSpPr>
+          <p:cNvPr id="46" name="Google Shape;46;p8"/>
+          <p:cNvSpPr txBox="1">
+            <a:spLocks noGrp="1"/>
+          </p:cNvSpPr>
+          <p:nvPr>
+            <p:ph type="title"/>
+          </p:nvPr>
+        </p:nvSpPr>
+        <p:spPr>
+          <a:xfrm>
+            <a:off x="311700" y="593367"/>
+            <a:ext cx="8520600" cy="763500"/>
+          </a:xfrm>
+          <a:prstGeom prst="rect">
+            <a:avLst/>
+          </a:prstGeom>
+        </p:spPr>
+        <p:txBody>
+          <a:bodyPr spcFirstLastPara="1" wrap="square" lIns="91425" tIns="91425" rIns="91425" bIns="91425" anchor="t" anchorCtr="0">
+            <a:normAutofit/>
+          </a:bodyPr>
+          <a:lstStyle/>
+          <a:p>
+            <a:pPr marL="0" lvl="0" indent="0" algn="l" rtl="0">
+              <a:spcBef>
+                <a:spcPts val="0"/>
+              </a:spcBef>
+              <a:spcAft>
+                <a:spcPts val="0"/>
+              </a:spcAft>
+              <a:buNone/>
+            </a:pPr>
+            <a:r>
               <a:rPr lang="zh-TW" altLang="en-US" sz="3600" dirty="0"/>
               <a:t>增加</a:t>
             </a:r>
@@ -15055,7 +16646,7 @@
         </p:nvSpPr>
         <p:spPr>
           <a:xfrm>
-            <a:off x="311700" y="1536633"/>
+            <a:off x="311700" y="1530007"/>
             <a:ext cx="8520600" cy="4555200"/>
           </a:xfrm>
           <a:prstGeom prst="rect">
@@ -15073,6 +16664,61 @@
                 <a:spcPts val="1200"/>
               </a:spcAft>
             </a:pPr>
+            <a:r>
+              <a:rPr lang="zh-TW" altLang="en-US" sz="2800" dirty="0"/>
+              <a:t>認證先行模式，</a:t>
+            </a:r>
+            <a:r>
+              <a:rPr lang="en-US" altLang="zh-TW" sz="2800" dirty="0"/>
+              <a:t>SSO</a:t>
+            </a:r>
+            <a:r>
+              <a:rPr lang="zh-TW" altLang="en-US" sz="2800" dirty="0"/>
+              <a:t>流程收攏在</a:t>
+            </a:r>
+            <a:r>
+              <a:rPr lang="en-US" altLang="zh-TW" sz="2800" dirty="0"/>
+              <a:t>Portal</a:t>
+            </a:r>
+            <a:r>
+              <a:rPr lang="zh-TW" altLang="en-US" sz="2800" dirty="0"/>
+              <a:t>中</a:t>
+            </a:r>
+            <a:br>
+              <a:rPr lang="en-US" altLang="zh-TW" sz="2800" dirty="0"/>
+            </a:br>
+            <a:r>
+              <a:rPr lang="zh-TW" altLang="en-US" sz="2800" dirty="0"/>
+              <a:t>可</a:t>
+            </a:r>
+            <a:r>
+              <a:rPr lang="zh-TW" altLang="en-US" sz="2800" dirty="0">
+                <a:solidFill>
+                  <a:srgbClr val="FF0000"/>
+                </a:solidFill>
+              </a:rPr>
+              <a:t>減少</a:t>
+            </a:r>
+            <a:r>
+              <a:rPr lang="en-US" altLang="zh-TW" sz="2800" dirty="0">
+                <a:solidFill>
+                  <a:srgbClr val="FF0000"/>
+                </a:solidFill>
+              </a:rPr>
+              <a:t>AP</a:t>
+            </a:r>
+            <a:r>
+              <a:rPr lang="zh-TW" altLang="en-US" sz="2800" dirty="0">
+                <a:solidFill>
+                  <a:srgbClr val="FF0000"/>
+                </a:solidFill>
+              </a:rPr>
+              <a:t>曝露</a:t>
+            </a:r>
+            <a:r>
+              <a:rPr lang="zh-TW" altLang="en-US" sz="2800" dirty="0"/>
+              <a:t>的風險</a:t>
+            </a:r>
             <a:endParaRPr lang="en-US" altLang="zh-TW" sz="2800" dirty="0"/>
           </a:p>
           <a:p>
@@ -15082,51 +16728,8 @@
               </a:spcAft>
             </a:pPr>
             <a:r>
-              <a:rPr lang="zh-TW" altLang="en-US" sz="2800" dirty="0"/>
-              <a:t>認證先行模式，</a:t>
-            </a:r>
-            <a:r>
               <a:rPr lang="en-US" altLang="zh-TW" sz="2800" dirty="0"/>
-              <a:t>SSO</a:t>
-            </a:r>
-            <a:r>
-              <a:rPr lang="zh-TW" altLang="en-US" sz="2800" dirty="0"/>
-              <a:t>流程收攏在</a:t>
-            </a:r>
-            <a:r>
-              <a:rPr lang="en-US" altLang="zh-TW" sz="2800" dirty="0"/>
-              <a:t>Portal</a:t>
-            </a:r>
-            <a:r>
-              <a:rPr lang="zh-TW" altLang="en-US" sz="2800" dirty="0"/>
-              <a:t>中</a:t>
-            </a:r>
-            <a:br>
-              <a:rPr lang="en-US" altLang="zh-TW" sz="2800" dirty="0"/>
-            </a:br>
-            <a:r>
-              <a:rPr lang="zh-TW" altLang="en-US" sz="2800" dirty="0"/>
-              <a:t>可減少</a:t>
-            </a:r>
-            <a:r>
-              <a:rPr lang="en-US" altLang="zh-TW" sz="2800" dirty="0"/>
-              <a:t>AP</a:t>
-            </a:r>
-            <a:r>
-              <a:rPr lang="zh-TW" altLang="en-US" sz="2800" dirty="0"/>
-              <a:t>曝露的風險</a:t>
-            </a:r>
-            <a:endParaRPr lang="en-US" altLang="zh-TW" sz="2800" dirty="0"/>
-          </a:p>
-          <a:p>
-            <a:pPr indent="-457200">
-              <a:spcAft>
-                <a:spcPts val="1200"/>
-              </a:spcAft>
-            </a:pPr>
-            <a:r>
-              <a:rPr lang="en-US" altLang="zh-TW" sz="2800" dirty="0"/>
-              <a:t>AP Server</a:t>
+              <a:t>UI/AP Server</a:t>
             </a:r>
             <a:r>
               <a:rPr lang="zh-TW" altLang="en-US" sz="2800" dirty="0"/>
@@ -15172,6 +16775,42 @@
               <a:t> 解決方案</a:t>
             </a:r>
             <a:endParaRPr lang="en-US" altLang="zh-TW" sz="2800" dirty="0"/>
+          </a:p>
+          <a:p>
+            <a:pPr indent="-457200">
+              <a:spcAft>
+                <a:spcPts val="1200"/>
+              </a:spcAft>
+            </a:pPr>
+            <a:r>
+              <a:rPr lang="zh-TW" altLang="en-US" sz="2800" b="1" i="1" u="sng" dirty="0">
+                <a:solidFill>
+                  <a:srgbClr val="FF0000"/>
+                </a:solidFill>
+              </a:rPr>
+              <a:t>重點是這個</a:t>
+            </a:r>
+            <a:r>
+              <a:rPr lang="en-US" altLang="zh-TW" sz="2800" b="1" i="1" u="sng" dirty="0">
+                <a:solidFill>
+                  <a:srgbClr val="FF0000"/>
+                </a:solidFill>
+              </a:rPr>
+              <a:t>Portal</a:t>
+            </a:r>
+            <a:r>
+              <a:rPr lang="zh-TW" altLang="en-US" sz="2800" b="1" i="1" u="sng" dirty="0">
+                <a:solidFill>
+                  <a:srgbClr val="FF0000"/>
+                </a:solidFill>
+              </a:rPr>
+              <a:t>有現成的可以撿啊！</a:t>
+            </a:r>
+            <a:endParaRPr lang="en-US" altLang="zh-TW" sz="2800" b="1" i="1" u="sng" dirty="0">
+              <a:solidFill>
+                <a:srgbClr val="FF0000"/>
+              </a:solidFill>
+            </a:endParaRPr>
           </a:p>
           <a:p>
             <a:pPr indent="-457200">
@@ -15196,7 +16835,258 @@
 </p:sld>
 </file>
 
-<file path=ppt/slides/slide24.xml><?xml version="1.0" encoding="utf-8"?>
+<file path=ppt/slides/slide25.xml><?xml version="1.0" encoding="utf-8"?>
+<p:sld xmlns:a="http://schemas.openxmlformats.org/drawingml/2006/main" xmlns:r="http://schemas.openxmlformats.org/officeDocument/2006/relationships" xmlns:p="http://schemas.openxmlformats.org/presentationml/2006/main">
+  <p:cSld>
+    <p:spTree>
+      <p:nvGrpSpPr>
+        <p:cNvPr id="1" name="Shape 45"/>
+        <p:cNvGrpSpPr/>
+        <p:nvPr/>
+      </p:nvGrpSpPr>
+      <p:grpSpPr>
+        <a:xfrm>
+          <a:off x="0" y="0"/>
+          <a:ext cx="0" cy="0"/>
+          <a:chOff x="0" y="0"/>
+          <a:chExt cx="0" cy="0"/>
+        </a:xfrm>
+      </p:grpSpPr>
+      <p:sp>
+        <p:nvSpPr>
+          <p:cNvPr id="46" name="Google Shape;46;p8"/>
+          <p:cNvSpPr txBox="1">
+            <a:spLocks noGrp="1"/>
+          </p:cNvSpPr>
+          <p:nvPr>
+            <p:ph type="title"/>
+          </p:nvPr>
+        </p:nvSpPr>
+        <p:spPr>
+          <a:xfrm>
+            <a:off x="311700" y="593367"/>
+            <a:ext cx="8520600" cy="763500"/>
+          </a:xfrm>
+          <a:prstGeom prst="rect">
+            <a:avLst/>
+          </a:prstGeom>
+        </p:spPr>
+        <p:txBody>
+          <a:bodyPr spcFirstLastPara="1" wrap="square" lIns="91425" tIns="91425" rIns="91425" bIns="91425" anchor="t" anchorCtr="0">
+            <a:normAutofit/>
+          </a:bodyPr>
+          <a:lstStyle/>
+          <a:p>
+            <a:pPr marL="0" lvl="0" indent="0" algn="l" rtl="0">
+              <a:spcBef>
+                <a:spcPts val="0"/>
+              </a:spcBef>
+              <a:spcAft>
+                <a:spcPts val="0"/>
+              </a:spcAft>
+              <a:buNone/>
+            </a:pPr>
+            <a:r>
+              <a:rPr lang="en-US" altLang="zh-TW" sz="3600" dirty="0"/>
+              <a:t>                     </a:t>
+            </a:r>
+            <a:r>
+              <a:rPr lang="zh-TW" altLang="en-US" sz="3600" dirty="0"/>
+              <a:t> </a:t>
+            </a:r>
+            <a:r>
+              <a:rPr lang="en-US" altLang="zh-TW" sz="2400" dirty="0"/>
+              <a:t>(</a:t>
+            </a:r>
+            <a:r>
+              <a:rPr lang="zh-TW" altLang="en-US" sz="2400" dirty="0"/>
+              <a:t>要變得優雅全靠它了</a:t>
+            </a:r>
+            <a:r>
+              <a:rPr lang="en-US" altLang="zh-TW" sz="2400" dirty="0"/>
+              <a:t>)</a:t>
+            </a:r>
+            <a:endParaRPr sz="3600" dirty="0"/>
+          </a:p>
+        </p:txBody>
+      </p:sp>
+      <p:sp>
+        <p:nvSpPr>
+          <p:cNvPr id="47" name="Google Shape;47;p8"/>
+          <p:cNvSpPr txBox="1">
+            <a:spLocks noGrp="1"/>
+          </p:cNvSpPr>
+          <p:nvPr>
+            <p:ph type="body" idx="1"/>
+          </p:nvPr>
+        </p:nvSpPr>
+        <p:spPr>
+          <a:xfrm>
+            <a:off x="311700" y="1536633"/>
+            <a:ext cx="8520600" cy="4555200"/>
+          </a:xfrm>
+          <a:prstGeom prst="rect">
+            <a:avLst/>
+          </a:prstGeom>
+        </p:spPr>
+        <p:txBody>
+          <a:bodyPr spcFirstLastPara="1" wrap="square" lIns="91425" tIns="91425" rIns="91425" bIns="91425" anchor="t" anchorCtr="0">
+            <a:normAutofit/>
+          </a:bodyPr>
+          <a:lstStyle/>
+          <a:p>
+            <a:pPr indent="-457200">
+              <a:spcAft>
+                <a:spcPts val="1200"/>
+              </a:spcAft>
+            </a:pPr>
+            <a:r>
+              <a:rPr lang="zh-TW" altLang="en-US" sz="2800" dirty="0"/>
+              <a:t>支援大多數現成第三方</a:t>
+            </a:r>
+            <a:r>
+              <a:rPr lang="en-US" altLang="zh-TW" sz="2800" dirty="0"/>
+              <a:t>OAuth2</a:t>
+            </a:r>
+          </a:p>
+          <a:p>
+            <a:pPr indent="-457200">
+              <a:spcAft>
+                <a:spcPts val="1200"/>
+              </a:spcAft>
+            </a:pPr>
+            <a:r>
+              <a:rPr lang="zh-TW" altLang="en-US" sz="2800" dirty="0"/>
+              <a:t>直接支援</a:t>
+            </a:r>
+            <a:r>
+              <a:rPr lang="en-US" altLang="zh-TW" sz="2800" dirty="0"/>
+              <a:t>OIDC</a:t>
+            </a:r>
+            <a:r>
+              <a:rPr lang="zh-TW" altLang="en-US" sz="2800" dirty="0"/>
+              <a:t>標準</a:t>
+            </a:r>
+            <a:endParaRPr lang="en-US" altLang="zh-TW" sz="2800" dirty="0"/>
+          </a:p>
+          <a:p>
+            <a:pPr indent="-457200">
+              <a:spcAft>
+                <a:spcPts val="1200"/>
+              </a:spcAft>
+            </a:pPr>
+            <a:endParaRPr lang="en-US" altLang="zh-TW" sz="2800" dirty="0"/>
+          </a:p>
+        </p:txBody>
+      </p:sp>
+      <p:pic>
+        <p:nvPicPr>
+          <p:cNvPr id="7" name="圖片 6">
+            <a:extLst>
+              <a:ext uri="{FF2B5EF4-FFF2-40B4-BE49-F238E27FC236}">
+                <a16:creationId xmlns:a16="http://schemas.microsoft.com/office/drawing/2014/main" id="{0A50BFF9-2F0D-CCF8-7CD0-5425CE8084DB}"/>
+              </a:ext>
+            </a:extLst>
+          </p:cNvPr>
+          <p:cNvPicPr>
+            <a:picLocks noChangeAspect="1"/>
+          </p:cNvPicPr>
+          <p:nvPr/>
+        </p:nvPicPr>
+        <p:blipFill>
+          <a:blip r:embed="rId3"/>
+          <a:srcRect b="47336"/>
+          <a:stretch/>
+        </p:blipFill>
+        <p:spPr>
+          <a:xfrm>
+            <a:off x="900895" y="2777219"/>
+            <a:ext cx="3597691" cy="3487414"/>
+          </a:xfrm>
+          <a:prstGeom prst="rect">
+            <a:avLst/>
+          </a:prstGeom>
+        </p:spPr>
+      </p:pic>
+      <p:pic>
+        <p:nvPicPr>
+          <p:cNvPr id="10" name="圖形 9">
+            <a:extLst>
+              <a:ext uri="{FF2B5EF4-FFF2-40B4-BE49-F238E27FC236}">
+                <a16:creationId xmlns:a16="http://schemas.microsoft.com/office/drawing/2014/main" id="{5EA8E6E4-1DC4-E350-D2D3-F4435AFF9DD3}"/>
+              </a:ext>
+            </a:extLst>
+          </p:cNvPr>
+          <p:cNvPicPr>
+            <a:picLocks noChangeAspect="1"/>
+          </p:cNvPicPr>
+          <p:nvPr/>
+        </p:nvPicPr>
+        <p:blipFill>
+          <a:blip r:embed="rId4">
+            <a:extLst>
+              <a:ext uri="{96DAC541-7B7A-43D3-8B79-37D633B846F1}">
+                <asvg:svgBlip xmlns:asvg="http://schemas.microsoft.com/office/drawing/2016/SVG/main" r:embed="rId5"/>
+              </a:ext>
+            </a:extLst>
+          </a:blip>
+          <a:stretch>
+            <a:fillRect/>
+          </a:stretch>
+        </p:blipFill>
+        <p:spPr>
+          <a:xfrm>
+            <a:off x="486953" y="287284"/>
+            <a:ext cx="2527918" cy="1238410"/>
+          </a:xfrm>
+          <a:prstGeom prst="rect">
+            <a:avLst/>
+          </a:prstGeom>
+        </p:spPr>
+      </p:pic>
+      <p:pic>
+        <p:nvPicPr>
+          <p:cNvPr id="11" name="圖片 10">
+            <a:extLst>
+              <a:ext uri="{FF2B5EF4-FFF2-40B4-BE49-F238E27FC236}">
+                <a16:creationId xmlns:a16="http://schemas.microsoft.com/office/drawing/2014/main" id="{7E59AFBC-CCA8-46D8-8CD5-3BEB0D591FAC}"/>
+              </a:ext>
+            </a:extLst>
+          </p:cNvPr>
+          <p:cNvPicPr>
+            <a:picLocks noChangeAspect="1"/>
+          </p:cNvPicPr>
+          <p:nvPr/>
+        </p:nvPicPr>
+        <p:blipFill>
+          <a:blip r:embed="rId3"/>
+          <a:srcRect t="52665"/>
+          <a:stretch/>
+        </p:blipFill>
+        <p:spPr>
+          <a:xfrm>
+            <a:off x="4645416" y="2777219"/>
+            <a:ext cx="3995887" cy="3481472"/>
+          </a:xfrm>
+          <a:prstGeom prst="rect">
+            <a:avLst/>
+          </a:prstGeom>
+        </p:spPr>
+      </p:pic>
+    </p:spTree>
+    <p:extLst>
+      <p:ext uri="{BB962C8B-B14F-4D97-AF65-F5344CB8AC3E}">
+        <p14:creationId xmlns:p14="http://schemas.microsoft.com/office/powerpoint/2010/main" val="892072099"/>
+      </p:ext>
+    </p:extLst>
+  </p:cSld>
+  <p:clrMapOvr>
+    <a:masterClrMapping/>
+  </p:clrMapOvr>
+</p:sld>
+</file>
+
+<file path=ppt/slides/slide26.xml><?xml version="1.0" encoding="utf-8"?>
 <p:sld xmlns:a="http://schemas.openxmlformats.org/drawingml/2006/main" xmlns:r="http://schemas.openxmlformats.org/officeDocument/2006/relationships" xmlns:p="http://schemas.openxmlformats.org/presentationml/2006/main">
   <p:cSld>
     <p:spTree>
@@ -15343,7 +17233,7 @@
 </p:sld>
 </file>
 
-<file path=ppt/slides/slide25.xml><?xml version="1.0" encoding="utf-8"?>
+<file path=ppt/slides/slide27.xml><?xml version="1.0" encoding="utf-8"?>
 <p:sld xmlns:a="http://schemas.openxmlformats.org/drawingml/2006/main" xmlns:r="http://schemas.openxmlformats.org/officeDocument/2006/relationships" xmlns:p="http://schemas.openxmlformats.org/presentationml/2006/main">
   <p:cSld>
     <p:spTree>
@@ -15360,6 +17250,49 @@
           <a:chExt cx="0" cy="0"/>
         </a:xfrm>
       </p:grpSpPr>
+      <p:cxnSp>
+        <p:nvCxnSpPr>
+          <p:cNvPr id="3" name="直線單箭頭接點 2">
+            <a:extLst>
+              <a:ext uri="{FF2B5EF4-FFF2-40B4-BE49-F238E27FC236}">
+                <a16:creationId xmlns:a16="http://schemas.microsoft.com/office/drawing/2014/main" id="{6F338000-AE3B-857C-0C6B-2ECB5155E672}"/>
+              </a:ext>
+            </a:extLst>
+          </p:cNvPr>
+          <p:cNvCxnSpPr>
+            <a:cxnSpLocks/>
+            <a:stCxn id="17" idx="0"/>
+            <a:endCxn id="34" idx="2"/>
+          </p:cNvCxnSpPr>
+          <p:nvPr/>
+        </p:nvCxnSpPr>
+        <p:spPr>
+          <a:xfrm flipV="1">
+            <a:off x="7294553" y="4028696"/>
+            <a:ext cx="0" cy="567972"/>
+          </a:xfrm>
+          <a:prstGeom prst="straightConnector1">
+            <a:avLst/>
+          </a:prstGeom>
+          <a:ln w="76200">
+            <a:tailEnd type="triangle"/>
+          </a:ln>
+        </p:spPr>
+        <p:style>
+          <a:lnRef idx="3">
+            <a:schemeClr val="accent1"/>
+          </a:lnRef>
+          <a:fillRef idx="0">
+            <a:schemeClr val="accent1"/>
+          </a:fillRef>
+          <a:effectRef idx="2">
+            <a:schemeClr val="accent1"/>
+          </a:effectRef>
+          <a:fontRef idx="minor">
+            <a:schemeClr val="tx1"/>
+          </a:fontRef>
+        </p:style>
+      </p:cxnSp>
       <p:cxnSp>
         <p:nvCxnSpPr>
           <p:cNvPr id="54" name="直線單箭頭接點 53">
@@ -16323,7 +18256,7 @@
 </p:sld>
 </file>
 
-<file path=ppt/slides/slide26.xml><?xml version="1.0" encoding="utf-8"?>
+<file path=ppt/slides/slide28.xml><?xml version="1.0" encoding="utf-8"?>
 <p:sld xmlns:a="http://schemas.openxmlformats.org/drawingml/2006/main" xmlns:r="http://schemas.openxmlformats.org/officeDocument/2006/relationships" xmlns:p="http://schemas.openxmlformats.org/presentationml/2006/main">
   <p:cSld>
     <p:spTree>
@@ -16609,7 +18542,7 @@
 </p:sld>
 </file>
 
-<file path=ppt/slides/slide27.xml><?xml version="1.0" encoding="utf-8"?>
+<file path=ppt/slides/slide29.xml><?xml version="1.0" encoding="utf-8"?>
 <p:sld xmlns:a="http://schemas.openxmlformats.org/drawingml/2006/main" xmlns:r="http://schemas.openxmlformats.org/officeDocument/2006/relationships" xmlns:p="http://schemas.openxmlformats.org/presentationml/2006/main">
   <p:cSld>
     <p:spTree>
@@ -17083,7 +19016,189 @@
 </p:sld>
 </file>
 
-<file path=ppt/slides/slide28.xml><?xml version="1.0" encoding="utf-8"?>
+<file path=ppt/slides/slide3.xml><?xml version="1.0" encoding="utf-8"?>
+<p:sld xmlns:a="http://schemas.openxmlformats.org/drawingml/2006/main" xmlns:r="http://schemas.openxmlformats.org/officeDocument/2006/relationships" xmlns:p="http://schemas.openxmlformats.org/presentationml/2006/main">
+  <p:cSld>
+    <p:spTree>
+      <p:nvGrpSpPr>
+        <p:cNvPr id="1" name="Shape 45"/>
+        <p:cNvGrpSpPr/>
+        <p:nvPr/>
+      </p:nvGrpSpPr>
+      <p:grpSpPr>
+        <a:xfrm>
+          <a:off x="0" y="0"/>
+          <a:ext cx="0" cy="0"/>
+          <a:chOff x="0" y="0"/>
+          <a:chExt cx="0" cy="0"/>
+        </a:xfrm>
+      </p:grpSpPr>
+      <p:sp>
+        <p:nvSpPr>
+          <p:cNvPr id="46" name="Google Shape;46;p8"/>
+          <p:cNvSpPr txBox="1">
+            <a:spLocks noGrp="1"/>
+          </p:cNvSpPr>
+          <p:nvPr>
+            <p:ph type="title"/>
+          </p:nvPr>
+        </p:nvSpPr>
+        <p:spPr>
+          <a:prstGeom prst="rect">
+            <a:avLst/>
+          </a:prstGeom>
+        </p:spPr>
+        <p:txBody>
+          <a:bodyPr spcFirstLastPara="1" wrap="square" lIns="91425" tIns="91425" rIns="91425" bIns="91425" anchor="t" anchorCtr="0">
+            <a:normAutofit/>
+          </a:bodyPr>
+          <a:lstStyle/>
+          <a:p>
+            <a:pPr marL="0" lvl="0" indent="0" algn="l" rtl="0">
+              <a:spcBef>
+                <a:spcPts val="0"/>
+              </a:spcBef>
+              <a:spcAft>
+                <a:spcPts val="0"/>
+              </a:spcAft>
+              <a:buNone/>
+            </a:pPr>
+            <a:r>
+              <a:rPr lang="zh-TW" altLang="en-US" sz="3600" dirty="0"/>
+              <a:t>關於我</a:t>
+            </a:r>
+          </a:p>
+        </p:txBody>
+      </p:sp>
+      <p:sp>
+        <p:nvSpPr>
+          <p:cNvPr id="47" name="Google Shape;47;p8"/>
+          <p:cNvSpPr txBox="1">
+            <a:spLocks noGrp="1"/>
+          </p:cNvSpPr>
+          <p:nvPr>
+            <p:ph type="body" idx="1"/>
+          </p:nvPr>
+        </p:nvSpPr>
+        <p:spPr>
+          <a:prstGeom prst="rect">
+            <a:avLst/>
+          </a:prstGeom>
+        </p:spPr>
+        <p:txBody>
+          <a:bodyPr spcFirstLastPara="1" wrap="square" lIns="91425" tIns="91425" rIns="91425" bIns="91425" anchor="t" anchorCtr="0">
+            <a:normAutofit/>
+          </a:bodyPr>
+          <a:lstStyle/>
+          <a:p>
+            <a:pPr marL="514350" indent="-514350">
+              <a:spcAft>
+                <a:spcPts val="1200"/>
+              </a:spcAft>
+              <a:buSzPct val="80000"/>
+            </a:pPr>
+            <a:r>
+              <a:rPr lang="zh-TW" altLang="en-US" sz="3200" dirty="0"/>
+              <a:t>張鼎鑫</a:t>
+            </a:r>
+            <a:r>
+              <a:rPr lang="en-US" altLang="zh-TW" sz="3200" dirty="0"/>
+              <a:t>-Rhys</a:t>
+            </a:r>
+          </a:p>
+          <a:p>
+            <a:pPr marL="514350" indent="-514350">
+              <a:spcAft>
+                <a:spcPts val="1200"/>
+              </a:spcAft>
+              <a:buSzPct val="80000"/>
+            </a:pPr>
+            <a:r>
+              <a:rPr lang="zh-TW" altLang="en-US" sz="3200" dirty="0"/>
+              <a:t>松凌科技</a:t>
+            </a:r>
+            <a:endParaRPr lang="en-US" altLang="zh-TW" sz="3200" dirty="0"/>
+          </a:p>
+          <a:p>
+            <a:pPr marL="514350" indent="-514350">
+              <a:spcAft>
+                <a:spcPts val="1200"/>
+              </a:spcAft>
+              <a:buSzPct val="80000"/>
+            </a:pPr>
+            <a:r>
+              <a:rPr lang="zh-TW" altLang="en-US" sz="3200" dirty="0"/>
+              <a:t>技術總監</a:t>
+            </a:r>
+            <a:endParaRPr lang="en-US" altLang="zh-TW" sz="3200" dirty="0"/>
+          </a:p>
+          <a:p>
+            <a:pPr marL="514350" indent="-514350">
+              <a:spcAft>
+                <a:spcPts val="1200"/>
+              </a:spcAft>
+              <a:buSzPct val="80000"/>
+            </a:pPr>
+            <a:r>
+              <a:rPr lang="en-US" altLang="zh-TW" sz="3200" dirty="0"/>
+              <a:t>Java</a:t>
+            </a:r>
+            <a:r>
+              <a:rPr lang="zh-TW" altLang="en-US" sz="3200" dirty="0"/>
+              <a:t>經歷</a:t>
+            </a:r>
+            <a:r>
+              <a:rPr lang="en-US" altLang="zh-TW" sz="3200" dirty="0"/>
+              <a:t>: 10y</a:t>
+            </a:r>
+            <a:endParaRPr lang="zh-TW" altLang="en-US" sz="3200" dirty="0"/>
+          </a:p>
+        </p:txBody>
+      </p:sp>
+      <p:pic>
+        <p:nvPicPr>
+          <p:cNvPr id="4" name="圖片 3" descr="一張含有 服裝, 人員, 室內, 牆 的圖片&#10;&#10;自動產生的描述">
+            <a:extLst>
+              <a:ext uri="{FF2B5EF4-FFF2-40B4-BE49-F238E27FC236}">
+                <a16:creationId xmlns:a16="http://schemas.microsoft.com/office/drawing/2014/main" id="{8A548853-7B64-A900-5BF8-70C1E226BC92}"/>
+              </a:ext>
+            </a:extLst>
+          </p:cNvPr>
+          <p:cNvPicPr>
+            <a:picLocks noChangeAspect="1"/>
+          </p:cNvPicPr>
+          <p:nvPr/>
+        </p:nvPicPr>
+        <p:blipFill>
+          <a:blip r:embed="rId3"/>
+          <a:stretch>
+            <a:fillRect/>
+          </a:stretch>
+        </p:blipFill>
+        <p:spPr>
+          <a:xfrm>
+            <a:off x="4572000" y="1718186"/>
+            <a:ext cx="3694471" cy="3694471"/>
+          </a:xfrm>
+          <a:prstGeom prst="rect">
+            <a:avLst/>
+          </a:prstGeom>
+        </p:spPr>
+      </p:pic>
+    </p:spTree>
+    <p:extLst>
+      <p:ext uri="{BB962C8B-B14F-4D97-AF65-F5344CB8AC3E}">
+        <p14:creationId xmlns:p14="http://schemas.microsoft.com/office/powerpoint/2010/main" val="952812996"/>
+      </p:ext>
+    </p:extLst>
+  </p:cSld>
+  <p:clrMapOvr>
+    <a:masterClrMapping/>
+  </p:clrMapOvr>
+</p:sld>
+</file>
+
+<file path=ppt/slides/slide30.xml><?xml version="1.0" encoding="utf-8"?>
 <p:sld xmlns:a="http://schemas.openxmlformats.org/drawingml/2006/main" xmlns:r="http://schemas.openxmlformats.org/officeDocument/2006/relationships" xmlns:p="http://schemas.openxmlformats.org/presentationml/2006/main">
   <p:cSld>
     <p:spTree>
@@ -17562,7 +19677,1791 @@
 </p:sld>
 </file>
 
-<file path=ppt/slides/slide29.xml><?xml version="1.0" encoding="utf-8"?>
+<file path=ppt/slides/slide31.xml><?xml version="1.0" encoding="utf-8"?>
+<p:sld xmlns:a="http://schemas.openxmlformats.org/drawingml/2006/main" xmlns:r="http://schemas.openxmlformats.org/officeDocument/2006/relationships" xmlns:p="http://schemas.openxmlformats.org/presentationml/2006/main">
+  <p:cSld>
+    <p:spTree>
+      <p:nvGrpSpPr>
+        <p:cNvPr id="1" name="Shape 45"/>
+        <p:cNvGrpSpPr/>
+        <p:nvPr/>
+      </p:nvGrpSpPr>
+      <p:grpSpPr>
+        <a:xfrm>
+          <a:off x="0" y="0"/>
+          <a:ext cx="0" cy="0"/>
+          <a:chOff x="0" y="0"/>
+          <a:chExt cx="0" cy="0"/>
+        </a:xfrm>
+      </p:grpSpPr>
+      <p:cxnSp>
+        <p:nvCxnSpPr>
+          <p:cNvPr id="9" name="直線單箭頭接點 8">
+            <a:extLst>
+              <a:ext uri="{FF2B5EF4-FFF2-40B4-BE49-F238E27FC236}">
+                <a16:creationId xmlns:a16="http://schemas.microsoft.com/office/drawing/2014/main" id="{CA7433F5-41B2-EBC5-C6C5-4DA20A7F6420}"/>
+              </a:ext>
+            </a:extLst>
+          </p:cNvPr>
+          <p:cNvCxnSpPr>
+            <a:cxnSpLocks/>
+            <a:stCxn id="17" idx="0"/>
+            <a:endCxn id="34" idx="2"/>
+          </p:cNvCxnSpPr>
+          <p:nvPr/>
+        </p:nvCxnSpPr>
+        <p:spPr>
+          <a:xfrm flipV="1">
+            <a:off x="7294553" y="4028696"/>
+            <a:ext cx="0" cy="567972"/>
+          </a:xfrm>
+          <a:prstGeom prst="straightConnector1">
+            <a:avLst/>
+          </a:prstGeom>
+          <a:ln w="76200">
+            <a:tailEnd type="triangle"/>
+          </a:ln>
+        </p:spPr>
+        <p:style>
+          <a:lnRef idx="3">
+            <a:schemeClr val="accent1"/>
+          </a:lnRef>
+          <a:fillRef idx="0">
+            <a:schemeClr val="accent1"/>
+          </a:fillRef>
+          <a:effectRef idx="2">
+            <a:schemeClr val="accent1"/>
+          </a:effectRef>
+          <a:fontRef idx="minor">
+            <a:schemeClr val="tx1"/>
+          </a:fontRef>
+        </p:style>
+      </p:cxnSp>
+      <p:cxnSp>
+        <p:nvCxnSpPr>
+          <p:cNvPr id="54" name="直線單箭頭接點 53">
+            <a:extLst>
+              <a:ext uri="{FF2B5EF4-FFF2-40B4-BE49-F238E27FC236}">
+                <a16:creationId xmlns:a16="http://schemas.microsoft.com/office/drawing/2014/main" id="{679145D8-711A-0D5B-C7BC-3FFBE06E07CC}"/>
+              </a:ext>
+            </a:extLst>
+          </p:cNvPr>
+          <p:cNvCxnSpPr>
+            <a:stCxn id="25" idx="3"/>
+            <a:endCxn id="15" idx="1"/>
+          </p:cNvCxnSpPr>
+          <p:nvPr/>
+        </p:nvCxnSpPr>
+        <p:spPr>
+          <a:xfrm>
+            <a:off x="2577433" y="3220001"/>
+            <a:ext cx="659260" cy="1"/>
+          </a:xfrm>
+          <a:prstGeom prst="straightConnector1">
+            <a:avLst/>
+          </a:prstGeom>
+          <a:ln w="76200">
+            <a:tailEnd type="triangle"/>
+          </a:ln>
+        </p:spPr>
+        <p:style>
+          <a:lnRef idx="3">
+            <a:schemeClr val="accent1"/>
+          </a:lnRef>
+          <a:fillRef idx="0">
+            <a:schemeClr val="accent1"/>
+          </a:fillRef>
+          <a:effectRef idx="2">
+            <a:schemeClr val="accent1"/>
+          </a:effectRef>
+          <a:fontRef idx="minor">
+            <a:schemeClr val="tx1"/>
+          </a:fontRef>
+        </p:style>
+      </p:cxnSp>
+      <p:cxnSp>
+        <p:nvCxnSpPr>
+          <p:cNvPr id="55" name="直線單箭頭接點 54">
+            <a:extLst>
+              <a:ext uri="{FF2B5EF4-FFF2-40B4-BE49-F238E27FC236}">
+                <a16:creationId xmlns:a16="http://schemas.microsoft.com/office/drawing/2014/main" id="{3746E6E3-F8C0-DAE7-6105-35A98431B97D}"/>
+              </a:ext>
+            </a:extLst>
+          </p:cNvPr>
+          <p:cNvCxnSpPr>
+            <a:cxnSpLocks/>
+            <a:stCxn id="15" idx="3"/>
+            <a:endCxn id="34" idx="1"/>
+          </p:cNvCxnSpPr>
+          <p:nvPr/>
+        </p:nvCxnSpPr>
+        <p:spPr>
+          <a:xfrm flipV="1">
+            <a:off x="5502426" y="3220001"/>
+            <a:ext cx="659260" cy="1"/>
+          </a:xfrm>
+          <a:prstGeom prst="straightConnector1">
+            <a:avLst/>
+          </a:prstGeom>
+          <a:ln w="76200">
+            <a:tailEnd type="triangle"/>
+          </a:ln>
+        </p:spPr>
+        <p:style>
+          <a:lnRef idx="3">
+            <a:schemeClr val="accent1"/>
+          </a:lnRef>
+          <a:fillRef idx="0">
+            <a:schemeClr val="accent1"/>
+          </a:fillRef>
+          <a:effectRef idx="2">
+            <a:schemeClr val="accent1"/>
+          </a:effectRef>
+          <a:fontRef idx="minor">
+            <a:schemeClr val="tx1"/>
+          </a:fontRef>
+        </p:style>
+      </p:cxnSp>
+      <p:cxnSp>
+        <p:nvCxnSpPr>
+          <p:cNvPr id="58" name="直線單箭頭接點 57">
+            <a:extLst>
+              <a:ext uri="{FF2B5EF4-FFF2-40B4-BE49-F238E27FC236}">
+                <a16:creationId xmlns:a16="http://schemas.microsoft.com/office/drawing/2014/main" id="{D8FFB436-67D3-401B-35AB-02E88BCD9415}"/>
+              </a:ext>
+            </a:extLst>
+          </p:cNvPr>
+          <p:cNvCxnSpPr>
+            <a:cxnSpLocks/>
+            <a:stCxn id="34" idx="0"/>
+            <a:endCxn id="45" idx="2"/>
+          </p:cNvCxnSpPr>
+          <p:nvPr/>
+        </p:nvCxnSpPr>
+        <p:spPr>
+          <a:xfrm flipH="1" flipV="1">
+            <a:off x="7289451" y="1843336"/>
+            <a:ext cx="5102" cy="567969"/>
+          </a:xfrm>
+          <a:prstGeom prst="straightConnector1">
+            <a:avLst/>
+          </a:prstGeom>
+          <a:ln w="76200">
+            <a:tailEnd type="triangle"/>
+          </a:ln>
+        </p:spPr>
+        <p:style>
+          <a:lnRef idx="3">
+            <a:schemeClr val="accent1"/>
+          </a:lnRef>
+          <a:fillRef idx="0">
+            <a:schemeClr val="accent1"/>
+          </a:fillRef>
+          <a:effectRef idx="2">
+            <a:schemeClr val="accent1"/>
+          </a:effectRef>
+          <a:fontRef idx="minor">
+            <a:schemeClr val="tx1"/>
+          </a:fontRef>
+        </p:style>
+      </p:cxnSp>
+      <p:cxnSp>
+        <p:nvCxnSpPr>
+          <p:cNvPr id="61" name="直線單箭頭接點 60">
+            <a:extLst>
+              <a:ext uri="{FF2B5EF4-FFF2-40B4-BE49-F238E27FC236}">
+                <a16:creationId xmlns:a16="http://schemas.microsoft.com/office/drawing/2014/main" id="{6458E48A-9A6D-FFF8-6EAB-535763F104AA}"/>
+              </a:ext>
+            </a:extLst>
+          </p:cNvPr>
+          <p:cNvCxnSpPr>
+            <a:cxnSpLocks/>
+            <a:stCxn id="15" idx="2"/>
+            <a:endCxn id="16" idx="0"/>
+          </p:cNvCxnSpPr>
+          <p:nvPr/>
+        </p:nvCxnSpPr>
+        <p:spPr>
+          <a:xfrm>
+            <a:off x="4369560" y="4028697"/>
+            <a:ext cx="0" cy="567971"/>
+          </a:xfrm>
+          <a:prstGeom prst="straightConnector1">
+            <a:avLst/>
+          </a:prstGeom>
+          <a:ln w="76200">
+            <a:tailEnd type="triangle"/>
+          </a:ln>
+        </p:spPr>
+        <p:style>
+          <a:lnRef idx="3">
+            <a:schemeClr val="accent1"/>
+          </a:lnRef>
+          <a:fillRef idx="0">
+            <a:schemeClr val="accent1"/>
+          </a:fillRef>
+          <a:effectRef idx="2">
+            <a:schemeClr val="accent1"/>
+          </a:effectRef>
+          <a:fontRef idx="minor">
+            <a:schemeClr val="tx1"/>
+          </a:fontRef>
+        </p:style>
+      </p:cxnSp>
+      <p:cxnSp>
+        <p:nvCxnSpPr>
+          <p:cNvPr id="1024" name="直線單箭頭接點 1023">
+            <a:extLst>
+              <a:ext uri="{FF2B5EF4-FFF2-40B4-BE49-F238E27FC236}">
+                <a16:creationId xmlns:a16="http://schemas.microsoft.com/office/drawing/2014/main" id="{3E732B6F-8ED8-7E5C-1A32-284538D85238}"/>
+              </a:ext>
+            </a:extLst>
+          </p:cNvPr>
+          <p:cNvCxnSpPr>
+            <a:cxnSpLocks/>
+            <a:stCxn id="16" idx="3"/>
+            <a:endCxn id="17" idx="1"/>
+          </p:cNvCxnSpPr>
+          <p:nvPr/>
+        </p:nvCxnSpPr>
+        <p:spPr>
+          <a:xfrm>
+            <a:off x="5502426" y="5405364"/>
+            <a:ext cx="659260" cy="0"/>
+          </a:xfrm>
+          <a:prstGeom prst="straightConnector1">
+            <a:avLst/>
+          </a:prstGeom>
+          <a:ln w="76200">
+            <a:tailEnd type="triangle"/>
+          </a:ln>
+        </p:spPr>
+        <p:style>
+          <a:lnRef idx="3">
+            <a:schemeClr val="accent1"/>
+          </a:lnRef>
+          <a:fillRef idx="0">
+            <a:schemeClr val="accent1"/>
+          </a:fillRef>
+          <a:effectRef idx="2">
+            <a:schemeClr val="accent1"/>
+          </a:effectRef>
+          <a:fontRef idx="minor">
+            <a:schemeClr val="tx1"/>
+          </a:fontRef>
+        </p:style>
+      </p:cxnSp>
+      <p:sp>
+        <p:nvSpPr>
+          <p:cNvPr id="46" name="Google Shape;46;p8"/>
+          <p:cNvSpPr txBox="1">
+            <a:spLocks noGrp="1"/>
+          </p:cNvSpPr>
+          <p:nvPr>
+            <p:ph type="title"/>
+          </p:nvPr>
+        </p:nvSpPr>
+        <p:spPr>
+          <a:xfrm>
+            <a:off x="311700" y="593367"/>
+            <a:ext cx="8520600" cy="763500"/>
+          </a:xfrm>
+          <a:prstGeom prst="rect">
+            <a:avLst/>
+          </a:prstGeom>
+        </p:spPr>
+        <p:txBody>
+          <a:bodyPr spcFirstLastPara="1" wrap="square" lIns="91425" tIns="91425" rIns="91425" bIns="91425" anchor="t" anchorCtr="0">
+            <a:normAutofit/>
+          </a:bodyPr>
+          <a:lstStyle/>
+          <a:p>
+            <a:pPr marL="0" lvl="0" indent="0" algn="l" rtl="0">
+              <a:spcBef>
+                <a:spcPts val="0"/>
+              </a:spcBef>
+              <a:spcAft>
+                <a:spcPts val="0"/>
+              </a:spcAft>
+              <a:buNone/>
+            </a:pPr>
+            <a:r>
+              <a:rPr lang="zh-TW" altLang="en-US" sz="3600" dirty="0"/>
+              <a:t>所以剛看了啥</a:t>
+            </a:r>
+            <a:endParaRPr sz="3600" dirty="0"/>
+          </a:p>
+        </p:txBody>
+      </p:sp>
+      <p:grpSp>
+        <p:nvGrpSpPr>
+          <p:cNvPr id="23" name="群組 22">
+            <a:extLst>
+              <a:ext uri="{FF2B5EF4-FFF2-40B4-BE49-F238E27FC236}">
+                <a16:creationId xmlns:a16="http://schemas.microsoft.com/office/drawing/2014/main" id="{412C773B-AFAF-A96D-DA8B-64DDE6AFFDAF}"/>
+              </a:ext>
+            </a:extLst>
+          </p:cNvPr>
+          <p:cNvGrpSpPr/>
+          <p:nvPr/>
+        </p:nvGrpSpPr>
+        <p:grpSpPr>
+          <a:xfrm>
+            <a:off x="6161686" y="4596668"/>
+            <a:ext cx="2265733" cy="1617391"/>
+            <a:chOff x="6282815" y="3913239"/>
+            <a:chExt cx="2271252" cy="1587894"/>
+          </a:xfrm>
+        </p:grpSpPr>
+        <p:sp>
+          <p:nvSpPr>
+            <p:cNvPr id="17" name="矩形: 圓角 16">
+              <a:extLst>
+                <a:ext uri="{FF2B5EF4-FFF2-40B4-BE49-F238E27FC236}">
+                  <a16:creationId xmlns:a16="http://schemas.microsoft.com/office/drawing/2014/main" id="{88E4B585-E262-1800-AB62-C48D1BECFFF5}"/>
+                </a:ext>
+              </a:extLst>
+            </p:cNvPr>
+            <p:cNvSpPr/>
+            <p:nvPr/>
+          </p:nvSpPr>
+          <p:spPr>
+            <a:xfrm>
+              <a:off x="6282815" y="3913239"/>
+              <a:ext cx="2271252" cy="1587894"/>
+            </a:xfrm>
+            <a:prstGeom prst="roundRect">
+              <a:avLst/>
+            </a:prstGeom>
+            <a:solidFill>
+              <a:schemeClr val="accent1">
+                <a:lumMod val="20000"/>
+                <a:lumOff val="80000"/>
+              </a:schemeClr>
+            </a:solidFill>
+          </p:spPr>
+          <p:style>
+            <a:lnRef idx="3">
+              <a:schemeClr val="lt1"/>
+            </a:lnRef>
+            <a:fillRef idx="1">
+              <a:schemeClr val="accent1"/>
+            </a:fillRef>
+            <a:effectRef idx="1">
+              <a:schemeClr val="accent1"/>
+            </a:effectRef>
+            <a:fontRef idx="minor">
+              <a:schemeClr val="lt1"/>
+            </a:fontRef>
+          </p:style>
+          <p:txBody>
+            <a:bodyPr rtlCol="0" anchor="t"/>
+            <a:lstStyle/>
+            <a:p>
+              <a:pPr algn="ctr"/>
+              <a:r>
+                <a:rPr lang="en-US" altLang="zh-TW" sz="1600" dirty="0">
+                  <a:solidFill>
+                    <a:schemeClr val="tx1"/>
+                  </a:solidFill>
+                </a:rPr>
+                <a:t>AP</a:t>
+              </a:r>
+              <a:endParaRPr lang="zh-TW" altLang="en-US" sz="1600" dirty="0">
+                <a:solidFill>
+                  <a:schemeClr val="tx1"/>
+                </a:solidFill>
+              </a:endParaRPr>
+            </a:p>
+          </p:txBody>
+        </p:sp>
+        <p:pic>
+          <p:nvPicPr>
+            <p:cNvPr id="22" name="圖片 21" descr="一張含有 字型, 圖形, 標誌, 平面設計 的圖片&#10;&#10;自動產生的描述">
+              <a:extLst>
+                <a:ext uri="{FF2B5EF4-FFF2-40B4-BE49-F238E27FC236}">
+                  <a16:creationId xmlns:a16="http://schemas.microsoft.com/office/drawing/2014/main" id="{6C760953-2F38-28D7-79A7-6A7506158108}"/>
+                </a:ext>
+              </a:extLst>
+            </p:cNvPr>
+            <p:cNvPicPr>
+              <a:picLocks noChangeAspect="1"/>
+            </p:cNvPicPr>
+            <p:nvPr/>
+          </p:nvPicPr>
+          <p:blipFill>
+            <a:blip r:embed="rId3"/>
+            <a:stretch>
+              <a:fillRect/>
+            </a:stretch>
+          </p:blipFill>
+          <p:spPr>
+            <a:xfrm>
+              <a:off x="6513005" y="4234517"/>
+              <a:ext cx="1800644" cy="945338"/>
+            </a:xfrm>
+            <a:prstGeom prst="rect">
+              <a:avLst/>
+            </a:prstGeom>
+          </p:spPr>
+        </p:pic>
+      </p:grpSp>
+      <p:grpSp>
+        <p:nvGrpSpPr>
+          <p:cNvPr id="32" name="群組 31">
+            <a:extLst>
+              <a:ext uri="{FF2B5EF4-FFF2-40B4-BE49-F238E27FC236}">
+                <a16:creationId xmlns:a16="http://schemas.microsoft.com/office/drawing/2014/main" id="{65AEF190-9C56-9571-8B7B-31FE1742796A}"/>
+              </a:ext>
+            </a:extLst>
+          </p:cNvPr>
+          <p:cNvGrpSpPr/>
+          <p:nvPr/>
+        </p:nvGrpSpPr>
+        <p:grpSpPr>
+          <a:xfrm>
+            <a:off x="311700" y="2411305"/>
+            <a:ext cx="2265733" cy="1617391"/>
+            <a:chOff x="5020574" y="1304519"/>
+            <a:chExt cx="2271252" cy="1587894"/>
+          </a:xfrm>
+        </p:grpSpPr>
+        <p:sp>
+          <p:nvSpPr>
+            <p:cNvPr id="25" name="矩形: 圓角 24">
+              <a:extLst>
+                <a:ext uri="{FF2B5EF4-FFF2-40B4-BE49-F238E27FC236}">
+                  <a16:creationId xmlns:a16="http://schemas.microsoft.com/office/drawing/2014/main" id="{CF31AF20-7073-ED98-D544-C38A0407D9D7}"/>
+                </a:ext>
+              </a:extLst>
+            </p:cNvPr>
+            <p:cNvSpPr/>
+            <p:nvPr/>
+          </p:nvSpPr>
+          <p:spPr>
+            <a:xfrm>
+              <a:off x="5020574" y="1304519"/>
+              <a:ext cx="2271252" cy="1587894"/>
+            </a:xfrm>
+            <a:prstGeom prst="roundRect">
+              <a:avLst/>
+            </a:prstGeom>
+            <a:solidFill>
+              <a:schemeClr val="accent1">
+                <a:lumMod val="20000"/>
+                <a:lumOff val="80000"/>
+              </a:schemeClr>
+            </a:solidFill>
+          </p:spPr>
+          <p:style>
+            <a:lnRef idx="3">
+              <a:schemeClr val="lt1"/>
+            </a:lnRef>
+            <a:fillRef idx="1">
+              <a:schemeClr val="accent1"/>
+            </a:fillRef>
+            <a:effectRef idx="1">
+              <a:schemeClr val="accent1"/>
+            </a:effectRef>
+            <a:fontRef idx="minor">
+              <a:schemeClr val="lt1"/>
+            </a:fontRef>
+          </p:style>
+          <p:txBody>
+            <a:bodyPr rtlCol="0" anchor="t"/>
+            <a:lstStyle/>
+            <a:p>
+              <a:pPr algn="ctr"/>
+              <a:r>
+                <a:rPr lang="en-US" altLang="zh-TW" sz="1600" dirty="0">
+                  <a:solidFill>
+                    <a:schemeClr val="tx1"/>
+                  </a:solidFill>
+                </a:rPr>
+                <a:t>Browser</a:t>
+              </a:r>
+              <a:endParaRPr lang="zh-TW" altLang="en-US" sz="1600" dirty="0">
+                <a:solidFill>
+                  <a:schemeClr val="tx1"/>
+                </a:solidFill>
+              </a:endParaRPr>
+            </a:p>
+          </p:txBody>
+        </p:sp>
+        <p:pic>
+          <p:nvPicPr>
+            <p:cNvPr id="28" name="圖片 27">
+              <a:extLst>
+                <a:ext uri="{FF2B5EF4-FFF2-40B4-BE49-F238E27FC236}">
+                  <a16:creationId xmlns:a16="http://schemas.microsoft.com/office/drawing/2014/main" id="{308FEFF6-CDEE-3AE1-42F8-E2E9339B31DD}"/>
+                </a:ext>
+              </a:extLst>
+            </p:cNvPr>
+            <p:cNvPicPr>
+              <a:picLocks noChangeAspect="1"/>
+            </p:cNvPicPr>
+            <p:nvPr/>
+          </p:nvPicPr>
+          <p:blipFill>
+            <a:blip r:embed="rId4"/>
+            <a:stretch>
+              <a:fillRect/>
+            </a:stretch>
+          </p:blipFill>
+          <p:spPr>
+            <a:xfrm>
+              <a:off x="5683532" y="1678145"/>
+              <a:ext cx="945336" cy="945336"/>
+            </a:xfrm>
+            <a:prstGeom prst="rect">
+              <a:avLst/>
+            </a:prstGeom>
+          </p:spPr>
+        </p:pic>
+      </p:grpSp>
+      <p:grpSp>
+        <p:nvGrpSpPr>
+          <p:cNvPr id="31" name="群組 30">
+            <a:extLst>
+              <a:ext uri="{FF2B5EF4-FFF2-40B4-BE49-F238E27FC236}">
+                <a16:creationId xmlns:a16="http://schemas.microsoft.com/office/drawing/2014/main" id="{F0E64483-1107-F9AF-7766-AB1E10113B16}"/>
+              </a:ext>
+            </a:extLst>
+          </p:cNvPr>
+          <p:cNvGrpSpPr/>
+          <p:nvPr/>
+        </p:nvGrpSpPr>
+        <p:grpSpPr>
+          <a:xfrm>
+            <a:off x="3236693" y="4596668"/>
+            <a:ext cx="2265733" cy="1617391"/>
+            <a:chOff x="3483982" y="4286865"/>
+            <a:chExt cx="2271252" cy="1587894"/>
+          </a:xfrm>
+        </p:grpSpPr>
+        <p:sp>
+          <p:nvSpPr>
+            <p:cNvPr id="16" name="矩形: 圓角 15">
+              <a:extLst>
+                <a:ext uri="{FF2B5EF4-FFF2-40B4-BE49-F238E27FC236}">
+                  <a16:creationId xmlns:a16="http://schemas.microsoft.com/office/drawing/2014/main" id="{C337A156-EF36-05AD-A979-F9E9D187BD57}"/>
+                </a:ext>
+              </a:extLst>
+            </p:cNvPr>
+            <p:cNvSpPr/>
+            <p:nvPr/>
+          </p:nvSpPr>
+          <p:spPr>
+            <a:xfrm>
+              <a:off x="3483982" y="4286865"/>
+              <a:ext cx="2271252" cy="1587894"/>
+            </a:xfrm>
+            <a:prstGeom prst="roundRect">
+              <a:avLst/>
+            </a:prstGeom>
+            <a:solidFill>
+              <a:schemeClr val="accent1">
+                <a:lumMod val="20000"/>
+                <a:lumOff val="80000"/>
+              </a:schemeClr>
+            </a:solidFill>
+          </p:spPr>
+          <p:style>
+            <a:lnRef idx="3">
+              <a:schemeClr val="lt1"/>
+            </a:lnRef>
+            <a:fillRef idx="1">
+              <a:schemeClr val="accent1"/>
+            </a:fillRef>
+            <a:effectRef idx="1">
+              <a:schemeClr val="accent1"/>
+            </a:effectRef>
+            <a:fontRef idx="minor">
+              <a:schemeClr val="lt1"/>
+            </a:fontRef>
+          </p:style>
+          <p:txBody>
+            <a:bodyPr rtlCol="0" anchor="t"/>
+            <a:lstStyle/>
+            <a:p>
+              <a:pPr algn="ctr"/>
+              <a:r>
+                <a:rPr lang="en-US" altLang="zh-TW" sz="1600" dirty="0">
+                  <a:solidFill>
+                    <a:schemeClr val="tx1"/>
+                  </a:solidFill>
+                </a:rPr>
+                <a:t>UI</a:t>
+              </a:r>
+              <a:endParaRPr lang="zh-TW" altLang="en-US" sz="1600" dirty="0">
+                <a:solidFill>
+                  <a:schemeClr val="tx1"/>
+                </a:solidFill>
+              </a:endParaRPr>
+            </a:p>
+          </p:txBody>
+        </p:sp>
+        <p:pic>
+          <p:nvPicPr>
+            <p:cNvPr id="30" name="圖片 29" descr="一張含有 圖形, 字型, 平面設計, 標誌 的圖片&#10;&#10;自動產生的描述">
+              <a:extLst>
+                <a:ext uri="{FF2B5EF4-FFF2-40B4-BE49-F238E27FC236}">
+                  <a16:creationId xmlns:a16="http://schemas.microsoft.com/office/drawing/2014/main" id="{E38752B1-7AE0-2F0D-64EE-471B2481A465}"/>
+                </a:ext>
+              </a:extLst>
+            </p:cNvPr>
+            <p:cNvPicPr>
+              <a:picLocks noChangeAspect="1"/>
+            </p:cNvPicPr>
+            <p:nvPr/>
+          </p:nvPicPr>
+          <p:blipFill>
+            <a:blip r:embed="rId5"/>
+            <a:stretch>
+              <a:fillRect/>
+            </a:stretch>
+          </p:blipFill>
+          <p:spPr>
+            <a:xfrm>
+              <a:off x="3674271" y="4608143"/>
+              <a:ext cx="1890674" cy="945337"/>
+            </a:xfrm>
+            <a:prstGeom prst="rect">
+              <a:avLst/>
+            </a:prstGeom>
+          </p:spPr>
+        </p:pic>
+      </p:grpSp>
+      <p:grpSp>
+        <p:nvGrpSpPr>
+          <p:cNvPr id="38" name="群組 37">
+            <a:extLst>
+              <a:ext uri="{FF2B5EF4-FFF2-40B4-BE49-F238E27FC236}">
+                <a16:creationId xmlns:a16="http://schemas.microsoft.com/office/drawing/2014/main" id="{D1CB5A27-078F-9EB8-0490-F9596C48F226}"/>
+              </a:ext>
+            </a:extLst>
+          </p:cNvPr>
+          <p:cNvGrpSpPr/>
+          <p:nvPr/>
+        </p:nvGrpSpPr>
+        <p:grpSpPr>
+          <a:xfrm>
+            <a:off x="3236693" y="2411306"/>
+            <a:ext cx="2265733" cy="1617391"/>
+            <a:chOff x="3594895" y="1643376"/>
+            <a:chExt cx="2265733" cy="1617391"/>
+          </a:xfrm>
+        </p:grpSpPr>
+        <p:sp>
+          <p:nvSpPr>
+            <p:cNvPr id="15" name="矩形: 圓角 14">
+              <a:extLst>
+                <a:ext uri="{FF2B5EF4-FFF2-40B4-BE49-F238E27FC236}">
+                  <a16:creationId xmlns:a16="http://schemas.microsoft.com/office/drawing/2014/main" id="{BAEBB669-DC23-6EE5-9F4C-805AAF2D3BFA}"/>
+                </a:ext>
+              </a:extLst>
+            </p:cNvPr>
+            <p:cNvSpPr/>
+            <p:nvPr/>
+          </p:nvSpPr>
+          <p:spPr>
+            <a:xfrm>
+              <a:off x="3594895" y="1643376"/>
+              <a:ext cx="2265733" cy="1617391"/>
+            </a:xfrm>
+            <a:prstGeom prst="roundRect">
+              <a:avLst/>
+            </a:prstGeom>
+            <a:solidFill>
+              <a:schemeClr val="accent1">
+                <a:lumMod val="20000"/>
+                <a:lumOff val="80000"/>
+              </a:schemeClr>
+            </a:solidFill>
+          </p:spPr>
+          <p:style>
+            <a:lnRef idx="3">
+              <a:schemeClr val="lt1"/>
+            </a:lnRef>
+            <a:fillRef idx="1">
+              <a:schemeClr val="accent1"/>
+            </a:fillRef>
+            <a:effectRef idx="1">
+              <a:schemeClr val="accent1"/>
+            </a:effectRef>
+            <a:fontRef idx="minor">
+              <a:schemeClr val="lt1"/>
+            </a:fontRef>
+          </p:style>
+          <p:txBody>
+            <a:bodyPr rtlCol="0" anchor="t"/>
+            <a:lstStyle/>
+            <a:p>
+              <a:pPr algn="ctr"/>
+              <a:r>
+                <a:rPr lang="en-US" altLang="zh-TW" sz="1600" dirty="0">
+                  <a:solidFill>
+                    <a:schemeClr val="tx1"/>
+                  </a:solidFill>
+                </a:rPr>
+                <a:t>Portal</a:t>
+              </a:r>
+              <a:endParaRPr lang="zh-TW" altLang="en-US" sz="1600" dirty="0">
+                <a:solidFill>
+                  <a:schemeClr val="tx1"/>
+                </a:solidFill>
+              </a:endParaRPr>
+            </a:p>
+          </p:txBody>
+        </p:sp>
+        <p:pic>
+          <p:nvPicPr>
+            <p:cNvPr id="37" name="圖形 36">
+              <a:extLst>
+                <a:ext uri="{FF2B5EF4-FFF2-40B4-BE49-F238E27FC236}">
+                  <a16:creationId xmlns:a16="http://schemas.microsoft.com/office/drawing/2014/main" id="{CE10E6E5-5AE8-41C4-BCF8-F4D0275CD511}"/>
+                </a:ext>
+              </a:extLst>
+            </p:cNvPr>
+            <p:cNvPicPr>
+              <a:picLocks noChangeAspect="1"/>
+            </p:cNvPicPr>
+            <p:nvPr/>
+          </p:nvPicPr>
+          <p:blipFill>
+            <a:blip r:embed="rId6">
+              <a:extLst>
+                <a:ext uri="{96DAC541-7B7A-43D3-8B79-37D633B846F1}">
+                  <asvg:svgBlip xmlns:asvg="http://schemas.microsoft.com/office/drawing/2016/SVG/main" r:embed="rId7"/>
+                </a:ext>
+              </a:extLst>
+            </a:blip>
+            <a:stretch>
+              <a:fillRect/>
+            </a:stretch>
+          </p:blipFill>
+          <p:spPr>
+            <a:xfrm>
+              <a:off x="3744998" y="2023943"/>
+              <a:ext cx="1965525" cy="962897"/>
+            </a:xfrm>
+            <a:prstGeom prst="rect">
+              <a:avLst/>
+            </a:prstGeom>
+          </p:spPr>
+        </p:pic>
+      </p:grpSp>
+      <p:grpSp>
+        <p:nvGrpSpPr>
+          <p:cNvPr id="43" name="群組 42">
+            <a:extLst>
+              <a:ext uri="{FF2B5EF4-FFF2-40B4-BE49-F238E27FC236}">
+                <a16:creationId xmlns:a16="http://schemas.microsoft.com/office/drawing/2014/main" id="{4723F819-4183-D4FF-2732-3B24EE722B62}"/>
+              </a:ext>
+            </a:extLst>
+          </p:cNvPr>
+          <p:cNvGrpSpPr/>
+          <p:nvPr/>
+        </p:nvGrpSpPr>
+        <p:grpSpPr>
+          <a:xfrm>
+            <a:off x="6161686" y="2411305"/>
+            <a:ext cx="2265733" cy="1617391"/>
+            <a:chOff x="6441471" y="1643375"/>
+            <a:chExt cx="2265733" cy="1617391"/>
+          </a:xfrm>
+        </p:grpSpPr>
+        <p:sp>
+          <p:nvSpPr>
+            <p:cNvPr id="34" name="矩形: 圓角 33">
+              <a:extLst>
+                <a:ext uri="{FF2B5EF4-FFF2-40B4-BE49-F238E27FC236}">
+                  <a16:creationId xmlns:a16="http://schemas.microsoft.com/office/drawing/2014/main" id="{891CF995-D2FC-6EB1-C760-2AE8C0BA7205}"/>
+                </a:ext>
+              </a:extLst>
+            </p:cNvPr>
+            <p:cNvSpPr/>
+            <p:nvPr/>
+          </p:nvSpPr>
+          <p:spPr>
+            <a:xfrm>
+              <a:off x="6441471" y="1643375"/>
+              <a:ext cx="2265733" cy="1617391"/>
+            </a:xfrm>
+            <a:prstGeom prst="roundRect">
+              <a:avLst/>
+            </a:prstGeom>
+            <a:solidFill>
+              <a:schemeClr val="accent1">
+                <a:lumMod val="20000"/>
+                <a:lumOff val="80000"/>
+              </a:schemeClr>
+            </a:solidFill>
+          </p:spPr>
+          <p:style>
+            <a:lnRef idx="3">
+              <a:schemeClr val="lt1"/>
+            </a:lnRef>
+            <a:fillRef idx="1">
+              <a:schemeClr val="accent1"/>
+            </a:fillRef>
+            <a:effectRef idx="1">
+              <a:schemeClr val="accent1"/>
+            </a:effectRef>
+            <a:fontRef idx="minor">
+              <a:schemeClr val="lt1"/>
+            </a:fontRef>
+          </p:style>
+          <p:txBody>
+            <a:bodyPr rtlCol="0" anchor="t"/>
+            <a:lstStyle/>
+            <a:p>
+              <a:pPr algn="ctr"/>
+              <a:r>
+                <a:rPr lang="en-US" altLang="zh-TW" sz="1600" dirty="0">
+                  <a:solidFill>
+                    <a:schemeClr val="tx1"/>
+                  </a:solidFill>
+                </a:rPr>
+                <a:t>SSO Server</a:t>
+              </a:r>
+              <a:endParaRPr lang="zh-TW" altLang="en-US" sz="1600" dirty="0">
+                <a:solidFill>
+                  <a:schemeClr val="tx1"/>
+                </a:solidFill>
+              </a:endParaRPr>
+            </a:p>
+          </p:txBody>
+        </p:sp>
+        <p:pic>
+          <p:nvPicPr>
+            <p:cNvPr id="42" name="圖形 41">
+              <a:extLst>
+                <a:ext uri="{FF2B5EF4-FFF2-40B4-BE49-F238E27FC236}">
+                  <a16:creationId xmlns:a16="http://schemas.microsoft.com/office/drawing/2014/main" id="{229C0F3A-6D82-ED08-8450-9D8CD5F5010A}"/>
+                </a:ext>
+              </a:extLst>
+            </p:cNvPr>
+            <p:cNvPicPr>
+              <a:picLocks noChangeAspect="1"/>
+            </p:cNvPicPr>
+            <p:nvPr/>
+          </p:nvPicPr>
+          <p:blipFill>
+            <a:blip r:embed="rId8">
+              <a:extLst>
+                <a:ext uri="{96DAC541-7B7A-43D3-8B79-37D633B846F1}">
+                  <asvg:svgBlip xmlns:asvg="http://schemas.microsoft.com/office/drawing/2016/SVG/main" r:embed="rId9"/>
+                </a:ext>
+              </a:extLst>
+            </a:blip>
+            <a:stretch>
+              <a:fillRect/>
+            </a:stretch>
+          </p:blipFill>
+          <p:spPr>
+            <a:xfrm>
+              <a:off x="6812848" y="2023942"/>
+              <a:ext cx="1522978" cy="962897"/>
+            </a:xfrm>
+            <a:prstGeom prst="rect">
+              <a:avLst/>
+            </a:prstGeom>
+          </p:spPr>
+        </p:pic>
+      </p:grpSp>
+      <p:grpSp>
+        <p:nvGrpSpPr>
+          <p:cNvPr id="2" name="群組 1">
+            <a:extLst>
+              <a:ext uri="{FF2B5EF4-FFF2-40B4-BE49-F238E27FC236}">
+                <a16:creationId xmlns:a16="http://schemas.microsoft.com/office/drawing/2014/main" id="{40D836C4-76ED-1EC9-EF6E-39D28A0D198B}"/>
+              </a:ext>
+            </a:extLst>
+          </p:cNvPr>
+          <p:cNvGrpSpPr/>
+          <p:nvPr/>
+        </p:nvGrpSpPr>
+        <p:grpSpPr>
+          <a:xfrm>
+            <a:off x="6156584" y="225945"/>
+            <a:ext cx="2265733" cy="1617391"/>
+            <a:chOff x="6156584" y="225945"/>
+            <a:chExt cx="2265733" cy="1617391"/>
+          </a:xfrm>
+        </p:grpSpPr>
+        <p:sp>
+          <p:nvSpPr>
+            <p:cNvPr id="45" name="矩形: 圓角 44">
+              <a:extLst>
+                <a:ext uri="{FF2B5EF4-FFF2-40B4-BE49-F238E27FC236}">
+                  <a16:creationId xmlns:a16="http://schemas.microsoft.com/office/drawing/2014/main" id="{9ED41B07-D44A-E509-988E-1219C5B13074}"/>
+                </a:ext>
+              </a:extLst>
+            </p:cNvPr>
+            <p:cNvSpPr/>
+            <p:nvPr/>
+          </p:nvSpPr>
+          <p:spPr>
+            <a:xfrm>
+              <a:off x="6156584" y="225945"/>
+              <a:ext cx="2265733" cy="1617391"/>
+            </a:xfrm>
+            <a:prstGeom prst="roundRect">
+              <a:avLst/>
+            </a:prstGeom>
+            <a:solidFill>
+              <a:schemeClr val="accent1">
+                <a:lumMod val="20000"/>
+                <a:lumOff val="80000"/>
+              </a:schemeClr>
+            </a:solidFill>
+          </p:spPr>
+          <p:style>
+            <a:lnRef idx="3">
+              <a:schemeClr val="lt1"/>
+            </a:lnRef>
+            <a:fillRef idx="1">
+              <a:schemeClr val="accent1"/>
+            </a:fillRef>
+            <a:effectRef idx="1">
+              <a:schemeClr val="accent1"/>
+            </a:effectRef>
+            <a:fontRef idx="minor">
+              <a:schemeClr val="lt1"/>
+            </a:fontRef>
+          </p:style>
+          <p:txBody>
+            <a:bodyPr rtlCol="0" anchor="t"/>
+            <a:lstStyle/>
+            <a:p>
+              <a:pPr algn="ctr"/>
+              <a:r>
+                <a:rPr lang="en-US" altLang="zh-TW" sz="1600" dirty="0">
+                  <a:solidFill>
+                    <a:schemeClr val="tx1"/>
+                  </a:solidFill>
+                </a:rPr>
+                <a:t>IDP</a:t>
+              </a:r>
+              <a:endParaRPr lang="zh-TW" altLang="en-US" sz="1600" dirty="0">
+                <a:solidFill>
+                  <a:schemeClr val="tx1"/>
+                </a:solidFill>
+              </a:endParaRPr>
+            </a:p>
+          </p:txBody>
+        </p:sp>
+        <p:pic>
+          <p:nvPicPr>
+            <p:cNvPr id="52" name="圖片 51" descr="一張含有 圖形, 字型, 標誌, 圓形 的圖片&#10;&#10;自動產生的描述">
+              <a:extLst>
+                <a:ext uri="{FF2B5EF4-FFF2-40B4-BE49-F238E27FC236}">
+                  <a16:creationId xmlns:a16="http://schemas.microsoft.com/office/drawing/2014/main" id="{83764CE7-6535-7A5B-3213-218C7201C2DB}"/>
+                </a:ext>
+              </a:extLst>
+            </p:cNvPr>
+            <p:cNvPicPr>
+              <a:picLocks noChangeAspect="1"/>
+            </p:cNvPicPr>
+            <p:nvPr/>
+          </p:nvPicPr>
+          <p:blipFill>
+            <a:blip r:embed="rId10"/>
+            <a:stretch>
+              <a:fillRect/>
+            </a:stretch>
+          </p:blipFill>
+          <p:spPr>
+            <a:xfrm>
+              <a:off x="6777330" y="522520"/>
+              <a:ext cx="1024239" cy="1024239"/>
+            </a:xfrm>
+            <a:prstGeom prst="rect">
+              <a:avLst/>
+            </a:prstGeom>
+          </p:spPr>
+        </p:pic>
+      </p:grpSp>
+      <p:sp>
+        <p:nvSpPr>
+          <p:cNvPr id="4" name="箭號: 向右 3">
+            <a:extLst>
+              <a:ext uri="{FF2B5EF4-FFF2-40B4-BE49-F238E27FC236}">
+                <a16:creationId xmlns:a16="http://schemas.microsoft.com/office/drawing/2014/main" id="{D00D2D0E-B63B-60EA-1195-D324FCE65E7F}"/>
+              </a:ext>
+            </a:extLst>
+          </p:cNvPr>
+          <p:cNvSpPr/>
+          <p:nvPr/>
+        </p:nvSpPr>
+        <p:spPr>
+          <a:xfrm rot="2104466">
+            <a:off x="4924301" y="1613773"/>
+            <a:ext cx="1486483" cy="1035588"/>
+          </a:xfrm>
+          <a:prstGeom prst="rightArrow">
+            <a:avLst/>
+          </a:prstGeom>
+          <a:solidFill>
+            <a:srgbClr val="FF5050"/>
+          </a:solidFill>
+        </p:spPr>
+        <p:style>
+          <a:lnRef idx="2">
+            <a:schemeClr val="accent1">
+              <a:shade val="15000"/>
+            </a:schemeClr>
+          </a:lnRef>
+          <a:fillRef idx="1">
+            <a:schemeClr val="accent1"/>
+          </a:fillRef>
+          <a:effectRef idx="0">
+            <a:schemeClr val="accent1"/>
+          </a:effectRef>
+          <a:fontRef idx="minor">
+            <a:schemeClr val="lt1"/>
+          </a:fontRef>
+        </p:style>
+        <p:txBody>
+          <a:bodyPr rtlCol="0" anchor="ctr"/>
+          <a:lstStyle/>
+          <a:p>
+            <a:pPr algn="ctr"/>
+            <a:r>
+              <a:rPr lang="zh-TW" altLang="en-US" dirty="0">
+                <a:ln w="0"/>
+                <a:solidFill>
+                  <a:schemeClr val="bg1"/>
+                </a:solidFill>
+                <a:effectLst>
+                  <a:outerShdw blurRad="38100" dist="19050" dir="2700000" algn="tl" rotWithShape="0">
+                    <a:schemeClr val="dk1">
+                      <a:alpha val="40000"/>
+                    </a:schemeClr>
+                  </a:outerShdw>
+                </a:effectLst>
+                <a:latin typeface="微軟正黑體" panose="020B0604030504040204" pitchFamily="34" charset="-120"/>
+                <a:ea typeface="微軟正黑體" panose="020B0604030504040204" pitchFamily="34" charset="-120"/>
+              </a:rPr>
+              <a:t>撿來的</a:t>
+            </a:r>
+            <a:endParaRPr lang="en-US" altLang="zh-TW" dirty="0">
+              <a:ln w="0"/>
+              <a:solidFill>
+                <a:schemeClr val="bg1"/>
+              </a:solidFill>
+              <a:effectLst>
+                <a:outerShdw blurRad="38100" dist="19050" dir="2700000" algn="tl" rotWithShape="0">
+                  <a:schemeClr val="dk1">
+                    <a:alpha val="40000"/>
+                  </a:schemeClr>
+                </a:outerShdw>
+              </a:effectLst>
+              <a:latin typeface="微軟正黑體" panose="020B0604030504040204" pitchFamily="34" charset="-120"/>
+              <a:ea typeface="微軟正黑體" panose="020B0604030504040204" pitchFamily="34" charset="-120"/>
+            </a:endParaRPr>
+          </a:p>
+          <a:p>
+            <a:pPr algn="ctr"/>
+            <a:r>
+              <a:rPr lang="zh-TW" altLang="en-US" dirty="0">
+                <a:ln w="0"/>
+                <a:solidFill>
+                  <a:schemeClr val="bg1"/>
+                </a:solidFill>
+                <a:effectLst>
+                  <a:outerShdw blurRad="38100" dist="19050" dir="2700000" algn="tl" rotWithShape="0">
+                    <a:schemeClr val="dk1">
+                      <a:alpha val="40000"/>
+                    </a:schemeClr>
+                  </a:outerShdw>
+                </a:effectLst>
+                <a:latin typeface="微軟正黑體" panose="020B0604030504040204" pitchFamily="34" charset="-120"/>
+                <a:ea typeface="微軟正黑體" panose="020B0604030504040204" pitchFamily="34" charset="-120"/>
+              </a:rPr>
+              <a:t>或是他的</a:t>
+            </a:r>
+          </a:p>
+        </p:txBody>
+      </p:sp>
+      <p:sp>
+        <p:nvSpPr>
+          <p:cNvPr id="5" name="箭號: 向右 4">
+            <a:extLst>
+              <a:ext uri="{FF2B5EF4-FFF2-40B4-BE49-F238E27FC236}">
+                <a16:creationId xmlns:a16="http://schemas.microsoft.com/office/drawing/2014/main" id="{843C589E-37DA-1B30-3BA6-D2A975DD0943}"/>
+              </a:ext>
+            </a:extLst>
+          </p:cNvPr>
+          <p:cNvSpPr/>
+          <p:nvPr/>
+        </p:nvSpPr>
+        <p:spPr>
+          <a:xfrm rot="21389696">
+            <a:off x="5078298" y="496881"/>
+            <a:ext cx="1141673" cy="828290"/>
+          </a:xfrm>
+          <a:prstGeom prst="rightArrow">
+            <a:avLst/>
+          </a:prstGeom>
+          <a:solidFill>
+            <a:srgbClr val="FF5050"/>
+          </a:solidFill>
+        </p:spPr>
+        <p:style>
+          <a:lnRef idx="2">
+            <a:schemeClr val="accent1">
+              <a:shade val="15000"/>
+            </a:schemeClr>
+          </a:lnRef>
+          <a:fillRef idx="1">
+            <a:schemeClr val="accent1"/>
+          </a:fillRef>
+          <a:effectRef idx="0">
+            <a:schemeClr val="accent1"/>
+          </a:effectRef>
+          <a:fontRef idx="minor">
+            <a:schemeClr val="lt1"/>
+          </a:fontRef>
+        </p:style>
+        <p:txBody>
+          <a:bodyPr rtlCol="0" anchor="ctr"/>
+          <a:lstStyle/>
+          <a:p>
+            <a:pPr algn="ctr"/>
+            <a:r>
+              <a:rPr lang="zh-TW" altLang="en-US" dirty="0">
+                <a:ln w="0"/>
+                <a:solidFill>
+                  <a:schemeClr val="bg1"/>
+                </a:solidFill>
+                <a:effectLst>
+                  <a:outerShdw blurRad="38100" dist="19050" dir="2700000" algn="tl" rotWithShape="0">
+                    <a:schemeClr val="dk1">
+                      <a:alpha val="40000"/>
+                    </a:schemeClr>
+                  </a:outerShdw>
+                </a:effectLst>
+                <a:latin typeface="微軟正黑體" panose="020B0604030504040204" pitchFamily="34" charset="-120"/>
+                <a:ea typeface="微軟正黑體" panose="020B0604030504040204" pitchFamily="34" charset="-120"/>
+              </a:rPr>
+              <a:t>不是我的</a:t>
+            </a:r>
+          </a:p>
+        </p:txBody>
+      </p:sp>
+      <p:sp>
+        <p:nvSpPr>
+          <p:cNvPr id="7" name="箭號: 向右 6">
+            <a:extLst>
+              <a:ext uri="{FF2B5EF4-FFF2-40B4-BE49-F238E27FC236}">
+                <a16:creationId xmlns:a16="http://schemas.microsoft.com/office/drawing/2014/main" id="{58344F4D-1CB4-F14A-7345-C1E18458561D}"/>
+              </a:ext>
+            </a:extLst>
+          </p:cNvPr>
+          <p:cNvSpPr/>
+          <p:nvPr/>
+        </p:nvSpPr>
+        <p:spPr>
+          <a:xfrm rot="231604">
+            <a:off x="2247092" y="4509769"/>
+            <a:ext cx="1038242" cy="828290"/>
+          </a:xfrm>
+          <a:prstGeom prst="rightArrow">
+            <a:avLst/>
+          </a:prstGeom>
+        </p:spPr>
+        <p:style>
+          <a:lnRef idx="2">
+            <a:schemeClr val="accent1">
+              <a:shade val="15000"/>
+            </a:schemeClr>
+          </a:lnRef>
+          <a:fillRef idx="1">
+            <a:schemeClr val="accent1"/>
+          </a:fillRef>
+          <a:effectRef idx="0">
+            <a:schemeClr val="accent1"/>
+          </a:effectRef>
+          <a:fontRef idx="minor">
+            <a:schemeClr val="lt1"/>
+          </a:fontRef>
+        </p:style>
+        <p:txBody>
+          <a:bodyPr rtlCol="0" anchor="ctr"/>
+          <a:lstStyle/>
+          <a:p>
+            <a:pPr algn="ctr"/>
+            <a:r>
+              <a:rPr lang="zh-TW" altLang="en-US" dirty="0">
+                <a:ln w="0"/>
+                <a:solidFill>
+                  <a:schemeClr val="bg1"/>
+                </a:solidFill>
+                <a:effectLst>
+                  <a:outerShdw blurRad="38100" dist="19050" dir="2700000" algn="tl" rotWithShape="0">
+                    <a:schemeClr val="dk1">
+                      <a:alpha val="40000"/>
+                    </a:schemeClr>
+                  </a:outerShdw>
+                </a:effectLst>
+                <a:latin typeface="微軟正黑體" panose="020B0604030504040204" pitchFamily="34" charset="-120"/>
+                <a:ea typeface="微軟正黑體" panose="020B0604030504040204" pitchFamily="34" charset="-120"/>
+              </a:rPr>
+              <a:t>三不管</a:t>
+            </a:r>
+          </a:p>
+        </p:txBody>
+      </p:sp>
+      <p:sp>
+        <p:nvSpPr>
+          <p:cNvPr id="8" name="箭號: 向右 7">
+            <a:extLst>
+              <a:ext uri="{FF2B5EF4-FFF2-40B4-BE49-F238E27FC236}">
+                <a16:creationId xmlns:a16="http://schemas.microsoft.com/office/drawing/2014/main" id="{F79F4356-4D92-625E-30C6-CDD1852C36CC}"/>
+              </a:ext>
+            </a:extLst>
+          </p:cNvPr>
+          <p:cNvSpPr/>
+          <p:nvPr/>
+        </p:nvSpPr>
+        <p:spPr>
+          <a:xfrm rot="1400118">
+            <a:off x="5261780" y="4108377"/>
+            <a:ext cx="1154451" cy="828290"/>
+          </a:xfrm>
+          <a:prstGeom prst="rightArrow">
+            <a:avLst/>
+          </a:prstGeom>
+        </p:spPr>
+        <p:style>
+          <a:lnRef idx="2">
+            <a:schemeClr val="accent1">
+              <a:shade val="15000"/>
+            </a:schemeClr>
+          </a:lnRef>
+          <a:fillRef idx="1">
+            <a:schemeClr val="accent1"/>
+          </a:fillRef>
+          <a:effectRef idx="0">
+            <a:schemeClr val="accent1"/>
+          </a:effectRef>
+          <a:fontRef idx="minor">
+            <a:schemeClr val="lt1"/>
+          </a:fontRef>
+        </p:style>
+        <p:txBody>
+          <a:bodyPr rtlCol="0" anchor="ctr"/>
+          <a:lstStyle/>
+          <a:p>
+            <a:pPr algn="ctr"/>
+            <a:r>
+              <a:rPr lang="zh-TW" altLang="en-US" dirty="0">
+                <a:ln w="0"/>
+                <a:solidFill>
+                  <a:schemeClr val="bg1"/>
+                </a:solidFill>
+                <a:effectLst>
+                  <a:outerShdw blurRad="38100" dist="19050" dir="2700000" algn="tl" rotWithShape="0">
+                    <a:schemeClr val="dk1">
+                      <a:alpha val="40000"/>
+                    </a:schemeClr>
+                  </a:outerShdw>
+                </a:effectLst>
+                <a:latin typeface="微軟正黑體" panose="020B0604030504040204" pitchFamily="34" charset="-120"/>
+                <a:ea typeface="微軟正黑體" panose="020B0604030504040204" pitchFamily="34" charset="-120"/>
+              </a:rPr>
+              <a:t>驗</a:t>
+            </a:r>
+            <a:r>
+              <a:rPr lang="en-US" altLang="zh-TW" dirty="0">
+                <a:ln w="0"/>
+                <a:solidFill>
+                  <a:schemeClr val="bg1"/>
+                </a:solidFill>
+                <a:effectLst>
+                  <a:outerShdw blurRad="38100" dist="19050" dir="2700000" algn="tl" rotWithShape="0">
+                    <a:schemeClr val="dk1">
+                      <a:alpha val="40000"/>
+                    </a:schemeClr>
+                  </a:outerShdw>
+                </a:effectLst>
+                <a:latin typeface="微軟正黑體" panose="020B0604030504040204" pitchFamily="34" charset="-120"/>
+                <a:ea typeface="微軟正黑體" panose="020B0604030504040204" pitchFamily="34" charset="-120"/>
+              </a:rPr>
+              <a:t>Token</a:t>
+            </a:r>
+            <a:endParaRPr lang="zh-TW" altLang="en-US" dirty="0">
+              <a:ln w="0"/>
+              <a:solidFill>
+                <a:schemeClr val="bg1"/>
+              </a:solidFill>
+              <a:effectLst>
+                <a:outerShdw blurRad="38100" dist="19050" dir="2700000" algn="tl" rotWithShape="0">
+                  <a:schemeClr val="dk1">
+                    <a:alpha val="40000"/>
+                  </a:schemeClr>
+                </a:outerShdw>
+              </a:effectLst>
+              <a:latin typeface="微軟正黑體" panose="020B0604030504040204" pitchFamily="34" charset="-120"/>
+              <a:ea typeface="微軟正黑體" panose="020B0604030504040204" pitchFamily="34" charset="-120"/>
+            </a:endParaRPr>
+          </a:p>
+        </p:txBody>
+      </p:sp>
+      <p:sp>
+        <p:nvSpPr>
+          <p:cNvPr id="12" name="箭號: 向右 11">
+            <a:extLst>
+              <a:ext uri="{FF2B5EF4-FFF2-40B4-BE49-F238E27FC236}">
+                <a16:creationId xmlns:a16="http://schemas.microsoft.com/office/drawing/2014/main" id="{AB4930B6-C60A-80CF-7A79-593554A844D0}"/>
+              </a:ext>
+            </a:extLst>
+          </p:cNvPr>
+          <p:cNvSpPr/>
+          <p:nvPr/>
+        </p:nvSpPr>
+        <p:spPr>
+          <a:xfrm rot="1566798">
+            <a:off x="1777330" y="1238062"/>
+            <a:ext cx="2679280" cy="2618628"/>
+          </a:xfrm>
+          <a:prstGeom prst="rightArrow">
+            <a:avLst/>
+          </a:prstGeom>
+          <a:solidFill>
+            <a:srgbClr val="FF5050"/>
+          </a:solidFill>
+        </p:spPr>
+        <p:style>
+          <a:lnRef idx="2">
+            <a:schemeClr val="accent1">
+              <a:shade val="15000"/>
+            </a:schemeClr>
+          </a:lnRef>
+          <a:fillRef idx="1">
+            <a:schemeClr val="accent1"/>
+          </a:fillRef>
+          <a:effectRef idx="0">
+            <a:schemeClr val="accent1"/>
+          </a:effectRef>
+          <a:fontRef idx="minor">
+            <a:schemeClr val="lt1"/>
+          </a:fontRef>
+        </p:style>
+        <p:txBody>
+          <a:bodyPr rtlCol="0" anchor="ctr"/>
+          <a:lstStyle/>
+          <a:p>
+            <a:pPr algn="ctr"/>
+            <a:r>
+              <a:rPr lang="zh-TW" altLang="en-US" dirty="0">
+                <a:ln w="0"/>
+                <a:solidFill>
+                  <a:schemeClr val="bg1"/>
+                </a:solidFill>
+                <a:effectLst>
+                  <a:outerShdw blurRad="38100" dist="19050" dir="2700000" algn="tl" rotWithShape="0">
+                    <a:schemeClr val="dk1">
+                      <a:alpha val="40000"/>
+                    </a:schemeClr>
+                  </a:outerShdw>
+                </a:effectLst>
+                <a:latin typeface="微軟正黑體" panose="020B0604030504040204" pitchFamily="34" charset="-120"/>
+                <a:ea typeface="微軟正黑體" panose="020B0604030504040204" pitchFamily="34" charset="-120"/>
+              </a:rPr>
+              <a:t>撿來的</a:t>
+            </a:r>
+            <a:endParaRPr lang="en-US" altLang="zh-TW" dirty="0">
+              <a:ln w="0"/>
+              <a:solidFill>
+                <a:schemeClr val="bg1"/>
+              </a:solidFill>
+              <a:effectLst>
+                <a:outerShdw blurRad="38100" dist="19050" dir="2700000" algn="tl" rotWithShape="0">
+                  <a:schemeClr val="dk1">
+                    <a:alpha val="40000"/>
+                  </a:schemeClr>
+                </a:outerShdw>
+              </a:effectLst>
+              <a:latin typeface="微軟正黑體" panose="020B0604030504040204" pitchFamily="34" charset="-120"/>
+              <a:ea typeface="微軟正黑體" panose="020B0604030504040204" pitchFamily="34" charset="-120"/>
+            </a:endParaRPr>
+          </a:p>
+          <a:p>
+            <a:pPr algn="ctr"/>
+            <a:r>
+              <a:rPr lang="zh-TW" altLang="en-US" dirty="0">
+                <a:ln w="0"/>
+                <a:solidFill>
+                  <a:schemeClr val="bg1"/>
+                </a:solidFill>
+                <a:effectLst>
+                  <a:outerShdw blurRad="38100" dist="19050" dir="2700000" algn="tl" rotWithShape="0">
+                    <a:schemeClr val="dk1">
+                      <a:alpha val="40000"/>
+                    </a:schemeClr>
+                  </a:outerShdw>
+                </a:effectLst>
+                <a:latin typeface="微軟正黑體" panose="020B0604030504040204" pitchFamily="34" charset="-120"/>
+                <a:ea typeface="微軟正黑體" panose="020B0604030504040204" pitchFamily="34" charset="-120"/>
+              </a:rPr>
+              <a:t>他負責</a:t>
+            </a:r>
+            <a:endParaRPr lang="en-US" altLang="zh-TW" dirty="0">
+              <a:ln w="0"/>
+              <a:solidFill>
+                <a:schemeClr val="bg1"/>
+              </a:solidFill>
+              <a:effectLst>
+                <a:outerShdw blurRad="38100" dist="19050" dir="2700000" algn="tl" rotWithShape="0">
+                  <a:schemeClr val="dk1">
+                    <a:alpha val="40000"/>
+                  </a:schemeClr>
+                </a:outerShdw>
+              </a:effectLst>
+              <a:latin typeface="微軟正黑體" panose="020B0604030504040204" pitchFamily="34" charset="-120"/>
+              <a:ea typeface="微軟正黑體" panose="020B0604030504040204" pitchFamily="34" charset="-120"/>
+            </a:endParaRPr>
+          </a:p>
+          <a:p>
+            <a:pPr algn="ctr"/>
+            <a:r>
+              <a:rPr lang="zh-TW" altLang="en-US" dirty="0">
+                <a:ln w="0"/>
+                <a:solidFill>
+                  <a:schemeClr val="bg1"/>
+                </a:solidFill>
+                <a:effectLst>
+                  <a:outerShdw blurRad="38100" dist="19050" dir="2700000" algn="tl" rotWithShape="0">
+                    <a:schemeClr val="dk1">
+                      <a:alpha val="40000"/>
+                    </a:schemeClr>
+                  </a:outerShdw>
+                </a:effectLst>
+                <a:latin typeface="微軟正黑體" panose="020B0604030504040204" pitchFamily="34" charset="-120"/>
+                <a:ea typeface="微軟正黑體" panose="020B0604030504040204" pitchFamily="34" charset="-120"/>
+              </a:rPr>
+              <a:t>取</a:t>
+            </a:r>
+            <a:r>
+              <a:rPr lang="en-US" altLang="zh-TW" dirty="0" err="1">
+                <a:ln w="0"/>
+                <a:solidFill>
+                  <a:schemeClr val="bg1"/>
+                </a:solidFill>
+                <a:effectLst>
+                  <a:outerShdw blurRad="38100" dist="19050" dir="2700000" algn="tl" rotWithShape="0">
+                    <a:schemeClr val="dk1">
+                      <a:alpha val="40000"/>
+                    </a:schemeClr>
+                  </a:outerShdw>
+                </a:effectLst>
+                <a:latin typeface="微軟正黑體" panose="020B0604030504040204" pitchFamily="34" charset="-120"/>
+                <a:ea typeface="微軟正黑體" panose="020B0604030504040204" pitchFamily="34" charset="-120"/>
+              </a:rPr>
+              <a:t>AccessToken</a:t>
+            </a:r>
+            <a:endParaRPr lang="en-US" altLang="zh-TW" dirty="0">
+              <a:ln w="0"/>
+              <a:solidFill>
+                <a:schemeClr val="bg1"/>
+              </a:solidFill>
+              <a:effectLst>
+                <a:outerShdw blurRad="38100" dist="19050" dir="2700000" algn="tl" rotWithShape="0">
+                  <a:schemeClr val="dk1">
+                    <a:alpha val="40000"/>
+                  </a:schemeClr>
+                </a:outerShdw>
+              </a:effectLst>
+              <a:latin typeface="微軟正黑體" panose="020B0604030504040204" pitchFamily="34" charset="-120"/>
+              <a:ea typeface="微軟正黑體" panose="020B0604030504040204" pitchFamily="34" charset="-120"/>
+            </a:endParaRPr>
+          </a:p>
+          <a:p>
+            <a:pPr algn="ctr"/>
+            <a:r>
+              <a:rPr lang="en-US" altLang="zh-TW" dirty="0">
+                <a:ln w="0"/>
+                <a:solidFill>
+                  <a:schemeClr val="bg1"/>
+                </a:solidFill>
+                <a:effectLst>
+                  <a:outerShdw blurRad="38100" dist="19050" dir="2700000" algn="tl" rotWithShape="0">
+                    <a:schemeClr val="dk1">
+                      <a:alpha val="40000"/>
+                    </a:schemeClr>
+                  </a:outerShdw>
+                </a:effectLst>
+                <a:latin typeface="微軟正黑體" panose="020B0604030504040204" pitchFamily="34" charset="-120"/>
+                <a:ea typeface="微軟正黑體" panose="020B0604030504040204" pitchFamily="34" charset="-120"/>
+              </a:rPr>
+              <a:t>+</a:t>
+            </a:r>
+            <a:r>
+              <a:rPr lang="zh-TW" altLang="en-US" dirty="0">
+                <a:ln w="0"/>
+                <a:solidFill>
+                  <a:schemeClr val="bg1"/>
+                </a:solidFill>
+                <a:effectLst>
+                  <a:outerShdw blurRad="38100" dist="19050" dir="2700000" algn="tl" rotWithShape="0">
+                    <a:schemeClr val="dk1">
+                      <a:alpha val="40000"/>
+                    </a:schemeClr>
+                  </a:outerShdw>
+                </a:effectLst>
+                <a:latin typeface="微軟正黑體" panose="020B0604030504040204" pitchFamily="34" charset="-120"/>
+                <a:ea typeface="微軟正黑體" panose="020B0604030504040204" pitchFamily="34" charset="-120"/>
+              </a:rPr>
+              <a:t>取</a:t>
+            </a:r>
+            <a:r>
+              <a:rPr lang="en-US" altLang="zh-TW" dirty="0" err="1">
+                <a:ln w="0"/>
+                <a:solidFill>
+                  <a:schemeClr val="bg1"/>
+                </a:solidFill>
+                <a:effectLst>
+                  <a:outerShdw blurRad="38100" dist="19050" dir="2700000" algn="tl" rotWithShape="0">
+                    <a:schemeClr val="dk1">
+                      <a:alpha val="40000"/>
+                    </a:schemeClr>
+                  </a:outerShdw>
+                </a:effectLst>
+                <a:latin typeface="微軟正黑體" panose="020B0604030504040204" pitchFamily="34" charset="-120"/>
+                <a:ea typeface="微軟正黑體" panose="020B0604030504040204" pitchFamily="34" charset="-120"/>
+              </a:rPr>
+              <a:t>JwtToken</a:t>
+            </a:r>
+            <a:endParaRPr lang="en-US" altLang="zh-TW" dirty="0">
+              <a:ln w="0"/>
+              <a:solidFill>
+                <a:schemeClr val="bg1"/>
+              </a:solidFill>
+              <a:effectLst>
+                <a:outerShdw blurRad="38100" dist="19050" dir="2700000" algn="tl" rotWithShape="0">
+                  <a:schemeClr val="dk1">
+                    <a:alpha val="40000"/>
+                  </a:schemeClr>
+                </a:outerShdw>
+              </a:effectLst>
+              <a:latin typeface="微軟正黑體" panose="020B0604030504040204" pitchFamily="34" charset="-120"/>
+              <a:ea typeface="微軟正黑體" panose="020B0604030504040204" pitchFamily="34" charset="-120"/>
+            </a:endParaRPr>
+          </a:p>
+          <a:p>
+            <a:pPr algn="ctr"/>
+            <a:r>
+              <a:rPr lang="en-US" altLang="zh-TW" dirty="0">
+                <a:ln w="0"/>
+                <a:solidFill>
+                  <a:schemeClr val="bg1"/>
+                </a:solidFill>
+                <a:effectLst>
+                  <a:outerShdw blurRad="38100" dist="19050" dir="2700000" algn="tl" rotWithShape="0">
+                    <a:schemeClr val="dk1">
+                      <a:alpha val="40000"/>
+                    </a:schemeClr>
+                  </a:outerShdw>
+                </a:effectLst>
+                <a:latin typeface="微軟正黑體" panose="020B0604030504040204" pitchFamily="34" charset="-120"/>
+                <a:ea typeface="微軟正黑體" panose="020B0604030504040204" pitchFamily="34" charset="-120"/>
+              </a:rPr>
+              <a:t>+</a:t>
+            </a:r>
+            <a:r>
+              <a:rPr lang="en-US" altLang="zh-TW" dirty="0" err="1">
+                <a:ln w="0"/>
+                <a:solidFill>
+                  <a:schemeClr val="bg1"/>
+                </a:solidFill>
+                <a:effectLst>
+                  <a:outerShdw blurRad="38100" dist="19050" dir="2700000" algn="tl" rotWithShape="0">
+                    <a:schemeClr val="dk1">
+                      <a:alpha val="40000"/>
+                    </a:schemeClr>
+                  </a:outerShdw>
+                </a:effectLst>
+                <a:latin typeface="微軟正黑體" panose="020B0604030504040204" pitchFamily="34" charset="-120"/>
+                <a:ea typeface="微軟正黑體" panose="020B0604030504040204" pitchFamily="34" charset="-120"/>
+              </a:rPr>
+              <a:t>RefreshToken</a:t>
+            </a:r>
+            <a:endParaRPr lang="en-US" altLang="zh-TW" dirty="0">
+              <a:ln w="0"/>
+              <a:solidFill>
+                <a:schemeClr val="bg1"/>
+              </a:solidFill>
+              <a:effectLst>
+                <a:outerShdw blurRad="38100" dist="19050" dir="2700000" algn="tl" rotWithShape="0">
+                  <a:schemeClr val="dk1">
+                    <a:alpha val="40000"/>
+                  </a:schemeClr>
+                </a:outerShdw>
+              </a:effectLst>
+              <a:latin typeface="微軟正黑體" panose="020B0604030504040204" pitchFamily="34" charset="-120"/>
+              <a:ea typeface="微軟正黑體" panose="020B0604030504040204" pitchFamily="34" charset="-120"/>
+            </a:endParaRPr>
+          </a:p>
+          <a:p>
+            <a:pPr algn="ctr"/>
+            <a:r>
+              <a:rPr lang="en-US" altLang="zh-TW" dirty="0">
+                <a:ln w="0"/>
+                <a:solidFill>
+                  <a:schemeClr val="bg1"/>
+                </a:solidFill>
+                <a:effectLst>
+                  <a:outerShdw blurRad="38100" dist="19050" dir="2700000" algn="tl" rotWithShape="0">
+                    <a:schemeClr val="dk1">
+                      <a:alpha val="40000"/>
+                    </a:schemeClr>
+                  </a:outerShdw>
+                </a:effectLst>
+                <a:latin typeface="微軟正黑體" panose="020B0604030504040204" pitchFamily="34" charset="-120"/>
+                <a:ea typeface="微軟正黑體" panose="020B0604030504040204" pitchFamily="34" charset="-120"/>
+              </a:rPr>
+              <a:t>+</a:t>
+            </a:r>
+            <a:r>
+              <a:rPr lang="zh-TW" altLang="en-US" dirty="0">
+                <a:ln w="0"/>
+                <a:solidFill>
+                  <a:schemeClr val="bg1"/>
+                </a:solidFill>
+                <a:effectLst>
+                  <a:outerShdw blurRad="38100" dist="19050" dir="2700000" algn="tl" rotWithShape="0">
+                    <a:schemeClr val="dk1">
+                      <a:alpha val="40000"/>
+                    </a:schemeClr>
+                  </a:outerShdw>
+                </a:effectLst>
+                <a:latin typeface="微軟正黑體" panose="020B0604030504040204" pitchFamily="34" charset="-120"/>
+                <a:ea typeface="微軟正黑體" panose="020B0604030504040204" pitchFamily="34" charset="-120"/>
+              </a:rPr>
+              <a:t>處理</a:t>
+            </a:r>
+            <a:r>
+              <a:rPr lang="en-US" altLang="zh-TW" dirty="0">
+                <a:ln w="0"/>
+                <a:solidFill>
+                  <a:schemeClr val="bg1"/>
+                </a:solidFill>
+                <a:effectLst>
+                  <a:outerShdw blurRad="38100" dist="19050" dir="2700000" algn="tl" rotWithShape="0">
+                    <a:schemeClr val="dk1">
+                      <a:alpha val="40000"/>
+                    </a:schemeClr>
+                  </a:outerShdw>
+                </a:effectLst>
+                <a:latin typeface="微軟正黑體" panose="020B0604030504040204" pitchFamily="34" charset="-120"/>
+                <a:ea typeface="微軟正黑體" panose="020B0604030504040204" pitchFamily="34" charset="-120"/>
+              </a:rPr>
+              <a:t>Token</a:t>
+            </a:r>
+            <a:r>
+              <a:rPr lang="zh-TW" altLang="en-US" dirty="0">
+                <a:ln w="0"/>
+                <a:solidFill>
+                  <a:schemeClr val="bg1"/>
+                </a:solidFill>
+                <a:effectLst>
+                  <a:outerShdw blurRad="38100" dist="19050" dir="2700000" algn="tl" rotWithShape="0">
+                    <a:schemeClr val="dk1">
+                      <a:alpha val="40000"/>
+                    </a:schemeClr>
+                  </a:outerShdw>
+                </a:effectLst>
+                <a:latin typeface="微軟正黑體" panose="020B0604030504040204" pitchFamily="34" charset="-120"/>
+                <a:ea typeface="微軟正黑體" panose="020B0604030504040204" pitchFamily="34" charset="-120"/>
+              </a:rPr>
+              <a:t>生命週期</a:t>
+            </a:r>
+          </a:p>
+        </p:txBody>
+      </p:sp>
+      <p:sp>
+        <p:nvSpPr>
+          <p:cNvPr id="13" name="箭號: 向右 12">
+            <a:extLst>
+              <a:ext uri="{FF2B5EF4-FFF2-40B4-BE49-F238E27FC236}">
+                <a16:creationId xmlns:a16="http://schemas.microsoft.com/office/drawing/2014/main" id="{8114E5AA-EA6A-B3D9-BA55-020E00C86182}"/>
+              </a:ext>
+            </a:extLst>
+          </p:cNvPr>
+          <p:cNvSpPr/>
+          <p:nvPr/>
+        </p:nvSpPr>
+        <p:spPr>
+          <a:xfrm rot="1566798">
+            <a:off x="87020" y="1865888"/>
+            <a:ext cx="1108124" cy="828290"/>
+          </a:xfrm>
+          <a:prstGeom prst="rightArrow">
+            <a:avLst/>
+          </a:prstGeom>
+          <a:solidFill>
+            <a:srgbClr val="FF5050"/>
+          </a:solidFill>
+        </p:spPr>
+        <p:style>
+          <a:lnRef idx="2">
+            <a:schemeClr val="accent1">
+              <a:shade val="15000"/>
+            </a:schemeClr>
+          </a:lnRef>
+          <a:fillRef idx="1">
+            <a:schemeClr val="accent1"/>
+          </a:fillRef>
+          <a:effectRef idx="0">
+            <a:schemeClr val="accent1"/>
+          </a:effectRef>
+          <a:fontRef idx="minor">
+            <a:schemeClr val="lt1"/>
+          </a:fontRef>
+        </p:style>
+        <p:txBody>
+          <a:bodyPr rtlCol="0" anchor="ctr"/>
+          <a:lstStyle/>
+          <a:p>
+            <a:pPr algn="ctr"/>
+            <a:r>
+              <a:rPr lang="zh-TW" altLang="en-US" dirty="0">
+                <a:ln w="0"/>
+                <a:solidFill>
+                  <a:schemeClr val="bg1"/>
+                </a:solidFill>
+                <a:effectLst>
+                  <a:outerShdw blurRad="38100" dist="19050" dir="2700000" algn="tl" rotWithShape="0">
+                    <a:schemeClr val="dk1">
+                      <a:alpha val="40000"/>
+                    </a:schemeClr>
+                  </a:outerShdw>
+                </a:effectLst>
+                <a:latin typeface="微軟正黑體" panose="020B0604030504040204" pitchFamily="34" charset="-120"/>
+                <a:ea typeface="微軟正黑體" panose="020B0604030504040204" pitchFamily="34" charset="-120"/>
+              </a:rPr>
+              <a:t>沒我的事</a:t>
+            </a:r>
+          </a:p>
+        </p:txBody>
+      </p:sp>
+    </p:spTree>
+    <p:extLst>
+      <p:ext uri="{BB962C8B-B14F-4D97-AF65-F5344CB8AC3E}">
+        <p14:creationId xmlns:p14="http://schemas.microsoft.com/office/powerpoint/2010/main" val="2534545242"/>
+      </p:ext>
+    </p:extLst>
+  </p:cSld>
+  <p:clrMapOvr>
+    <a:masterClrMapping/>
+  </p:clrMapOvr>
+</p:sld>
+</file>
+
+<file path=ppt/slides/slide32.xml><?xml version="1.0" encoding="utf-8"?>
 <p:sld xmlns:a="http://schemas.openxmlformats.org/drawingml/2006/main" xmlns:r="http://schemas.openxmlformats.org/officeDocument/2006/relationships" xmlns:p="http://schemas.openxmlformats.org/presentationml/2006/main">
   <p:cSld>
     <p:spTree>
@@ -17616,191 +21515,6 @@
         </p:txBody>
       </p:sp>
     </p:spTree>
-  </p:cSld>
-  <p:clrMapOvr>
-    <a:masterClrMapping/>
-  </p:clrMapOvr>
-</p:sld>
-</file>
-
-<file path=ppt/slides/slide3.xml><?xml version="1.0" encoding="utf-8"?>
-<p:sld xmlns:a="http://schemas.openxmlformats.org/drawingml/2006/main" xmlns:r="http://schemas.openxmlformats.org/officeDocument/2006/relationships" xmlns:p="http://schemas.openxmlformats.org/presentationml/2006/main">
-  <p:cSld>
-    <p:spTree>
-      <p:nvGrpSpPr>
-        <p:cNvPr id="1" name="Shape 45"/>
-        <p:cNvGrpSpPr/>
-        <p:nvPr/>
-      </p:nvGrpSpPr>
-      <p:grpSpPr>
-        <a:xfrm>
-          <a:off x="0" y="0"/>
-          <a:ext cx="0" cy="0"/>
-          <a:chOff x="0" y="0"/>
-          <a:chExt cx="0" cy="0"/>
-        </a:xfrm>
-      </p:grpSpPr>
-      <p:sp>
-        <p:nvSpPr>
-          <p:cNvPr id="46" name="Google Shape;46;p8"/>
-          <p:cNvSpPr txBox="1">
-            <a:spLocks noGrp="1"/>
-          </p:cNvSpPr>
-          <p:nvPr>
-            <p:ph type="title"/>
-          </p:nvPr>
-        </p:nvSpPr>
-        <p:spPr>
-          <a:prstGeom prst="rect">
-            <a:avLst/>
-          </a:prstGeom>
-        </p:spPr>
-        <p:txBody>
-          <a:bodyPr spcFirstLastPara="1" wrap="square" lIns="91425" tIns="91425" rIns="91425" bIns="91425" anchor="t" anchorCtr="0">
-            <a:normAutofit/>
-          </a:bodyPr>
-          <a:lstStyle/>
-          <a:p>
-            <a:pPr marL="0" lvl="0" indent="0" algn="l" rtl="0">
-              <a:spcBef>
-                <a:spcPts val="0"/>
-              </a:spcBef>
-              <a:spcAft>
-                <a:spcPts val="0"/>
-              </a:spcAft>
-              <a:buNone/>
-            </a:pPr>
-            <a:r>
-              <a:rPr lang="zh-TW" altLang="en-US" sz="3600" dirty="0"/>
-              <a:t>關於我</a:t>
-            </a:r>
-          </a:p>
-        </p:txBody>
-      </p:sp>
-      <p:sp>
-        <p:nvSpPr>
-          <p:cNvPr id="47" name="Google Shape;47;p8"/>
-          <p:cNvSpPr txBox="1">
-            <a:spLocks noGrp="1"/>
-          </p:cNvSpPr>
-          <p:nvPr>
-            <p:ph type="body" idx="1"/>
-          </p:nvPr>
-        </p:nvSpPr>
-        <p:spPr>
-          <a:prstGeom prst="rect">
-            <a:avLst/>
-          </a:prstGeom>
-        </p:spPr>
-        <p:txBody>
-          <a:bodyPr spcFirstLastPara="1" wrap="square" lIns="91425" tIns="91425" rIns="91425" bIns="91425" anchor="t" anchorCtr="0">
-            <a:normAutofit/>
-          </a:bodyPr>
-          <a:lstStyle/>
-          <a:p>
-            <a:pPr marL="514350" indent="-514350">
-              <a:spcAft>
-                <a:spcPts val="1200"/>
-              </a:spcAft>
-              <a:buSzPct val="80000"/>
-            </a:pPr>
-            <a:r>
-              <a:rPr lang="zh-TW" altLang="en-US" sz="3200" dirty="0"/>
-              <a:t>張鼎鑫</a:t>
-            </a:r>
-            <a:r>
-              <a:rPr lang="en-US" altLang="zh-TW" sz="3200" dirty="0"/>
-              <a:t>-Rhys</a:t>
-            </a:r>
-          </a:p>
-          <a:p>
-            <a:pPr marL="514350" indent="-514350">
-              <a:spcAft>
-                <a:spcPts val="1200"/>
-              </a:spcAft>
-              <a:buSzPct val="80000"/>
-            </a:pPr>
-            <a:r>
-              <a:rPr lang="zh-TW" altLang="en-US" sz="3200" dirty="0"/>
-              <a:t>松凌科技</a:t>
-            </a:r>
-            <a:endParaRPr lang="en-US" altLang="zh-TW" sz="3200" dirty="0"/>
-          </a:p>
-          <a:p>
-            <a:pPr marL="514350" indent="-514350">
-              <a:spcAft>
-                <a:spcPts val="1200"/>
-              </a:spcAft>
-              <a:buSzPct val="80000"/>
-            </a:pPr>
-            <a:r>
-              <a:rPr lang="zh-TW" altLang="en-US" sz="3200" dirty="0"/>
-              <a:t>技術總監</a:t>
-            </a:r>
-            <a:r>
-              <a:rPr lang="en-US" altLang="zh-TW" sz="3200" dirty="0"/>
-              <a:t>(R&amp;D)</a:t>
-            </a:r>
-          </a:p>
-          <a:p>
-            <a:pPr marL="514350" indent="-514350">
-              <a:spcAft>
-                <a:spcPts val="1200"/>
-              </a:spcAft>
-              <a:buSzPct val="80000"/>
-            </a:pPr>
-            <a:r>
-              <a:rPr lang="en-US" altLang="zh-TW" sz="3200" dirty="0"/>
-              <a:t>Java</a:t>
-            </a:r>
-            <a:r>
-              <a:rPr lang="zh-TW" altLang="en-US" sz="3200" dirty="0"/>
-              <a:t>經歷</a:t>
-            </a:r>
-            <a:r>
-              <a:rPr lang="en-US" altLang="zh-TW" sz="3200" dirty="0"/>
-              <a:t>: 10y</a:t>
-            </a:r>
-            <a:endParaRPr lang="zh-TW" altLang="en-US" sz="3200" dirty="0"/>
-          </a:p>
-        </p:txBody>
-      </p:sp>
-      <p:pic>
-        <p:nvPicPr>
-          <p:cNvPr id="4" name="圖片 3" descr="一張含有 服裝, 人員, 室內, 牆 的圖片&#10;&#10;自動產生的描述">
-            <a:extLst>
-              <a:ext uri="{FF2B5EF4-FFF2-40B4-BE49-F238E27FC236}">
-                <a16:creationId xmlns:a16="http://schemas.microsoft.com/office/drawing/2014/main" id="{8A548853-7B64-A900-5BF8-70C1E226BC92}"/>
-              </a:ext>
-            </a:extLst>
-          </p:cNvPr>
-          <p:cNvPicPr>
-            <a:picLocks noChangeAspect="1"/>
-          </p:cNvPicPr>
-          <p:nvPr/>
-        </p:nvPicPr>
-        <p:blipFill>
-          <a:blip r:embed="rId3"/>
-          <a:stretch>
-            <a:fillRect/>
-          </a:stretch>
-        </p:blipFill>
-        <p:spPr>
-          <a:xfrm>
-            <a:off x="4572000" y="1718186"/>
-            <a:ext cx="3694471" cy="3694471"/>
-          </a:xfrm>
-          <a:prstGeom prst="rect">
-            <a:avLst/>
-          </a:prstGeom>
-        </p:spPr>
-      </p:pic>
-    </p:spTree>
-    <p:extLst>
-      <p:ext uri="{BB962C8B-B14F-4D97-AF65-F5344CB8AC3E}">
-        <p14:creationId xmlns:p14="http://schemas.microsoft.com/office/powerpoint/2010/main" val="952812996"/>
-      </p:ext>
-    </p:extLst>
   </p:cSld>
   <p:clrMapOvr>
     <a:masterClrMapping/>
